--- a/presentation/jQuery.pptx
+++ b/presentation/jQuery.pptx
@@ -1,56 +1,70 @@
 
 <file path=ppt/presentation.xml><?xml version="1.0" encoding="utf-8"?>
-<p:presentation xmlns:a="http://schemas.openxmlformats.org/drawingml/2006/main" xmlns:r="http://schemas.openxmlformats.org/officeDocument/2006/relationships" xmlns:p="http://schemas.openxmlformats.org/presentationml/2006/main">
+<p:presentation xmlns:a="http://schemas.openxmlformats.org/drawingml/2006/main" xmlns:r="http://schemas.openxmlformats.org/officeDocument/2006/relationships" xmlns:p="http://schemas.openxmlformats.org/presentationml/2006/main" saveSubsetFonts="1">
   <p:sldMasterIdLst>
     <p:sldMasterId id="2147483648" r:id="rId1"/>
   </p:sldMasterIdLst>
   <p:notesMasterIdLst>
-    <p:notesMasterId r:id="rId45"/>
+    <p:notesMasterId r:id="rId59"/>
   </p:notesMasterIdLst>
   <p:sldIdLst>
     <p:sldId id="256" r:id="rId2"/>
-    <p:sldId id="257" r:id="rId3"/>
-    <p:sldId id="258" r:id="rId4"/>
-    <p:sldId id="259" r:id="rId5"/>
-    <p:sldId id="260" r:id="rId6"/>
-    <p:sldId id="261" r:id="rId7"/>
-    <p:sldId id="262" r:id="rId8"/>
-    <p:sldId id="263" r:id="rId9"/>
-    <p:sldId id="264" r:id="rId10"/>
-    <p:sldId id="265" r:id="rId11"/>
-    <p:sldId id="266" r:id="rId12"/>
-    <p:sldId id="267" r:id="rId13"/>
-    <p:sldId id="268" r:id="rId14"/>
-    <p:sldId id="269" r:id="rId15"/>
-    <p:sldId id="270" r:id="rId16"/>
-    <p:sldId id="271" r:id="rId17"/>
-    <p:sldId id="272" r:id="rId18"/>
-    <p:sldId id="273" r:id="rId19"/>
-    <p:sldId id="274" r:id="rId20"/>
-    <p:sldId id="275" r:id="rId21"/>
-    <p:sldId id="276" r:id="rId22"/>
-    <p:sldId id="277" r:id="rId23"/>
-    <p:sldId id="278" r:id="rId24"/>
-    <p:sldId id="279" r:id="rId25"/>
-    <p:sldId id="280" r:id="rId26"/>
-    <p:sldId id="281" r:id="rId27"/>
-    <p:sldId id="282" r:id="rId28"/>
-    <p:sldId id="283" r:id="rId29"/>
-    <p:sldId id="284" r:id="rId30"/>
-    <p:sldId id="285" r:id="rId31"/>
-    <p:sldId id="286" r:id="rId32"/>
-    <p:sldId id="287" r:id="rId33"/>
-    <p:sldId id="288" r:id="rId34"/>
-    <p:sldId id="289" r:id="rId35"/>
-    <p:sldId id="290" r:id="rId36"/>
-    <p:sldId id="291" r:id="rId37"/>
-    <p:sldId id="292" r:id="rId38"/>
-    <p:sldId id="293" r:id="rId39"/>
-    <p:sldId id="294" r:id="rId40"/>
-    <p:sldId id="295" r:id="rId41"/>
-    <p:sldId id="296" r:id="rId42"/>
-    <p:sldId id="297" r:id="rId43"/>
-    <p:sldId id="298" r:id="rId44"/>
+    <p:sldId id="300" r:id="rId3"/>
+    <p:sldId id="301" r:id="rId4"/>
+    <p:sldId id="257" r:id="rId5"/>
+    <p:sldId id="258" r:id="rId6"/>
+    <p:sldId id="259" r:id="rId7"/>
+    <p:sldId id="260" r:id="rId8"/>
+    <p:sldId id="261" r:id="rId9"/>
+    <p:sldId id="262" r:id="rId10"/>
+    <p:sldId id="263" r:id="rId11"/>
+    <p:sldId id="264" r:id="rId12"/>
+    <p:sldId id="265" r:id="rId13"/>
+    <p:sldId id="266" r:id="rId14"/>
+    <p:sldId id="267" r:id="rId15"/>
+    <p:sldId id="268" r:id="rId16"/>
+    <p:sldId id="269" r:id="rId17"/>
+    <p:sldId id="270" r:id="rId18"/>
+    <p:sldId id="302" r:id="rId19"/>
+    <p:sldId id="303" r:id="rId20"/>
+    <p:sldId id="304" r:id="rId21"/>
+    <p:sldId id="305" r:id="rId22"/>
+    <p:sldId id="306" r:id="rId23"/>
+    <p:sldId id="307" r:id="rId24"/>
+    <p:sldId id="308" r:id="rId25"/>
+    <p:sldId id="309" r:id="rId26"/>
+    <p:sldId id="310" r:id="rId27"/>
+    <p:sldId id="311" r:id="rId28"/>
+    <p:sldId id="312" r:id="rId29"/>
+    <p:sldId id="313" r:id="rId30"/>
+    <p:sldId id="314" r:id="rId31"/>
+    <p:sldId id="272" r:id="rId32"/>
+    <p:sldId id="273" r:id="rId33"/>
+    <p:sldId id="274" r:id="rId34"/>
+    <p:sldId id="275" r:id="rId35"/>
+    <p:sldId id="276" r:id="rId36"/>
+    <p:sldId id="277" r:id="rId37"/>
+    <p:sldId id="278" r:id="rId38"/>
+    <p:sldId id="279" r:id="rId39"/>
+    <p:sldId id="280" r:id="rId40"/>
+    <p:sldId id="281" r:id="rId41"/>
+    <p:sldId id="282" r:id="rId42"/>
+    <p:sldId id="283" r:id="rId43"/>
+    <p:sldId id="284" r:id="rId44"/>
+    <p:sldId id="285" r:id="rId45"/>
+    <p:sldId id="286" r:id="rId46"/>
+    <p:sldId id="287" r:id="rId47"/>
+    <p:sldId id="288" r:id="rId48"/>
+    <p:sldId id="289" r:id="rId49"/>
+    <p:sldId id="290" r:id="rId50"/>
+    <p:sldId id="291" r:id="rId51"/>
+    <p:sldId id="292" r:id="rId52"/>
+    <p:sldId id="293" r:id="rId53"/>
+    <p:sldId id="294" r:id="rId54"/>
+    <p:sldId id="295" r:id="rId55"/>
+    <p:sldId id="296" r:id="rId56"/>
+    <p:sldId id="297" r:id="rId57"/>
+    <p:sldId id="298" r:id="rId58"/>
   </p:sldIdLst>
   <p:sldSz cx="13004800" cy="9753600"/>
   <p:notesSz cx="6858000" cy="9144000"/>
@@ -352,6 +366,22 @@
       </a:defRPr>
     </a:lvl9pPr>
   </p:defaultTextStyle>
+  <p:extLst>
+    <p:ext uri="{EFAFB233-063F-42B5-8137-9DF3F51BA10A}">
+      <p15:sldGuideLst xmlns:p15="http://schemas.microsoft.com/office/powerpoint/2012/main">
+        <p15:guide id="1" orient="horz" pos="3072">
+          <p15:clr>
+            <a:srgbClr val="A4A3A4"/>
+          </p15:clr>
+        </p15:guide>
+        <p15:guide id="2" pos="4096">
+          <p15:clr>
+            <a:srgbClr val="A4A3A4"/>
+          </p15:clr>
+        </p15:guide>
+      </p15:sldGuideLst>
+    </p:ext>
+  </p:extLst>
 </p:presentation>
 </file>
 
@@ -543,6 +573,67 @@
 </p:notesMaster>
 </file>
 
+<file path=ppt/notesSlides/notesSlide1.xml><?xml version="1.0" encoding="utf-8"?>
+<p:notes xmlns:a="http://schemas.openxmlformats.org/drawingml/2006/main" xmlns:r="http://schemas.openxmlformats.org/officeDocument/2006/relationships" xmlns:p="http://schemas.openxmlformats.org/presentationml/2006/main">
+  <p:cSld>
+    <p:spTree>
+      <p:nvGrpSpPr>
+        <p:cNvPr id="1" name=""/>
+        <p:cNvGrpSpPr/>
+        <p:nvPr/>
+      </p:nvGrpSpPr>
+      <p:grpSpPr>
+        <a:xfrm>
+          <a:off x="0" y="0"/>
+          <a:ext cx="0" cy="0"/>
+          <a:chOff x="0" y="0"/>
+          <a:chExt cx="0" cy="0"/>
+        </a:xfrm>
+      </p:grpSpPr>
+      <p:sp>
+        <p:nvSpPr>
+          <p:cNvPr id="2" name="Slide Image Placeholder 1"/>
+          <p:cNvSpPr>
+            <a:spLocks noGrp="1" noRot="1" noChangeAspect="1"/>
+          </p:cNvSpPr>
+          <p:nvPr>
+            <p:ph type="sldImg"/>
+          </p:nvPr>
+        </p:nvSpPr>
+        <p:spPr/>
+      </p:sp>
+      <p:sp>
+        <p:nvSpPr>
+          <p:cNvPr id="3" name="Notes Placeholder 2"/>
+          <p:cNvSpPr>
+            <a:spLocks noGrp="1"/>
+          </p:cNvSpPr>
+          <p:nvPr>
+            <p:ph type="body" idx="1"/>
+          </p:nvPr>
+        </p:nvSpPr>
+        <p:spPr/>
+        <p:txBody>
+          <a:bodyPr/>
+          <a:lstStyle/>
+          <a:p>
+            <a:endParaRPr lang="en-US" dirty="0"/>
+          </a:p>
+        </p:txBody>
+      </p:sp>
+    </p:spTree>
+    <p:extLst>
+      <p:ext uri="{BB962C8B-B14F-4D97-AF65-F5344CB8AC3E}">
+        <p14:creationId xmlns:p14="http://schemas.microsoft.com/office/powerpoint/2010/main" val="916418413"/>
+      </p:ext>
+    </p:extLst>
+  </p:cSld>
+  <p:clrMapOvr>
+    <a:masterClrMapping/>
+  </p:clrMapOvr>
+</p:notes>
+</file>
+
 <file path=ppt/slideLayouts/slideLayout1.xml><?xml version="1.0" encoding="utf-8"?>
 <p:sldLayout xmlns:a="http://schemas.openxmlformats.org/drawingml/2006/main" xmlns:r="http://schemas.openxmlformats.org/officeDocument/2006/relationships" xmlns:p="http://schemas.openxmlformats.org/presentationml/2006/main" type="title">
   <p:cSld name="Title &amp; Subtitle">
@@ -729,7 +820,7 @@
   <p:clrMapOvr>
     <a:masterClrMapping/>
   </p:clrMapOvr>
-  <p:transition xmlns:p14="http://schemas.microsoft.com/office/powerpoint/2010/main" spd="med"/>
+  <p:transition spd="med"/>
 </p:sldLayout>
 </file>
 
@@ -920,7 +1011,7 @@
   <p:clrMapOvr>
     <a:masterClrMapping/>
   </p:clrMapOvr>
-  <p:transition xmlns:p14="http://schemas.microsoft.com/office/powerpoint/2010/main" spd="med"/>
+  <p:transition spd="med"/>
 </p:sldLayout>
 </file>
 
@@ -1001,59 +1092,7 @@
   <p:clrMapOvr>
     <a:masterClrMapping/>
   </p:clrMapOvr>
-  <p:transition xmlns:p14="http://schemas.microsoft.com/office/powerpoint/2010/main" spd="med"/>
-</p:sldLayout>
-</file>
-
-<file path=ppt/slideLayouts/slideLayout12.xml><?xml version="1.0" encoding="utf-8"?>
-<p:sldLayout xmlns:a="http://schemas.openxmlformats.org/drawingml/2006/main" xmlns:r="http://schemas.openxmlformats.org/officeDocument/2006/relationships" xmlns:p="http://schemas.openxmlformats.org/presentationml/2006/main" type="tx">
-  <p:cSld name="Blank">
-    <p:spTree>
-      <p:nvGrpSpPr>
-        <p:cNvPr id="1" name=""/>
-        <p:cNvGrpSpPr/>
-        <p:nvPr/>
-      </p:nvGrpSpPr>
-      <p:grpSpPr>
-        <a:xfrm>
-          <a:off x="0" y="0"/>
-          <a:ext cx="0" cy="0"/>
-          <a:chOff x="0" y="0"/>
-          <a:chExt cx="0" cy="0"/>
-        </a:xfrm>
-      </p:grpSpPr>
-      <p:sp>
-        <p:nvSpPr>
-          <p:cNvPr id="110" name="Slide Number"/>
-          <p:cNvSpPr>
-            <a:spLocks noGrp="1"/>
-          </p:cNvSpPr>
-          <p:nvPr>
-            <p:ph type="sldNum" sz="quarter" idx="2"/>
-          </p:nvPr>
-        </p:nvSpPr>
-        <p:spPr>
-          <a:prstGeom prst="rect">
-            <a:avLst/>
-          </a:prstGeom>
-        </p:spPr>
-        <p:txBody>
-          <a:bodyPr/>
-          <a:lstStyle/>
-          <a:p>
-            <a:fld id="{86CB4B4D-7CA3-9044-876B-883B54F8677D}" type="slidenum">
-              <a:t>‹#›</a:t>
-            </a:fld>
-            <a:endParaRPr/>
-          </a:p>
-        </p:txBody>
-      </p:sp>
-    </p:spTree>
-  </p:cSld>
-  <p:clrMapOvr>
-    <a:masterClrMapping/>
-  </p:clrMapOvr>
-  <p:transition xmlns:p14="http://schemas.microsoft.com/office/powerpoint/2010/main" spd="med"/>
+  <p:transition spd="med"/>
 </p:sldLayout>
 </file>
 
@@ -1272,7 +1311,7 @@
   <p:clrMapOvr>
     <a:masterClrMapping/>
   </p:clrMapOvr>
-  <p:transition xmlns:p14="http://schemas.microsoft.com/office/powerpoint/2010/main" spd="med"/>
+  <p:transition spd="med"/>
 </p:sldLayout>
 </file>
 
@@ -1353,7 +1392,7 @@
   <p:clrMapOvr>
     <a:masterClrMapping/>
   </p:clrMapOvr>
-  <p:transition xmlns:p14="http://schemas.microsoft.com/office/powerpoint/2010/main" spd="med"/>
+  <p:transition spd="med"/>
 </p:sldLayout>
 </file>
 
@@ -1572,7 +1611,7 @@
   <p:clrMapOvr>
     <a:masterClrMapping/>
   </p:clrMapOvr>
-  <p:transition xmlns:p14="http://schemas.microsoft.com/office/powerpoint/2010/main" spd="med"/>
+  <p:transition spd="med"/>
 </p:sldLayout>
 </file>
 
@@ -1649,7 +1688,7 @@
   <p:clrMapOvr>
     <a:masterClrMapping/>
   </p:clrMapOvr>
-  <p:transition xmlns:p14="http://schemas.microsoft.com/office/powerpoint/2010/main" spd="med"/>
+  <p:transition spd="med"/>
 </p:sldLayout>
 </file>
 
@@ -1775,7 +1814,7 @@
   <p:clrMapOvr>
     <a:masterClrMapping/>
   </p:clrMapOvr>
-  <p:transition xmlns:p14="http://schemas.microsoft.com/office/powerpoint/2010/main" spd="med"/>
+  <p:transition spd="med"/>
 </p:sldLayout>
 </file>
 
@@ -1980,7 +2019,7 @@
   <p:clrMapOvr>
     <a:masterClrMapping/>
   </p:clrMapOvr>
-  <p:transition xmlns:p14="http://schemas.microsoft.com/office/powerpoint/2010/main" spd="med"/>
+  <p:transition spd="med"/>
 </p:sldLayout>
 </file>
 
@@ -2085,7 +2124,7 @@
   <p:clrMapOvr>
     <a:masterClrMapping/>
   </p:clrMapOvr>
-  <p:transition xmlns:p14="http://schemas.microsoft.com/office/powerpoint/2010/main" spd="med"/>
+  <p:transition spd="med"/>
 </p:sldLayout>
 </file>
 
@@ -2224,7 +2263,7 @@
   <p:clrMapOvr>
     <a:masterClrMapping/>
   </p:clrMapOvr>
-  <p:transition xmlns:p14="http://schemas.microsoft.com/office/powerpoint/2010/main" spd="med"/>
+  <p:transition spd="med"/>
 </p:sldLayout>
 </file>
 
@@ -2234,7 +2273,7 @@
     <p:bg>
       <p:bgPr>
         <a:blipFill rotWithShape="1">
-          <a:blip r:embed="rId14"/>
+          <a:blip r:embed="rId13"/>
           <a:srcRect/>
           <a:stretch>
             <a:fillRect/>
@@ -2413,9 +2452,8 @@
     <p:sldLayoutId id="2147483657" r:id="rId9"/>
     <p:sldLayoutId id="2147483658" r:id="rId10"/>
     <p:sldLayoutId id="2147483659" r:id="rId11"/>
-    <p:sldLayoutId id="2147483660" r:id="rId12"/>
   </p:sldLayoutIdLst>
-  <p:transition xmlns:p14="http://schemas.microsoft.com/office/powerpoint/2010/main" spd="med"/>
+  <p:transition spd="med"/>
   <p:txStyles>
     <p:titleStyle>
       <a:lvl1pPr marL="0" marR="0" indent="0" algn="ctr" defTabSz="584200" rtl="0" latinLnBrk="0">
@@ -3319,11 +3357,547 @@
   <p:clrMapOvr>
     <a:masterClrMapping/>
   </p:clrMapOvr>
-  <p:transition xmlns:p14="http://schemas.microsoft.com/office/powerpoint/2010/main" spd="med"/>
+  <p:transition spd="med"/>
+  <p:timing>
+    <p:tnLst>
+      <p:par>
+        <p:cTn id="1" dur="indefinite" restart="never" nodeType="tmRoot"/>
+      </p:par>
+    </p:tnLst>
+  </p:timing>
 </p:sld>
 </file>
 
 <file path=ppt/slides/slide10.xml><?xml version="1.0" encoding="utf-8"?>
+<p:sld xmlns:a="http://schemas.openxmlformats.org/drawingml/2006/main" xmlns:r="http://schemas.openxmlformats.org/officeDocument/2006/relationships" xmlns:p="http://schemas.openxmlformats.org/presentationml/2006/main">
+  <p:cSld>
+    <p:spTree>
+      <p:nvGrpSpPr>
+        <p:cNvPr id="1" name=""/>
+        <p:cNvGrpSpPr/>
+        <p:nvPr/>
+      </p:nvGrpSpPr>
+      <p:grpSpPr>
+        <a:xfrm>
+          <a:off x="0" y="0"/>
+          <a:ext cx="0" cy="0"/>
+          <a:chOff x="0" y="0"/>
+          <a:chExt cx="0" cy="0"/>
+        </a:xfrm>
+      </p:grpSpPr>
+      <p:sp>
+        <p:nvSpPr>
+          <p:cNvPr id="147" name="Modifying the DOM"/>
+          <p:cNvSpPr>
+            <a:spLocks noGrp="1"/>
+          </p:cNvSpPr>
+          <p:nvPr>
+            <p:ph type="title"/>
+          </p:nvPr>
+        </p:nvSpPr>
+        <p:spPr>
+          <a:prstGeom prst="rect">
+            <a:avLst/>
+          </a:prstGeom>
+        </p:spPr>
+        <p:txBody>
+          <a:bodyPr/>
+          <a:lstStyle/>
+          <a:p>
+            <a:r>
+              <a:t>Tree Example (count.)</a:t>
+            </a:r>
+          </a:p>
+        </p:txBody>
+      </p:sp>
+      <p:sp>
+        <p:nvSpPr>
+          <p:cNvPr id="148" name="$(“div .university”); //=&gt;the span node under the div in class university…"/>
+          <p:cNvSpPr/>
+          <p:nvPr/>
+        </p:nvSpPr>
+        <p:spPr>
+          <a:xfrm>
+            <a:off x="944363" y="2485504"/>
+            <a:ext cx="11116074" cy="4782592"/>
+          </a:xfrm>
+          <a:prstGeom prst="rect">
+            <a:avLst/>
+          </a:prstGeom>
+          <a:solidFill>
+            <a:schemeClr val="accent6">
+              <a:satOff val="-3096"/>
+              <a:lumOff val="14117"/>
+              <a:alpha val="50000"/>
+            </a:schemeClr>
+          </a:solidFill>
+          <a:ln w="12700">
+            <a:miter lim="400000"/>
+          </a:ln>
+          <a:extLst>
+            <a:ext uri="{C572A759-6A51-4108-AA02-DFA0A04FC94B}">
+              <ma14:wrappingTextBoxFlag xmlns:ma14="http://schemas.microsoft.com/office/mac/drawingml/2011/main" val="1"/>
+            </a:ext>
+          </a:extLst>
+        </p:spPr>
+        <p:txBody>
+          <a:bodyPr lIns="50800" tIns="50800" rIns="50800" bIns="50800" anchor="ctr">
+            <a:spAutoFit/>
+          </a:bodyPr>
+          <a:lstStyle/>
+          <a:p>
+            <a:pPr algn="l">
+              <a:defRPr sz="2200">
+                <a:latin typeface="+mn-lt"/>
+                <a:ea typeface="+mn-ea"/>
+                <a:cs typeface="+mn-cs"/>
+                <a:sym typeface="Consolas"/>
+              </a:defRPr>
+            </a:pPr>
+            <a:endParaRPr/>
+          </a:p>
+          <a:p>
+            <a:pPr algn="l">
+              <a:defRPr sz="2200">
+                <a:latin typeface="+mn-lt"/>
+                <a:ea typeface="+mn-ea"/>
+                <a:cs typeface="+mn-cs"/>
+                <a:sym typeface="Consolas"/>
+              </a:defRPr>
+            </a:pPr>
+            <a:r>
+              <a:t>$(“div .university”); </a:t>
+            </a:r>
+            <a:r>
+              <a:rPr sz="2000" b="1"/>
+              <a:t>//=&gt;the span node under the div in class university</a:t>
+            </a:r>
+          </a:p>
+          <a:p>
+            <a:pPr algn="l">
+              <a:defRPr sz="2200">
+                <a:latin typeface="+mn-lt"/>
+                <a:ea typeface="+mn-ea"/>
+                <a:cs typeface="+mn-cs"/>
+                <a:sym typeface="Consolas"/>
+              </a:defRPr>
+            </a:pPr>
+            <a:endParaRPr sz="2000" b="1"/>
+          </a:p>
+          <a:p>
+            <a:pPr algn="l">
+              <a:defRPr sz="2200">
+                <a:latin typeface="+mn-lt"/>
+                <a:ea typeface="+mn-ea"/>
+                <a:cs typeface="+mn-cs"/>
+                <a:sym typeface="Consolas"/>
+              </a:defRPr>
+            </a:pPr>
+            <a:r>
+              <a:t>$(“.university”); </a:t>
+            </a:r>
+            <a:r>
+              <a:rPr sz="2000" b="1"/>
+              <a:t>//=&gt; A collection of all nodes in class university</a:t>
+            </a:r>
+          </a:p>
+          <a:p>
+            <a:pPr algn="l">
+              <a:defRPr sz="2200">
+                <a:latin typeface="+mn-lt"/>
+                <a:ea typeface="+mn-ea"/>
+                <a:cs typeface="+mn-cs"/>
+                <a:sym typeface="Consolas"/>
+              </a:defRPr>
+            </a:pPr>
+            <a:endParaRPr sz="2000" b="1"/>
+          </a:p>
+          <a:p>
+            <a:pPr algn="l">
+              <a:defRPr sz="2200">
+                <a:latin typeface="+mn-lt"/>
+                <a:ea typeface="+mn-ea"/>
+                <a:cs typeface="+mn-cs"/>
+                <a:sym typeface="Consolas"/>
+              </a:defRPr>
+            </a:pPr>
+            <a:r>
+              <a:t>$(“body h2”); </a:t>
+            </a:r>
+            <a:r>
+              <a:rPr sz="2000" b="1"/>
+              <a:t>//=&gt; ALL H2 nodes under BODY</a:t>
+            </a:r>
+          </a:p>
+          <a:p>
+            <a:pPr algn="l">
+              <a:defRPr sz="2200">
+                <a:latin typeface="+mn-lt"/>
+                <a:ea typeface="+mn-ea"/>
+                <a:cs typeface="+mn-cs"/>
+                <a:sym typeface="Consolas"/>
+              </a:defRPr>
+            </a:pPr>
+            <a:endParaRPr sz="2000"/>
+          </a:p>
+          <a:p>
+            <a:pPr algn="l">
+              <a:defRPr sz="2200">
+                <a:latin typeface="+mn-lt"/>
+                <a:ea typeface="+mn-ea"/>
+                <a:cs typeface="+mn-cs"/>
+                <a:sym typeface="Consolas"/>
+              </a:defRPr>
+            </a:pPr>
+            <a:r>
+              <a:t>$(“body &gt; h2”); </a:t>
+            </a:r>
+            <a:r>
+              <a:rPr sz="2000" b="1"/>
+              <a:t>//=&gt; the H2 that is a direct child of BODY</a:t>
+            </a:r>
+          </a:p>
+          <a:p>
+            <a:pPr algn="l">
+              <a:defRPr sz="2200">
+                <a:latin typeface="+mn-lt"/>
+                <a:ea typeface="+mn-ea"/>
+                <a:cs typeface="+mn-cs"/>
+                <a:sym typeface="Consolas"/>
+              </a:defRPr>
+            </a:pPr>
+            <a:endParaRPr sz="2000" b="1"/>
+          </a:p>
+          <a:p>
+            <a:pPr algn="l">
+              <a:defRPr sz="2200">
+                <a:latin typeface="+mn-lt"/>
+                <a:ea typeface="+mn-ea"/>
+                <a:cs typeface="+mn-cs"/>
+                <a:sym typeface="Consolas"/>
+              </a:defRPr>
+            </a:pPr>
+            <a:r>
+              <a:t>$(“p.draft:nth-child(2)”); </a:t>
+            </a:r>
+            <a:r>
+              <a:rPr sz="2000" b="1"/>
+              <a:t>//=&gt; the IMG node which is the second child </a:t>
+            </a:r>
+            <a:r>
+              <a:rPr b="1"/>
+              <a:t>of </a:t>
+            </a:r>
+          </a:p>
+          <a:p>
+            <a:pPr lvl="8" indent="1828800" algn="l">
+              <a:defRPr sz="2200">
+                <a:latin typeface="+mn-lt"/>
+                <a:ea typeface="+mn-ea"/>
+                <a:cs typeface="+mn-cs"/>
+                <a:sym typeface="Consolas"/>
+              </a:defRPr>
+            </a:pPr>
+            <a:r>
+              <a:rPr b="1"/>
+              <a:t>                    the P tag in the class draft</a:t>
+            </a:r>
+          </a:p>
+          <a:p>
+            <a:pPr lvl="8" indent="1828800" algn="l">
+              <a:defRPr sz="2200">
+                <a:latin typeface="+mn-lt"/>
+                <a:ea typeface="+mn-ea"/>
+                <a:cs typeface="+mn-cs"/>
+                <a:sym typeface="Consolas"/>
+              </a:defRPr>
+            </a:pPr>
+            <a:endParaRPr b="1"/>
+          </a:p>
+          <a:p>
+            <a:pPr algn="l">
+              <a:defRPr sz="2200">
+                <a:latin typeface="+mn-lt"/>
+                <a:ea typeface="+mn-ea"/>
+                <a:cs typeface="+mn-cs"/>
+                <a:sym typeface="Consolas"/>
+              </a:defRPr>
+            </a:pPr>
+            <a:r>
+              <a:t>$(“div h2,p”); </a:t>
+            </a:r>
+            <a:r>
+              <a:rPr sz="2000" b="1"/>
+              <a:t>//=&gt; Collection of the H2 node and the P node under the div</a:t>
+            </a:r>
+          </a:p>
+          <a:p>
+            <a:pPr algn="l">
+              <a:defRPr sz="2200">
+                <a:latin typeface="+mn-lt"/>
+                <a:ea typeface="+mn-ea"/>
+                <a:cs typeface="+mn-cs"/>
+                <a:sym typeface="Consolas"/>
+              </a:defRPr>
+            </a:pPr>
+            <a:endParaRPr sz="2000" b="1"/>
+          </a:p>
+        </p:txBody>
+      </p:sp>
+    </p:spTree>
+  </p:cSld>
+  <p:clrMapOvr>
+    <a:masterClrMapping/>
+  </p:clrMapOvr>
+  <p:transition spd="med"/>
+</p:sld>
+</file>
+
+<file path=ppt/slides/slide11.xml><?xml version="1.0" encoding="utf-8"?>
+<p:sld xmlns:a="http://schemas.openxmlformats.org/drawingml/2006/main" xmlns:r="http://schemas.openxmlformats.org/officeDocument/2006/relationships" xmlns:p="http://schemas.openxmlformats.org/presentationml/2006/main">
+  <p:cSld>
+    <p:spTree>
+      <p:nvGrpSpPr>
+        <p:cNvPr id="1" name=""/>
+        <p:cNvGrpSpPr/>
+        <p:nvPr/>
+      </p:nvGrpSpPr>
+      <p:grpSpPr>
+        <a:xfrm>
+          <a:off x="0" y="0"/>
+          <a:ext cx="0" cy="0"/>
+          <a:chOff x="0" y="0"/>
+          <a:chExt cx="0" cy="0"/>
+        </a:xfrm>
+      </p:grpSpPr>
+      <p:sp>
+        <p:nvSpPr>
+          <p:cNvPr id="150" name="Modifying the DOM"/>
+          <p:cNvSpPr>
+            <a:spLocks noGrp="1"/>
+          </p:cNvSpPr>
+          <p:nvPr>
+            <p:ph type="title"/>
+          </p:nvPr>
+        </p:nvSpPr>
+        <p:spPr>
+          <a:prstGeom prst="rect">
+            <a:avLst/>
+          </a:prstGeom>
+        </p:spPr>
+        <p:txBody>
+          <a:bodyPr/>
+          <a:lstStyle/>
+          <a:p>
+            <a:r>
+              <a:t>Tree Example Code rewritten</a:t>
+            </a:r>
+          </a:p>
+        </p:txBody>
+      </p:sp>
+      <p:sp>
+        <p:nvSpPr>
+          <p:cNvPr id="151" name="$(“div”).find(“.university”);…"/>
+          <p:cNvSpPr/>
+          <p:nvPr/>
+        </p:nvSpPr>
+        <p:spPr>
+          <a:xfrm>
+            <a:off x="1119361" y="2572394"/>
+            <a:ext cx="10766078" cy="4608812"/>
+          </a:xfrm>
+          <a:prstGeom prst="rect">
+            <a:avLst/>
+          </a:prstGeom>
+          <a:solidFill>
+            <a:schemeClr val="accent6">
+              <a:satOff val="-3096"/>
+              <a:lumOff val="14117"/>
+              <a:alpha val="50000"/>
+            </a:schemeClr>
+          </a:solidFill>
+          <a:ln w="12700">
+            <a:miter lim="400000"/>
+          </a:ln>
+          <a:extLst>
+            <a:ext uri="{C572A759-6A51-4108-AA02-DFA0A04FC94B}">
+              <ma14:wrappingTextBoxFlag xmlns:ma14="http://schemas.microsoft.com/office/mac/drawingml/2011/main" val="1"/>
+            </a:ext>
+          </a:extLst>
+        </p:spPr>
+        <p:txBody>
+          <a:bodyPr lIns="50800" tIns="50800" rIns="50800" bIns="50800" anchor="ctr">
+            <a:spAutoFit/>
+          </a:bodyPr>
+          <a:lstStyle/>
+          <a:p>
+            <a:pPr algn="l">
+              <a:defRPr sz="2400">
+                <a:latin typeface="+mn-lt"/>
+                <a:ea typeface="+mn-ea"/>
+                <a:cs typeface="+mn-cs"/>
+                <a:sym typeface="Consolas"/>
+              </a:defRPr>
+            </a:pPr>
+            <a:endParaRPr/>
+          </a:p>
+          <a:p>
+            <a:pPr algn="l">
+              <a:defRPr sz="2400">
+                <a:latin typeface="+mn-lt"/>
+                <a:ea typeface="+mn-ea"/>
+                <a:cs typeface="+mn-cs"/>
+                <a:sym typeface="Consolas"/>
+              </a:defRPr>
+            </a:pPr>
+            <a:r>
+              <a:t>$(“div”).find(“.university”);</a:t>
+            </a:r>
+          </a:p>
+          <a:p>
+            <a:pPr algn="l">
+              <a:defRPr sz="2400">
+                <a:latin typeface="+mn-lt"/>
+                <a:ea typeface="+mn-ea"/>
+                <a:cs typeface="+mn-cs"/>
+                <a:sym typeface="Consolas"/>
+              </a:defRPr>
+            </a:pPr>
+            <a:endParaRPr/>
+          </a:p>
+          <a:p>
+            <a:pPr algn="l">
+              <a:defRPr sz="2400">
+                <a:latin typeface="+mn-lt"/>
+                <a:ea typeface="+mn-ea"/>
+                <a:cs typeface="+mn-cs"/>
+                <a:sym typeface="Consolas"/>
+              </a:defRPr>
+            </a:pPr>
+            <a:r>
+              <a:t>$(“.university”); </a:t>
+            </a:r>
+            <a:r>
+              <a:rPr sz="2000" b="1"/>
+              <a:t>// This wouldn’t change because there is only one tag</a:t>
+            </a:r>
+          </a:p>
+          <a:p>
+            <a:pPr algn="l">
+              <a:defRPr sz="2400">
+                <a:latin typeface="+mn-lt"/>
+                <a:ea typeface="+mn-ea"/>
+                <a:cs typeface="+mn-cs"/>
+                <a:sym typeface="Consolas"/>
+              </a:defRPr>
+            </a:pPr>
+            <a:endParaRPr sz="2000" b="1"/>
+          </a:p>
+          <a:p>
+            <a:pPr algn="l">
+              <a:defRPr sz="2400">
+                <a:latin typeface="+mn-lt"/>
+                <a:ea typeface="+mn-ea"/>
+                <a:cs typeface="+mn-cs"/>
+                <a:sym typeface="Consolas"/>
+              </a:defRPr>
+            </a:pPr>
+            <a:r>
+              <a:t>$(“body”).find(“h2”); </a:t>
+            </a:r>
+            <a:r>
+              <a:rPr sz="2000" b="1"/>
+              <a:t>// Recall that this gets all children</a:t>
+            </a:r>
+          </a:p>
+          <a:p>
+            <a:pPr algn="l">
+              <a:defRPr sz="2400">
+                <a:latin typeface="+mn-lt"/>
+                <a:ea typeface="+mn-ea"/>
+                <a:cs typeface="+mn-cs"/>
+                <a:sym typeface="Consolas"/>
+              </a:defRPr>
+            </a:pPr>
+            <a:endParaRPr sz="2000" b="1"/>
+          </a:p>
+          <a:p>
+            <a:pPr algn="l">
+              <a:defRPr sz="2400">
+                <a:latin typeface="+mn-lt"/>
+                <a:ea typeface="+mn-ea"/>
+                <a:cs typeface="+mn-cs"/>
+                <a:sym typeface="Consolas"/>
+              </a:defRPr>
+            </a:pPr>
+            <a:r>
+              <a:t>$(“body”).children(“h2”); </a:t>
+            </a:r>
+            <a:r>
+              <a:rPr sz="2000" b="1"/>
+              <a:t>// This will get only DIRECT children</a:t>
+            </a:r>
+          </a:p>
+          <a:p>
+            <a:pPr algn="l">
+              <a:defRPr sz="2400">
+                <a:latin typeface="+mn-lt"/>
+                <a:ea typeface="+mn-ea"/>
+                <a:cs typeface="+mn-cs"/>
+                <a:sym typeface="Consolas"/>
+              </a:defRPr>
+            </a:pPr>
+            <a:endParaRPr b="1"/>
+          </a:p>
+          <a:p>
+            <a:pPr algn="l">
+              <a:defRPr sz="2400">
+                <a:latin typeface="+mn-lt"/>
+                <a:ea typeface="+mn-ea"/>
+                <a:cs typeface="+mn-cs"/>
+                <a:sym typeface="Consolas"/>
+              </a:defRPr>
+            </a:pPr>
+            <a:r>
+              <a:t>$(“p.draft”).nth-child(2);</a:t>
+            </a:r>
+          </a:p>
+          <a:p>
+            <a:pPr algn="l">
+              <a:defRPr sz="2400">
+                <a:latin typeface="+mn-lt"/>
+                <a:ea typeface="+mn-ea"/>
+                <a:cs typeface="+mn-cs"/>
+                <a:sym typeface="Consolas"/>
+              </a:defRPr>
+            </a:pPr>
+            <a:endParaRPr/>
+          </a:p>
+          <a:p>
+            <a:pPr algn="l">
+              <a:defRPr sz="2400">
+                <a:latin typeface="+mn-lt"/>
+                <a:ea typeface="+mn-ea"/>
+                <a:cs typeface="+mn-cs"/>
+                <a:sym typeface="Consolas"/>
+              </a:defRPr>
+            </a:pPr>
+            <a:r>
+              <a:t>$(“div”).find(“h2, p”);</a:t>
+            </a:r>
+          </a:p>
+        </p:txBody>
+      </p:sp>
+    </p:spTree>
+  </p:cSld>
+  <p:clrMapOvr>
+    <a:masterClrMapping/>
+  </p:clrMapOvr>
+  <p:transition spd="med"/>
+</p:sld>
+</file>
+
+<file path=ppt/slides/slide12.xml><?xml version="1.0" encoding="utf-8"?>
 <p:sld xmlns:a="http://schemas.openxmlformats.org/drawingml/2006/main" xmlns:r="http://schemas.openxmlformats.org/officeDocument/2006/relationships" xmlns:p="http://schemas.openxmlformats.org/presentationml/2006/main">
   <p:cSld>
     <p:spTree>
@@ -3506,11 +4080,11 @@
   <p:clrMapOvr>
     <a:masterClrMapping/>
   </p:clrMapOvr>
-  <p:transition xmlns:p14="http://schemas.microsoft.com/office/powerpoint/2010/main" spd="med"/>
+  <p:transition spd="med"/>
 </p:sld>
 </file>
 
-<file path=ppt/slides/slide11.xml><?xml version="1.0" encoding="utf-8"?>
+<file path=ppt/slides/slide13.xml><?xml version="1.0" encoding="utf-8"?>
 <p:sld xmlns:a="http://schemas.openxmlformats.org/drawingml/2006/main" xmlns:r="http://schemas.openxmlformats.org/officeDocument/2006/relationships" xmlns:p="http://schemas.openxmlformats.org/presentationml/2006/main">
   <p:cSld>
     <p:spTree>
@@ -3594,11 +4168,11 @@
   <p:clrMapOvr>
     <a:masterClrMapping/>
   </p:clrMapOvr>
-  <p:transition xmlns:p14="http://schemas.microsoft.com/office/powerpoint/2010/main" spd="med"/>
+  <p:transition spd="med"/>
 </p:sld>
 </file>
 
-<file path=ppt/slides/slide12.xml><?xml version="1.0" encoding="utf-8"?>
+<file path=ppt/slides/slide14.xml><?xml version="1.0" encoding="utf-8"?>
 <p:sld xmlns:a="http://schemas.openxmlformats.org/drawingml/2006/main" xmlns:r="http://schemas.openxmlformats.org/officeDocument/2006/relationships" xmlns:p="http://schemas.openxmlformats.org/presentationml/2006/main">
   <p:cSld>
     <p:spTree>
@@ -3675,11 +4249,11 @@
   <p:clrMapOvr>
     <a:masterClrMapping/>
   </p:clrMapOvr>
-  <p:transition xmlns:p14="http://schemas.microsoft.com/office/powerpoint/2010/main" spd="med"/>
+  <p:transition spd="med"/>
 </p:sld>
 </file>
 
-<file path=ppt/slides/slide13.xml><?xml version="1.0" encoding="utf-8"?>
+<file path=ppt/slides/slide15.xml><?xml version="1.0" encoding="utf-8"?>
 <p:sld xmlns:a="http://schemas.openxmlformats.org/drawingml/2006/main" xmlns:r="http://schemas.openxmlformats.org/officeDocument/2006/relationships" xmlns:p="http://schemas.openxmlformats.org/presentationml/2006/main">
   <p:cSld>
     <p:spTree>
@@ -3761,11 +4335,18 @@
   <p:clrMapOvr>
     <a:masterClrMapping/>
   </p:clrMapOvr>
-  <p:transition xmlns:p14="http://schemas.microsoft.com/office/powerpoint/2010/main" spd="med"/>
+  <p:transition spd="med"/>
+  <p:timing>
+    <p:tnLst>
+      <p:par>
+        <p:cTn id="1" dur="indefinite" restart="never" nodeType="tmRoot"/>
+      </p:par>
+    </p:tnLst>
+  </p:timing>
 </p:sld>
 </file>
 
-<file path=ppt/slides/slide14.xml><?xml version="1.0" encoding="utf-8"?>
+<file path=ppt/slides/slide16.xml><?xml version="1.0" encoding="utf-8"?>
 <p:sld xmlns:a="http://schemas.openxmlformats.org/drawingml/2006/main" xmlns:r="http://schemas.openxmlformats.org/officeDocument/2006/relationships" xmlns:p="http://schemas.openxmlformats.org/presentationml/2006/main">
   <p:cSld>
     <p:spTree>
@@ -3798,7 +4379,9 @@
           </a:prstGeom>
         </p:spPr>
         <p:txBody>
-          <a:bodyPr/>
+          <a:bodyPr>
+            <a:normAutofit fontScale="90000"/>
+          </a:bodyPr>
           <a:lstStyle/>
           <a:p>
             <a:r>
@@ -3964,11 +4547,18 @@
   <p:clrMapOvr>
     <a:masterClrMapping/>
   </p:clrMapOvr>
-  <p:transition xmlns:p14="http://schemas.microsoft.com/office/powerpoint/2010/main" spd="med"/>
+  <p:transition spd="med"/>
+  <p:timing>
+    <p:tnLst>
+      <p:par>
+        <p:cTn id="1" dur="indefinite" restart="never" nodeType="tmRoot"/>
+      </p:par>
+    </p:tnLst>
+  </p:timing>
 </p:sld>
 </file>
 
-<file path=ppt/slides/slide15.xml><?xml version="1.0" encoding="utf-8"?>
+<file path=ppt/slides/slide17.xml><?xml version="1.0" encoding="utf-8"?>
 <p:sld xmlns:a="http://schemas.openxmlformats.org/drawingml/2006/main" xmlns:r="http://schemas.openxmlformats.org/officeDocument/2006/relationships" xmlns:p="http://schemas.openxmlformats.org/presentationml/2006/main">
   <p:cSld>
     <p:spTree>
@@ -4015,11 +4605,18 @@
   <p:clrMapOvr>
     <a:masterClrMapping/>
   </p:clrMapOvr>
-  <p:transition xmlns:p14="http://schemas.microsoft.com/office/powerpoint/2010/main" spd="med"/>
+  <p:transition spd="med"/>
+  <p:timing>
+    <p:tnLst>
+      <p:par>
+        <p:cTn id="1" dur="indefinite" restart="never" nodeType="tmRoot"/>
+      </p:par>
+    </p:tnLst>
+  </p:timing>
 </p:sld>
 </file>
 
-<file path=ppt/slides/slide16.xml><?xml version="1.0" encoding="utf-8"?>
+<file path=ppt/slides/slide18.xml><?xml version="1.0" encoding="utf-8"?>
 <p:sld xmlns:a="http://schemas.openxmlformats.org/drawingml/2006/main" xmlns:r="http://schemas.openxmlformats.org/officeDocument/2006/relationships" xmlns:p="http://schemas.openxmlformats.org/presentationml/2006/main">
   <p:cSld>
     <p:spTree>
@@ -4036,16 +4633,4530 @@
           <a:chExt cx="0" cy="0"/>
         </a:xfrm>
       </p:grpSpPr>
+      <p:sp>
+        <p:nvSpPr>
+          <p:cNvPr id="2" name="Title 1"/>
+          <p:cNvSpPr>
+            <a:spLocks noGrp="1"/>
+          </p:cNvSpPr>
+          <p:nvPr>
+            <p:ph type="title"/>
+          </p:nvPr>
+        </p:nvSpPr>
+        <p:spPr/>
+        <p:txBody>
+          <a:bodyPr/>
+          <a:lstStyle/>
+          <a:p>
+            <a:r>
+              <a:rPr lang="en-US" dirty="0" smtClean="0"/>
+              <a:t>One Method, Two Functionalities </a:t>
+            </a:r>
+            <a:endParaRPr lang="en-US" dirty="0"/>
+          </a:p>
+        </p:txBody>
+      </p:sp>
+      <p:sp>
+        <p:nvSpPr>
+          <p:cNvPr id="3" name="Text Placeholder 2"/>
+          <p:cNvSpPr>
+            <a:spLocks noGrp="1"/>
+          </p:cNvSpPr>
+          <p:nvPr>
+            <p:ph type="body" idx="1"/>
+          </p:nvPr>
+        </p:nvSpPr>
+        <p:spPr>
+          <a:xfrm>
+            <a:off x="355600" y="3041374"/>
+            <a:ext cx="12293600" cy="5903843"/>
+          </a:xfrm>
+        </p:spPr>
+        <p:txBody>
+          <a:bodyPr>
+            <a:normAutofit fontScale="70000" lnSpcReduction="20000"/>
+          </a:bodyPr>
+          <a:lstStyle/>
+          <a:p>
+            <a:r>
+              <a:rPr lang="en-US" dirty="0" smtClean="0"/>
+              <a:t>JQuery provides methods that can set or return the content of the selected element.</a:t>
+            </a:r>
+          </a:p>
+          <a:p>
+            <a:r>
+              <a:rPr lang="en-US" dirty="0" smtClean="0"/>
+              <a:t>These methods are:</a:t>
+            </a:r>
+          </a:p>
+          <a:p>
+            <a:pPr marL="858520" lvl="1">
+              <a:spcBef>
+                <a:spcPts val="2800"/>
+              </a:spcBef>
+            </a:pPr>
+            <a:r>
+              <a:rPr lang="en-US" dirty="0"/>
+              <a:t>text</a:t>
+            </a:r>
+            <a:r>
+              <a:rPr lang="en-US" dirty="0" smtClean="0"/>
+              <a:t>()</a:t>
+            </a:r>
+          </a:p>
+          <a:p>
+            <a:pPr marL="858520" lvl="1">
+              <a:spcBef>
+                <a:spcPts val="2800"/>
+              </a:spcBef>
+            </a:pPr>
+            <a:r>
+              <a:rPr lang="en-US" dirty="0" smtClean="0"/>
+              <a:t>html()</a:t>
+            </a:r>
+          </a:p>
+          <a:p>
+            <a:pPr marL="858520" lvl="1">
+              <a:spcBef>
+                <a:spcPts val="2800"/>
+              </a:spcBef>
+            </a:pPr>
+            <a:r>
+              <a:rPr lang="en-US" dirty="0" err="1" smtClean="0"/>
+              <a:t>val</a:t>
+            </a:r>
+            <a:r>
+              <a:rPr lang="en-US" dirty="0" smtClean="0"/>
+              <a:t>()</a:t>
+            </a:r>
+          </a:p>
+          <a:p>
+            <a:pPr marL="858520" lvl="1">
+              <a:spcBef>
+                <a:spcPts val="2800"/>
+              </a:spcBef>
+            </a:pPr>
+            <a:r>
+              <a:rPr lang="en-US" dirty="0" err="1"/>
+              <a:t>a</a:t>
+            </a:r>
+            <a:r>
+              <a:rPr lang="en-US" dirty="0" err="1" smtClean="0"/>
+              <a:t>ttr</a:t>
+            </a:r>
+            <a:r>
+              <a:rPr lang="en-US" dirty="0" smtClean="0"/>
+              <a:t>()</a:t>
+            </a:r>
+            <a:endParaRPr lang="en-US" dirty="0"/>
+          </a:p>
+          <a:p>
+            <a:pPr lvl="1"/>
+            <a:endParaRPr lang="en-US" dirty="0" smtClean="0"/>
+          </a:p>
+        </p:txBody>
+      </p:sp>
     </p:spTree>
+    <p:extLst>
+      <p:ext uri="{BB962C8B-B14F-4D97-AF65-F5344CB8AC3E}">
+        <p14:creationId xmlns:p14="http://schemas.microsoft.com/office/powerpoint/2010/main" val="163395513"/>
+      </p:ext>
+    </p:extLst>
   </p:cSld>
   <p:clrMapOvr>
     <a:masterClrMapping/>
   </p:clrMapOvr>
-  <p:transition xmlns:p14="http://schemas.microsoft.com/office/powerpoint/2010/main" spd="med"/>
+  <p:transition spd="med"/>
+  <p:timing>
+    <p:tnLst>
+      <p:par>
+        <p:cTn id="1" dur="indefinite" restart="never" nodeType="tmRoot"/>
+      </p:par>
+    </p:tnLst>
+  </p:timing>
 </p:sld>
 </file>
 
-<file path=ppt/slides/slide17.xml><?xml version="1.0" encoding="utf-8"?>
+<file path=ppt/slides/slide19.xml><?xml version="1.0" encoding="utf-8"?>
+<p:sld xmlns:a="http://schemas.openxmlformats.org/drawingml/2006/main" xmlns:r="http://schemas.openxmlformats.org/officeDocument/2006/relationships" xmlns:p="http://schemas.openxmlformats.org/presentationml/2006/main">
+  <p:cSld>
+    <p:spTree>
+      <p:nvGrpSpPr>
+        <p:cNvPr id="1" name=""/>
+        <p:cNvGrpSpPr/>
+        <p:nvPr/>
+      </p:nvGrpSpPr>
+      <p:grpSpPr>
+        <a:xfrm>
+          <a:off x="0" y="0"/>
+          <a:ext cx="0" cy="0"/>
+          <a:chOff x="0" y="0"/>
+          <a:chExt cx="0" cy="0"/>
+        </a:xfrm>
+      </p:grpSpPr>
+      <p:sp>
+        <p:nvSpPr>
+          <p:cNvPr id="2" name="Title 1"/>
+          <p:cNvSpPr>
+            <a:spLocks noGrp="1"/>
+          </p:cNvSpPr>
+          <p:nvPr>
+            <p:ph type="title"/>
+          </p:nvPr>
+        </p:nvSpPr>
+        <p:spPr/>
+        <p:txBody>
+          <a:bodyPr/>
+          <a:lstStyle/>
+          <a:p>
+            <a:r>
+              <a:rPr lang="en-US" dirty="0" smtClean="0"/>
+              <a:t>Set()</a:t>
+            </a:r>
+            <a:endParaRPr lang="en-US" dirty="0"/>
+          </a:p>
+        </p:txBody>
+      </p:sp>
+      <p:sp>
+        <p:nvSpPr>
+          <p:cNvPr id="3" name="Text Placeholder 2"/>
+          <p:cNvSpPr>
+            <a:spLocks noGrp="1"/>
+          </p:cNvSpPr>
+          <p:nvPr>
+            <p:ph type="body" idx="1"/>
+          </p:nvPr>
+        </p:nvSpPr>
+        <p:spPr>
+          <a:xfrm>
+            <a:off x="355600" y="2961861"/>
+            <a:ext cx="12293600" cy="5643617"/>
+          </a:xfrm>
+        </p:spPr>
+        <p:txBody>
+          <a:bodyPr>
+            <a:normAutofit fontScale="85000" lnSpcReduction="20000"/>
+          </a:bodyPr>
+          <a:lstStyle/>
+          <a:p>
+            <a:endParaRPr lang="en-US" dirty="0" smtClean="0"/>
+          </a:p>
+          <a:p>
+            <a:r>
+              <a:rPr lang="en-US" dirty="0" smtClean="0"/>
+              <a:t>In order to get the text content with set(), you need to call the method without any parameter.</a:t>
+            </a:r>
+          </a:p>
+          <a:p>
+            <a:endParaRPr lang="en-US" dirty="0" smtClean="0"/>
+          </a:p>
+          <a:p>
+            <a:r>
+              <a:rPr lang="en-US" dirty="0" smtClean="0"/>
+              <a:t>If you want to set the content, you need to put the new content as the parameter.</a:t>
+            </a:r>
+          </a:p>
+          <a:p>
+            <a:endParaRPr lang="en-US" dirty="0" smtClean="0"/>
+          </a:p>
+          <a:p>
+            <a:endParaRPr lang="en-US" dirty="0" smtClean="0"/>
+          </a:p>
+        </p:txBody>
+      </p:sp>
+      <p:sp>
+        <p:nvSpPr>
+          <p:cNvPr id="5" name="TextBox 4"/>
+          <p:cNvSpPr txBox="1"/>
+          <p:nvPr/>
+        </p:nvSpPr>
+        <p:spPr>
+          <a:xfrm>
+            <a:off x="914399" y="4550074"/>
+            <a:ext cx="10343322" cy="1118255"/>
+          </a:xfrm>
+          <a:prstGeom prst="rect">
+            <a:avLst/>
+          </a:prstGeom>
+          <a:solidFill>
+            <a:schemeClr val="accent6">
+              <a:lumMod val="60000"/>
+              <a:lumOff val="40000"/>
+              <a:alpha val="50000"/>
+            </a:schemeClr>
+          </a:solidFill>
+          <a:ln w="12700" cap="flat">
+            <a:noFill/>
+            <a:miter lim="400000"/>
+          </a:ln>
+          <a:effectLst/>
+          <a:sp3d/>
+        </p:spPr>
+        <p:style>
+          <a:lnRef idx="0">
+            <a:scrgbClr r="0" g="0" b="0"/>
+          </a:lnRef>
+          <a:fillRef idx="0">
+            <a:scrgbClr r="0" g="0" b="0"/>
+          </a:fillRef>
+          <a:effectRef idx="0">
+            <a:scrgbClr r="0" g="0" b="0"/>
+          </a:effectRef>
+          <a:fontRef idx="none"/>
+        </p:style>
+        <p:txBody>
+          <a:bodyPr rot="0" spcFirstLastPara="1" vertOverflow="overflow" horzOverflow="overflow" vert="horz" wrap="square" lIns="50800" tIns="50800" rIns="50800" bIns="50800" numCol="1" spcCol="38100" rtlCol="0" anchor="ctr">
+            <a:spAutoFit/>
+          </a:bodyPr>
+          <a:lstStyle/>
+          <a:p>
+            <a:pPr algn="l"/>
+            <a:r>
+              <a:rPr lang="en-US" sz="2200" dirty="0">
+                <a:latin typeface="+mn-lt"/>
+                <a:ea typeface="+mn-ea"/>
+                <a:cs typeface="+mn-cs"/>
+              </a:rPr>
+              <a:t>&lt;p id="test"&gt;This is some &lt;b&gt;example&lt;/b&gt; on JQuery method.&lt;/p&gt; </a:t>
+            </a:r>
+            <a:endParaRPr lang="en-US" sz="2200" dirty="0" smtClean="0">
+              <a:latin typeface="+mn-lt"/>
+              <a:ea typeface="+mn-ea"/>
+              <a:cs typeface="+mn-cs"/>
+            </a:endParaRPr>
+          </a:p>
+          <a:p>
+            <a:pPr algn="l"/>
+            <a:endParaRPr lang="en-US" sz="2200" dirty="0">
+              <a:latin typeface="+mn-lt"/>
+              <a:ea typeface="+mn-ea"/>
+              <a:cs typeface="+mn-cs"/>
+            </a:endParaRPr>
+          </a:p>
+          <a:p>
+            <a:pPr algn="l"/>
+            <a:r>
+              <a:rPr lang="mr-IN" sz="2200" dirty="0" err="1" smtClean="0">
+                <a:latin typeface="+mn-lt"/>
+                <a:ea typeface="+mn-ea"/>
+                <a:cs typeface="+mn-cs"/>
+              </a:rPr>
+              <a:t>alert</a:t>
+            </a:r>
+            <a:r>
+              <a:rPr lang="mr-IN" sz="2200" dirty="0">
+                <a:latin typeface="+mn-lt"/>
+                <a:ea typeface="+mn-ea"/>
+                <a:cs typeface="+mn-cs"/>
+              </a:rPr>
+              <a:t>($("#</a:t>
+            </a:r>
+            <a:r>
+              <a:rPr lang="mr-IN" sz="2200" dirty="0" err="1">
+                <a:latin typeface="+mn-lt"/>
+                <a:ea typeface="+mn-ea"/>
+                <a:cs typeface="+mn-cs"/>
+              </a:rPr>
+              <a:t>test</a:t>
+            </a:r>
+            <a:r>
+              <a:rPr lang="mr-IN" sz="2200" dirty="0">
+                <a:latin typeface="+mn-lt"/>
+                <a:ea typeface="+mn-ea"/>
+                <a:cs typeface="+mn-cs"/>
+              </a:rPr>
+              <a:t>").</a:t>
+            </a:r>
+            <a:r>
+              <a:rPr lang="mr-IN" sz="2200" dirty="0" err="1">
+                <a:latin typeface="+mn-lt"/>
+                <a:ea typeface="+mn-ea"/>
+                <a:cs typeface="+mn-cs"/>
+              </a:rPr>
+              <a:t>text</a:t>
+            </a:r>
+            <a:r>
+              <a:rPr lang="mr-IN" sz="2200" dirty="0">
+                <a:latin typeface="+mn-lt"/>
+                <a:ea typeface="+mn-ea"/>
+                <a:cs typeface="+mn-cs"/>
+              </a:rPr>
+              <a:t>());</a:t>
+            </a:r>
+            <a:endParaRPr lang="en-US" sz="2200" dirty="0">
+              <a:latin typeface="+mn-lt"/>
+              <a:ea typeface="+mn-ea"/>
+              <a:cs typeface="+mn-cs"/>
+            </a:endParaRPr>
+          </a:p>
+        </p:txBody>
+      </p:sp>
+      <p:sp>
+        <p:nvSpPr>
+          <p:cNvPr id="6" name="TextBox 5"/>
+          <p:cNvSpPr txBox="1"/>
+          <p:nvPr/>
+        </p:nvSpPr>
+        <p:spPr>
+          <a:xfrm>
+            <a:off x="914399" y="7388808"/>
+            <a:ext cx="10343322" cy="1118255"/>
+          </a:xfrm>
+          <a:prstGeom prst="rect">
+            <a:avLst/>
+          </a:prstGeom>
+          <a:solidFill>
+            <a:schemeClr val="accent6">
+              <a:lumMod val="60000"/>
+              <a:lumOff val="40000"/>
+              <a:alpha val="50000"/>
+            </a:schemeClr>
+          </a:solidFill>
+          <a:ln w="12700" cap="flat">
+            <a:noFill/>
+            <a:miter lim="400000"/>
+          </a:ln>
+          <a:effectLst/>
+          <a:sp3d/>
+        </p:spPr>
+        <p:style>
+          <a:lnRef idx="0">
+            <a:scrgbClr r="0" g="0" b="0"/>
+          </a:lnRef>
+          <a:fillRef idx="0">
+            <a:scrgbClr r="0" g="0" b="0"/>
+          </a:fillRef>
+          <a:effectRef idx="0">
+            <a:scrgbClr r="0" g="0" b="0"/>
+          </a:effectRef>
+          <a:fontRef idx="none"/>
+        </p:style>
+        <p:txBody>
+          <a:bodyPr rot="0" spcFirstLastPara="1" vertOverflow="overflow" horzOverflow="overflow" vert="horz" wrap="square" lIns="50800" tIns="50800" rIns="50800" bIns="50800" numCol="1" spcCol="38100" rtlCol="0" anchor="ctr">
+            <a:spAutoFit/>
+          </a:bodyPr>
+          <a:lstStyle/>
+          <a:p>
+            <a:pPr algn="l"/>
+            <a:r>
+              <a:rPr lang="en-US" sz="2200" dirty="0">
+                <a:latin typeface="+mn-lt"/>
+                <a:ea typeface="+mn-ea"/>
+                <a:cs typeface="+mn-cs"/>
+              </a:rPr>
+              <a:t>&lt;p </a:t>
+            </a:r>
+            <a:r>
+              <a:rPr lang="en-US" sz="2200" dirty="0" smtClean="0">
+                <a:latin typeface="+mn-lt"/>
+                <a:ea typeface="+mn-ea"/>
+                <a:cs typeface="+mn-cs"/>
+              </a:rPr>
+              <a:t>id=</a:t>
+            </a:r>
+            <a:r>
+              <a:rPr lang="mr-IN" sz="2200" dirty="0">
+                <a:latin typeface="+mn-lt"/>
+                <a:ea typeface="+mn-ea"/>
+                <a:cs typeface="+mn-cs"/>
+              </a:rPr>
+              <a:t>"</a:t>
+            </a:r>
+            <a:r>
+              <a:rPr lang="en-US" sz="2200" dirty="0" smtClean="0">
+                <a:latin typeface="+mn-lt"/>
+                <a:ea typeface="+mn-ea"/>
+                <a:cs typeface="+mn-cs"/>
+              </a:rPr>
+              <a:t>test</a:t>
+            </a:r>
+            <a:r>
+              <a:rPr lang="en-US" sz="2200" dirty="0">
+                <a:latin typeface="+mn-lt"/>
+                <a:ea typeface="+mn-ea"/>
+                <a:cs typeface="+mn-cs"/>
+              </a:rPr>
+              <a:t>"&gt;This </a:t>
+            </a:r>
+            <a:r>
+              <a:rPr lang="en-US" sz="2200" dirty="0" smtClean="0">
+                <a:latin typeface="+mn-lt"/>
+                <a:ea typeface="+mn-ea"/>
+                <a:cs typeface="+mn-cs"/>
+              </a:rPr>
+              <a:t>is a example.&lt;/</a:t>
+            </a:r>
+            <a:r>
+              <a:rPr lang="en-US" sz="2200" dirty="0">
+                <a:latin typeface="+mn-lt"/>
+                <a:ea typeface="+mn-ea"/>
+                <a:cs typeface="+mn-cs"/>
+              </a:rPr>
+              <a:t>p&gt; </a:t>
+            </a:r>
+            <a:endParaRPr lang="en-US" sz="2200" dirty="0" smtClean="0">
+              <a:latin typeface="+mn-lt"/>
+              <a:ea typeface="+mn-ea"/>
+              <a:cs typeface="+mn-cs"/>
+            </a:endParaRPr>
+          </a:p>
+          <a:p>
+            <a:pPr algn="l"/>
+            <a:endParaRPr lang="en-US" sz="2200" dirty="0">
+              <a:latin typeface="+mn-lt"/>
+              <a:ea typeface="+mn-ea"/>
+              <a:cs typeface="+mn-cs"/>
+            </a:endParaRPr>
+          </a:p>
+          <a:p>
+            <a:pPr algn="l"/>
+            <a:r>
+              <a:rPr lang="mr-IN" sz="2200" dirty="0" err="1" smtClean="0">
+                <a:latin typeface="+mn-lt"/>
+                <a:ea typeface="+mn-ea"/>
+                <a:cs typeface="+mn-cs"/>
+              </a:rPr>
+              <a:t>alert</a:t>
+            </a:r>
+            <a:r>
+              <a:rPr lang="mr-IN" sz="2200" dirty="0">
+                <a:latin typeface="+mn-lt"/>
+                <a:ea typeface="+mn-ea"/>
+                <a:cs typeface="+mn-cs"/>
+              </a:rPr>
+              <a:t>($("#</a:t>
+            </a:r>
+            <a:r>
+              <a:rPr lang="mr-IN" sz="2200" dirty="0" err="1">
+                <a:latin typeface="+mn-lt"/>
+                <a:ea typeface="+mn-ea"/>
+                <a:cs typeface="+mn-cs"/>
+              </a:rPr>
+              <a:t>test</a:t>
+            </a:r>
+            <a:r>
+              <a:rPr lang="mr-IN" sz="2200" dirty="0">
+                <a:latin typeface="+mn-lt"/>
+                <a:ea typeface="+mn-ea"/>
+                <a:cs typeface="+mn-cs"/>
+              </a:rPr>
+              <a:t>").</a:t>
+            </a:r>
+            <a:r>
+              <a:rPr lang="mr-IN" sz="2200" dirty="0" err="1" smtClean="0">
+                <a:latin typeface="+mn-lt"/>
+                <a:ea typeface="+mn-ea"/>
+                <a:cs typeface="+mn-cs"/>
+              </a:rPr>
+              <a:t>text</a:t>
+            </a:r>
+            <a:r>
+              <a:rPr lang="mr-IN" sz="2200" dirty="0">
+                <a:latin typeface="+mn-lt"/>
+                <a:ea typeface="+mn-ea"/>
+                <a:cs typeface="+mn-cs"/>
+              </a:rPr>
+              <a:t>("</a:t>
+            </a:r>
+            <a:r>
+              <a:rPr lang="en-US" sz="2200" dirty="0" smtClean="0">
+                <a:latin typeface="+mn-lt"/>
+                <a:ea typeface="+mn-ea"/>
+                <a:cs typeface="+mn-cs"/>
+              </a:rPr>
+              <a:t>Hello World!</a:t>
+            </a:r>
+            <a:r>
+              <a:rPr lang="mr-IN" sz="2200" dirty="0">
+                <a:latin typeface="+mn-lt"/>
+                <a:ea typeface="+mn-ea"/>
+                <a:cs typeface="+mn-cs"/>
+              </a:rPr>
+              <a:t> "));</a:t>
+            </a:r>
+            <a:endParaRPr lang="en-US" sz="2200" dirty="0">
+              <a:latin typeface="+mn-lt"/>
+              <a:ea typeface="+mn-ea"/>
+              <a:cs typeface="+mn-cs"/>
+            </a:endParaRPr>
+          </a:p>
+        </p:txBody>
+      </p:sp>
+    </p:spTree>
+    <p:extLst>
+      <p:ext uri="{BB962C8B-B14F-4D97-AF65-F5344CB8AC3E}">
+        <p14:creationId xmlns:p14="http://schemas.microsoft.com/office/powerpoint/2010/main" val="607456499"/>
+      </p:ext>
+    </p:extLst>
+  </p:cSld>
+  <p:clrMapOvr>
+    <a:masterClrMapping/>
+  </p:clrMapOvr>
+  <p:transition spd="med"/>
+  <p:timing>
+    <p:tnLst>
+      <p:par>
+        <p:cTn id="1" dur="indefinite" restart="never" nodeType="tmRoot"/>
+      </p:par>
+    </p:tnLst>
+  </p:timing>
+</p:sld>
+</file>
+
+<file path=ppt/slides/slide2.xml><?xml version="1.0" encoding="utf-8"?>
+<p:sld xmlns:a="http://schemas.openxmlformats.org/drawingml/2006/main" xmlns:r="http://schemas.openxmlformats.org/officeDocument/2006/relationships" xmlns:p="http://schemas.openxmlformats.org/presentationml/2006/main">
+  <p:cSld>
+    <p:spTree>
+      <p:nvGrpSpPr>
+        <p:cNvPr id="1" name=""/>
+        <p:cNvGrpSpPr/>
+        <p:nvPr/>
+      </p:nvGrpSpPr>
+      <p:grpSpPr>
+        <a:xfrm>
+          <a:off x="0" y="0"/>
+          <a:ext cx="0" cy="0"/>
+          <a:chOff x="0" y="0"/>
+          <a:chExt cx="0" cy="0"/>
+        </a:xfrm>
+      </p:grpSpPr>
+      <p:sp>
+        <p:nvSpPr>
+          <p:cNvPr id="3" name="Title 2"/>
+          <p:cNvSpPr>
+            <a:spLocks noGrp="1"/>
+          </p:cNvSpPr>
+          <p:nvPr>
+            <p:ph type="title"/>
+          </p:nvPr>
+        </p:nvSpPr>
+        <p:spPr>
+          <a:xfrm>
+            <a:off x="954157" y="516834"/>
+            <a:ext cx="10464800" cy="2087218"/>
+          </a:xfrm>
+        </p:spPr>
+        <p:txBody>
+          <a:bodyPr/>
+          <a:lstStyle/>
+          <a:p>
+            <a:r>
+              <a:rPr lang="en-US" dirty="0" smtClean="0"/>
+              <a:t>What is </a:t>
+            </a:r>
+            <a:r>
+              <a:rPr lang="en-US" dirty="0" err="1" smtClean="0"/>
+              <a:t>Jquery</a:t>
+            </a:r>
+            <a:endParaRPr lang="en-US" dirty="0"/>
+          </a:p>
+        </p:txBody>
+      </p:sp>
+      <p:sp>
+        <p:nvSpPr>
+          <p:cNvPr id="4" name="Text Placeholder 3"/>
+          <p:cNvSpPr>
+            <a:spLocks noGrp="1"/>
+          </p:cNvSpPr>
+          <p:nvPr>
+            <p:ph type="body" sz="quarter" idx="1"/>
+          </p:nvPr>
+        </p:nvSpPr>
+        <p:spPr>
+          <a:xfrm>
+            <a:off x="1232452" y="3538331"/>
+            <a:ext cx="10464800" cy="3836504"/>
+          </a:xfrm>
+        </p:spPr>
+        <p:txBody>
+          <a:bodyPr>
+            <a:normAutofit/>
+          </a:bodyPr>
+          <a:lstStyle/>
+          <a:p>
+            <a:r>
+              <a:rPr lang="en-US" sz="4800" dirty="0" smtClean="0"/>
+              <a:t>JQuery is a JavaScript library developed by </a:t>
+            </a:r>
+            <a:r>
+              <a:rPr lang="en-US" sz="4800" dirty="0"/>
+              <a:t>John </a:t>
+            </a:r>
+            <a:r>
+              <a:rPr lang="en-US" sz="4800" dirty="0" err="1" smtClean="0"/>
+              <a:t>Resig</a:t>
+            </a:r>
+            <a:r>
+              <a:rPr lang="en-US" sz="4800" dirty="0" smtClean="0"/>
+              <a:t> in 2006. It is the most widely deployed JavaScript library in the world.</a:t>
+            </a:r>
+            <a:endParaRPr lang="en-US" sz="4800" dirty="0"/>
+          </a:p>
+        </p:txBody>
+      </p:sp>
+    </p:spTree>
+    <p:extLst>
+      <p:ext uri="{BB962C8B-B14F-4D97-AF65-F5344CB8AC3E}">
+        <p14:creationId xmlns:p14="http://schemas.microsoft.com/office/powerpoint/2010/main" val="282090055"/>
+      </p:ext>
+    </p:extLst>
+  </p:cSld>
+  <p:clrMapOvr>
+    <a:masterClrMapping/>
+  </p:clrMapOvr>
+  <p:transition spd="med"/>
+  <p:timing>
+    <p:tnLst>
+      <p:par>
+        <p:cTn id="1" dur="indefinite" restart="never" nodeType="tmRoot"/>
+      </p:par>
+    </p:tnLst>
+  </p:timing>
+</p:sld>
+</file>
+
+<file path=ppt/slides/slide20.xml><?xml version="1.0" encoding="utf-8"?>
+<p:sld xmlns:a="http://schemas.openxmlformats.org/drawingml/2006/main" xmlns:r="http://schemas.openxmlformats.org/officeDocument/2006/relationships" xmlns:p="http://schemas.openxmlformats.org/presentationml/2006/main">
+  <p:cSld>
+    <p:spTree>
+      <p:nvGrpSpPr>
+        <p:cNvPr id="1" name=""/>
+        <p:cNvGrpSpPr/>
+        <p:nvPr/>
+      </p:nvGrpSpPr>
+      <p:grpSpPr>
+        <a:xfrm>
+          <a:off x="0" y="0"/>
+          <a:ext cx="0" cy="0"/>
+          <a:chOff x="0" y="0"/>
+          <a:chExt cx="0" cy="0"/>
+        </a:xfrm>
+      </p:grpSpPr>
+      <p:sp>
+        <p:nvSpPr>
+          <p:cNvPr id="2" name="Title 1"/>
+          <p:cNvSpPr>
+            <a:spLocks noGrp="1"/>
+          </p:cNvSpPr>
+          <p:nvPr>
+            <p:ph type="title"/>
+          </p:nvPr>
+        </p:nvSpPr>
+        <p:spPr/>
+        <p:txBody>
+          <a:bodyPr/>
+          <a:lstStyle/>
+          <a:p>
+            <a:r>
+              <a:rPr lang="en-US" dirty="0" smtClean="0"/>
+              <a:t>Html()</a:t>
+            </a:r>
+            <a:endParaRPr lang="en-US" dirty="0"/>
+          </a:p>
+        </p:txBody>
+      </p:sp>
+      <p:sp>
+        <p:nvSpPr>
+          <p:cNvPr id="3" name="Text Placeholder 2"/>
+          <p:cNvSpPr>
+            <a:spLocks noGrp="1"/>
+          </p:cNvSpPr>
+          <p:nvPr>
+            <p:ph type="body" idx="1"/>
+          </p:nvPr>
+        </p:nvSpPr>
+        <p:spPr>
+          <a:xfrm>
+            <a:off x="355600" y="1855856"/>
+            <a:ext cx="12293600" cy="6299200"/>
+          </a:xfrm>
+        </p:spPr>
+        <p:txBody>
+          <a:bodyPr/>
+          <a:lstStyle/>
+          <a:p>
+            <a:r>
+              <a:rPr lang="en-US" dirty="0"/>
+              <a:t>h</a:t>
+            </a:r>
+            <a:r>
+              <a:rPr lang="en-US" dirty="0" smtClean="0"/>
+              <a:t>tml() shares a similar syntax with text(). The only difference is html() will set or return html content instead of text content. Here are the examples:</a:t>
+            </a:r>
+          </a:p>
+          <a:p>
+            <a:endParaRPr lang="en-US" dirty="0" smtClean="0"/>
+          </a:p>
+        </p:txBody>
+      </p:sp>
+      <p:sp>
+        <p:nvSpPr>
+          <p:cNvPr id="4" name="TextBox 3"/>
+          <p:cNvSpPr txBox="1"/>
+          <p:nvPr/>
+        </p:nvSpPr>
+        <p:spPr>
+          <a:xfrm>
+            <a:off x="894521" y="6359693"/>
+            <a:ext cx="10343322" cy="1795363"/>
+          </a:xfrm>
+          <a:prstGeom prst="rect">
+            <a:avLst/>
+          </a:prstGeom>
+          <a:solidFill>
+            <a:schemeClr val="accent6">
+              <a:lumMod val="60000"/>
+              <a:lumOff val="40000"/>
+              <a:alpha val="50000"/>
+            </a:schemeClr>
+          </a:solidFill>
+          <a:ln w="12700" cap="flat">
+            <a:noFill/>
+            <a:miter lim="400000"/>
+          </a:ln>
+          <a:effectLst/>
+          <a:sp3d/>
+        </p:spPr>
+        <p:style>
+          <a:lnRef idx="0">
+            <a:scrgbClr r="0" g="0" b="0"/>
+          </a:lnRef>
+          <a:fillRef idx="0">
+            <a:scrgbClr r="0" g="0" b="0"/>
+          </a:fillRef>
+          <a:effectRef idx="0">
+            <a:scrgbClr r="0" g="0" b="0"/>
+          </a:effectRef>
+          <a:fontRef idx="none"/>
+        </p:style>
+        <p:txBody>
+          <a:bodyPr rot="0" spcFirstLastPara="1" vertOverflow="overflow" horzOverflow="overflow" vert="horz" wrap="square" lIns="50800" tIns="50800" rIns="50800" bIns="50800" numCol="1" spcCol="38100" rtlCol="0" anchor="ctr">
+            <a:spAutoFit/>
+          </a:bodyPr>
+          <a:lstStyle/>
+          <a:p>
+            <a:pPr algn="l"/>
+            <a:r>
+              <a:rPr lang="en-US" sz="2200" dirty="0">
+                <a:latin typeface="+mn-lt"/>
+                <a:ea typeface="+mn-ea"/>
+                <a:cs typeface="+mn-cs"/>
+              </a:rPr>
+              <a:t>&lt;p </a:t>
+            </a:r>
+            <a:r>
+              <a:rPr lang="en-US" sz="2200" dirty="0" smtClean="0">
+                <a:latin typeface="+mn-lt"/>
+                <a:ea typeface="+mn-ea"/>
+                <a:cs typeface="+mn-cs"/>
+              </a:rPr>
+              <a:t>id=</a:t>
+            </a:r>
+            <a:r>
+              <a:rPr lang="mr-IN" sz="2200" dirty="0">
+                <a:latin typeface="+mn-lt"/>
+                <a:ea typeface="+mn-ea"/>
+                <a:cs typeface="+mn-cs"/>
+              </a:rPr>
+              <a:t>"</a:t>
+            </a:r>
+            <a:r>
+              <a:rPr lang="en-US" sz="2200" dirty="0" smtClean="0">
+                <a:latin typeface="+mn-lt"/>
+                <a:ea typeface="+mn-ea"/>
+                <a:cs typeface="+mn-cs"/>
+              </a:rPr>
+              <a:t>test</a:t>
+            </a:r>
+            <a:r>
+              <a:rPr lang="en-US" sz="2200" dirty="0">
+                <a:latin typeface="+mn-lt"/>
+                <a:ea typeface="+mn-ea"/>
+                <a:cs typeface="+mn-cs"/>
+              </a:rPr>
+              <a:t>"&gt;This </a:t>
+            </a:r>
+            <a:r>
+              <a:rPr lang="en-US" sz="2200" dirty="0" smtClean="0">
+                <a:latin typeface="+mn-lt"/>
+                <a:ea typeface="+mn-ea"/>
+                <a:cs typeface="+mn-cs"/>
+              </a:rPr>
+              <a:t>is a example.&lt;/</a:t>
+            </a:r>
+            <a:r>
+              <a:rPr lang="en-US" sz="2200" dirty="0">
+                <a:latin typeface="+mn-lt"/>
+                <a:ea typeface="+mn-ea"/>
+                <a:cs typeface="+mn-cs"/>
+              </a:rPr>
+              <a:t>p&gt; </a:t>
+            </a:r>
+            <a:endParaRPr lang="en-US" sz="2200" dirty="0" smtClean="0">
+              <a:latin typeface="+mn-lt"/>
+              <a:ea typeface="+mn-ea"/>
+              <a:cs typeface="+mn-cs"/>
+            </a:endParaRPr>
+          </a:p>
+          <a:p>
+            <a:pPr algn="l"/>
+            <a:endParaRPr lang="en-US" sz="2200" dirty="0">
+              <a:latin typeface="+mn-lt"/>
+              <a:ea typeface="+mn-ea"/>
+              <a:cs typeface="+mn-cs"/>
+            </a:endParaRPr>
+          </a:p>
+          <a:p>
+            <a:pPr algn="l"/>
+            <a:r>
+              <a:rPr lang="mr-IN" sz="2200" dirty="0" err="1" smtClean="0">
+                <a:latin typeface="+mn-lt"/>
+                <a:ea typeface="+mn-ea"/>
+                <a:cs typeface="+mn-cs"/>
+              </a:rPr>
+              <a:t>alert</a:t>
+            </a:r>
+            <a:r>
+              <a:rPr lang="mr-IN" sz="2200" dirty="0">
+                <a:latin typeface="+mn-lt"/>
+                <a:ea typeface="+mn-ea"/>
+                <a:cs typeface="+mn-cs"/>
+              </a:rPr>
+              <a:t>($("#</a:t>
+            </a:r>
+            <a:r>
+              <a:rPr lang="mr-IN" sz="2200" dirty="0" err="1">
+                <a:latin typeface="+mn-lt"/>
+                <a:ea typeface="+mn-ea"/>
+                <a:cs typeface="+mn-cs"/>
+              </a:rPr>
+              <a:t>test</a:t>
+            </a:r>
+            <a:r>
+              <a:rPr lang="mr-IN" sz="2200" dirty="0" smtClean="0">
+                <a:latin typeface="+mn-lt"/>
+                <a:ea typeface="+mn-ea"/>
+                <a:cs typeface="+mn-cs"/>
+              </a:rPr>
+              <a:t>").</a:t>
+            </a:r>
+            <a:r>
+              <a:rPr lang="en-US" sz="2200" dirty="0" smtClean="0">
+                <a:latin typeface="+mn-lt"/>
+                <a:ea typeface="+mn-ea"/>
+                <a:cs typeface="+mn-cs"/>
+              </a:rPr>
+              <a:t>html</a:t>
+            </a:r>
+            <a:r>
+              <a:rPr lang="mr-IN" sz="2200" dirty="0" smtClean="0">
+                <a:latin typeface="+mn-lt"/>
+                <a:ea typeface="+mn-ea"/>
+                <a:cs typeface="+mn-cs"/>
+              </a:rPr>
+              <a:t>();</a:t>
+            </a:r>
+            <a:endParaRPr lang="en-US" sz="2200" dirty="0" smtClean="0">
+              <a:latin typeface="+mn-lt"/>
+              <a:ea typeface="+mn-ea"/>
+              <a:cs typeface="+mn-cs"/>
+            </a:endParaRPr>
+          </a:p>
+          <a:p>
+            <a:pPr algn="l"/>
+            <a:endParaRPr lang="en-US" sz="2200" dirty="0" smtClean="0">
+              <a:latin typeface="+mn-lt"/>
+              <a:ea typeface="+mn-ea"/>
+              <a:cs typeface="+mn-cs"/>
+            </a:endParaRPr>
+          </a:p>
+          <a:p>
+            <a:pPr algn="l"/>
+            <a:r>
+              <a:rPr lang="mr-IN" sz="2200" dirty="0">
+                <a:latin typeface="+mn-lt"/>
+                <a:ea typeface="+mn-ea"/>
+                <a:cs typeface="+mn-cs"/>
+              </a:rPr>
+              <a:t>$("#test2").</a:t>
+            </a:r>
+            <a:r>
+              <a:rPr lang="mr-IN" sz="2200" dirty="0" err="1">
+                <a:latin typeface="+mn-lt"/>
+                <a:ea typeface="+mn-ea"/>
+                <a:cs typeface="+mn-cs"/>
+              </a:rPr>
+              <a:t>html</a:t>
+            </a:r>
+            <a:r>
+              <a:rPr lang="mr-IN" sz="2200" dirty="0">
+                <a:latin typeface="+mn-lt"/>
+                <a:ea typeface="+mn-ea"/>
+                <a:cs typeface="+mn-cs"/>
+              </a:rPr>
+              <a:t>("&lt;</a:t>
+            </a:r>
+            <a:r>
+              <a:rPr lang="mr-IN" sz="2200" dirty="0" err="1">
+                <a:latin typeface="+mn-lt"/>
+                <a:ea typeface="+mn-ea"/>
+                <a:cs typeface="+mn-cs"/>
+              </a:rPr>
+              <a:t>b</a:t>
+            </a:r>
+            <a:r>
+              <a:rPr lang="mr-IN" sz="2200" dirty="0">
+                <a:latin typeface="+mn-lt"/>
+                <a:ea typeface="+mn-ea"/>
+                <a:cs typeface="+mn-cs"/>
+              </a:rPr>
+              <a:t>&gt;</a:t>
+            </a:r>
+            <a:r>
+              <a:rPr lang="mr-IN" sz="2200" dirty="0" err="1">
+                <a:latin typeface="+mn-lt"/>
+                <a:ea typeface="+mn-ea"/>
+                <a:cs typeface="+mn-cs"/>
+              </a:rPr>
+              <a:t>Hello</a:t>
+            </a:r>
+            <a:r>
+              <a:rPr lang="mr-IN" sz="2200" dirty="0">
+                <a:latin typeface="+mn-lt"/>
+                <a:ea typeface="+mn-ea"/>
+                <a:cs typeface="+mn-cs"/>
+              </a:rPr>
+              <a:t> </a:t>
+            </a:r>
+            <a:r>
+              <a:rPr lang="mr-IN" sz="2200" dirty="0" err="1">
+                <a:latin typeface="+mn-lt"/>
+                <a:ea typeface="+mn-ea"/>
+                <a:cs typeface="+mn-cs"/>
+              </a:rPr>
+              <a:t>world</a:t>
+            </a:r>
+            <a:r>
+              <a:rPr lang="mr-IN" sz="2200" dirty="0">
+                <a:latin typeface="+mn-lt"/>
+                <a:ea typeface="+mn-ea"/>
+                <a:cs typeface="+mn-cs"/>
+              </a:rPr>
+              <a:t>!&lt;/</a:t>
+            </a:r>
+            <a:r>
+              <a:rPr lang="mr-IN" sz="2200" dirty="0" err="1">
+                <a:latin typeface="+mn-lt"/>
+                <a:ea typeface="+mn-ea"/>
+                <a:cs typeface="+mn-cs"/>
+              </a:rPr>
+              <a:t>b</a:t>
+            </a:r>
+            <a:r>
+              <a:rPr lang="mr-IN" sz="2200" dirty="0">
+                <a:latin typeface="+mn-lt"/>
+                <a:ea typeface="+mn-ea"/>
+                <a:cs typeface="+mn-cs"/>
+              </a:rPr>
+              <a:t>&gt;");</a:t>
+            </a:r>
+            <a:endParaRPr lang="en-US" sz="2200" dirty="0">
+              <a:latin typeface="+mn-lt"/>
+              <a:ea typeface="+mn-ea"/>
+              <a:cs typeface="+mn-cs"/>
+            </a:endParaRPr>
+          </a:p>
+        </p:txBody>
+      </p:sp>
+    </p:spTree>
+    <p:extLst>
+      <p:ext uri="{BB962C8B-B14F-4D97-AF65-F5344CB8AC3E}">
+        <p14:creationId xmlns:p14="http://schemas.microsoft.com/office/powerpoint/2010/main" val="300427126"/>
+      </p:ext>
+    </p:extLst>
+  </p:cSld>
+  <p:clrMapOvr>
+    <a:masterClrMapping/>
+  </p:clrMapOvr>
+  <p:transition spd="med"/>
+  <p:timing>
+    <p:tnLst>
+      <p:par>
+        <p:cTn id="1" dur="indefinite" restart="never" nodeType="tmRoot"/>
+      </p:par>
+    </p:tnLst>
+  </p:timing>
+</p:sld>
+</file>
+
+<file path=ppt/slides/slide21.xml><?xml version="1.0" encoding="utf-8"?>
+<p:sld xmlns:a="http://schemas.openxmlformats.org/drawingml/2006/main" xmlns:r="http://schemas.openxmlformats.org/officeDocument/2006/relationships" xmlns:p="http://schemas.openxmlformats.org/presentationml/2006/main">
+  <p:cSld>
+    <p:spTree>
+      <p:nvGrpSpPr>
+        <p:cNvPr id="1" name=""/>
+        <p:cNvGrpSpPr/>
+        <p:nvPr/>
+      </p:nvGrpSpPr>
+      <p:grpSpPr>
+        <a:xfrm>
+          <a:off x="0" y="0"/>
+          <a:ext cx="0" cy="0"/>
+          <a:chOff x="0" y="0"/>
+          <a:chExt cx="0" cy="0"/>
+        </a:xfrm>
+      </p:grpSpPr>
+      <p:sp>
+        <p:nvSpPr>
+          <p:cNvPr id="2" name="Title 1"/>
+          <p:cNvSpPr>
+            <a:spLocks noGrp="1"/>
+          </p:cNvSpPr>
+          <p:nvPr>
+            <p:ph type="title"/>
+          </p:nvPr>
+        </p:nvSpPr>
+        <p:spPr/>
+        <p:txBody>
+          <a:bodyPr/>
+          <a:lstStyle/>
+          <a:p>
+            <a:r>
+              <a:rPr lang="en-US" dirty="0" smtClean="0"/>
+              <a:t>Val()</a:t>
+            </a:r>
+            <a:endParaRPr lang="en-US" dirty="0"/>
+          </a:p>
+        </p:txBody>
+      </p:sp>
+      <p:sp>
+        <p:nvSpPr>
+          <p:cNvPr id="3" name="Text Placeholder 2"/>
+          <p:cNvSpPr>
+            <a:spLocks noGrp="1"/>
+          </p:cNvSpPr>
+          <p:nvPr>
+            <p:ph type="body" idx="1"/>
+          </p:nvPr>
+        </p:nvSpPr>
+        <p:spPr/>
+        <p:txBody>
+          <a:bodyPr>
+            <a:normAutofit fontScale="85000" lnSpcReduction="20000"/>
+          </a:bodyPr>
+          <a:lstStyle/>
+          <a:p>
+            <a:r>
+              <a:rPr lang="en-US" dirty="0" err="1"/>
+              <a:t>v</a:t>
+            </a:r>
+            <a:r>
+              <a:rPr lang="en-US" dirty="0" err="1" smtClean="0"/>
+              <a:t>al</a:t>
+            </a:r>
+            <a:r>
+              <a:rPr lang="en-US" dirty="0" smtClean="0"/>
+              <a:t>() will set or return the value of input field of the selected elements.</a:t>
+            </a:r>
+          </a:p>
+          <a:p>
+            <a:r>
+              <a:rPr lang="en-US" dirty="0" smtClean="0"/>
+              <a:t>It also has a similar syntax with text().</a:t>
+            </a:r>
+          </a:p>
+          <a:p>
+            <a:endParaRPr lang="en-US" dirty="0" smtClean="0"/>
+          </a:p>
+          <a:p>
+            <a:endParaRPr lang="en-US" dirty="0" smtClean="0"/>
+          </a:p>
+          <a:p>
+            <a:r>
+              <a:rPr lang="en-US" dirty="0" smtClean="0"/>
+              <a:t>It will return “Example” and change it to “Hello”.</a:t>
+            </a:r>
+          </a:p>
+          <a:p>
+            <a:endParaRPr lang="en-US" dirty="0"/>
+          </a:p>
+        </p:txBody>
+      </p:sp>
+      <p:sp>
+        <p:nvSpPr>
+          <p:cNvPr id="4" name="TextBox 3"/>
+          <p:cNvSpPr txBox="1"/>
+          <p:nvPr/>
+        </p:nvSpPr>
+        <p:spPr>
+          <a:xfrm>
+            <a:off x="894521" y="5526157"/>
+            <a:ext cx="10343322" cy="1826141"/>
+          </a:xfrm>
+          <a:prstGeom prst="rect">
+            <a:avLst/>
+          </a:prstGeom>
+          <a:solidFill>
+            <a:schemeClr val="accent6">
+              <a:lumMod val="60000"/>
+              <a:lumOff val="40000"/>
+              <a:alpha val="50000"/>
+            </a:schemeClr>
+          </a:solidFill>
+          <a:ln w="12700" cap="flat">
+            <a:noFill/>
+            <a:miter lim="400000"/>
+          </a:ln>
+          <a:effectLst/>
+          <a:sp3d/>
+        </p:spPr>
+        <p:style>
+          <a:lnRef idx="0">
+            <a:scrgbClr r="0" g="0" b="0"/>
+          </a:lnRef>
+          <a:fillRef idx="0">
+            <a:scrgbClr r="0" g="0" b="0"/>
+          </a:fillRef>
+          <a:effectRef idx="0">
+            <a:scrgbClr r="0" g="0" b="0"/>
+          </a:effectRef>
+          <a:fontRef idx="none"/>
+        </p:style>
+        <p:txBody>
+          <a:bodyPr rot="0" spcFirstLastPara="1" vertOverflow="overflow" horzOverflow="overflow" vert="horz" wrap="square" lIns="50800" tIns="50800" rIns="50800" bIns="50800" numCol="1" spcCol="38100" rtlCol="0" anchor="ctr">
+            <a:spAutoFit/>
+          </a:bodyPr>
+          <a:lstStyle/>
+          <a:p>
+            <a:pPr algn="l"/>
+            <a:r>
+              <a:rPr lang="en-US" sz="2200" dirty="0">
+                <a:latin typeface="+mn-lt"/>
+                <a:ea typeface="+mn-ea"/>
+                <a:cs typeface="+mn-cs"/>
+              </a:rPr>
+              <a:t>&lt;p&gt;Name: &lt;input type="text" id="test" value</a:t>
+            </a:r>
+            <a:r>
+              <a:rPr lang="en-US" sz="2200" dirty="0" smtClean="0">
+                <a:latin typeface="+mn-lt"/>
+                <a:ea typeface="+mn-ea"/>
+                <a:cs typeface="+mn-cs"/>
+              </a:rPr>
+              <a:t>=”Example"&gt;&lt;/</a:t>
+            </a:r>
+            <a:r>
+              <a:rPr lang="en-US" sz="2200" dirty="0">
+                <a:latin typeface="+mn-lt"/>
+                <a:ea typeface="+mn-ea"/>
+                <a:cs typeface="+mn-cs"/>
+              </a:rPr>
+              <a:t>p</a:t>
+            </a:r>
+            <a:r>
+              <a:rPr lang="en-US" sz="2200" dirty="0" smtClean="0">
+                <a:latin typeface="+mn-lt"/>
+                <a:ea typeface="+mn-ea"/>
+                <a:cs typeface="+mn-cs"/>
+              </a:rPr>
+              <a:t>&gt;</a:t>
+            </a:r>
+          </a:p>
+          <a:p>
+            <a:pPr algn="l"/>
+            <a:endParaRPr lang="en-US" sz="2200" dirty="0">
+              <a:latin typeface="+mn-lt"/>
+              <a:ea typeface="+mn-ea"/>
+              <a:cs typeface="+mn-cs"/>
+            </a:endParaRPr>
+          </a:p>
+          <a:p>
+            <a:pPr algn="l"/>
+            <a:r>
+              <a:rPr lang="en-US" sz="2200" dirty="0" smtClean="0">
+                <a:latin typeface="+mn-lt"/>
+                <a:ea typeface="+mn-ea"/>
+                <a:cs typeface="+mn-cs"/>
+              </a:rPr>
+              <a:t>alert</a:t>
+            </a:r>
+            <a:r>
+              <a:rPr lang="en-US" sz="2200" dirty="0">
+                <a:latin typeface="+mn-lt"/>
+                <a:ea typeface="+mn-ea"/>
+                <a:cs typeface="+mn-cs"/>
+              </a:rPr>
+              <a:t>($("#test").</a:t>
+            </a:r>
+            <a:r>
+              <a:rPr lang="en-US" sz="2200" dirty="0" err="1">
+                <a:latin typeface="+mn-lt"/>
+                <a:ea typeface="+mn-ea"/>
+                <a:cs typeface="+mn-cs"/>
+              </a:rPr>
+              <a:t>val</a:t>
+            </a:r>
+            <a:r>
+              <a:rPr lang="en-US" sz="2200" dirty="0" smtClean="0">
+                <a:latin typeface="+mn-lt"/>
+                <a:ea typeface="+mn-ea"/>
+                <a:cs typeface="+mn-cs"/>
+              </a:rPr>
+              <a:t>());</a:t>
+            </a:r>
+          </a:p>
+          <a:p>
+            <a:pPr algn="l"/>
+            <a:endParaRPr lang="en-US" sz="2200" dirty="0">
+              <a:latin typeface="+mn-lt"/>
+              <a:ea typeface="+mn-ea"/>
+              <a:cs typeface="+mn-cs"/>
+            </a:endParaRPr>
+          </a:p>
+          <a:p>
+            <a:pPr algn="l"/>
+            <a:r>
+              <a:rPr lang="en-US" sz="2200" dirty="0">
+                <a:latin typeface="+mn-lt"/>
+                <a:ea typeface="+mn-ea"/>
+                <a:cs typeface="+mn-cs"/>
+              </a:rPr>
+              <a:t>$("#</a:t>
+            </a:r>
+            <a:r>
+              <a:rPr lang="en-US" sz="2200" dirty="0" smtClean="0">
+                <a:latin typeface="+mn-lt"/>
+                <a:ea typeface="+mn-ea"/>
+                <a:cs typeface="+mn-cs"/>
+              </a:rPr>
+              <a:t>test").</a:t>
+            </a:r>
+            <a:r>
+              <a:rPr lang="en-US" sz="2200" dirty="0" err="1">
+                <a:latin typeface="+mn-lt"/>
+                <a:ea typeface="+mn-ea"/>
+                <a:cs typeface="+mn-cs"/>
+              </a:rPr>
+              <a:t>val</a:t>
+            </a:r>
+            <a:r>
+              <a:rPr lang="en-US" sz="2200" dirty="0" smtClean="0">
+                <a:latin typeface="+mn-lt"/>
+                <a:ea typeface="+mn-ea"/>
+                <a:cs typeface="+mn-cs"/>
+              </a:rPr>
+              <a:t>(”Hello");</a:t>
+            </a:r>
+            <a:endParaRPr lang="en-US" sz="2200" dirty="0">
+              <a:latin typeface="+mn-lt"/>
+              <a:ea typeface="+mn-ea"/>
+              <a:cs typeface="+mn-cs"/>
+            </a:endParaRPr>
+          </a:p>
+        </p:txBody>
+      </p:sp>
+    </p:spTree>
+    <p:extLst>
+      <p:ext uri="{BB962C8B-B14F-4D97-AF65-F5344CB8AC3E}">
+        <p14:creationId xmlns:p14="http://schemas.microsoft.com/office/powerpoint/2010/main" val="192291045"/>
+      </p:ext>
+    </p:extLst>
+  </p:cSld>
+  <p:clrMapOvr>
+    <a:masterClrMapping/>
+  </p:clrMapOvr>
+  <p:transition spd="med"/>
+  <p:timing>
+    <p:tnLst>
+      <p:par>
+        <p:cTn id="1" dur="indefinite" restart="never" nodeType="tmRoot"/>
+      </p:par>
+    </p:tnLst>
+  </p:timing>
+</p:sld>
+</file>
+
+<file path=ppt/slides/slide22.xml><?xml version="1.0" encoding="utf-8"?>
+<p:sld xmlns:a="http://schemas.openxmlformats.org/drawingml/2006/main" xmlns:r="http://schemas.openxmlformats.org/officeDocument/2006/relationships" xmlns:p="http://schemas.openxmlformats.org/presentationml/2006/main">
+  <p:cSld>
+    <p:spTree>
+      <p:nvGrpSpPr>
+        <p:cNvPr id="1" name=""/>
+        <p:cNvGrpSpPr/>
+        <p:nvPr/>
+      </p:nvGrpSpPr>
+      <p:grpSpPr>
+        <a:xfrm>
+          <a:off x="0" y="0"/>
+          <a:ext cx="0" cy="0"/>
+          <a:chOff x="0" y="0"/>
+          <a:chExt cx="0" cy="0"/>
+        </a:xfrm>
+      </p:grpSpPr>
+      <p:sp>
+        <p:nvSpPr>
+          <p:cNvPr id="2" name="Title 1"/>
+          <p:cNvSpPr>
+            <a:spLocks noGrp="1"/>
+          </p:cNvSpPr>
+          <p:nvPr>
+            <p:ph type="title"/>
+          </p:nvPr>
+        </p:nvSpPr>
+        <p:spPr/>
+        <p:txBody>
+          <a:bodyPr/>
+          <a:lstStyle/>
+          <a:p>
+            <a:r>
+              <a:rPr lang="en-US" dirty="0" err="1" smtClean="0"/>
+              <a:t>Attr</a:t>
+            </a:r>
+            <a:r>
+              <a:rPr lang="en-US" dirty="0" smtClean="0"/>
+              <a:t>()</a:t>
+            </a:r>
+            <a:endParaRPr lang="en-US" dirty="0"/>
+          </a:p>
+        </p:txBody>
+      </p:sp>
+      <p:sp>
+        <p:nvSpPr>
+          <p:cNvPr id="3" name="Text Placeholder 2"/>
+          <p:cNvSpPr>
+            <a:spLocks noGrp="1"/>
+          </p:cNvSpPr>
+          <p:nvPr>
+            <p:ph type="body" idx="1"/>
+          </p:nvPr>
+        </p:nvSpPr>
+        <p:spPr>
+          <a:xfrm>
+            <a:off x="355600" y="2154031"/>
+            <a:ext cx="12293600" cy="6299200"/>
+          </a:xfrm>
+        </p:spPr>
+        <p:txBody>
+          <a:bodyPr/>
+          <a:lstStyle/>
+          <a:p>
+            <a:r>
+              <a:rPr lang="en-US" sz="3600" dirty="0" err="1"/>
+              <a:t>a</a:t>
+            </a:r>
+            <a:r>
+              <a:rPr lang="en-US" sz="3600" dirty="0" err="1" smtClean="0"/>
+              <a:t>ttr</a:t>
+            </a:r>
+            <a:r>
+              <a:rPr lang="en-US" sz="3600" dirty="0" smtClean="0"/>
+              <a:t>() will set or return the value of attribute.</a:t>
+            </a:r>
+          </a:p>
+          <a:p>
+            <a:endParaRPr lang="en-US" dirty="0" smtClean="0"/>
+          </a:p>
+          <a:p>
+            <a:endParaRPr lang="en-US" sz="3600" dirty="0" smtClean="0"/>
+          </a:p>
+          <a:p>
+            <a:r>
+              <a:rPr lang="en-US" sz="3600" dirty="0" smtClean="0"/>
+              <a:t>will return http://</a:t>
+            </a:r>
+            <a:r>
+              <a:rPr lang="en-US" sz="3600" dirty="0" err="1" smtClean="0"/>
+              <a:t>www.youtube.com</a:t>
+            </a:r>
+            <a:r>
+              <a:rPr lang="en-US" sz="3600" dirty="0" smtClean="0"/>
+              <a:t> and set the value to http://www.google.com.  </a:t>
+            </a:r>
+            <a:endParaRPr lang="en-US" sz="3600" dirty="0"/>
+          </a:p>
+        </p:txBody>
+      </p:sp>
+      <p:sp>
+        <p:nvSpPr>
+          <p:cNvPr id="4" name="TextBox 3"/>
+          <p:cNvSpPr txBox="1"/>
+          <p:nvPr/>
+        </p:nvSpPr>
+        <p:spPr>
+          <a:xfrm>
+            <a:off x="874643" y="4405949"/>
+            <a:ext cx="10343322" cy="1795363"/>
+          </a:xfrm>
+          <a:prstGeom prst="rect">
+            <a:avLst/>
+          </a:prstGeom>
+          <a:solidFill>
+            <a:schemeClr val="accent6">
+              <a:lumMod val="60000"/>
+              <a:lumOff val="40000"/>
+              <a:alpha val="50000"/>
+            </a:schemeClr>
+          </a:solidFill>
+          <a:ln w="12700" cap="flat">
+            <a:noFill/>
+            <a:miter lim="400000"/>
+          </a:ln>
+          <a:effectLst/>
+          <a:sp3d/>
+        </p:spPr>
+        <p:style>
+          <a:lnRef idx="0">
+            <a:scrgbClr r="0" g="0" b="0"/>
+          </a:lnRef>
+          <a:fillRef idx="0">
+            <a:scrgbClr r="0" g="0" b="0"/>
+          </a:fillRef>
+          <a:effectRef idx="0">
+            <a:scrgbClr r="0" g="0" b="0"/>
+          </a:effectRef>
+          <a:fontRef idx="none"/>
+        </p:style>
+        <p:txBody>
+          <a:bodyPr rot="0" spcFirstLastPara="1" vertOverflow="overflow" horzOverflow="overflow" vert="horz" wrap="square" lIns="50800" tIns="50800" rIns="50800" bIns="50800" numCol="1" spcCol="38100" rtlCol="0" anchor="ctr">
+            <a:spAutoFit/>
+          </a:bodyPr>
+          <a:lstStyle/>
+          <a:p>
+            <a:pPr algn="l"/>
+            <a:r>
+              <a:rPr lang="en-US" sz="2200" dirty="0">
+                <a:latin typeface="+mn-lt"/>
+                <a:ea typeface="+mn-ea"/>
+                <a:cs typeface="+mn-cs"/>
+              </a:rPr>
+              <a:t>&lt;p&gt;&lt;a </a:t>
+            </a:r>
+            <a:r>
+              <a:rPr lang="en-US" sz="2200" dirty="0" err="1">
+                <a:latin typeface="+mn-lt"/>
+                <a:ea typeface="+mn-ea"/>
+                <a:cs typeface="+mn-cs"/>
+              </a:rPr>
+              <a:t>href</a:t>
+            </a:r>
+            <a:r>
+              <a:rPr lang="en-US" sz="2200" dirty="0">
+                <a:latin typeface="+mn-lt"/>
+                <a:ea typeface="+mn-ea"/>
+                <a:cs typeface="+mn-cs"/>
+              </a:rPr>
+              <a:t>="https://</a:t>
+            </a:r>
+            <a:r>
+              <a:rPr lang="en-US" sz="2200" dirty="0" err="1">
+                <a:latin typeface="+mn-lt"/>
+                <a:ea typeface="+mn-ea"/>
+                <a:cs typeface="+mn-cs"/>
+              </a:rPr>
+              <a:t>www.youtube.com</a:t>
+            </a:r>
+            <a:r>
+              <a:rPr lang="en-US" sz="2200" dirty="0">
+                <a:latin typeface="+mn-lt"/>
+                <a:ea typeface="+mn-ea"/>
+                <a:cs typeface="+mn-cs"/>
+              </a:rPr>
+              <a:t>" id="</a:t>
+            </a:r>
+            <a:r>
+              <a:rPr lang="en-US" sz="2200" dirty="0" err="1">
+                <a:latin typeface="+mn-lt"/>
+                <a:ea typeface="+mn-ea"/>
+                <a:cs typeface="+mn-cs"/>
+              </a:rPr>
+              <a:t>yt</a:t>
+            </a:r>
+            <a:r>
+              <a:rPr lang="en-US" sz="2200" dirty="0">
+                <a:latin typeface="+mn-lt"/>
+                <a:ea typeface="+mn-ea"/>
+                <a:cs typeface="+mn-cs"/>
+              </a:rPr>
+              <a:t>"&gt;</a:t>
+            </a:r>
+            <a:r>
+              <a:rPr lang="en-US" sz="2200" dirty="0" err="1">
+                <a:latin typeface="+mn-lt"/>
+                <a:ea typeface="+mn-ea"/>
+                <a:cs typeface="+mn-cs"/>
+              </a:rPr>
+              <a:t>Youtube</a:t>
+            </a:r>
+            <a:r>
+              <a:rPr lang="en-US" sz="2200" dirty="0">
+                <a:latin typeface="+mn-lt"/>
+                <a:ea typeface="+mn-ea"/>
+                <a:cs typeface="+mn-cs"/>
+              </a:rPr>
+              <a:t>&lt;/a&gt;&lt;/p</a:t>
+            </a:r>
+            <a:r>
+              <a:rPr lang="en-US" sz="2200" dirty="0" smtClean="0">
+                <a:latin typeface="+mn-lt"/>
+                <a:ea typeface="+mn-ea"/>
+                <a:cs typeface="+mn-cs"/>
+              </a:rPr>
+              <a:t>&gt;</a:t>
+            </a:r>
+          </a:p>
+          <a:p>
+            <a:pPr algn="l"/>
+            <a:endParaRPr lang="en-US" sz="2200" dirty="0">
+              <a:latin typeface="+mn-lt"/>
+              <a:ea typeface="+mn-ea"/>
+              <a:cs typeface="+mn-cs"/>
+            </a:endParaRPr>
+          </a:p>
+          <a:p>
+            <a:pPr algn="l"/>
+            <a:r>
+              <a:rPr lang="en-US" sz="2200" dirty="0" smtClean="0">
+                <a:latin typeface="+mn-lt"/>
+                <a:ea typeface="+mn-ea"/>
+                <a:cs typeface="+mn-cs"/>
+              </a:rPr>
+              <a:t>alert</a:t>
+            </a:r>
+            <a:r>
+              <a:rPr lang="en-US" sz="2200" dirty="0">
+                <a:latin typeface="+mn-lt"/>
+                <a:ea typeface="+mn-ea"/>
+                <a:cs typeface="+mn-cs"/>
+              </a:rPr>
+              <a:t>($("#</a:t>
+            </a:r>
+            <a:r>
+              <a:rPr lang="en-US" sz="2200" dirty="0" err="1">
+                <a:latin typeface="+mn-lt"/>
+                <a:ea typeface="+mn-ea"/>
+                <a:cs typeface="+mn-cs"/>
+              </a:rPr>
+              <a:t>yt</a:t>
+            </a:r>
+            <a:r>
+              <a:rPr lang="en-US" sz="2200" dirty="0">
+                <a:latin typeface="+mn-lt"/>
+                <a:ea typeface="+mn-ea"/>
+                <a:cs typeface="+mn-cs"/>
+              </a:rPr>
+              <a:t>").</a:t>
+            </a:r>
+            <a:r>
+              <a:rPr lang="en-US" sz="2200" dirty="0" err="1">
+                <a:latin typeface="+mn-lt"/>
+                <a:ea typeface="+mn-ea"/>
+                <a:cs typeface="+mn-cs"/>
+              </a:rPr>
+              <a:t>attr</a:t>
+            </a:r>
+            <a:r>
+              <a:rPr lang="en-US" sz="2200" dirty="0" smtClean="0">
+                <a:latin typeface="+mn-lt"/>
+                <a:ea typeface="+mn-ea"/>
+                <a:cs typeface="+mn-cs"/>
+              </a:rPr>
+              <a:t>());</a:t>
+            </a:r>
+          </a:p>
+          <a:p>
+            <a:pPr algn="l"/>
+            <a:endParaRPr lang="en-US" sz="2200" dirty="0" smtClean="0">
+              <a:latin typeface="+mn-lt"/>
+              <a:ea typeface="+mn-ea"/>
+              <a:cs typeface="+mn-cs"/>
+            </a:endParaRPr>
+          </a:p>
+          <a:p>
+            <a:pPr algn="l"/>
+            <a:r>
+              <a:rPr lang="en-US" sz="2200" dirty="0" smtClean="0">
+                <a:latin typeface="+mn-lt"/>
+                <a:ea typeface="+mn-ea"/>
+                <a:cs typeface="+mn-cs"/>
+              </a:rPr>
+              <a:t>$("#</a:t>
+            </a:r>
+            <a:r>
+              <a:rPr lang="en-US" sz="2200" dirty="0" err="1">
+                <a:latin typeface="+mn-lt"/>
+                <a:ea typeface="+mn-ea"/>
+                <a:cs typeface="+mn-cs"/>
+              </a:rPr>
+              <a:t>yt</a:t>
+            </a:r>
+            <a:r>
+              <a:rPr lang="en-US" sz="2200" dirty="0">
+                <a:latin typeface="+mn-lt"/>
+                <a:ea typeface="+mn-ea"/>
+                <a:cs typeface="+mn-cs"/>
+              </a:rPr>
+              <a:t>").</a:t>
+            </a:r>
+            <a:r>
+              <a:rPr lang="en-US" sz="2200" dirty="0" err="1">
+                <a:latin typeface="+mn-lt"/>
+                <a:ea typeface="+mn-ea"/>
+                <a:cs typeface="+mn-cs"/>
+              </a:rPr>
+              <a:t>attr</a:t>
+            </a:r>
+            <a:r>
+              <a:rPr lang="en-US" sz="2200" dirty="0">
+                <a:latin typeface="+mn-lt"/>
+                <a:ea typeface="+mn-ea"/>
+                <a:cs typeface="+mn-cs"/>
+              </a:rPr>
+              <a:t>("</a:t>
+            </a:r>
+            <a:r>
+              <a:rPr lang="en-US" sz="2200" dirty="0" err="1">
+                <a:latin typeface="+mn-lt"/>
+                <a:ea typeface="+mn-ea"/>
+                <a:cs typeface="+mn-cs"/>
+              </a:rPr>
+              <a:t>href</a:t>
+            </a:r>
+            <a:r>
+              <a:rPr lang="en-US" sz="2200" dirty="0">
+                <a:latin typeface="+mn-lt"/>
+                <a:ea typeface="+mn-ea"/>
+                <a:cs typeface="+mn-cs"/>
+              </a:rPr>
+              <a:t>", "https://</a:t>
+            </a:r>
+            <a:r>
+              <a:rPr lang="en-US" sz="2200" dirty="0" err="1" smtClean="0">
+                <a:latin typeface="+mn-lt"/>
+                <a:ea typeface="+mn-ea"/>
+                <a:cs typeface="+mn-cs"/>
+              </a:rPr>
+              <a:t>www.google.com</a:t>
+            </a:r>
+            <a:r>
+              <a:rPr lang="en-US" sz="2200" dirty="0">
+                <a:latin typeface="+mn-lt"/>
+                <a:ea typeface="+mn-ea"/>
+                <a:cs typeface="+mn-cs"/>
+              </a:rPr>
+              <a:t>");</a:t>
+            </a:r>
+            <a:endParaRPr lang="en-US" sz="2200" dirty="0">
+              <a:latin typeface="+mn-lt"/>
+              <a:ea typeface="+mn-ea"/>
+              <a:cs typeface="+mn-cs"/>
+            </a:endParaRPr>
+          </a:p>
+        </p:txBody>
+      </p:sp>
+    </p:spTree>
+    <p:extLst>
+      <p:ext uri="{BB962C8B-B14F-4D97-AF65-F5344CB8AC3E}">
+        <p14:creationId xmlns:p14="http://schemas.microsoft.com/office/powerpoint/2010/main" val="157337525"/>
+      </p:ext>
+    </p:extLst>
+  </p:cSld>
+  <p:clrMapOvr>
+    <a:masterClrMapping/>
+  </p:clrMapOvr>
+  <p:transition spd="med"/>
+  <p:timing>
+    <p:tnLst>
+      <p:par>
+        <p:cTn id="1" dur="indefinite" restart="never" nodeType="tmRoot"/>
+      </p:par>
+    </p:tnLst>
+  </p:timing>
+</p:sld>
+</file>
+
+<file path=ppt/slides/slide23.xml><?xml version="1.0" encoding="utf-8"?>
+<p:sld xmlns:a="http://schemas.openxmlformats.org/drawingml/2006/main" xmlns:r="http://schemas.openxmlformats.org/officeDocument/2006/relationships" xmlns:p="http://schemas.openxmlformats.org/presentationml/2006/main">
+  <p:cSld>
+    <p:spTree>
+      <p:nvGrpSpPr>
+        <p:cNvPr id="1" name=""/>
+        <p:cNvGrpSpPr/>
+        <p:nvPr/>
+      </p:nvGrpSpPr>
+      <p:grpSpPr>
+        <a:xfrm>
+          <a:off x="0" y="0"/>
+          <a:ext cx="0" cy="0"/>
+          <a:chOff x="0" y="0"/>
+          <a:chExt cx="0" cy="0"/>
+        </a:xfrm>
+      </p:grpSpPr>
+      <p:sp>
+        <p:nvSpPr>
+          <p:cNvPr id="2" name="Title 1"/>
+          <p:cNvSpPr>
+            <a:spLocks noGrp="1"/>
+          </p:cNvSpPr>
+          <p:nvPr>
+            <p:ph type="title"/>
+          </p:nvPr>
+        </p:nvSpPr>
+        <p:spPr/>
+        <p:txBody>
+          <a:bodyPr/>
+          <a:lstStyle/>
+          <a:p>
+            <a:r>
+              <a:rPr lang="en-US" dirty="0" smtClean="0"/>
+              <a:t>Add New Content</a:t>
+            </a:r>
+            <a:endParaRPr lang="en-US" dirty="0"/>
+          </a:p>
+        </p:txBody>
+      </p:sp>
+      <p:sp>
+        <p:nvSpPr>
+          <p:cNvPr id="3" name="Text Placeholder 2"/>
+          <p:cNvSpPr>
+            <a:spLocks noGrp="1"/>
+          </p:cNvSpPr>
+          <p:nvPr>
+            <p:ph type="body" idx="1"/>
+          </p:nvPr>
+        </p:nvSpPr>
+        <p:spPr/>
+        <p:txBody>
+          <a:bodyPr>
+            <a:normAutofit fontScale="70000" lnSpcReduction="20000"/>
+          </a:bodyPr>
+          <a:lstStyle/>
+          <a:p>
+            <a:r>
+              <a:rPr lang="en-US" dirty="0" smtClean="0"/>
+              <a:t>JQuery provides these four methods to add the content in different locations. </a:t>
+            </a:r>
+          </a:p>
+          <a:p>
+            <a:pPr lvl="1">
+              <a:spcBef>
+                <a:spcPts val="2200"/>
+              </a:spcBef>
+            </a:pPr>
+            <a:r>
+              <a:rPr lang="en-US" dirty="0"/>
+              <a:t>append() - Inserts content at the end of the selected elements</a:t>
+            </a:r>
+            <a:br>
+              <a:rPr lang="en-US" dirty="0"/>
+            </a:br>
+            <a:endParaRPr lang="en-US" dirty="0"/>
+          </a:p>
+          <a:p>
+            <a:pPr lvl="1">
+              <a:spcBef>
+                <a:spcPts val="2200"/>
+              </a:spcBef>
+            </a:pPr>
+            <a:r>
+              <a:rPr lang="en-US" dirty="0"/>
+              <a:t>prepend() - Inserts content at the beginning of the selected elements</a:t>
+            </a:r>
+            <a:br>
+              <a:rPr lang="en-US" dirty="0"/>
+            </a:br>
+            <a:endParaRPr lang="en-US" dirty="0"/>
+          </a:p>
+          <a:p>
+            <a:pPr lvl="1">
+              <a:spcBef>
+                <a:spcPts val="2200"/>
+              </a:spcBef>
+            </a:pPr>
+            <a:r>
+              <a:rPr lang="en-US" dirty="0"/>
+              <a:t>after() - Inserts content after the selected elements</a:t>
+            </a:r>
+            <a:br>
+              <a:rPr lang="en-US" dirty="0"/>
+            </a:br>
+            <a:endParaRPr lang="en-US" dirty="0"/>
+          </a:p>
+          <a:p>
+            <a:pPr lvl="1">
+              <a:spcBef>
+                <a:spcPts val="2200"/>
+              </a:spcBef>
+            </a:pPr>
+            <a:r>
+              <a:rPr lang="en-US" dirty="0"/>
+              <a:t>before() - Inserts content before the selected </a:t>
+            </a:r>
+            <a:r>
+              <a:rPr lang="en-US" dirty="0" smtClean="0"/>
+              <a:t>elements</a:t>
+            </a:r>
+            <a:endParaRPr lang="en-US" dirty="0"/>
+          </a:p>
+        </p:txBody>
+      </p:sp>
+    </p:spTree>
+    <p:extLst>
+      <p:ext uri="{BB962C8B-B14F-4D97-AF65-F5344CB8AC3E}">
+        <p14:creationId xmlns:p14="http://schemas.microsoft.com/office/powerpoint/2010/main" val="915603517"/>
+      </p:ext>
+    </p:extLst>
+  </p:cSld>
+  <p:clrMapOvr>
+    <a:masterClrMapping/>
+  </p:clrMapOvr>
+  <p:transition spd="med"/>
+  <p:timing>
+    <p:tnLst>
+      <p:par>
+        <p:cTn id="1" dur="indefinite" restart="never" nodeType="tmRoot"/>
+      </p:par>
+    </p:tnLst>
+  </p:timing>
+</p:sld>
+</file>
+
+<file path=ppt/slides/slide24.xml><?xml version="1.0" encoding="utf-8"?>
+<p:sld xmlns:a="http://schemas.openxmlformats.org/drawingml/2006/main" xmlns:r="http://schemas.openxmlformats.org/officeDocument/2006/relationships" xmlns:p="http://schemas.openxmlformats.org/presentationml/2006/main">
+  <p:cSld>
+    <p:spTree>
+      <p:nvGrpSpPr>
+        <p:cNvPr id="1" name=""/>
+        <p:cNvGrpSpPr/>
+        <p:nvPr/>
+      </p:nvGrpSpPr>
+      <p:grpSpPr>
+        <a:xfrm>
+          <a:off x="0" y="0"/>
+          <a:ext cx="0" cy="0"/>
+          <a:chOff x="0" y="0"/>
+          <a:chExt cx="0" cy="0"/>
+        </a:xfrm>
+      </p:grpSpPr>
+      <p:sp>
+        <p:nvSpPr>
+          <p:cNvPr id="2" name="Title 1"/>
+          <p:cNvSpPr>
+            <a:spLocks noGrp="1"/>
+          </p:cNvSpPr>
+          <p:nvPr>
+            <p:ph type="title"/>
+          </p:nvPr>
+        </p:nvSpPr>
+        <p:spPr/>
+        <p:txBody>
+          <a:bodyPr/>
+          <a:lstStyle/>
+          <a:p>
+            <a:r>
+              <a:rPr lang="en-US" dirty="0" smtClean="0"/>
+              <a:t>Append() and Prepend()</a:t>
+            </a:r>
+            <a:endParaRPr lang="en-US" dirty="0"/>
+          </a:p>
+        </p:txBody>
+      </p:sp>
+      <p:sp>
+        <p:nvSpPr>
+          <p:cNvPr id="3" name="Text Placeholder 2"/>
+          <p:cNvSpPr>
+            <a:spLocks noGrp="1"/>
+          </p:cNvSpPr>
+          <p:nvPr>
+            <p:ph type="body" idx="1"/>
+          </p:nvPr>
+        </p:nvSpPr>
+        <p:spPr>
+          <a:xfrm>
+            <a:off x="355600" y="1906985"/>
+            <a:ext cx="12293600" cy="4214191"/>
+          </a:xfrm>
+        </p:spPr>
+        <p:txBody>
+          <a:bodyPr/>
+          <a:lstStyle/>
+          <a:p>
+            <a:endParaRPr lang="en-US" sz="3600" dirty="0" smtClean="0"/>
+          </a:p>
+          <a:p>
+            <a:r>
+              <a:rPr lang="en-US" sz="3600" dirty="0" smtClean="0"/>
+              <a:t>Here is a example illustrate the difference between append() and prepend()</a:t>
+            </a:r>
+          </a:p>
+          <a:p>
+            <a:endParaRPr lang="en-US" sz="4800" dirty="0"/>
+          </a:p>
+        </p:txBody>
+      </p:sp>
+      <p:sp>
+        <p:nvSpPr>
+          <p:cNvPr id="4" name="TextBox 3"/>
+          <p:cNvSpPr txBox="1"/>
+          <p:nvPr/>
+        </p:nvSpPr>
+        <p:spPr>
+          <a:xfrm>
+            <a:off x="815009" y="5104314"/>
+            <a:ext cx="10343322" cy="2811026"/>
+          </a:xfrm>
+          <a:prstGeom prst="rect">
+            <a:avLst/>
+          </a:prstGeom>
+          <a:solidFill>
+            <a:schemeClr val="accent6">
+              <a:lumMod val="60000"/>
+              <a:lumOff val="40000"/>
+              <a:alpha val="50000"/>
+            </a:schemeClr>
+          </a:solidFill>
+          <a:ln w="12700" cap="flat">
+            <a:noFill/>
+            <a:miter lim="400000"/>
+          </a:ln>
+          <a:effectLst/>
+          <a:sp3d/>
+        </p:spPr>
+        <p:style>
+          <a:lnRef idx="0">
+            <a:scrgbClr r="0" g="0" b="0"/>
+          </a:lnRef>
+          <a:fillRef idx="0">
+            <a:scrgbClr r="0" g="0" b="0"/>
+          </a:fillRef>
+          <a:effectRef idx="0">
+            <a:scrgbClr r="0" g="0" b="0"/>
+          </a:effectRef>
+          <a:fontRef idx="none"/>
+        </p:style>
+        <p:txBody>
+          <a:bodyPr rot="0" spcFirstLastPara="1" vertOverflow="overflow" horzOverflow="overflow" vert="horz" wrap="square" lIns="50800" tIns="50800" rIns="50800" bIns="50800" numCol="1" spcCol="38100" rtlCol="0" anchor="ctr">
+            <a:spAutoFit/>
+          </a:bodyPr>
+          <a:lstStyle/>
+          <a:p>
+            <a:pPr algn="l"/>
+            <a:r>
+              <a:rPr lang="en-US" sz="2200" dirty="0">
+                <a:latin typeface="+mn-lt"/>
+                <a:ea typeface="+mn-ea"/>
+                <a:cs typeface="+mn-cs"/>
+              </a:rPr>
+              <a:t>&lt;p&gt;This is a example.&lt;/p&gt; </a:t>
+            </a:r>
+            <a:endParaRPr lang="en-US" sz="2200" dirty="0" smtClean="0">
+              <a:latin typeface="+mn-lt"/>
+              <a:ea typeface="+mn-ea"/>
+              <a:cs typeface="+mn-cs"/>
+            </a:endParaRPr>
+          </a:p>
+          <a:p>
+            <a:pPr algn="l"/>
+            <a:r>
+              <a:rPr lang="en-US" sz="2200" dirty="0" smtClean="0">
+                <a:latin typeface="+mn-lt"/>
+                <a:ea typeface="+mn-ea"/>
+                <a:cs typeface="+mn-cs"/>
+              </a:rPr>
+              <a:t>&lt;</a:t>
+            </a:r>
+            <a:r>
+              <a:rPr lang="en-US" sz="2200" dirty="0" err="1">
+                <a:latin typeface="+mn-lt"/>
+                <a:ea typeface="+mn-ea"/>
+                <a:cs typeface="+mn-cs"/>
+              </a:rPr>
+              <a:t>ol</a:t>
+            </a:r>
+            <a:r>
+              <a:rPr lang="en-US" sz="2200" dirty="0">
+                <a:latin typeface="+mn-lt"/>
+                <a:ea typeface="+mn-ea"/>
+                <a:cs typeface="+mn-cs"/>
+              </a:rPr>
+              <a:t>&gt; </a:t>
+            </a:r>
+            <a:endParaRPr lang="en-US" sz="2200" dirty="0" smtClean="0">
+              <a:latin typeface="+mn-lt"/>
+              <a:ea typeface="+mn-ea"/>
+              <a:cs typeface="+mn-cs"/>
+            </a:endParaRPr>
+          </a:p>
+          <a:p>
+            <a:pPr algn="l"/>
+            <a:r>
+              <a:rPr lang="en-US" sz="2200" dirty="0">
+                <a:latin typeface="+mn-lt"/>
+                <a:ea typeface="+mn-ea"/>
+                <a:cs typeface="+mn-cs"/>
+              </a:rPr>
+              <a:t>	</a:t>
+            </a:r>
+            <a:r>
+              <a:rPr lang="en-US" sz="2200" dirty="0" smtClean="0">
+                <a:latin typeface="+mn-lt"/>
+                <a:ea typeface="+mn-ea"/>
+                <a:cs typeface="+mn-cs"/>
+              </a:rPr>
+              <a:t>&lt;</a:t>
+            </a:r>
+            <a:r>
+              <a:rPr lang="en-US" sz="2200" dirty="0">
+                <a:latin typeface="+mn-lt"/>
+                <a:ea typeface="+mn-ea"/>
+                <a:cs typeface="+mn-cs"/>
+              </a:rPr>
+              <a:t>li&gt;example 1&lt;/li&gt; </a:t>
+            </a:r>
+            <a:endParaRPr lang="en-US" sz="2200" dirty="0" smtClean="0">
+              <a:latin typeface="+mn-lt"/>
+              <a:ea typeface="+mn-ea"/>
+              <a:cs typeface="+mn-cs"/>
+            </a:endParaRPr>
+          </a:p>
+          <a:p>
+            <a:pPr algn="l"/>
+            <a:r>
+              <a:rPr lang="en-US" sz="2200" dirty="0">
+                <a:latin typeface="+mn-lt"/>
+                <a:ea typeface="+mn-ea"/>
+                <a:cs typeface="+mn-cs"/>
+              </a:rPr>
+              <a:t>	</a:t>
+            </a:r>
+            <a:r>
+              <a:rPr lang="en-US" sz="2200" dirty="0" smtClean="0">
+                <a:latin typeface="+mn-lt"/>
+                <a:ea typeface="+mn-ea"/>
+                <a:cs typeface="+mn-cs"/>
+              </a:rPr>
+              <a:t>&lt;</a:t>
+            </a:r>
+            <a:r>
+              <a:rPr lang="en-US" sz="2200" dirty="0">
+                <a:latin typeface="+mn-lt"/>
+                <a:ea typeface="+mn-ea"/>
+                <a:cs typeface="+mn-cs"/>
+              </a:rPr>
+              <a:t>li&gt;example 2&lt;/li&gt; </a:t>
+            </a:r>
+            <a:endParaRPr lang="en-US" sz="2200" dirty="0" smtClean="0">
+              <a:latin typeface="+mn-lt"/>
+              <a:ea typeface="+mn-ea"/>
+              <a:cs typeface="+mn-cs"/>
+            </a:endParaRPr>
+          </a:p>
+          <a:p>
+            <a:pPr algn="l"/>
+            <a:r>
+              <a:rPr lang="en-US" sz="2200" dirty="0">
+                <a:latin typeface="+mn-lt"/>
+                <a:ea typeface="+mn-ea"/>
+                <a:cs typeface="+mn-cs"/>
+              </a:rPr>
+              <a:t>	</a:t>
+            </a:r>
+            <a:r>
+              <a:rPr lang="en-US" sz="2200" dirty="0" smtClean="0">
+                <a:latin typeface="+mn-lt"/>
+                <a:ea typeface="+mn-ea"/>
+                <a:cs typeface="+mn-cs"/>
+              </a:rPr>
+              <a:t>&lt;</a:t>
+            </a:r>
+            <a:r>
+              <a:rPr lang="en-US" sz="2200" dirty="0">
+                <a:latin typeface="+mn-lt"/>
+                <a:ea typeface="+mn-ea"/>
+                <a:cs typeface="+mn-cs"/>
+              </a:rPr>
+              <a:t>li&gt;example 3&lt;/li&gt; </a:t>
+            </a:r>
+            <a:endParaRPr lang="en-US" sz="2200" dirty="0" smtClean="0">
+              <a:latin typeface="+mn-lt"/>
+              <a:ea typeface="+mn-ea"/>
+              <a:cs typeface="+mn-cs"/>
+            </a:endParaRPr>
+          </a:p>
+          <a:p>
+            <a:pPr algn="l"/>
+            <a:r>
+              <a:rPr lang="en-US" sz="2200" dirty="0" smtClean="0">
+                <a:latin typeface="+mn-lt"/>
+                <a:ea typeface="+mn-ea"/>
+                <a:cs typeface="+mn-cs"/>
+              </a:rPr>
+              <a:t>&lt;/</a:t>
+            </a:r>
+            <a:r>
+              <a:rPr lang="en-US" sz="2200" dirty="0" err="1">
+                <a:latin typeface="+mn-lt"/>
+                <a:ea typeface="+mn-ea"/>
+                <a:cs typeface="+mn-cs"/>
+              </a:rPr>
+              <a:t>ol</a:t>
+            </a:r>
+            <a:r>
+              <a:rPr lang="en-US" sz="2200" dirty="0">
+                <a:latin typeface="+mn-lt"/>
+                <a:ea typeface="+mn-ea"/>
+                <a:cs typeface="+mn-cs"/>
+              </a:rPr>
+              <a:t>&gt; </a:t>
+            </a:r>
+            <a:endParaRPr lang="en-US" sz="2200" dirty="0" smtClean="0">
+              <a:latin typeface="+mn-lt"/>
+              <a:ea typeface="+mn-ea"/>
+              <a:cs typeface="+mn-cs"/>
+            </a:endParaRPr>
+          </a:p>
+          <a:p>
+            <a:pPr algn="l"/>
+            <a:r>
+              <a:rPr lang="en-US" sz="2200" dirty="0" smtClean="0">
+                <a:latin typeface="+mn-lt"/>
+                <a:ea typeface="+mn-ea"/>
+                <a:cs typeface="+mn-cs"/>
+              </a:rPr>
+              <a:t>$("</a:t>
+            </a:r>
+            <a:r>
+              <a:rPr lang="en-US" sz="2200" dirty="0">
+                <a:latin typeface="+mn-lt"/>
+                <a:ea typeface="+mn-ea"/>
+                <a:cs typeface="+mn-cs"/>
+              </a:rPr>
+              <a:t>p").append(" &lt;</a:t>
+            </a:r>
+            <a:r>
+              <a:rPr lang="en-US" sz="2200" dirty="0" smtClean="0">
+                <a:latin typeface="+mn-lt"/>
+                <a:ea typeface="+mn-ea"/>
+                <a:cs typeface="+mn-cs"/>
+              </a:rPr>
+              <a:t>b&gt;Append&lt;/</a:t>
+            </a:r>
+            <a:r>
+              <a:rPr lang="en-US" sz="2200" dirty="0">
+                <a:latin typeface="+mn-lt"/>
+                <a:ea typeface="+mn-ea"/>
+                <a:cs typeface="+mn-cs"/>
+              </a:rPr>
+              <a:t>b&gt;"); </a:t>
+            </a:r>
+            <a:endParaRPr lang="en-US" sz="2200" dirty="0" smtClean="0">
+              <a:latin typeface="+mn-lt"/>
+              <a:ea typeface="+mn-ea"/>
+              <a:cs typeface="+mn-cs"/>
+            </a:endParaRPr>
+          </a:p>
+          <a:p>
+            <a:pPr algn="l"/>
+            <a:r>
+              <a:rPr lang="en-US" sz="2200" dirty="0" smtClean="0">
+                <a:latin typeface="+mn-lt"/>
+                <a:ea typeface="+mn-ea"/>
+                <a:cs typeface="+mn-cs"/>
+              </a:rPr>
+              <a:t>$("</a:t>
+            </a:r>
+            <a:r>
+              <a:rPr lang="en-US" sz="2200" dirty="0" err="1">
+                <a:latin typeface="+mn-lt"/>
+                <a:ea typeface="+mn-ea"/>
+                <a:cs typeface="+mn-cs"/>
+              </a:rPr>
+              <a:t>ol</a:t>
+            </a:r>
+            <a:r>
+              <a:rPr lang="en-US" sz="2200" dirty="0">
+                <a:latin typeface="+mn-lt"/>
+                <a:ea typeface="+mn-ea"/>
+                <a:cs typeface="+mn-cs"/>
+              </a:rPr>
+              <a:t>").prepend("&lt;</a:t>
+            </a:r>
+            <a:r>
+              <a:rPr lang="en-US" sz="2200" dirty="0" smtClean="0">
+                <a:latin typeface="+mn-lt"/>
+                <a:ea typeface="+mn-ea"/>
+                <a:cs typeface="+mn-cs"/>
+              </a:rPr>
+              <a:t>li&gt;Prepend&lt;/</a:t>
+            </a:r>
+            <a:r>
+              <a:rPr lang="en-US" sz="2200" dirty="0">
+                <a:latin typeface="+mn-lt"/>
+                <a:ea typeface="+mn-ea"/>
+                <a:cs typeface="+mn-cs"/>
+              </a:rPr>
+              <a:t>li&gt;");</a:t>
+            </a:r>
+            <a:endParaRPr lang="en-US" sz="2200" dirty="0">
+              <a:latin typeface="+mn-lt"/>
+              <a:ea typeface="+mn-ea"/>
+              <a:cs typeface="+mn-cs"/>
+            </a:endParaRPr>
+          </a:p>
+        </p:txBody>
+      </p:sp>
+      <p:sp>
+        <p:nvSpPr>
+          <p:cNvPr id="7" name="Text Placeholder 2"/>
+          <p:cNvSpPr txBox="1">
+            <a:spLocks/>
+          </p:cNvSpPr>
+          <p:nvPr/>
+        </p:nvSpPr>
+        <p:spPr>
+          <a:xfrm>
+            <a:off x="355600" y="6121176"/>
+            <a:ext cx="12293600" cy="4969567"/>
+          </a:xfrm>
+          <a:prstGeom prst="rect">
+            <a:avLst/>
+          </a:prstGeom>
+          <a:ln w="12700">
+            <a:miter lim="400000"/>
+          </a:ln>
+          <a:extLst>
+            <a:ext uri="{C572A759-6A51-4108-AA02-DFA0A04FC94B}">
+              <ma14:wrappingTextBoxFlag xmlns:ma14="http://schemas.microsoft.com/office/mac/drawingml/2011/main" val="1"/>
+            </a:ext>
+          </a:extLst>
+        </p:spPr>
+        <p:txBody>
+          <a:bodyPr lIns="50800" tIns="50800" rIns="50800" bIns="50800" anchor="ctr">
+            <a:normAutofit/>
+          </a:bodyPr>
+          <a:lstStyle>
+            <a:lvl1pPr marL="520700" marR="0" indent="-520700" algn="l" defTabSz="584200" rtl="0" latinLnBrk="0">
+              <a:lnSpc>
+                <a:spcPct val="120000"/>
+              </a:lnSpc>
+              <a:spcBef>
+                <a:spcPts val="4600"/>
+              </a:spcBef>
+              <a:spcAft>
+                <a:spcPts val="0"/>
+              </a:spcAft>
+              <a:buClrTx/>
+              <a:buSzPct val="82000"/>
+              <a:buFontTx/>
+              <a:buChar char="•"/>
+              <a:tabLst/>
+              <a:defRPr sz="4600" b="0" i="0" u="none" strike="noStrike" cap="none" spc="0" baseline="0">
+                <a:ln>
+                  <a:noFill/>
+                </a:ln>
+                <a:solidFill>
+                  <a:srgbClr val="535353"/>
+                </a:solidFill>
+                <a:uFillTx/>
+                <a:latin typeface="Gill Sans Light"/>
+                <a:ea typeface="Gill Sans Light"/>
+                <a:cs typeface="Gill Sans Light"/>
+                <a:sym typeface="Gill Sans Light"/>
+              </a:defRPr>
+            </a:lvl1pPr>
+            <a:lvl2pPr marL="1041400" marR="0" indent="-520700" algn="l" defTabSz="584200" rtl="0" latinLnBrk="0">
+              <a:lnSpc>
+                <a:spcPct val="120000"/>
+              </a:lnSpc>
+              <a:spcBef>
+                <a:spcPts val="4600"/>
+              </a:spcBef>
+              <a:spcAft>
+                <a:spcPts val="0"/>
+              </a:spcAft>
+              <a:buClrTx/>
+              <a:buSzPct val="82000"/>
+              <a:buFontTx/>
+              <a:buChar char="•"/>
+              <a:tabLst/>
+              <a:defRPr sz="4600" b="0" i="0" u="none" strike="noStrike" cap="none" spc="0" baseline="0">
+                <a:ln>
+                  <a:noFill/>
+                </a:ln>
+                <a:solidFill>
+                  <a:srgbClr val="535353"/>
+                </a:solidFill>
+                <a:uFillTx/>
+                <a:latin typeface="Gill Sans Light"/>
+                <a:ea typeface="Gill Sans Light"/>
+                <a:cs typeface="Gill Sans Light"/>
+                <a:sym typeface="Gill Sans Light"/>
+              </a:defRPr>
+            </a:lvl2pPr>
+            <a:lvl3pPr marL="1562100" marR="0" indent="-520700" algn="l" defTabSz="584200" rtl="0" latinLnBrk="0">
+              <a:lnSpc>
+                <a:spcPct val="120000"/>
+              </a:lnSpc>
+              <a:spcBef>
+                <a:spcPts val="4600"/>
+              </a:spcBef>
+              <a:spcAft>
+                <a:spcPts val="0"/>
+              </a:spcAft>
+              <a:buClrTx/>
+              <a:buSzPct val="82000"/>
+              <a:buFontTx/>
+              <a:buChar char="•"/>
+              <a:tabLst/>
+              <a:defRPr sz="4600" b="0" i="0" u="none" strike="noStrike" cap="none" spc="0" baseline="0">
+                <a:ln>
+                  <a:noFill/>
+                </a:ln>
+                <a:solidFill>
+                  <a:srgbClr val="535353"/>
+                </a:solidFill>
+                <a:uFillTx/>
+                <a:latin typeface="Gill Sans Light"/>
+                <a:ea typeface="Gill Sans Light"/>
+                <a:cs typeface="Gill Sans Light"/>
+                <a:sym typeface="Gill Sans Light"/>
+              </a:defRPr>
+            </a:lvl3pPr>
+            <a:lvl4pPr marL="2082800" marR="0" indent="-520700" algn="l" defTabSz="584200" rtl="0" latinLnBrk="0">
+              <a:lnSpc>
+                <a:spcPct val="120000"/>
+              </a:lnSpc>
+              <a:spcBef>
+                <a:spcPts val="4600"/>
+              </a:spcBef>
+              <a:spcAft>
+                <a:spcPts val="0"/>
+              </a:spcAft>
+              <a:buClrTx/>
+              <a:buSzPct val="82000"/>
+              <a:buFontTx/>
+              <a:buChar char="•"/>
+              <a:tabLst/>
+              <a:defRPr sz="4600" b="0" i="0" u="none" strike="noStrike" cap="none" spc="0" baseline="0">
+                <a:ln>
+                  <a:noFill/>
+                </a:ln>
+                <a:solidFill>
+                  <a:srgbClr val="535353"/>
+                </a:solidFill>
+                <a:uFillTx/>
+                <a:latin typeface="Gill Sans Light"/>
+                <a:ea typeface="Gill Sans Light"/>
+                <a:cs typeface="Gill Sans Light"/>
+                <a:sym typeface="Gill Sans Light"/>
+              </a:defRPr>
+            </a:lvl4pPr>
+            <a:lvl5pPr marL="2603500" marR="0" indent="-520700" algn="l" defTabSz="584200" rtl="0" latinLnBrk="0">
+              <a:lnSpc>
+                <a:spcPct val="120000"/>
+              </a:lnSpc>
+              <a:spcBef>
+                <a:spcPts val="4600"/>
+              </a:spcBef>
+              <a:spcAft>
+                <a:spcPts val="0"/>
+              </a:spcAft>
+              <a:buClrTx/>
+              <a:buSzPct val="82000"/>
+              <a:buFontTx/>
+              <a:buChar char="•"/>
+              <a:tabLst/>
+              <a:defRPr sz="4600" b="0" i="0" u="none" strike="noStrike" cap="none" spc="0" baseline="0">
+                <a:ln>
+                  <a:noFill/>
+                </a:ln>
+                <a:solidFill>
+                  <a:srgbClr val="535353"/>
+                </a:solidFill>
+                <a:uFillTx/>
+                <a:latin typeface="Gill Sans Light"/>
+                <a:ea typeface="Gill Sans Light"/>
+                <a:cs typeface="Gill Sans Light"/>
+                <a:sym typeface="Gill Sans Light"/>
+              </a:defRPr>
+            </a:lvl5pPr>
+            <a:lvl6pPr marL="2681705" marR="0" indent="-522705" algn="l" defTabSz="584200" rtl="0" latinLnBrk="0">
+              <a:lnSpc>
+                <a:spcPct val="120000"/>
+              </a:lnSpc>
+              <a:spcBef>
+                <a:spcPts val="4600"/>
+              </a:spcBef>
+              <a:spcAft>
+                <a:spcPts val="0"/>
+              </a:spcAft>
+              <a:buClrTx/>
+              <a:buSzPct val="82000"/>
+              <a:buFontTx/>
+              <a:buChar char="•"/>
+              <a:tabLst/>
+              <a:defRPr sz="4600" b="0" i="0" u="none" strike="noStrike" cap="none" spc="0" baseline="0">
+                <a:ln>
+                  <a:noFill/>
+                </a:ln>
+                <a:solidFill>
+                  <a:srgbClr val="535353"/>
+                </a:solidFill>
+                <a:uFillTx/>
+                <a:latin typeface="Gill Sans Light"/>
+                <a:ea typeface="Gill Sans Light"/>
+                <a:cs typeface="Gill Sans Light"/>
+                <a:sym typeface="Gill Sans Light"/>
+              </a:defRPr>
+            </a:lvl6pPr>
+            <a:lvl7pPr marL="3113505" marR="0" indent="-522705" algn="l" defTabSz="584200" rtl="0" latinLnBrk="0">
+              <a:lnSpc>
+                <a:spcPct val="120000"/>
+              </a:lnSpc>
+              <a:spcBef>
+                <a:spcPts val="4600"/>
+              </a:spcBef>
+              <a:spcAft>
+                <a:spcPts val="0"/>
+              </a:spcAft>
+              <a:buClrTx/>
+              <a:buSzPct val="82000"/>
+              <a:buFontTx/>
+              <a:buChar char="•"/>
+              <a:tabLst/>
+              <a:defRPr sz="4600" b="0" i="0" u="none" strike="noStrike" cap="none" spc="0" baseline="0">
+                <a:ln>
+                  <a:noFill/>
+                </a:ln>
+                <a:solidFill>
+                  <a:srgbClr val="535353"/>
+                </a:solidFill>
+                <a:uFillTx/>
+                <a:latin typeface="Gill Sans Light"/>
+                <a:ea typeface="Gill Sans Light"/>
+                <a:cs typeface="Gill Sans Light"/>
+                <a:sym typeface="Gill Sans Light"/>
+              </a:defRPr>
+            </a:lvl7pPr>
+            <a:lvl8pPr marL="3545305" marR="0" indent="-522705" algn="l" defTabSz="584200" rtl="0" latinLnBrk="0">
+              <a:lnSpc>
+                <a:spcPct val="120000"/>
+              </a:lnSpc>
+              <a:spcBef>
+                <a:spcPts val="4600"/>
+              </a:spcBef>
+              <a:spcAft>
+                <a:spcPts val="0"/>
+              </a:spcAft>
+              <a:buClrTx/>
+              <a:buSzPct val="82000"/>
+              <a:buFontTx/>
+              <a:buChar char="•"/>
+              <a:tabLst/>
+              <a:defRPr sz="4600" b="0" i="0" u="none" strike="noStrike" cap="none" spc="0" baseline="0">
+                <a:ln>
+                  <a:noFill/>
+                </a:ln>
+                <a:solidFill>
+                  <a:srgbClr val="535353"/>
+                </a:solidFill>
+                <a:uFillTx/>
+                <a:latin typeface="Gill Sans Light"/>
+                <a:ea typeface="Gill Sans Light"/>
+                <a:cs typeface="Gill Sans Light"/>
+                <a:sym typeface="Gill Sans Light"/>
+              </a:defRPr>
+            </a:lvl8pPr>
+            <a:lvl9pPr marL="3977105" marR="0" indent="-522705" algn="l" defTabSz="584200" rtl="0" latinLnBrk="0">
+              <a:lnSpc>
+                <a:spcPct val="120000"/>
+              </a:lnSpc>
+              <a:spcBef>
+                <a:spcPts val="4600"/>
+              </a:spcBef>
+              <a:spcAft>
+                <a:spcPts val="0"/>
+              </a:spcAft>
+              <a:buClrTx/>
+              <a:buSzPct val="82000"/>
+              <a:buFontTx/>
+              <a:buChar char="•"/>
+              <a:tabLst/>
+              <a:defRPr sz="4600" b="0" i="0" u="none" strike="noStrike" cap="none" spc="0" baseline="0">
+                <a:ln>
+                  <a:noFill/>
+                </a:ln>
+                <a:solidFill>
+                  <a:srgbClr val="535353"/>
+                </a:solidFill>
+                <a:uFillTx/>
+                <a:latin typeface="Gill Sans Light"/>
+                <a:ea typeface="Gill Sans Light"/>
+                <a:cs typeface="Gill Sans Light"/>
+                <a:sym typeface="Gill Sans Light"/>
+              </a:defRPr>
+            </a:lvl9pPr>
+          </a:lstStyle>
+          <a:p>
+            <a:pPr hangingPunct="1"/>
+            <a:endParaRPr lang="en-US" dirty="0" smtClean="0"/>
+          </a:p>
+          <a:p>
+            <a:pPr hangingPunct="1"/>
+            <a:endParaRPr lang="en-US" sz="4800" dirty="0"/>
+          </a:p>
+        </p:txBody>
+      </p:sp>
+    </p:spTree>
+    <p:extLst>
+      <p:ext uri="{BB962C8B-B14F-4D97-AF65-F5344CB8AC3E}">
+        <p14:creationId xmlns:p14="http://schemas.microsoft.com/office/powerpoint/2010/main" val="1441223856"/>
+      </p:ext>
+    </p:extLst>
+  </p:cSld>
+  <p:clrMapOvr>
+    <a:masterClrMapping/>
+  </p:clrMapOvr>
+  <p:transition spd="med"/>
+  <p:timing>
+    <p:tnLst>
+      <p:par>
+        <p:cTn id="1" dur="indefinite" restart="never" nodeType="tmRoot"/>
+      </p:par>
+    </p:tnLst>
+  </p:timing>
+</p:sld>
+</file>
+
+<file path=ppt/slides/slide25.xml><?xml version="1.0" encoding="utf-8"?>
+<p:sld xmlns:a="http://schemas.openxmlformats.org/drawingml/2006/main" xmlns:r="http://schemas.openxmlformats.org/officeDocument/2006/relationships" xmlns:p="http://schemas.openxmlformats.org/presentationml/2006/main">
+  <p:cSld>
+    <p:spTree>
+      <p:nvGrpSpPr>
+        <p:cNvPr id="1" name=""/>
+        <p:cNvGrpSpPr/>
+        <p:nvPr/>
+      </p:nvGrpSpPr>
+      <p:grpSpPr>
+        <a:xfrm>
+          <a:off x="0" y="0"/>
+          <a:ext cx="0" cy="0"/>
+          <a:chOff x="0" y="0"/>
+          <a:chExt cx="0" cy="0"/>
+        </a:xfrm>
+      </p:grpSpPr>
+      <p:sp>
+        <p:nvSpPr>
+          <p:cNvPr id="2" name="Title 1"/>
+          <p:cNvSpPr>
+            <a:spLocks noGrp="1"/>
+          </p:cNvSpPr>
+          <p:nvPr>
+            <p:ph type="title"/>
+          </p:nvPr>
+        </p:nvSpPr>
+        <p:spPr/>
+        <p:txBody>
+          <a:bodyPr/>
+          <a:lstStyle/>
+          <a:p>
+            <a:r>
+              <a:rPr lang="en-US" dirty="0"/>
+              <a:t>Append() and Prepend()</a:t>
+            </a:r>
+          </a:p>
+        </p:txBody>
+      </p:sp>
+      <p:sp>
+        <p:nvSpPr>
+          <p:cNvPr id="3" name="Text Placeholder 2"/>
+          <p:cNvSpPr>
+            <a:spLocks noGrp="1"/>
+          </p:cNvSpPr>
+          <p:nvPr>
+            <p:ph type="body" idx="1"/>
+          </p:nvPr>
+        </p:nvSpPr>
+        <p:spPr>
+          <a:xfrm>
+            <a:off x="355600" y="921578"/>
+            <a:ext cx="12293600" cy="6299200"/>
+          </a:xfrm>
+        </p:spPr>
+        <p:txBody>
+          <a:bodyPr/>
+          <a:lstStyle/>
+          <a:p>
+            <a:r>
+              <a:rPr lang="en-US" dirty="0" smtClean="0"/>
+              <a:t>Here is the result.</a:t>
+            </a:r>
+          </a:p>
+          <a:p>
+            <a:endParaRPr lang="en-US" dirty="0"/>
+          </a:p>
+        </p:txBody>
+      </p:sp>
+      <p:sp>
+        <p:nvSpPr>
+          <p:cNvPr id="5" name="TextBox 4"/>
+          <p:cNvSpPr txBox="1"/>
+          <p:nvPr/>
+        </p:nvSpPr>
+        <p:spPr>
+          <a:xfrm>
+            <a:off x="735496" y="4765007"/>
+            <a:ext cx="10343322" cy="2472472"/>
+          </a:xfrm>
+          <a:prstGeom prst="rect">
+            <a:avLst/>
+          </a:prstGeom>
+          <a:solidFill>
+            <a:schemeClr val="accent6">
+              <a:lumMod val="60000"/>
+              <a:lumOff val="40000"/>
+              <a:alpha val="50000"/>
+            </a:schemeClr>
+          </a:solidFill>
+          <a:ln w="12700" cap="flat">
+            <a:noFill/>
+            <a:miter lim="400000"/>
+          </a:ln>
+          <a:effectLst/>
+          <a:sp3d/>
+        </p:spPr>
+        <p:style>
+          <a:lnRef idx="0">
+            <a:scrgbClr r="0" g="0" b="0"/>
+          </a:lnRef>
+          <a:fillRef idx="0">
+            <a:scrgbClr r="0" g="0" b="0"/>
+          </a:fillRef>
+          <a:effectRef idx="0">
+            <a:scrgbClr r="0" g="0" b="0"/>
+          </a:effectRef>
+          <a:fontRef idx="none"/>
+        </p:style>
+        <p:txBody>
+          <a:bodyPr rot="0" spcFirstLastPara="1" vertOverflow="overflow" horzOverflow="overflow" vert="horz" wrap="square" lIns="50800" tIns="50800" rIns="50800" bIns="50800" numCol="1" spcCol="38100" rtlCol="0" anchor="ctr">
+            <a:spAutoFit/>
+          </a:bodyPr>
+          <a:lstStyle/>
+          <a:p>
+            <a:pPr algn="l"/>
+            <a:r>
+              <a:rPr lang="en-US" sz="2200" dirty="0">
+                <a:latin typeface="+mn-lt"/>
+                <a:ea typeface="+mn-ea"/>
+                <a:cs typeface="+mn-cs"/>
+              </a:rPr>
+              <a:t>&lt;p&gt;This is a example. &lt;</a:t>
+            </a:r>
+            <a:r>
+              <a:rPr lang="en-US" sz="2200" dirty="0" smtClean="0">
+                <a:latin typeface="+mn-lt"/>
+                <a:ea typeface="+mn-ea"/>
+                <a:cs typeface="+mn-cs"/>
+              </a:rPr>
+              <a:t>b&gt;Append&lt;/</a:t>
+            </a:r>
+            <a:r>
+              <a:rPr lang="en-US" sz="2200" dirty="0">
+                <a:latin typeface="+mn-lt"/>
+                <a:ea typeface="+mn-ea"/>
+                <a:cs typeface="+mn-cs"/>
+              </a:rPr>
+              <a:t>b&gt;&lt;/p&gt; </a:t>
+            </a:r>
+            <a:endParaRPr lang="en-US" sz="2200" dirty="0" smtClean="0">
+              <a:latin typeface="+mn-lt"/>
+              <a:ea typeface="+mn-ea"/>
+              <a:cs typeface="+mn-cs"/>
+            </a:endParaRPr>
+          </a:p>
+          <a:p>
+            <a:pPr algn="l"/>
+            <a:r>
+              <a:rPr lang="en-US" sz="2200" dirty="0" smtClean="0">
+                <a:latin typeface="+mn-lt"/>
+                <a:ea typeface="+mn-ea"/>
+                <a:cs typeface="+mn-cs"/>
+              </a:rPr>
+              <a:t>&lt;</a:t>
+            </a:r>
+            <a:r>
+              <a:rPr lang="en-US" sz="2200" dirty="0" err="1">
+                <a:latin typeface="+mn-lt"/>
+                <a:ea typeface="+mn-ea"/>
+                <a:cs typeface="+mn-cs"/>
+              </a:rPr>
+              <a:t>ol</a:t>
+            </a:r>
+            <a:r>
+              <a:rPr lang="en-US" sz="2200" dirty="0">
+                <a:latin typeface="+mn-lt"/>
+                <a:ea typeface="+mn-ea"/>
+                <a:cs typeface="+mn-cs"/>
+              </a:rPr>
+              <a:t>&gt; </a:t>
+            </a:r>
+          </a:p>
+          <a:p>
+            <a:pPr algn="l"/>
+            <a:r>
+              <a:rPr lang="en-US" sz="2200" dirty="0">
+                <a:latin typeface="+mn-lt"/>
+                <a:ea typeface="+mn-ea"/>
+                <a:cs typeface="+mn-cs"/>
+              </a:rPr>
+              <a:t>	&lt;</a:t>
+            </a:r>
+            <a:r>
+              <a:rPr lang="en-US" sz="2200" dirty="0" smtClean="0">
+                <a:latin typeface="+mn-lt"/>
+                <a:ea typeface="+mn-ea"/>
+                <a:cs typeface="+mn-cs"/>
+              </a:rPr>
+              <a:t>li&gt;Prepend&lt;/</a:t>
+            </a:r>
+            <a:r>
+              <a:rPr lang="en-US" sz="2200" dirty="0">
+                <a:latin typeface="+mn-lt"/>
+                <a:ea typeface="+mn-ea"/>
+                <a:cs typeface="+mn-cs"/>
+              </a:rPr>
+              <a:t>li&gt; </a:t>
+            </a:r>
+            <a:endParaRPr lang="en-US" sz="2200" dirty="0" smtClean="0">
+              <a:latin typeface="+mn-lt"/>
+              <a:ea typeface="+mn-ea"/>
+              <a:cs typeface="+mn-cs"/>
+            </a:endParaRPr>
+          </a:p>
+          <a:p>
+            <a:pPr algn="l"/>
+            <a:r>
+              <a:rPr lang="en-US" sz="2200" dirty="0">
+                <a:latin typeface="+mn-lt"/>
+                <a:ea typeface="+mn-ea"/>
+                <a:cs typeface="+mn-cs"/>
+              </a:rPr>
+              <a:t>	</a:t>
+            </a:r>
+            <a:r>
+              <a:rPr lang="en-US" sz="2200" dirty="0" smtClean="0">
+                <a:latin typeface="+mn-lt"/>
+                <a:ea typeface="+mn-ea"/>
+                <a:cs typeface="+mn-cs"/>
+              </a:rPr>
+              <a:t>&lt;</a:t>
+            </a:r>
+            <a:r>
+              <a:rPr lang="en-US" sz="2200" dirty="0">
+                <a:latin typeface="+mn-lt"/>
+                <a:ea typeface="+mn-ea"/>
+                <a:cs typeface="+mn-cs"/>
+              </a:rPr>
+              <a:t>li&gt;example 1&lt;/li&gt; </a:t>
+            </a:r>
+            <a:endParaRPr lang="en-US" sz="2200" dirty="0" smtClean="0">
+              <a:latin typeface="+mn-lt"/>
+              <a:ea typeface="+mn-ea"/>
+              <a:cs typeface="+mn-cs"/>
+            </a:endParaRPr>
+          </a:p>
+          <a:p>
+            <a:pPr algn="l"/>
+            <a:r>
+              <a:rPr lang="en-US" sz="2200" dirty="0">
+                <a:latin typeface="+mn-lt"/>
+                <a:ea typeface="+mn-ea"/>
+                <a:cs typeface="+mn-cs"/>
+              </a:rPr>
+              <a:t>	</a:t>
+            </a:r>
+            <a:r>
+              <a:rPr lang="en-US" sz="2200" dirty="0" smtClean="0">
+                <a:latin typeface="+mn-lt"/>
+                <a:ea typeface="+mn-ea"/>
+                <a:cs typeface="+mn-cs"/>
+              </a:rPr>
+              <a:t>&lt;</a:t>
+            </a:r>
+            <a:r>
+              <a:rPr lang="en-US" sz="2200" dirty="0">
+                <a:latin typeface="+mn-lt"/>
+                <a:ea typeface="+mn-ea"/>
+                <a:cs typeface="+mn-cs"/>
+              </a:rPr>
+              <a:t>li&gt;example 2&lt;/li&gt; </a:t>
+            </a:r>
+            <a:endParaRPr lang="en-US" sz="2200" dirty="0" smtClean="0">
+              <a:latin typeface="+mn-lt"/>
+              <a:ea typeface="+mn-ea"/>
+              <a:cs typeface="+mn-cs"/>
+            </a:endParaRPr>
+          </a:p>
+          <a:p>
+            <a:pPr algn="l"/>
+            <a:r>
+              <a:rPr lang="en-US" sz="2200" dirty="0">
+                <a:latin typeface="+mn-lt"/>
+                <a:ea typeface="+mn-ea"/>
+                <a:cs typeface="+mn-cs"/>
+              </a:rPr>
+              <a:t>	</a:t>
+            </a:r>
+            <a:r>
+              <a:rPr lang="en-US" sz="2200" dirty="0" smtClean="0">
+                <a:latin typeface="+mn-lt"/>
+                <a:ea typeface="+mn-ea"/>
+                <a:cs typeface="+mn-cs"/>
+              </a:rPr>
+              <a:t>&lt;</a:t>
+            </a:r>
+            <a:r>
+              <a:rPr lang="en-US" sz="2200" dirty="0">
+                <a:latin typeface="+mn-lt"/>
+                <a:ea typeface="+mn-ea"/>
+                <a:cs typeface="+mn-cs"/>
+              </a:rPr>
+              <a:t>li&gt;example 3&lt;/li&gt; </a:t>
+            </a:r>
+            <a:endParaRPr lang="en-US" sz="2200" dirty="0" smtClean="0">
+              <a:latin typeface="+mn-lt"/>
+              <a:ea typeface="+mn-ea"/>
+              <a:cs typeface="+mn-cs"/>
+            </a:endParaRPr>
+          </a:p>
+          <a:p>
+            <a:pPr algn="l"/>
+            <a:r>
+              <a:rPr lang="en-US" sz="2200" dirty="0" smtClean="0">
+                <a:latin typeface="+mn-lt"/>
+                <a:ea typeface="+mn-ea"/>
+                <a:cs typeface="+mn-cs"/>
+              </a:rPr>
+              <a:t>&lt;/</a:t>
+            </a:r>
+            <a:r>
+              <a:rPr lang="en-US" sz="2200" dirty="0" err="1">
+                <a:latin typeface="+mn-lt"/>
+                <a:ea typeface="+mn-ea"/>
+                <a:cs typeface="+mn-cs"/>
+              </a:rPr>
+              <a:t>ol</a:t>
+            </a:r>
+            <a:r>
+              <a:rPr lang="en-US" sz="2200" dirty="0">
+                <a:latin typeface="+mn-lt"/>
+                <a:ea typeface="+mn-ea"/>
+                <a:cs typeface="+mn-cs"/>
+              </a:rPr>
+              <a:t>&gt; </a:t>
+            </a:r>
+            <a:endParaRPr lang="en-US" sz="2200" dirty="0" smtClean="0">
+              <a:latin typeface="+mn-lt"/>
+              <a:ea typeface="+mn-ea"/>
+              <a:cs typeface="+mn-cs"/>
+            </a:endParaRPr>
+          </a:p>
+        </p:txBody>
+      </p:sp>
+    </p:spTree>
+    <p:extLst>
+      <p:ext uri="{BB962C8B-B14F-4D97-AF65-F5344CB8AC3E}">
+        <p14:creationId xmlns:p14="http://schemas.microsoft.com/office/powerpoint/2010/main" val="974178751"/>
+      </p:ext>
+    </p:extLst>
+  </p:cSld>
+  <p:clrMapOvr>
+    <a:masterClrMapping/>
+  </p:clrMapOvr>
+  <p:transition spd="med"/>
+  <p:timing>
+    <p:tnLst>
+      <p:par>
+        <p:cTn id="1" dur="indefinite" restart="never" nodeType="tmRoot"/>
+      </p:par>
+    </p:tnLst>
+  </p:timing>
+</p:sld>
+</file>
+
+<file path=ppt/slides/slide26.xml><?xml version="1.0" encoding="utf-8"?>
+<p:sld xmlns:a="http://schemas.openxmlformats.org/drawingml/2006/main" xmlns:r="http://schemas.openxmlformats.org/officeDocument/2006/relationships" xmlns:p="http://schemas.openxmlformats.org/presentationml/2006/main">
+  <p:cSld>
+    <p:spTree>
+      <p:nvGrpSpPr>
+        <p:cNvPr id="1" name=""/>
+        <p:cNvGrpSpPr/>
+        <p:nvPr/>
+      </p:nvGrpSpPr>
+      <p:grpSpPr>
+        <a:xfrm>
+          <a:off x="0" y="0"/>
+          <a:ext cx="0" cy="0"/>
+          <a:chOff x="0" y="0"/>
+          <a:chExt cx="0" cy="0"/>
+        </a:xfrm>
+      </p:grpSpPr>
+      <p:sp>
+        <p:nvSpPr>
+          <p:cNvPr id="2" name="Title 1"/>
+          <p:cNvSpPr>
+            <a:spLocks noGrp="1"/>
+          </p:cNvSpPr>
+          <p:nvPr>
+            <p:ph type="title"/>
+          </p:nvPr>
+        </p:nvSpPr>
+        <p:spPr/>
+        <p:txBody>
+          <a:bodyPr/>
+          <a:lstStyle/>
+          <a:p>
+            <a:r>
+              <a:rPr lang="en-US" dirty="0" smtClean="0"/>
+              <a:t>After() and Before()</a:t>
+            </a:r>
+            <a:endParaRPr lang="en-US" dirty="0"/>
+          </a:p>
+        </p:txBody>
+      </p:sp>
+      <p:sp>
+        <p:nvSpPr>
+          <p:cNvPr id="3" name="Text Placeholder 2"/>
+          <p:cNvSpPr>
+            <a:spLocks noGrp="1"/>
+          </p:cNvSpPr>
+          <p:nvPr>
+            <p:ph type="body" idx="1"/>
+          </p:nvPr>
+        </p:nvSpPr>
+        <p:spPr>
+          <a:xfrm>
+            <a:off x="355600" y="762553"/>
+            <a:ext cx="12293600" cy="6299200"/>
+          </a:xfrm>
+        </p:spPr>
+        <p:txBody>
+          <a:bodyPr>
+            <a:normAutofit/>
+          </a:bodyPr>
+          <a:lstStyle/>
+          <a:p>
+            <a:r>
+              <a:rPr lang="en-US" sz="3600" dirty="0"/>
+              <a:t>a</a:t>
+            </a:r>
+            <a:r>
+              <a:rPr lang="en-US" sz="3600" dirty="0" smtClean="0"/>
+              <a:t>fter() and before() is very similar with append() and prepend(). However, after() and before() add content outside the selected element while append() and prepend() add content inside the element. </a:t>
+            </a:r>
+            <a:endParaRPr lang="en-US" sz="3600" dirty="0"/>
+          </a:p>
+        </p:txBody>
+      </p:sp>
+      <p:sp>
+        <p:nvSpPr>
+          <p:cNvPr id="6" name="TextBox 5"/>
+          <p:cNvSpPr txBox="1"/>
+          <p:nvPr/>
+        </p:nvSpPr>
+        <p:spPr>
+          <a:xfrm>
+            <a:off x="715618" y="5774221"/>
+            <a:ext cx="10343322" cy="1456809"/>
+          </a:xfrm>
+          <a:prstGeom prst="rect">
+            <a:avLst/>
+          </a:prstGeom>
+          <a:solidFill>
+            <a:schemeClr val="accent6">
+              <a:lumMod val="60000"/>
+              <a:lumOff val="40000"/>
+              <a:alpha val="50000"/>
+            </a:schemeClr>
+          </a:solidFill>
+          <a:ln w="12700" cap="flat">
+            <a:noFill/>
+            <a:miter lim="400000"/>
+          </a:ln>
+          <a:effectLst/>
+          <a:sp3d/>
+        </p:spPr>
+        <p:style>
+          <a:lnRef idx="0">
+            <a:scrgbClr r="0" g="0" b="0"/>
+          </a:lnRef>
+          <a:fillRef idx="0">
+            <a:scrgbClr r="0" g="0" b="0"/>
+          </a:fillRef>
+          <a:effectRef idx="0">
+            <a:scrgbClr r="0" g="0" b="0"/>
+          </a:effectRef>
+          <a:fontRef idx="none"/>
+        </p:style>
+        <p:txBody>
+          <a:bodyPr rot="0" spcFirstLastPara="1" vertOverflow="overflow" horzOverflow="overflow" vert="horz" wrap="square" lIns="50800" tIns="50800" rIns="50800" bIns="50800" numCol="1" spcCol="38100" rtlCol="0" anchor="ctr">
+            <a:spAutoFit/>
+          </a:bodyPr>
+          <a:lstStyle/>
+          <a:p>
+            <a:pPr algn="l"/>
+            <a:r>
+              <a:rPr lang="mr-IN" sz="2200" dirty="0">
+                <a:latin typeface="+mn-lt"/>
+                <a:ea typeface="+mn-ea"/>
+                <a:cs typeface="+mn-cs"/>
+              </a:rPr>
+              <a:t>&lt;</a:t>
+            </a:r>
+            <a:r>
+              <a:rPr lang="mr-IN" sz="2200" dirty="0" err="1">
+                <a:latin typeface="+mn-lt"/>
+                <a:ea typeface="+mn-ea"/>
+                <a:cs typeface="+mn-cs"/>
+              </a:rPr>
+              <a:t>p</a:t>
+            </a:r>
+            <a:r>
+              <a:rPr lang="mr-IN" sz="2200" dirty="0">
+                <a:latin typeface="+mn-lt"/>
+                <a:ea typeface="+mn-ea"/>
+                <a:cs typeface="+mn-cs"/>
+              </a:rPr>
+              <a:t>&gt;</a:t>
+            </a:r>
+            <a:r>
+              <a:rPr lang="mr-IN" sz="2200" dirty="0" err="1">
+                <a:latin typeface="+mn-lt"/>
+                <a:ea typeface="+mn-ea"/>
+                <a:cs typeface="+mn-cs"/>
+              </a:rPr>
+              <a:t>This</a:t>
+            </a:r>
+            <a:r>
+              <a:rPr lang="mr-IN" sz="2200" dirty="0">
+                <a:latin typeface="+mn-lt"/>
+                <a:ea typeface="+mn-ea"/>
+                <a:cs typeface="+mn-cs"/>
+              </a:rPr>
+              <a:t> </a:t>
+            </a:r>
+            <a:r>
+              <a:rPr lang="mr-IN" sz="2200" dirty="0" err="1">
+                <a:latin typeface="+mn-lt"/>
+                <a:ea typeface="+mn-ea"/>
+                <a:cs typeface="+mn-cs"/>
+              </a:rPr>
+              <a:t>is</a:t>
+            </a:r>
+            <a:r>
+              <a:rPr lang="mr-IN" sz="2200" dirty="0">
+                <a:latin typeface="+mn-lt"/>
+                <a:ea typeface="+mn-ea"/>
+                <a:cs typeface="+mn-cs"/>
+              </a:rPr>
+              <a:t> </a:t>
+            </a:r>
+            <a:r>
+              <a:rPr lang="mr-IN" sz="2200" dirty="0" err="1">
+                <a:latin typeface="+mn-lt"/>
+                <a:ea typeface="+mn-ea"/>
+                <a:cs typeface="+mn-cs"/>
+              </a:rPr>
+              <a:t>a</a:t>
+            </a:r>
+            <a:r>
+              <a:rPr lang="mr-IN" sz="2200" dirty="0">
+                <a:latin typeface="+mn-lt"/>
+                <a:ea typeface="+mn-ea"/>
+                <a:cs typeface="+mn-cs"/>
+              </a:rPr>
+              <a:t> </a:t>
+            </a:r>
+            <a:r>
+              <a:rPr lang="mr-IN" sz="2200" dirty="0" err="1">
+                <a:latin typeface="+mn-lt"/>
+                <a:ea typeface="+mn-ea"/>
+                <a:cs typeface="+mn-cs"/>
+              </a:rPr>
+              <a:t>example</a:t>
+            </a:r>
+            <a:r>
+              <a:rPr lang="mr-IN" sz="2200" dirty="0">
+                <a:latin typeface="+mn-lt"/>
+                <a:ea typeface="+mn-ea"/>
+                <a:cs typeface="+mn-cs"/>
+              </a:rPr>
+              <a:t>.&lt;/</a:t>
+            </a:r>
+            <a:r>
+              <a:rPr lang="mr-IN" sz="2200" dirty="0" err="1">
+                <a:latin typeface="+mn-lt"/>
+                <a:ea typeface="+mn-ea"/>
+                <a:cs typeface="+mn-cs"/>
+              </a:rPr>
+              <a:t>p</a:t>
+            </a:r>
+            <a:r>
+              <a:rPr lang="mr-IN" sz="2200" dirty="0">
+                <a:latin typeface="+mn-lt"/>
+                <a:ea typeface="+mn-ea"/>
+                <a:cs typeface="+mn-cs"/>
+              </a:rPr>
+              <a:t>&gt; </a:t>
+            </a:r>
+            <a:endParaRPr lang="en-US" sz="2200" dirty="0" smtClean="0">
+              <a:latin typeface="+mn-lt"/>
+              <a:ea typeface="+mn-ea"/>
+              <a:cs typeface="+mn-cs"/>
+            </a:endParaRPr>
+          </a:p>
+          <a:p>
+            <a:pPr algn="l"/>
+            <a:endParaRPr lang="en-US" sz="2200" dirty="0" smtClean="0">
+              <a:latin typeface="+mn-lt"/>
+              <a:ea typeface="+mn-ea"/>
+              <a:cs typeface="+mn-cs"/>
+            </a:endParaRPr>
+          </a:p>
+          <a:p>
+            <a:pPr algn="l"/>
+            <a:r>
+              <a:rPr lang="mr-IN" sz="2200" dirty="0" smtClean="0">
+                <a:latin typeface="+mn-lt"/>
+                <a:ea typeface="+mn-ea"/>
+                <a:cs typeface="+mn-cs"/>
+              </a:rPr>
+              <a:t>$("</a:t>
+            </a:r>
+            <a:r>
+              <a:rPr lang="mr-IN" sz="2200" dirty="0" err="1">
+                <a:latin typeface="+mn-lt"/>
+                <a:ea typeface="+mn-ea"/>
+                <a:cs typeface="+mn-cs"/>
+              </a:rPr>
+              <a:t>p</a:t>
+            </a:r>
+            <a:r>
+              <a:rPr lang="mr-IN" sz="2200" dirty="0">
+                <a:latin typeface="+mn-lt"/>
+                <a:ea typeface="+mn-ea"/>
+                <a:cs typeface="+mn-cs"/>
+              </a:rPr>
+              <a:t>").</a:t>
+            </a:r>
+            <a:r>
+              <a:rPr lang="mr-IN" sz="2200" dirty="0" err="1">
+                <a:latin typeface="+mn-lt"/>
+                <a:ea typeface="+mn-ea"/>
+                <a:cs typeface="+mn-cs"/>
+              </a:rPr>
+              <a:t>after</a:t>
+            </a:r>
+            <a:r>
+              <a:rPr lang="mr-IN" sz="2200" dirty="0">
+                <a:latin typeface="+mn-lt"/>
+                <a:ea typeface="+mn-ea"/>
+                <a:cs typeface="+mn-cs"/>
+              </a:rPr>
+              <a:t>("&lt;</a:t>
+            </a:r>
+            <a:r>
+              <a:rPr lang="mr-IN" sz="2200" dirty="0" err="1">
+                <a:latin typeface="+mn-lt"/>
+                <a:ea typeface="+mn-ea"/>
+                <a:cs typeface="+mn-cs"/>
+              </a:rPr>
+              <a:t>b</a:t>
+            </a:r>
+            <a:r>
+              <a:rPr lang="mr-IN" sz="2200" dirty="0">
+                <a:latin typeface="+mn-lt"/>
+                <a:ea typeface="+mn-ea"/>
+                <a:cs typeface="+mn-cs"/>
+              </a:rPr>
+              <a:t>&gt;</a:t>
+            </a:r>
+            <a:r>
+              <a:rPr lang="mr-IN" sz="2200" dirty="0" err="1">
+                <a:latin typeface="+mn-lt"/>
+                <a:ea typeface="+mn-ea"/>
+                <a:cs typeface="+mn-cs"/>
+              </a:rPr>
+              <a:t>Before</a:t>
+            </a:r>
+            <a:r>
+              <a:rPr lang="mr-IN" sz="2200" dirty="0">
+                <a:latin typeface="+mn-lt"/>
+                <a:ea typeface="+mn-ea"/>
+                <a:cs typeface="+mn-cs"/>
+              </a:rPr>
+              <a:t>&lt;/</a:t>
+            </a:r>
+            <a:r>
+              <a:rPr lang="mr-IN" sz="2200" dirty="0" err="1">
+                <a:latin typeface="+mn-lt"/>
+                <a:ea typeface="+mn-ea"/>
+                <a:cs typeface="+mn-cs"/>
+              </a:rPr>
+              <a:t>b</a:t>
+            </a:r>
+            <a:r>
+              <a:rPr lang="mr-IN" sz="2200" dirty="0">
+                <a:latin typeface="+mn-lt"/>
+                <a:ea typeface="+mn-ea"/>
+                <a:cs typeface="+mn-cs"/>
+              </a:rPr>
+              <a:t>&gt;"); </a:t>
+            </a:r>
+            <a:endParaRPr lang="en-US" sz="2200" dirty="0" smtClean="0">
+              <a:latin typeface="+mn-lt"/>
+              <a:ea typeface="+mn-ea"/>
+              <a:cs typeface="+mn-cs"/>
+            </a:endParaRPr>
+          </a:p>
+          <a:p>
+            <a:pPr algn="l"/>
+            <a:r>
+              <a:rPr lang="mr-IN" sz="2200" dirty="0" smtClean="0">
+                <a:latin typeface="+mn-lt"/>
+                <a:ea typeface="+mn-ea"/>
+                <a:cs typeface="+mn-cs"/>
+              </a:rPr>
+              <a:t>$("</a:t>
+            </a:r>
+            <a:r>
+              <a:rPr lang="mr-IN" sz="2200" dirty="0" err="1">
+                <a:latin typeface="+mn-lt"/>
+                <a:ea typeface="+mn-ea"/>
+                <a:cs typeface="+mn-cs"/>
+              </a:rPr>
+              <a:t>p</a:t>
+            </a:r>
+            <a:r>
+              <a:rPr lang="mr-IN" sz="2200" dirty="0">
+                <a:latin typeface="+mn-lt"/>
+                <a:ea typeface="+mn-ea"/>
+                <a:cs typeface="+mn-cs"/>
+              </a:rPr>
+              <a:t>").</a:t>
+            </a:r>
+            <a:r>
+              <a:rPr lang="mr-IN" sz="2200" dirty="0" err="1">
+                <a:latin typeface="+mn-lt"/>
+                <a:ea typeface="+mn-ea"/>
+                <a:cs typeface="+mn-cs"/>
+              </a:rPr>
+              <a:t>before</a:t>
+            </a:r>
+            <a:r>
+              <a:rPr lang="mr-IN" sz="2200" dirty="0">
+                <a:latin typeface="+mn-lt"/>
+                <a:ea typeface="+mn-ea"/>
+                <a:cs typeface="+mn-cs"/>
+              </a:rPr>
+              <a:t>("&lt;</a:t>
+            </a:r>
+            <a:r>
+              <a:rPr lang="mr-IN" sz="2200" dirty="0" err="1">
+                <a:latin typeface="+mn-lt"/>
+                <a:ea typeface="+mn-ea"/>
+                <a:cs typeface="+mn-cs"/>
+              </a:rPr>
+              <a:t>i</a:t>
+            </a:r>
+            <a:r>
+              <a:rPr lang="mr-IN" sz="2200" dirty="0">
+                <a:latin typeface="+mn-lt"/>
+                <a:ea typeface="+mn-ea"/>
+                <a:cs typeface="+mn-cs"/>
+              </a:rPr>
+              <a:t>&gt;</a:t>
+            </a:r>
+            <a:r>
+              <a:rPr lang="mr-IN" sz="2200" dirty="0" err="1">
+                <a:latin typeface="+mn-lt"/>
+                <a:ea typeface="+mn-ea"/>
+                <a:cs typeface="+mn-cs"/>
+              </a:rPr>
+              <a:t>After</a:t>
+            </a:r>
+            <a:r>
+              <a:rPr lang="mr-IN" sz="2200" dirty="0">
+                <a:latin typeface="+mn-lt"/>
+                <a:ea typeface="+mn-ea"/>
+                <a:cs typeface="+mn-cs"/>
+              </a:rPr>
+              <a:t>&lt;/</a:t>
+            </a:r>
+            <a:r>
+              <a:rPr lang="mr-IN" sz="2200" dirty="0" err="1">
+                <a:latin typeface="+mn-lt"/>
+                <a:ea typeface="+mn-ea"/>
+                <a:cs typeface="+mn-cs"/>
+              </a:rPr>
+              <a:t>i</a:t>
+            </a:r>
+            <a:r>
+              <a:rPr lang="mr-IN" sz="2200" dirty="0">
+                <a:latin typeface="+mn-lt"/>
+                <a:ea typeface="+mn-ea"/>
+                <a:cs typeface="+mn-cs"/>
+              </a:rPr>
+              <a:t>&gt;"); </a:t>
+            </a:r>
+            <a:endParaRPr lang="en-US" sz="2200" dirty="0" smtClean="0">
+              <a:latin typeface="+mn-lt"/>
+              <a:ea typeface="+mn-ea"/>
+              <a:cs typeface="+mn-cs"/>
+            </a:endParaRPr>
+          </a:p>
+        </p:txBody>
+      </p:sp>
+      <p:sp>
+        <p:nvSpPr>
+          <p:cNvPr id="8" name="TextBox 7"/>
+          <p:cNvSpPr txBox="1"/>
+          <p:nvPr/>
+        </p:nvSpPr>
+        <p:spPr>
+          <a:xfrm>
+            <a:off x="715618" y="8078137"/>
+            <a:ext cx="10343322" cy="441146"/>
+          </a:xfrm>
+          <a:prstGeom prst="rect">
+            <a:avLst/>
+          </a:prstGeom>
+          <a:solidFill>
+            <a:schemeClr val="accent6">
+              <a:lumMod val="60000"/>
+              <a:lumOff val="40000"/>
+              <a:alpha val="50000"/>
+            </a:schemeClr>
+          </a:solidFill>
+          <a:ln w="12700" cap="flat">
+            <a:noFill/>
+            <a:miter lim="400000"/>
+          </a:ln>
+          <a:effectLst/>
+          <a:sp3d/>
+        </p:spPr>
+        <p:style>
+          <a:lnRef idx="0">
+            <a:scrgbClr r="0" g="0" b="0"/>
+          </a:lnRef>
+          <a:fillRef idx="0">
+            <a:scrgbClr r="0" g="0" b="0"/>
+          </a:fillRef>
+          <a:effectRef idx="0">
+            <a:scrgbClr r="0" g="0" b="0"/>
+          </a:effectRef>
+          <a:fontRef idx="none"/>
+        </p:style>
+        <p:txBody>
+          <a:bodyPr rot="0" spcFirstLastPara="1" vertOverflow="overflow" horzOverflow="overflow" vert="horz" wrap="square" lIns="50800" tIns="50800" rIns="50800" bIns="50800" numCol="1" spcCol="38100" rtlCol="0" anchor="ctr">
+            <a:spAutoFit/>
+          </a:bodyPr>
+          <a:lstStyle/>
+          <a:p>
+            <a:pPr algn="l"/>
+            <a:r>
+              <a:rPr lang="en-US" sz="2200" dirty="0">
+                <a:latin typeface="+mn-lt"/>
+                <a:ea typeface="+mn-ea"/>
+                <a:cs typeface="+mn-cs"/>
+              </a:rPr>
+              <a:t>&lt;b&gt;Before&lt;/b&gt;&lt;p&gt;This is a example.&lt;/p&gt;&lt;</a:t>
+            </a:r>
+            <a:r>
+              <a:rPr lang="en-US" sz="2200" dirty="0" err="1">
+                <a:latin typeface="+mn-lt"/>
+                <a:ea typeface="+mn-ea"/>
+                <a:cs typeface="+mn-cs"/>
+              </a:rPr>
+              <a:t>i</a:t>
+            </a:r>
+            <a:r>
+              <a:rPr lang="en-US" sz="2200" dirty="0">
+                <a:latin typeface="+mn-lt"/>
+                <a:ea typeface="+mn-ea"/>
+                <a:cs typeface="+mn-cs"/>
+              </a:rPr>
+              <a:t>&gt;After&lt;/</a:t>
+            </a:r>
+            <a:r>
+              <a:rPr lang="en-US" sz="2200" dirty="0" err="1">
+                <a:latin typeface="+mn-lt"/>
+                <a:ea typeface="+mn-ea"/>
+                <a:cs typeface="+mn-cs"/>
+              </a:rPr>
+              <a:t>i</a:t>
+            </a:r>
+            <a:r>
+              <a:rPr lang="en-US" sz="2200" dirty="0">
+                <a:latin typeface="+mn-lt"/>
+                <a:ea typeface="+mn-ea"/>
+                <a:cs typeface="+mn-cs"/>
+              </a:rPr>
+              <a:t>&gt;</a:t>
+            </a:r>
+            <a:endParaRPr lang="en-US" sz="2200" dirty="0" smtClean="0">
+              <a:latin typeface="+mn-lt"/>
+              <a:ea typeface="+mn-ea"/>
+              <a:cs typeface="+mn-cs"/>
+            </a:endParaRPr>
+          </a:p>
+        </p:txBody>
+      </p:sp>
+    </p:spTree>
+    <p:extLst>
+      <p:ext uri="{BB962C8B-B14F-4D97-AF65-F5344CB8AC3E}">
+        <p14:creationId xmlns:p14="http://schemas.microsoft.com/office/powerpoint/2010/main" val="1309299895"/>
+      </p:ext>
+    </p:extLst>
+  </p:cSld>
+  <p:clrMapOvr>
+    <a:masterClrMapping/>
+  </p:clrMapOvr>
+  <p:transition spd="med"/>
+  <p:timing>
+    <p:tnLst>
+      <p:par>
+        <p:cTn id="1" dur="indefinite" restart="never" nodeType="tmRoot"/>
+      </p:par>
+    </p:tnLst>
+  </p:timing>
+</p:sld>
+</file>
+
+<file path=ppt/slides/slide27.xml><?xml version="1.0" encoding="utf-8"?>
+<p:sld xmlns:a="http://schemas.openxmlformats.org/drawingml/2006/main" xmlns:r="http://schemas.openxmlformats.org/officeDocument/2006/relationships" xmlns:p="http://schemas.openxmlformats.org/presentationml/2006/main">
+  <p:cSld>
+    <p:spTree>
+      <p:nvGrpSpPr>
+        <p:cNvPr id="1" name=""/>
+        <p:cNvGrpSpPr/>
+        <p:nvPr/>
+      </p:nvGrpSpPr>
+      <p:grpSpPr>
+        <a:xfrm>
+          <a:off x="0" y="0"/>
+          <a:ext cx="0" cy="0"/>
+          <a:chOff x="0" y="0"/>
+          <a:chExt cx="0" cy="0"/>
+        </a:xfrm>
+      </p:grpSpPr>
+      <p:sp>
+        <p:nvSpPr>
+          <p:cNvPr id="2" name="Title 1"/>
+          <p:cNvSpPr>
+            <a:spLocks noGrp="1"/>
+          </p:cNvSpPr>
+          <p:nvPr>
+            <p:ph type="title"/>
+          </p:nvPr>
+        </p:nvSpPr>
+        <p:spPr/>
+        <p:txBody>
+          <a:bodyPr/>
+          <a:lstStyle/>
+          <a:p>
+            <a:r>
+              <a:rPr lang="en-US" dirty="0" smtClean="0"/>
+              <a:t>Remove content</a:t>
+            </a:r>
+            <a:endParaRPr lang="en-US" dirty="0"/>
+          </a:p>
+        </p:txBody>
+      </p:sp>
+      <p:sp>
+        <p:nvSpPr>
+          <p:cNvPr id="3" name="Text Placeholder 2"/>
+          <p:cNvSpPr>
+            <a:spLocks noGrp="1"/>
+          </p:cNvSpPr>
+          <p:nvPr>
+            <p:ph type="body" idx="1"/>
+          </p:nvPr>
+        </p:nvSpPr>
+        <p:spPr/>
+        <p:txBody>
+          <a:bodyPr>
+            <a:normAutofit fontScale="92500"/>
+          </a:bodyPr>
+          <a:lstStyle/>
+          <a:p>
+            <a:r>
+              <a:rPr lang="en-US" dirty="0"/>
+              <a:t>Here are two JQuery methods to remove content: </a:t>
+            </a:r>
+          </a:p>
+          <a:p>
+            <a:pPr lvl="1"/>
+            <a:r>
+              <a:rPr lang="en-US" dirty="0" smtClean="0"/>
+              <a:t>remove()</a:t>
+            </a:r>
+            <a:r>
+              <a:rPr lang="en-US" dirty="0"/>
+              <a:t> - Removes the selected element and its child elements</a:t>
+            </a:r>
+          </a:p>
+          <a:p>
+            <a:pPr lvl="1"/>
+            <a:r>
+              <a:rPr lang="en-US" dirty="0"/>
+              <a:t>e</a:t>
+            </a:r>
+            <a:r>
+              <a:rPr lang="en-US" dirty="0" smtClean="0"/>
+              <a:t>mpty()</a:t>
+            </a:r>
+            <a:r>
+              <a:rPr lang="en-US" dirty="0"/>
+              <a:t> - Removes the child elements from the selected </a:t>
+            </a:r>
+            <a:r>
+              <a:rPr lang="en-US" dirty="0" smtClean="0"/>
+              <a:t>element</a:t>
+            </a:r>
+            <a:r>
+              <a:rPr lang="en-US" dirty="0"/>
+              <a:t/>
+            </a:r>
+            <a:br>
+              <a:rPr lang="en-US" dirty="0"/>
+            </a:br>
+            <a:endParaRPr lang="en-US" dirty="0"/>
+          </a:p>
+        </p:txBody>
+      </p:sp>
+    </p:spTree>
+    <p:extLst>
+      <p:ext uri="{BB962C8B-B14F-4D97-AF65-F5344CB8AC3E}">
+        <p14:creationId xmlns:p14="http://schemas.microsoft.com/office/powerpoint/2010/main" val="473146539"/>
+      </p:ext>
+    </p:extLst>
+  </p:cSld>
+  <p:clrMapOvr>
+    <a:masterClrMapping/>
+  </p:clrMapOvr>
+  <p:transition spd="med"/>
+  <p:timing>
+    <p:tnLst>
+      <p:par>
+        <p:cTn id="1" dur="indefinite" restart="never" nodeType="tmRoot"/>
+      </p:par>
+    </p:tnLst>
+  </p:timing>
+</p:sld>
+</file>
+
+<file path=ppt/slides/slide28.xml><?xml version="1.0" encoding="utf-8"?>
+<p:sld xmlns:a="http://schemas.openxmlformats.org/drawingml/2006/main" xmlns:r="http://schemas.openxmlformats.org/officeDocument/2006/relationships" xmlns:p="http://schemas.openxmlformats.org/presentationml/2006/main">
+  <p:cSld>
+    <p:spTree>
+      <p:nvGrpSpPr>
+        <p:cNvPr id="1" name=""/>
+        <p:cNvGrpSpPr/>
+        <p:nvPr/>
+      </p:nvGrpSpPr>
+      <p:grpSpPr>
+        <a:xfrm>
+          <a:off x="0" y="0"/>
+          <a:ext cx="0" cy="0"/>
+          <a:chOff x="0" y="0"/>
+          <a:chExt cx="0" cy="0"/>
+        </a:xfrm>
+      </p:grpSpPr>
+      <p:sp>
+        <p:nvSpPr>
+          <p:cNvPr id="2" name="Title 1"/>
+          <p:cNvSpPr>
+            <a:spLocks noGrp="1"/>
+          </p:cNvSpPr>
+          <p:nvPr>
+            <p:ph type="title"/>
+          </p:nvPr>
+        </p:nvSpPr>
+        <p:spPr/>
+        <p:txBody>
+          <a:bodyPr/>
+          <a:lstStyle/>
+          <a:p>
+            <a:r>
+              <a:rPr lang="en-US" dirty="0" smtClean="0"/>
+              <a:t>Remove() as filter</a:t>
+            </a:r>
+            <a:endParaRPr lang="en-US" dirty="0"/>
+          </a:p>
+        </p:txBody>
+      </p:sp>
+      <p:sp>
+        <p:nvSpPr>
+          <p:cNvPr id="3" name="Text Placeholder 2"/>
+          <p:cNvSpPr>
+            <a:spLocks noGrp="1"/>
+          </p:cNvSpPr>
+          <p:nvPr>
+            <p:ph type="body" idx="1"/>
+          </p:nvPr>
+        </p:nvSpPr>
+        <p:spPr>
+          <a:xfrm>
+            <a:off x="355600" y="2692400"/>
+            <a:ext cx="12293600" cy="4636604"/>
+          </a:xfrm>
+        </p:spPr>
+        <p:txBody>
+          <a:bodyPr/>
+          <a:lstStyle/>
+          <a:p>
+            <a:r>
+              <a:rPr lang="en-US" dirty="0" smtClean="0"/>
+              <a:t>You can add </a:t>
+            </a:r>
+            <a:r>
+              <a:rPr lang="en-US" dirty="0"/>
+              <a:t>any selector </a:t>
+            </a:r>
+            <a:r>
+              <a:rPr lang="en-US" dirty="0" smtClean="0"/>
+              <a:t>syntax as parameter to remove() so that remove() will only remove those that are selected by the selector.</a:t>
+            </a:r>
+          </a:p>
+        </p:txBody>
+      </p:sp>
+      <p:sp>
+        <p:nvSpPr>
+          <p:cNvPr id="4" name="TextBox 3"/>
+          <p:cNvSpPr txBox="1"/>
+          <p:nvPr/>
+        </p:nvSpPr>
+        <p:spPr>
+          <a:xfrm>
+            <a:off x="795131" y="6719374"/>
+            <a:ext cx="10343322" cy="441146"/>
+          </a:xfrm>
+          <a:prstGeom prst="rect">
+            <a:avLst/>
+          </a:prstGeom>
+          <a:solidFill>
+            <a:schemeClr val="accent6">
+              <a:lumMod val="60000"/>
+              <a:lumOff val="40000"/>
+              <a:alpha val="50000"/>
+            </a:schemeClr>
+          </a:solidFill>
+          <a:ln w="12700" cap="flat">
+            <a:noFill/>
+            <a:miter lim="400000"/>
+          </a:ln>
+          <a:effectLst/>
+          <a:sp3d/>
+        </p:spPr>
+        <p:style>
+          <a:lnRef idx="0">
+            <a:scrgbClr r="0" g="0" b="0"/>
+          </a:lnRef>
+          <a:fillRef idx="0">
+            <a:scrgbClr r="0" g="0" b="0"/>
+          </a:fillRef>
+          <a:effectRef idx="0">
+            <a:scrgbClr r="0" g="0" b="0"/>
+          </a:effectRef>
+          <a:fontRef idx="none"/>
+        </p:style>
+        <p:txBody>
+          <a:bodyPr rot="0" spcFirstLastPara="1" vertOverflow="overflow" horzOverflow="overflow" vert="horz" wrap="square" lIns="50800" tIns="50800" rIns="50800" bIns="50800" numCol="1" spcCol="38100" rtlCol="0" anchor="ctr">
+            <a:spAutoFit/>
+          </a:bodyPr>
+          <a:lstStyle/>
+          <a:p>
+            <a:pPr algn="l"/>
+            <a:r>
+              <a:rPr lang="mr-IN" sz="2200" dirty="0">
+                <a:latin typeface="+mn-lt"/>
+                <a:ea typeface="+mn-ea"/>
+                <a:cs typeface="+mn-cs"/>
+              </a:rPr>
+              <a:t>$("</a:t>
+            </a:r>
+            <a:r>
+              <a:rPr lang="mr-IN" sz="2200" dirty="0" err="1">
+                <a:latin typeface="+mn-lt"/>
+                <a:ea typeface="+mn-ea"/>
+                <a:cs typeface="+mn-cs"/>
+              </a:rPr>
+              <a:t>p</a:t>
+            </a:r>
+            <a:r>
+              <a:rPr lang="mr-IN" sz="2200" dirty="0">
+                <a:latin typeface="+mn-lt"/>
+                <a:ea typeface="+mn-ea"/>
+                <a:cs typeface="+mn-cs"/>
+              </a:rPr>
+              <a:t>").</a:t>
+            </a:r>
+            <a:r>
+              <a:rPr lang="mr-IN" sz="2200" dirty="0" err="1">
+                <a:latin typeface="+mn-lt"/>
+                <a:ea typeface="+mn-ea"/>
+                <a:cs typeface="+mn-cs"/>
+              </a:rPr>
+              <a:t>remove</a:t>
+            </a:r>
+            <a:r>
+              <a:rPr lang="mr-IN" sz="2200" dirty="0">
+                <a:latin typeface="+mn-lt"/>
+                <a:ea typeface="+mn-ea"/>
+                <a:cs typeface="+mn-cs"/>
+              </a:rPr>
+              <a:t>(".</a:t>
+            </a:r>
+            <a:r>
+              <a:rPr lang="mr-IN" sz="2200" dirty="0" err="1">
+                <a:latin typeface="+mn-lt"/>
+                <a:ea typeface="+mn-ea"/>
+                <a:cs typeface="+mn-cs"/>
+              </a:rPr>
+              <a:t>test</a:t>
+            </a:r>
+            <a:r>
+              <a:rPr lang="mr-IN" sz="2200" dirty="0">
+                <a:latin typeface="+mn-lt"/>
+                <a:ea typeface="+mn-ea"/>
+                <a:cs typeface="+mn-cs"/>
+              </a:rPr>
+              <a:t>");</a:t>
+            </a:r>
+            <a:endParaRPr lang="en-US" sz="2200" dirty="0" smtClean="0">
+              <a:latin typeface="+mn-lt"/>
+              <a:ea typeface="+mn-ea"/>
+              <a:cs typeface="+mn-cs"/>
+            </a:endParaRPr>
+          </a:p>
+        </p:txBody>
+      </p:sp>
+    </p:spTree>
+    <p:extLst>
+      <p:ext uri="{BB962C8B-B14F-4D97-AF65-F5344CB8AC3E}">
+        <p14:creationId xmlns:p14="http://schemas.microsoft.com/office/powerpoint/2010/main" val="1263709281"/>
+      </p:ext>
+    </p:extLst>
+  </p:cSld>
+  <p:clrMapOvr>
+    <a:masterClrMapping/>
+  </p:clrMapOvr>
+  <p:transition spd="med"/>
+  <p:timing>
+    <p:tnLst>
+      <p:par>
+        <p:cTn id="1" dur="indefinite" restart="never" nodeType="tmRoot"/>
+      </p:par>
+    </p:tnLst>
+  </p:timing>
+</p:sld>
+</file>
+
+<file path=ppt/slides/slide29.xml><?xml version="1.0" encoding="utf-8"?>
+<p:sld xmlns:a="http://schemas.openxmlformats.org/drawingml/2006/main" xmlns:r="http://schemas.openxmlformats.org/officeDocument/2006/relationships" xmlns:p="http://schemas.openxmlformats.org/presentationml/2006/main">
+  <p:cSld>
+    <p:spTree>
+      <p:nvGrpSpPr>
+        <p:cNvPr id="1" name=""/>
+        <p:cNvGrpSpPr/>
+        <p:nvPr/>
+      </p:nvGrpSpPr>
+      <p:grpSpPr>
+        <a:xfrm>
+          <a:off x="0" y="0"/>
+          <a:ext cx="0" cy="0"/>
+          <a:chOff x="0" y="0"/>
+          <a:chExt cx="0" cy="0"/>
+        </a:xfrm>
+      </p:grpSpPr>
+      <p:sp>
+        <p:nvSpPr>
+          <p:cNvPr id="2" name="Title 1"/>
+          <p:cNvSpPr>
+            <a:spLocks noGrp="1"/>
+          </p:cNvSpPr>
+          <p:nvPr>
+            <p:ph type="title"/>
+          </p:nvPr>
+        </p:nvSpPr>
+        <p:spPr/>
+        <p:txBody>
+          <a:bodyPr/>
+          <a:lstStyle/>
+          <a:p>
+            <a:r>
+              <a:rPr lang="en-US" dirty="0" smtClean="0"/>
+              <a:t>Modifying CSS</a:t>
+            </a:r>
+            <a:endParaRPr lang="en-US" dirty="0"/>
+          </a:p>
+        </p:txBody>
+      </p:sp>
+      <p:sp>
+        <p:nvSpPr>
+          <p:cNvPr id="3" name="Text Placeholder 2"/>
+          <p:cNvSpPr>
+            <a:spLocks noGrp="1"/>
+          </p:cNvSpPr>
+          <p:nvPr>
+            <p:ph type="body" idx="1"/>
+          </p:nvPr>
+        </p:nvSpPr>
+        <p:spPr/>
+        <p:txBody>
+          <a:bodyPr/>
+          <a:lstStyle/>
+          <a:p>
+            <a:r>
+              <a:rPr lang="en-US" sz="3600" dirty="0"/>
+              <a:t>JQuery provides </a:t>
+            </a:r>
+            <a:r>
+              <a:rPr lang="en-US" sz="3600" dirty="0" err="1"/>
+              <a:t>css</a:t>
+            </a:r>
+            <a:r>
+              <a:rPr lang="en-US" sz="3600" dirty="0"/>
+              <a:t>() to set and return the </a:t>
+            </a:r>
+            <a:r>
+              <a:rPr lang="en-US" sz="3600" dirty="0" smtClean="0"/>
+              <a:t>specified </a:t>
+            </a:r>
+            <a:r>
+              <a:rPr lang="en-US" sz="3600" dirty="0"/>
+              <a:t>CSS property of selected elements.</a:t>
+            </a:r>
+            <a:br>
+              <a:rPr lang="en-US" sz="3600" dirty="0"/>
+            </a:br>
+            <a:r>
+              <a:rPr lang="en-US" sz="3600" dirty="0"/>
+              <a:t>The following syntax is used to return CSS </a:t>
+            </a:r>
+            <a:r>
+              <a:rPr lang="en-US" sz="3600" dirty="0" smtClean="0"/>
+              <a:t>property: </a:t>
+            </a:r>
+            <a:r>
+              <a:rPr lang="en-US" sz="3600" dirty="0" err="1" smtClean="0"/>
+              <a:t>css</a:t>
+            </a:r>
+            <a:r>
+              <a:rPr lang="en-US" sz="3600" dirty="0" smtClean="0"/>
+              <a:t>("property name");</a:t>
+            </a:r>
+            <a:r>
+              <a:rPr lang="en-US" sz="3600" dirty="0"/>
+              <a:t> </a:t>
+            </a:r>
+            <a:endParaRPr lang="en-US" dirty="0" smtClean="0"/>
+          </a:p>
+          <a:p>
+            <a:endParaRPr lang="en-US" dirty="0"/>
+          </a:p>
+        </p:txBody>
+      </p:sp>
+      <p:sp>
+        <p:nvSpPr>
+          <p:cNvPr id="4" name="TextBox 3"/>
+          <p:cNvSpPr txBox="1"/>
+          <p:nvPr/>
+        </p:nvSpPr>
+        <p:spPr>
+          <a:xfrm>
+            <a:off x="775253" y="6977167"/>
+            <a:ext cx="10343322" cy="1118255"/>
+          </a:xfrm>
+          <a:prstGeom prst="rect">
+            <a:avLst/>
+          </a:prstGeom>
+          <a:solidFill>
+            <a:schemeClr val="accent6">
+              <a:lumMod val="60000"/>
+              <a:lumOff val="40000"/>
+              <a:alpha val="50000"/>
+            </a:schemeClr>
+          </a:solidFill>
+          <a:ln w="12700" cap="flat">
+            <a:noFill/>
+            <a:miter lim="400000"/>
+          </a:ln>
+          <a:effectLst/>
+          <a:sp3d/>
+        </p:spPr>
+        <p:style>
+          <a:lnRef idx="0">
+            <a:scrgbClr r="0" g="0" b="0"/>
+          </a:lnRef>
+          <a:fillRef idx="0">
+            <a:scrgbClr r="0" g="0" b="0"/>
+          </a:fillRef>
+          <a:effectRef idx="0">
+            <a:scrgbClr r="0" g="0" b="0"/>
+          </a:effectRef>
+          <a:fontRef idx="none"/>
+        </p:style>
+        <p:txBody>
+          <a:bodyPr rot="0" spcFirstLastPara="1" vertOverflow="overflow" horzOverflow="overflow" vert="horz" wrap="square" lIns="50800" tIns="50800" rIns="50800" bIns="50800" numCol="1" spcCol="38100" rtlCol="0" anchor="ctr">
+            <a:spAutoFit/>
+          </a:bodyPr>
+          <a:lstStyle/>
+          <a:p>
+            <a:pPr algn="l"/>
+            <a:r>
+              <a:rPr lang="en-US" sz="2200" dirty="0">
+                <a:latin typeface="+mn-lt"/>
+                <a:ea typeface="+mn-ea"/>
+                <a:cs typeface="+mn-cs"/>
+              </a:rPr>
+              <a:t>&lt;p style="background-color:#ff0000"&gt;This is a </a:t>
+            </a:r>
+            <a:r>
+              <a:rPr lang="en-US" sz="2200" dirty="0" smtClean="0">
+                <a:latin typeface="+mn-lt"/>
+                <a:ea typeface="+mn-ea"/>
+                <a:cs typeface="+mn-cs"/>
+              </a:rPr>
+              <a:t>example.&lt;/</a:t>
+            </a:r>
+            <a:r>
+              <a:rPr lang="en-US" sz="2200" dirty="0">
+                <a:latin typeface="+mn-lt"/>
+                <a:ea typeface="+mn-ea"/>
+                <a:cs typeface="+mn-cs"/>
+              </a:rPr>
+              <a:t>p</a:t>
+            </a:r>
+            <a:r>
+              <a:rPr lang="en-US" sz="2200" dirty="0" smtClean="0">
+                <a:latin typeface="+mn-lt"/>
+                <a:ea typeface="+mn-ea"/>
+                <a:cs typeface="+mn-cs"/>
+              </a:rPr>
+              <a:t>&gt;</a:t>
+            </a:r>
+          </a:p>
+          <a:p>
+            <a:pPr algn="l"/>
+            <a:endParaRPr lang="en-US" sz="2200" dirty="0">
+              <a:latin typeface="+mn-lt"/>
+              <a:ea typeface="+mn-ea"/>
+              <a:cs typeface="+mn-cs"/>
+            </a:endParaRPr>
+          </a:p>
+          <a:p>
+            <a:pPr algn="l"/>
+            <a:r>
+              <a:rPr lang="en-US" sz="2200" dirty="0" smtClean="0">
+                <a:latin typeface="+mn-lt"/>
+                <a:ea typeface="+mn-ea"/>
+                <a:cs typeface="+mn-cs"/>
+              </a:rPr>
+              <a:t>$("</a:t>
+            </a:r>
+            <a:r>
+              <a:rPr lang="en-US" sz="2200" dirty="0">
+                <a:latin typeface="+mn-lt"/>
+                <a:ea typeface="+mn-ea"/>
+                <a:cs typeface="+mn-cs"/>
+              </a:rPr>
+              <a:t>p").</a:t>
+            </a:r>
+            <a:r>
+              <a:rPr lang="en-US" sz="2200" dirty="0" err="1">
+                <a:latin typeface="+mn-lt"/>
+                <a:ea typeface="+mn-ea"/>
+                <a:cs typeface="+mn-cs"/>
+              </a:rPr>
+              <a:t>css</a:t>
+            </a:r>
+            <a:r>
+              <a:rPr lang="en-US" sz="2200" dirty="0">
+                <a:latin typeface="+mn-lt"/>
+                <a:ea typeface="+mn-ea"/>
+                <a:cs typeface="+mn-cs"/>
+              </a:rPr>
+              <a:t>("background-color");</a:t>
+            </a:r>
+            <a:endParaRPr lang="en-US" sz="2200" dirty="0" smtClean="0">
+              <a:latin typeface="+mn-lt"/>
+              <a:ea typeface="+mn-ea"/>
+              <a:cs typeface="+mn-cs"/>
+            </a:endParaRPr>
+          </a:p>
+        </p:txBody>
+      </p:sp>
+    </p:spTree>
+    <p:extLst>
+      <p:ext uri="{BB962C8B-B14F-4D97-AF65-F5344CB8AC3E}">
+        <p14:creationId xmlns:p14="http://schemas.microsoft.com/office/powerpoint/2010/main" val="2088210757"/>
+      </p:ext>
+    </p:extLst>
+  </p:cSld>
+  <p:clrMapOvr>
+    <a:masterClrMapping/>
+  </p:clrMapOvr>
+  <p:transition spd="med"/>
+  <p:timing>
+    <p:tnLst>
+      <p:par>
+        <p:cTn id="1" dur="indefinite" restart="never" nodeType="tmRoot"/>
+      </p:par>
+    </p:tnLst>
+  </p:timing>
+</p:sld>
+</file>
+
+<file path=ppt/slides/slide3.xml><?xml version="1.0" encoding="utf-8"?>
+<p:sld xmlns:a="http://schemas.openxmlformats.org/drawingml/2006/main" xmlns:r="http://schemas.openxmlformats.org/officeDocument/2006/relationships" xmlns:p="http://schemas.openxmlformats.org/presentationml/2006/main">
+  <p:cSld>
+    <p:spTree>
+      <p:nvGrpSpPr>
+        <p:cNvPr id="1" name=""/>
+        <p:cNvGrpSpPr/>
+        <p:nvPr/>
+      </p:nvGrpSpPr>
+      <p:grpSpPr>
+        <a:xfrm>
+          <a:off x="0" y="0"/>
+          <a:ext cx="0" cy="0"/>
+          <a:chOff x="0" y="0"/>
+          <a:chExt cx="0" cy="0"/>
+        </a:xfrm>
+      </p:grpSpPr>
+      <p:sp>
+        <p:nvSpPr>
+          <p:cNvPr id="3" name="Title 2"/>
+          <p:cNvSpPr>
+            <a:spLocks noGrp="1"/>
+          </p:cNvSpPr>
+          <p:nvPr>
+            <p:ph type="title"/>
+          </p:nvPr>
+        </p:nvSpPr>
+        <p:spPr>
+          <a:xfrm>
+            <a:off x="1270000" y="627269"/>
+            <a:ext cx="10464800" cy="1282700"/>
+          </a:xfrm>
+        </p:spPr>
+        <p:txBody>
+          <a:bodyPr/>
+          <a:lstStyle/>
+          <a:p>
+            <a:r>
+              <a:rPr lang="en-US" dirty="0" smtClean="0"/>
+              <a:t>Why JQuery</a:t>
+            </a:r>
+            <a:endParaRPr lang="en-US" dirty="0"/>
+          </a:p>
+        </p:txBody>
+      </p:sp>
+      <p:sp>
+        <p:nvSpPr>
+          <p:cNvPr id="8" name="Picture Placeholder 1"/>
+          <p:cNvSpPr>
+            <a:spLocks noGrp="1"/>
+          </p:cNvSpPr>
+          <p:nvPr>
+            <p:ph type="body" sz="quarter" idx="1"/>
+          </p:nvPr>
+        </p:nvSpPr>
+        <p:spPr>
+          <a:xfrm>
+            <a:off x="1270000" y="2206487"/>
+            <a:ext cx="10464800" cy="6460435"/>
+          </a:xfrm>
+        </p:spPr>
+        <p:txBody>
+          <a:bodyPr>
+            <a:normAutofit/>
+          </a:bodyPr>
+          <a:lstStyle/>
+          <a:p>
+            <a:pPr marL="571500" indent="-571500" algn="l">
+              <a:buFont typeface="Arial" charset="0"/>
+              <a:buChar char="•"/>
+            </a:pPr>
+            <a:r>
+              <a:rPr lang="en-US" dirty="0" smtClean="0"/>
+              <a:t>It </a:t>
+            </a:r>
+            <a:r>
+              <a:rPr lang="en-US" dirty="0"/>
+              <a:t>is free</a:t>
+            </a:r>
+          </a:p>
+          <a:p>
+            <a:pPr marL="571500" indent="-571500" algn="l">
+              <a:buFont typeface="Arial" charset="0"/>
+              <a:buChar char="•"/>
+            </a:pPr>
+            <a:r>
+              <a:rPr lang="en-US" dirty="0"/>
+              <a:t>Its size is small. It is less than 1 MB.</a:t>
+            </a:r>
+          </a:p>
+          <a:p>
+            <a:pPr marL="571500" indent="-571500" algn="l">
+              <a:buFont typeface="Arial" charset="0"/>
+              <a:buChar char="•"/>
+            </a:pPr>
+            <a:r>
+              <a:rPr lang="en-US" dirty="0"/>
+              <a:t>It offers many great features that simply the </a:t>
+            </a:r>
+            <a:r>
+              <a:rPr lang="en-US" dirty="0" smtClean="0"/>
+              <a:t>client-side </a:t>
+            </a:r>
+            <a:r>
+              <a:rPr lang="en-US" dirty="0"/>
+              <a:t>developing. </a:t>
+            </a:r>
+          </a:p>
+          <a:p>
+            <a:pPr marL="571500" indent="-571500" algn="l">
+              <a:buFont typeface="Arial" charset="0"/>
+              <a:buChar char="•"/>
+            </a:pPr>
+            <a:r>
+              <a:rPr lang="en-US" dirty="0"/>
+              <a:t>It is cross-platform. It eliminates the cross-browser </a:t>
+            </a:r>
+            <a:r>
+              <a:rPr lang="en-US" dirty="0" smtClean="0"/>
+              <a:t>inconsistency </a:t>
+            </a:r>
+            <a:r>
+              <a:rPr lang="en-US" dirty="0"/>
+              <a:t>that may happens to </a:t>
+            </a:r>
+            <a:r>
+              <a:rPr lang="en-US" dirty="0" smtClean="0"/>
+              <a:t>JavaScript.</a:t>
+            </a:r>
+            <a:endParaRPr lang="en-US" dirty="0"/>
+          </a:p>
+          <a:p>
+            <a:pPr marL="571500" indent="-571500" algn="l">
+              <a:buFont typeface="Arial" charset="0"/>
+              <a:buChar char="•"/>
+            </a:pPr>
+            <a:r>
+              <a:rPr lang="en-US" dirty="0"/>
+              <a:t>Extensibility: You can easily add new method and reuse it as a plugin.</a:t>
+            </a:r>
+          </a:p>
+          <a:p>
+            <a:pPr marL="571500" indent="-571500">
+              <a:buFont typeface="Arial" charset="0"/>
+              <a:buChar char="•"/>
+            </a:pPr>
+            <a:endParaRPr lang="en-US" dirty="0"/>
+          </a:p>
+        </p:txBody>
+      </p:sp>
+    </p:spTree>
+    <p:extLst>
+      <p:ext uri="{BB962C8B-B14F-4D97-AF65-F5344CB8AC3E}">
+        <p14:creationId xmlns:p14="http://schemas.microsoft.com/office/powerpoint/2010/main" val="478627335"/>
+      </p:ext>
+    </p:extLst>
+  </p:cSld>
+  <p:clrMapOvr>
+    <a:masterClrMapping/>
+  </p:clrMapOvr>
+  <p:transition spd="med"/>
+  <p:timing>
+    <p:tnLst>
+      <p:par>
+        <p:cTn id="1" dur="indefinite" restart="never" nodeType="tmRoot"/>
+      </p:par>
+    </p:tnLst>
+  </p:timing>
+</p:sld>
+</file>
+
+<file path=ppt/slides/slide30.xml><?xml version="1.0" encoding="utf-8"?>
+<p:sld xmlns:a="http://schemas.openxmlformats.org/drawingml/2006/main" xmlns:r="http://schemas.openxmlformats.org/officeDocument/2006/relationships" xmlns:p="http://schemas.openxmlformats.org/presentationml/2006/main">
+  <p:cSld>
+    <p:spTree>
+      <p:nvGrpSpPr>
+        <p:cNvPr id="1" name=""/>
+        <p:cNvGrpSpPr/>
+        <p:nvPr/>
+      </p:nvGrpSpPr>
+      <p:grpSpPr>
+        <a:xfrm>
+          <a:off x="0" y="0"/>
+          <a:ext cx="0" cy="0"/>
+          <a:chOff x="0" y="0"/>
+          <a:chExt cx="0" cy="0"/>
+        </a:xfrm>
+      </p:grpSpPr>
+      <p:sp>
+        <p:nvSpPr>
+          <p:cNvPr id="2" name="Title 1"/>
+          <p:cNvSpPr>
+            <a:spLocks noGrp="1"/>
+          </p:cNvSpPr>
+          <p:nvPr>
+            <p:ph type="title"/>
+          </p:nvPr>
+        </p:nvSpPr>
+        <p:spPr/>
+        <p:txBody>
+          <a:bodyPr/>
+          <a:lstStyle/>
+          <a:p>
+            <a:r>
+              <a:rPr lang="en-US" dirty="0" smtClean="0"/>
+              <a:t>CSS()</a:t>
+            </a:r>
+            <a:endParaRPr lang="en-US" dirty="0"/>
+          </a:p>
+        </p:txBody>
+      </p:sp>
+      <p:sp>
+        <p:nvSpPr>
+          <p:cNvPr id="3" name="Text Placeholder 2"/>
+          <p:cNvSpPr>
+            <a:spLocks noGrp="1"/>
+          </p:cNvSpPr>
+          <p:nvPr>
+            <p:ph type="body" idx="1"/>
+          </p:nvPr>
+        </p:nvSpPr>
+        <p:spPr>
+          <a:xfrm>
+            <a:off x="355600" y="2947055"/>
+            <a:ext cx="12293600" cy="4338430"/>
+          </a:xfrm>
+        </p:spPr>
+        <p:txBody>
+          <a:bodyPr>
+            <a:normAutofit/>
+          </a:bodyPr>
+          <a:lstStyle/>
+          <a:p>
+            <a:r>
+              <a:rPr lang="en-US" sz="3600" dirty="0"/>
+              <a:t>To set the CSS property of selected elements, use the following </a:t>
+            </a:r>
+            <a:r>
+              <a:rPr lang="en-US" sz="3600" dirty="0" smtClean="0"/>
+              <a:t>syntax: </a:t>
+            </a:r>
+            <a:r>
+              <a:rPr lang="en-US" sz="3600" dirty="0" err="1" smtClean="0"/>
+              <a:t>css</a:t>
+            </a:r>
+            <a:r>
+              <a:rPr lang="en-US" sz="3600" dirty="0" smtClean="0"/>
+              <a:t>("property </a:t>
+            </a:r>
+            <a:r>
+              <a:rPr lang="en-US" sz="3600" dirty="0" err="1" smtClean="0"/>
+              <a:t>name","</a:t>
+            </a:r>
+            <a:r>
+              <a:rPr lang="en-US" sz="3600" dirty="0" err="1"/>
+              <a:t>value</a:t>
+            </a:r>
+            <a:r>
+              <a:rPr lang="en-US" sz="3600" dirty="0"/>
+              <a:t>"); </a:t>
+            </a:r>
+            <a:endParaRPr lang="en-US" sz="3600" dirty="0" smtClean="0"/>
+          </a:p>
+          <a:p>
+            <a:endParaRPr lang="en-US" sz="3600" dirty="0" smtClean="0"/>
+          </a:p>
+          <a:p>
+            <a:r>
+              <a:rPr lang="en-US" sz="3600" dirty="0" smtClean="0"/>
+              <a:t>It </a:t>
+            </a:r>
+            <a:r>
+              <a:rPr lang="en-US" sz="3600" dirty="0"/>
+              <a:t>will set the background color of all </a:t>
+            </a:r>
+            <a:r>
+              <a:rPr lang="en-US" sz="3600" dirty="0"/>
+              <a:t>&lt;p&gt;</a:t>
+            </a:r>
+            <a:r>
+              <a:rPr lang="en-US" sz="3600" dirty="0"/>
+              <a:t>to yellow.</a:t>
+            </a:r>
+            <a:endParaRPr lang="en-US" sz="3600" dirty="0"/>
+          </a:p>
+        </p:txBody>
+      </p:sp>
+      <p:sp>
+        <p:nvSpPr>
+          <p:cNvPr id="4" name="TextBox 3"/>
+          <p:cNvSpPr txBox="1"/>
+          <p:nvPr/>
+        </p:nvSpPr>
+        <p:spPr>
+          <a:xfrm>
+            <a:off x="815010" y="4952172"/>
+            <a:ext cx="10343322" cy="1118255"/>
+          </a:xfrm>
+          <a:prstGeom prst="rect">
+            <a:avLst/>
+          </a:prstGeom>
+          <a:solidFill>
+            <a:schemeClr val="accent6">
+              <a:lumMod val="60000"/>
+              <a:lumOff val="40000"/>
+              <a:alpha val="50000"/>
+            </a:schemeClr>
+          </a:solidFill>
+          <a:ln w="12700" cap="flat">
+            <a:noFill/>
+            <a:miter lim="400000"/>
+          </a:ln>
+          <a:effectLst/>
+          <a:sp3d/>
+        </p:spPr>
+        <p:style>
+          <a:lnRef idx="0">
+            <a:scrgbClr r="0" g="0" b="0"/>
+          </a:lnRef>
+          <a:fillRef idx="0">
+            <a:scrgbClr r="0" g="0" b="0"/>
+          </a:fillRef>
+          <a:effectRef idx="0">
+            <a:scrgbClr r="0" g="0" b="0"/>
+          </a:effectRef>
+          <a:fontRef idx="none"/>
+        </p:style>
+        <p:txBody>
+          <a:bodyPr rot="0" spcFirstLastPara="1" vertOverflow="overflow" horzOverflow="overflow" vert="horz" wrap="square" lIns="50800" tIns="50800" rIns="50800" bIns="50800" numCol="1" spcCol="38100" rtlCol="0" anchor="ctr">
+            <a:spAutoFit/>
+          </a:bodyPr>
+          <a:lstStyle/>
+          <a:p>
+            <a:pPr algn="l"/>
+            <a:r>
+              <a:rPr lang="en-US" sz="2200" dirty="0">
+                <a:latin typeface="+mn-lt"/>
+                <a:ea typeface="+mn-ea"/>
+                <a:cs typeface="+mn-cs"/>
+              </a:rPr>
+              <a:t>&lt;p style="background-color:#ff0000"&gt;This is a </a:t>
+            </a:r>
+            <a:r>
+              <a:rPr lang="en-US" sz="2200" dirty="0" smtClean="0">
+                <a:latin typeface="+mn-lt"/>
+                <a:ea typeface="+mn-ea"/>
+                <a:cs typeface="+mn-cs"/>
+              </a:rPr>
+              <a:t>example.&lt;/</a:t>
+            </a:r>
+            <a:r>
+              <a:rPr lang="en-US" sz="2200" dirty="0">
+                <a:latin typeface="+mn-lt"/>
+                <a:ea typeface="+mn-ea"/>
+                <a:cs typeface="+mn-cs"/>
+              </a:rPr>
+              <a:t>p</a:t>
+            </a:r>
+            <a:r>
+              <a:rPr lang="en-US" sz="2200" dirty="0" smtClean="0">
+                <a:latin typeface="+mn-lt"/>
+                <a:ea typeface="+mn-ea"/>
+                <a:cs typeface="+mn-cs"/>
+              </a:rPr>
+              <a:t>&gt;</a:t>
+            </a:r>
+          </a:p>
+          <a:p>
+            <a:pPr algn="l"/>
+            <a:endParaRPr lang="en-US" sz="2200" dirty="0">
+              <a:latin typeface="+mn-lt"/>
+              <a:ea typeface="+mn-ea"/>
+              <a:cs typeface="+mn-cs"/>
+            </a:endParaRPr>
+          </a:p>
+          <a:p>
+            <a:pPr algn="l"/>
+            <a:r>
+              <a:rPr lang="en-US" sz="2200" dirty="0" smtClean="0">
+                <a:latin typeface="+mn-lt"/>
+                <a:ea typeface="+mn-ea"/>
+                <a:cs typeface="+mn-cs"/>
+              </a:rPr>
+              <a:t>$("</a:t>
+            </a:r>
+            <a:r>
+              <a:rPr lang="en-US" sz="2200" dirty="0">
+                <a:latin typeface="+mn-lt"/>
+                <a:ea typeface="+mn-ea"/>
+                <a:cs typeface="+mn-cs"/>
+              </a:rPr>
+              <a:t>p").</a:t>
+            </a:r>
+            <a:r>
+              <a:rPr lang="en-US" sz="2200" dirty="0" err="1">
+                <a:latin typeface="+mn-lt"/>
+                <a:ea typeface="+mn-ea"/>
+                <a:cs typeface="+mn-cs"/>
+              </a:rPr>
+              <a:t>css</a:t>
+            </a:r>
+            <a:r>
+              <a:rPr lang="en-US" sz="2200" dirty="0">
+                <a:latin typeface="+mn-lt"/>
+                <a:ea typeface="+mn-ea"/>
+                <a:cs typeface="+mn-cs"/>
+              </a:rPr>
+              <a:t>("background-color", "yellow");</a:t>
+            </a:r>
+            <a:endParaRPr lang="en-US" sz="2200" dirty="0" smtClean="0">
+              <a:latin typeface="+mn-lt"/>
+              <a:ea typeface="+mn-ea"/>
+              <a:cs typeface="+mn-cs"/>
+            </a:endParaRPr>
+          </a:p>
+        </p:txBody>
+      </p:sp>
+    </p:spTree>
+    <p:extLst>
+      <p:ext uri="{BB962C8B-B14F-4D97-AF65-F5344CB8AC3E}">
+        <p14:creationId xmlns:p14="http://schemas.microsoft.com/office/powerpoint/2010/main" val="1623162789"/>
+      </p:ext>
+    </p:extLst>
+  </p:cSld>
+  <p:clrMapOvr>
+    <a:masterClrMapping/>
+  </p:clrMapOvr>
+  <p:transition spd="med"/>
+  <p:timing>
+    <p:tnLst>
+      <p:par>
+        <p:cTn id="1" dur="indefinite" restart="never" nodeType="tmRoot"/>
+      </p:par>
+    </p:tnLst>
+  </p:timing>
+</p:sld>
+</file>
+
+<file path=ppt/slides/slide31.xml><?xml version="1.0" encoding="utf-8"?>
 <p:sld xmlns:a="http://schemas.openxmlformats.org/drawingml/2006/main" xmlns:r="http://schemas.openxmlformats.org/officeDocument/2006/relationships" xmlns:p="http://schemas.openxmlformats.org/presentationml/2006/main">
   <p:cSld>
     <p:spTree>
@@ -4082,6 +9193,7 @@
           <a:lstStyle/>
           <a:p>
             <a:r>
+              <a:rPr dirty="0"/>
               <a:t>Events in the DOM</a:t>
             </a:r>
           </a:p>
@@ -4092,11 +9204,18 @@
   <p:clrMapOvr>
     <a:masterClrMapping/>
   </p:clrMapOvr>
-  <p:transition xmlns:p14="http://schemas.microsoft.com/office/powerpoint/2010/main" spd="med"/>
+  <p:transition spd="med"/>
+  <p:timing>
+    <p:tnLst>
+      <p:par>
+        <p:cTn id="1" dur="indefinite" restart="never" nodeType="tmRoot"/>
+      </p:par>
+    </p:tnLst>
+  </p:timing>
 </p:sld>
 </file>
 
-<file path=ppt/slides/slide18.xml><?xml version="1.0" encoding="utf-8"?>
+<file path=ppt/slides/slide32.xml><?xml version="1.0" encoding="utf-8"?>
 <p:sld xmlns:a="http://schemas.openxmlformats.org/drawingml/2006/main" xmlns:r="http://schemas.openxmlformats.org/officeDocument/2006/relationships" xmlns:p="http://schemas.openxmlformats.org/presentationml/2006/main">
   <p:cSld>
     <p:spTree>
@@ -4133,6 +9252,7 @@
           <a:lstStyle/>
           <a:p>
             <a:r>
+              <a:rPr dirty="0"/>
               <a:t>Syntax For Event Methods</a:t>
             </a:r>
           </a:p>
@@ -4158,6 +9278,7 @@
           <a:lstStyle/>
           <a:p>
             <a:r>
+              <a:rPr dirty="0"/>
               <a:t>Introduce the comparison between the pure JavaScript and jQuery creating an event listener for “click”.</a:t>
             </a:r>
           </a:p>
@@ -4166,7 +9287,7 @@
               <a:buSzTx/>
               <a:buNone/>
             </a:pPr>
-            <a:endParaRPr/>
+            <a:endParaRPr dirty="0"/>
           </a:p>
         </p:txBody>
       </p:sp>
@@ -4215,6 +9336,7 @@
               </a:defRPr>
             </a:pPr>
             <a:r>
+              <a:rPr dirty="0"/>
               <a:t>document.getElementByclick("p").addEventListener("click", function, false); </a:t>
             </a:r>
           </a:p>
@@ -4227,7 +9349,7 @@
                 <a:sym typeface="Consolas"/>
               </a:defRPr>
             </a:pPr>
-            <a:endParaRPr/>
+            <a:endParaRPr dirty="0"/>
           </a:p>
           <a:p>
             <a:pPr algn="l">
@@ -4239,6 +9361,7 @@
               </a:defRPr>
             </a:pPr>
             <a:r>
+              <a:rPr dirty="0"/>
               <a:t>$("p").click(function() { // do something }) </a:t>
             </a:r>
           </a:p>
@@ -4251,7 +9374,7 @@
                 <a:sym typeface="Consolas"/>
               </a:defRPr>
             </a:pPr>
-            <a:endParaRPr/>
+            <a:endParaRPr dirty="0"/>
           </a:p>
           <a:p>
             <a:pPr algn="l">
@@ -4263,6 +9386,7 @@
               </a:defRPr>
             </a:pPr>
             <a:r>
+              <a:rPr dirty="0"/>
               <a:t>$("p").on("click", function() { // do something });</a:t>
             </a:r>
           </a:p>
@@ -4273,11 +9397,18 @@
   <p:clrMapOvr>
     <a:masterClrMapping/>
   </p:clrMapOvr>
-  <p:transition xmlns:p14="http://schemas.microsoft.com/office/powerpoint/2010/main" spd="med"/>
+  <p:transition spd="med"/>
+  <p:timing>
+    <p:tnLst>
+      <p:par>
+        <p:cTn id="1" dur="indefinite" restart="never" nodeType="tmRoot"/>
+      </p:par>
+    </p:tnLst>
+  </p:timing>
 </p:sld>
 </file>
 
-<file path=ppt/slides/slide19.xml><?xml version="1.0" encoding="utf-8"?>
+<file path=ppt/slides/slide33.xml><?xml version="1.0" encoding="utf-8"?>
 <p:sld xmlns:a="http://schemas.openxmlformats.org/drawingml/2006/main" xmlns:r="http://schemas.openxmlformats.org/officeDocument/2006/relationships" xmlns:p="http://schemas.openxmlformats.org/presentationml/2006/main">
   <p:cSld>
     <p:spTree>
@@ -4434,129 +9565,18 @@
   <p:clrMapOvr>
     <a:masterClrMapping/>
   </p:clrMapOvr>
-  <p:transition xmlns:p14="http://schemas.microsoft.com/office/powerpoint/2010/main" spd="med"/>
+  <p:transition spd="med"/>
+  <p:timing>
+    <p:tnLst>
+      <p:par>
+        <p:cTn id="1" dur="indefinite" restart="never" nodeType="tmRoot"/>
+      </p:par>
+    </p:tnLst>
+  </p:timing>
 </p:sld>
 </file>
 
-<file path=ppt/slides/slide2.xml><?xml version="1.0" encoding="utf-8"?>
-<p:sld xmlns:a="http://schemas.openxmlformats.org/drawingml/2006/main" xmlns:r="http://schemas.openxmlformats.org/officeDocument/2006/relationships" xmlns:p="http://schemas.openxmlformats.org/presentationml/2006/main">
-  <p:cSld>
-    <p:spTree>
-      <p:nvGrpSpPr>
-        <p:cNvPr id="1" name=""/>
-        <p:cNvGrpSpPr/>
-        <p:nvPr/>
-      </p:nvGrpSpPr>
-      <p:grpSpPr>
-        <a:xfrm>
-          <a:off x="0" y="0"/>
-          <a:ext cx="0" cy="0"/>
-          <a:chOff x="0" y="0"/>
-          <a:chExt cx="0" cy="0"/>
-        </a:xfrm>
-      </p:grpSpPr>
-      <p:pic>
-        <p:nvPicPr>
-          <p:cNvPr id="123" name="Image" descr="Image"/>
-          <p:cNvPicPr>
-            <a:picLocks noGrp="1" noChangeAspect="1"/>
-          </p:cNvPicPr>
-          <p:nvPr>
-            <p:ph type="pic" idx="13"/>
-          </p:nvPr>
-        </p:nvPicPr>
-        <p:blipFill>
-          <a:blip r:embed="rId2">
-            <a:extLst/>
-          </a:blip>
-          <a:srcRect t="330" b="330"/>
-          <a:stretch>
-            <a:fillRect/>
-          </a:stretch>
-        </p:blipFill>
-        <p:spPr>
-          <a:prstGeom prst="rect">
-            <a:avLst/>
-          </a:prstGeom>
-        </p:spPr>
-      </p:pic>
-      <p:sp>
-        <p:nvSpPr>
-          <p:cNvPr id="124" name="Maneuvering the DOM"/>
-          <p:cNvSpPr>
-            <a:spLocks noGrp="1"/>
-          </p:cNvSpPr>
-          <p:nvPr>
-            <p:ph type="title"/>
-          </p:nvPr>
-        </p:nvSpPr>
-        <p:spPr>
-          <a:prstGeom prst="rect">
-            <a:avLst/>
-          </a:prstGeom>
-        </p:spPr>
-        <p:txBody>
-          <a:bodyPr/>
-          <a:lstStyle/>
-          <a:p>
-            <a:r>
-              <a:t>Getting started</a:t>
-            </a:r>
-          </a:p>
-        </p:txBody>
-      </p:sp>
-      <p:sp>
-        <p:nvSpPr>
-          <p:cNvPr id="125" name="Body"/>
-          <p:cNvSpPr>
-            <a:spLocks noGrp="1"/>
-          </p:cNvSpPr>
-          <p:nvPr>
-            <p:ph type="body" sz="quarter" idx="1"/>
-          </p:nvPr>
-        </p:nvSpPr>
-        <p:spPr>
-          <a:prstGeom prst="rect">
-            <a:avLst/>
-          </a:prstGeom>
-        </p:spPr>
-        <p:txBody>
-          <a:bodyPr>
-            <a:normAutofit lnSpcReduction="10000"/>
-          </a:bodyPr>
-          <a:lstStyle/>
-          <a:p>
-            <a:pPr marL="472440" indent="-472440" defTabSz="543305">
-              <a:buSzPct val="100000"/>
-              <a:buAutoNum type="arabicPeriod"/>
-              <a:defRPr sz="3534"/>
-            </a:pPr>
-            <a:r>
-              <a:t>Download from jQuery.com/download</a:t>
-            </a:r>
-          </a:p>
-          <a:p>
-            <a:pPr marL="472440" indent="-472440" defTabSz="543305">
-              <a:buSzPct val="100000"/>
-              <a:buAutoNum type="arabicPeriod"/>
-              <a:defRPr sz="3534"/>
-            </a:pPr>
-            <a:r>
-              <a:t>CDN (Content Delivery Network) [Preferred]</a:t>
-            </a:r>
-          </a:p>
-        </p:txBody>
-      </p:sp>
-    </p:spTree>
-  </p:cSld>
-  <p:clrMapOvr>
-    <a:masterClrMapping/>
-  </p:clrMapOvr>
-  <p:transition xmlns:p14="http://schemas.microsoft.com/office/powerpoint/2010/main" spd="med"/>
-</p:sld>
-</file>
-
-<file path=ppt/slides/slide20.xml><?xml version="1.0" encoding="utf-8"?>
+<file path=ppt/slides/slide34.xml><?xml version="1.0" encoding="utf-8"?>
 <p:sld xmlns:a="http://schemas.openxmlformats.org/drawingml/2006/main" xmlns:r="http://schemas.openxmlformats.org/officeDocument/2006/relationships" xmlns:p="http://schemas.openxmlformats.org/presentationml/2006/main">
   <p:cSld>
     <p:spTree>
@@ -4640,11 +9660,18 @@
   <p:clrMapOvr>
     <a:masterClrMapping/>
   </p:clrMapOvr>
-  <p:transition xmlns:p14="http://schemas.microsoft.com/office/powerpoint/2010/main" spd="med"/>
+  <p:transition spd="med"/>
+  <p:timing>
+    <p:tnLst>
+      <p:par>
+        <p:cTn id="1" dur="indefinite" restart="never" nodeType="tmRoot"/>
+      </p:par>
+    </p:tnLst>
+  </p:timing>
 </p:sld>
 </file>
 
-<file path=ppt/slides/slide21.xml><?xml version="1.0" encoding="utf-8"?>
+<file path=ppt/slides/slide35.xml><?xml version="1.0" encoding="utf-8"?>
 <p:sld xmlns:a="http://schemas.openxmlformats.org/drawingml/2006/main" xmlns:r="http://schemas.openxmlformats.org/officeDocument/2006/relationships" xmlns:p="http://schemas.openxmlformats.org/presentationml/2006/main">
   <p:cSld>
     <p:spTree>
@@ -4767,8 +9794,8 @@
         </p:nvSpPr>
         <p:spPr>
           <a:xfrm>
-            <a:off x="1119361" y="6409699"/>
-            <a:ext cx="10766079" cy="1116312"/>
+            <a:off x="1119361" y="6362561"/>
+            <a:ext cx="10766079" cy="1210588"/>
           </a:xfrm>
           <a:prstGeom prst="rect">
             <a:avLst/>
@@ -4805,7 +9832,23 @@
             </a:pPr>
             <a:r>
               <a:rPr dirty="0"/>
-              <a:t>$("div").on("click", function(){...}); </a:t>
+              <a:t>$("div").on("</a:t>
+            </a:r>
+            <a:r>
+              <a:rPr dirty="0" smtClean="0"/>
+              <a:t>clic</a:t>
+            </a:r>
+            <a:r>
+              <a:rPr lang="en-US" dirty="0" smtClean="0"/>
+              <a:t>k</a:t>
+            </a:r>
+            <a:r>
+              <a:rPr dirty="0" smtClean="0"/>
+              <a:t>", </a:t>
+            </a:r>
+            <a:r>
+              <a:rPr dirty="0"/>
+              <a:t>function(){...}); </a:t>
             </a:r>
           </a:p>
           <a:p>
@@ -4840,11 +9883,18 @@
   <p:clrMapOvr>
     <a:masterClrMapping/>
   </p:clrMapOvr>
-  <p:transition xmlns:p14="http://schemas.microsoft.com/office/powerpoint/2010/main" spd="med"/>
+  <p:transition spd="med"/>
+  <p:timing>
+    <p:tnLst>
+      <p:par>
+        <p:cTn id="1" dur="indefinite" restart="never" nodeType="tmRoot"/>
+      </p:par>
+    </p:tnLst>
+  </p:timing>
 </p:sld>
 </file>
 
-<file path=ppt/slides/slide22.xml><?xml version="1.0" encoding="utf-8"?>
+<file path=ppt/slides/slide36.xml><?xml version="1.0" encoding="utf-8"?>
 <p:sld xmlns:a="http://schemas.openxmlformats.org/drawingml/2006/main" xmlns:r="http://schemas.openxmlformats.org/officeDocument/2006/relationships" xmlns:p="http://schemas.openxmlformats.org/presentationml/2006/main">
   <p:cSld>
     <p:spTree>
@@ -4923,11 +9973,18 @@
   <p:clrMapOvr>
     <a:masterClrMapping/>
   </p:clrMapOvr>
-  <p:transition xmlns:p14="http://schemas.microsoft.com/office/powerpoint/2010/main" spd="med"/>
+  <p:transition spd="med"/>
+  <p:timing>
+    <p:tnLst>
+      <p:par>
+        <p:cTn id="1" dur="indefinite" restart="never" nodeType="tmRoot"/>
+      </p:par>
+    </p:tnLst>
+  </p:timing>
 </p:sld>
 </file>
 
-<file path=ppt/slides/slide23.xml><?xml version="1.0" encoding="utf-8"?>
+<file path=ppt/slides/slide37.xml><?xml version="1.0" encoding="utf-8"?>
 <p:sld xmlns:a="http://schemas.openxmlformats.org/drawingml/2006/main" xmlns:r="http://schemas.openxmlformats.org/officeDocument/2006/relationships" xmlns:p="http://schemas.openxmlformats.org/presentationml/2006/main">
   <p:cSld>
     <p:spTree>
@@ -4974,11 +10031,18 @@
   <p:clrMapOvr>
     <a:masterClrMapping/>
   </p:clrMapOvr>
-  <p:transition xmlns:p14="http://schemas.microsoft.com/office/powerpoint/2010/main" spd="med"/>
+  <p:transition spd="med"/>
+  <p:timing>
+    <p:tnLst>
+      <p:par>
+        <p:cTn id="1" dur="indefinite" restart="never" nodeType="tmRoot"/>
+      </p:par>
+    </p:tnLst>
+  </p:timing>
 </p:sld>
 </file>
 
-<file path=ppt/slides/slide24.xml><?xml version="1.0" encoding="utf-8"?>
+<file path=ppt/slides/slide38.xml><?xml version="1.0" encoding="utf-8"?>
 <p:sld xmlns:a="http://schemas.openxmlformats.org/drawingml/2006/main" xmlns:r="http://schemas.openxmlformats.org/officeDocument/2006/relationships" xmlns:p="http://schemas.openxmlformats.org/presentationml/2006/main">
   <p:cSld>
     <p:spTree>
@@ -5828,11 +10892,18 @@
   <p:clrMapOvr>
     <a:masterClrMapping/>
   </p:clrMapOvr>
-  <p:transition xmlns:p14="http://schemas.microsoft.com/office/powerpoint/2010/main" spd="med"/>
+  <p:transition spd="med"/>
+  <p:timing>
+    <p:tnLst>
+      <p:par>
+        <p:cTn id="1" dur="indefinite" restart="never" nodeType="tmRoot"/>
+      </p:par>
+    </p:tnLst>
+  </p:timing>
 </p:sld>
 </file>
 
-<file path=ppt/slides/slide25.xml><?xml version="1.0" encoding="utf-8"?>
+<file path=ppt/slides/slide39.xml><?xml version="1.0" encoding="utf-8"?>
 <p:sld xmlns:a="http://schemas.openxmlformats.org/drawingml/2006/main" xmlns:r="http://schemas.openxmlformats.org/officeDocument/2006/relationships" xmlns:p="http://schemas.openxmlformats.org/presentationml/2006/main">
   <p:cSld>
     <p:spTree>
@@ -8582,11 +13653,143 @@
   <p:clrMapOvr>
     <a:masterClrMapping/>
   </p:clrMapOvr>
-  <p:transition xmlns:p14="http://schemas.microsoft.com/office/powerpoint/2010/main" spd="med"/>
+  <p:transition spd="med"/>
+  <p:timing>
+    <p:tnLst>
+      <p:par>
+        <p:cTn id="1" dur="indefinite" restart="never" nodeType="tmRoot"/>
+      </p:par>
+    </p:tnLst>
+  </p:timing>
 </p:sld>
 </file>
 
-<file path=ppt/slides/slide26.xml><?xml version="1.0" encoding="utf-8"?>
+<file path=ppt/slides/slide4.xml><?xml version="1.0" encoding="utf-8"?>
+<p:sld xmlns:a="http://schemas.openxmlformats.org/drawingml/2006/main" xmlns:r="http://schemas.openxmlformats.org/officeDocument/2006/relationships" xmlns:p="http://schemas.openxmlformats.org/presentationml/2006/main">
+  <p:cSld>
+    <p:spTree>
+      <p:nvGrpSpPr>
+        <p:cNvPr id="1" name=""/>
+        <p:cNvGrpSpPr/>
+        <p:nvPr/>
+      </p:nvGrpSpPr>
+      <p:grpSpPr>
+        <a:xfrm>
+          <a:off x="0" y="0"/>
+          <a:ext cx="0" cy="0"/>
+          <a:chOff x="0" y="0"/>
+          <a:chExt cx="0" cy="0"/>
+        </a:xfrm>
+      </p:grpSpPr>
+      <p:pic>
+        <p:nvPicPr>
+          <p:cNvPr id="123" name="Image" descr="Image"/>
+          <p:cNvPicPr>
+            <a:picLocks noGrp="1" noChangeAspect="1"/>
+          </p:cNvPicPr>
+          <p:nvPr>
+            <p:ph type="pic" idx="13"/>
+          </p:nvPr>
+        </p:nvPicPr>
+        <p:blipFill>
+          <a:blip r:embed="rId2">
+            <a:extLst/>
+          </a:blip>
+          <a:srcRect t="330" b="330"/>
+          <a:stretch>
+            <a:fillRect/>
+          </a:stretch>
+        </p:blipFill>
+        <p:spPr>
+          <a:prstGeom prst="rect">
+            <a:avLst/>
+          </a:prstGeom>
+        </p:spPr>
+      </p:pic>
+      <p:sp>
+        <p:nvSpPr>
+          <p:cNvPr id="124" name="Maneuvering the DOM"/>
+          <p:cNvSpPr>
+            <a:spLocks noGrp="1"/>
+          </p:cNvSpPr>
+          <p:nvPr>
+            <p:ph type="title"/>
+          </p:nvPr>
+        </p:nvSpPr>
+        <p:spPr>
+          <a:prstGeom prst="rect">
+            <a:avLst/>
+          </a:prstGeom>
+        </p:spPr>
+        <p:txBody>
+          <a:bodyPr/>
+          <a:lstStyle/>
+          <a:p>
+            <a:r>
+              <a:t>Getting started</a:t>
+            </a:r>
+          </a:p>
+        </p:txBody>
+      </p:sp>
+      <p:sp>
+        <p:nvSpPr>
+          <p:cNvPr id="125" name="Body"/>
+          <p:cNvSpPr>
+            <a:spLocks noGrp="1"/>
+          </p:cNvSpPr>
+          <p:nvPr>
+            <p:ph type="body" sz="quarter" idx="1"/>
+          </p:nvPr>
+        </p:nvSpPr>
+        <p:spPr>
+          <a:prstGeom prst="rect">
+            <a:avLst/>
+          </a:prstGeom>
+        </p:spPr>
+        <p:txBody>
+          <a:bodyPr>
+            <a:normAutofit lnSpcReduction="10000"/>
+          </a:bodyPr>
+          <a:lstStyle/>
+          <a:p>
+            <a:pPr marL="472440" indent="-472440" defTabSz="543305">
+              <a:buSzPct val="100000"/>
+              <a:buAutoNum type="arabicPeriod"/>
+              <a:defRPr sz="3534"/>
+            </a:pPr>
+            <a:r>
+              <a:t>Download from jQuery.com/download</a:t>
+            </a:r>
+          </a:p>
+          <a:p>
+            <a:pPr marL="472440" indent="-472440" defTabSz="543305">
+              <a:buSzPct val="100000"/>
+              <a:buAutoNum type="arabicPeriod"/>
+              <a:defRPr sz="3534"/>
+            </a:pPr>
+            <a:r>
+              <a:t>CDN (Content Delivery Network) [Preferred]</a:t>
+            </a:r>
+          </a:p>
+        </p:txBody>
+      </p:sp>
+    </p:spTree>
+  </p:cSld>
+  <p:clrMapOvr>
+    <a:masterClrMapping/>
+  </p:clrMapOvr>
+  <p:transition spd="med"/>
+  <p:timing>
+    <p:tnLst>
+      <p:par>
+        <p:cTn id="1" dur="indefinite" restart="never" nodeType="tmRoot"/>
+      </p:par>
+    </p:tnLst>
+  </p:timing>
+</p:sld>
+</file>
+
+<file path=ppt/slides/slide40.xml><?xml version="1.0" encoding="utf-8"?>
 <p:sld xmlns:a="http://schemas.openxmlformats.org/drawingml/2006/main" xmlns:r="http://schemas.openxmlformats.org/officeDocument/2006/relationships" xmlns:p="http://schemas.openxmlformats.org/presentationml/2006/main">
   <p:cSld>
     <p:spTree>
@@ -9465,11 +14668,11 @@
   <p:clrMapOvr>
     <a:masterClrMapping/>
   </p:clrMapOvr>
-  <p:transition xmlns:p14="http://schemas.microsoft.com/office/powerpoint/2010/main" spd="med"/>
+  <p:transition spd="med"/>
 </p:sld>
 </file>
 
-<file path=ppt/slides/slide27.xml><?xml version="1.0" encoding="utf-8"?>
+<file path=ppt/slides/slide41.xml><?xml version="1.0" encoding="utf-8"?>
 <p:sld xmlns:a="http://schemas.openxmlformats.org/drawingml/2006/main" xmlns:r="http://schemas.openxmlformats.org/officeDocument/2006/relationships" xmlns:p="http://schemas.openxmlformats.org/presentationml/2006/main">
   <p:cSld>
     <p:spTree>
@@ -9574,11 +14777,18 @@
   <p:clrMapOvr>
     <a:masterClrMapping/>
   </p:clrMapOvr>
-  <p:transition xmlns:p14="http://schemas.microsoft.com/office/powerpoint/2010/main" spd="med"/>
+  <p:transition spd="med"/>
+  <p:timing>
+    <p:tnLst>
+      <p:par>
+        <p:cTn id="1" dur="indefinite" restart="never" nodeType="tmRoot"/>
+      </p:par>
+    </p:tnLst>
+  </p:timing>
 </p:sld>
 </file>
 
-<file path=ppt/slides/slide28.xml><?xml version="1.0" encoding="utf-8"?>
+<file path=ppt/slides/slide42.xml><?xml version="1.0" encoding="utf-8"?>
 <p:sld xmlns:a="http://schemas.openxmlformats.org/drawingml/2006/main" xmlns:r="http://schemas.openxmlformats.org/officeDocument/2006/relationships" xmlns:p="http://schemas.openxmlformats.org/presentationml/2006/main">
   <p:cSld>
     <p:spTree>
@@ -9737,11 +14947,11 @@
   <p:clrMapOvr>
     <a:masterClrMapping/>
   </p:clrMapOvr>
-  <p:transition xmlns:p14="http://schemas.microsoft.com/office/powerpoint/2010/main" spd="med"/>
+  <p:transition spd="med"/>
 </p:sld>
 </file>
 
-<file path=ppt/slides/slide29.xml><?xml version="1.0" encoding="utf-8"?>
+<file path=ppt/slides/slide43.xml><?xml version="1.0" encoding="utf-8"?>
 <p:sld xmlns:a="http://schemas.openxmlformats.org/drawingml/2006/main" xmlns:r="http://schemas.openxmlformats.org/officeDocument/2006/relationships" xmlns:p="http://schemas.openxmlformats.org/presentationml/2006/main">
   <p:cSld>
     <p:spTree>
@@ -9886,11 +15096,1085 @@
   <p:clrMapOvr>
     <a:masterClrMapping/>
   </p:clrMapOvr>
-  <p:transition xmlns:p14="http://schemas.microsoft.com/office/powerpoint/2010/main" spd="med"/>
+  <p:transition spd="med"/>
+  <p:timing>
+    <p:tnLst>
+      <p:par>
+        <p:cTn id="1" dur="indefinite" restart="never" nodeType="tmRoot"/>
+      </p:par>
+    </p:tnLst>
+  </p:timing>
 </p:sld>
 </file>
 
-<file path=ppt/slides/slide3.xml><?xml version="1.0" encoding="utf-8"?>
+<file path=ppt/slides/slide44.xml><?xml version="1.0" encoding="utf-8"?>
+<p:sld xmlns:a="http://schemas.openxmlformats.org/drawingml/2006/main" xmlns:r="http://schemas.openxmlformats.org/officeDocument/2006/relationships" xmlns:p="http://schemas.openxmlformats.org/presentationml/2006/main">
+  <p:cSld>
+    <p:spTree>
+      <p:nvGrpSpPr>
+        <p:cNvPr id="1" name=""/>
+        <p:cNvGrpSpPr/>
+        <p:nvPr/>
+      </p:nvGrpSpPr>
+      <p:grpSpPr>
+        <a:xfrm>
+          <a:off x="0" y="0"/>
+          <a:ext cx="0" cy="0"/>
+          <a:chOff x="0" y="0"/>
+          <a:chExt cx="0" cy="0"/>
+        </a:xfrm>
+      </p:grpSpPr>
+      <p:sp>
+        <p:nvSpPr>
+          <p:cNvPr id="227" name="Hide &amp; show"/>
+          <p:cNvSpPr>
+            <a:spLocks noGrp="1"/>
+          </p:cNvSpPr>
+          <p:nvPr>
+            <p:ph type="title"/>
+          </p:nvPr>
+        </p:nvSpPr>
+        <p:spPr>
+          <a:prstGeom prst="rect">
+            <a:avLst/>
+          </a:prstGeom>
+        </p:spPr>
+        <p:txBody>
+          <a:bodyPr/>
+          <a:lstStyle/>
+          <a:p>
+            <a:r>
+              <a:t>Hide &amp; show</a:t>
+            </a:r>
+          </a:p>
+        </p:txBody>
+      </p:sp>
+      <p:sp>
+        <p:nvSpPr>
+          <p:cNvPr id="228" name="$(&quot;.hide&quot;).click(function(){…"/>
+          <p:cNvSpPr/>
+          <p:nvPr/>
+        </p:nvSpPr>
+        <p:spPr>
+          <a:xfrm>
+            <a:off x="2967167" y="3251844"/>
+            <a:ext cx="7070466" cy="3249912"/>
+          </a:xfrm>
+          <a:prstGeom prst="rect">
+            <a:avLst/>
+          </a:prstGeom>
+          <a:solidFill>
+            <a:schemeClr val="accent6">
+              <a:satOff val="-3096"/>
+              <a:lumOff val="14117"/>
+              <a:alpha val="50000"/>
+            </a:schemeClr>
+          </a:solidFill>
+          <a:ln w="12700">
+            <a:miter lim="400000"/>
+          </a:ln>
+          <a:extLst>
+            <a:ext uri="{C572A759-6A51-4108-AA02-DFA0A04FC94B}">
+              <ma14:wrappingTextBoxFlag xmlns:ma14="http://schemas.microsoft.com/office/mac/drawingml/2011/main" val="1"/>
+            </a:ext>
+          </a:extLst>
+        </p:spPr>
+        <p:txBody>
+          <a:bodyPr lIns="50800" tIns="50800" rIns="50800" bIns="50800" anchor="ctr">
+            <a:spAutoFit/>
+          </a:bodyPr>
+          <a:lstStyle/>
+          <a:p>
+            <a:pPr algn="l" defTabSz="457200">
+              <a:defRPr sz="2400">
+                <a:solidFill>
+                  <a:srgbClr val="000000"/>
+                </a:solidFill>
+                <a:latin typeface="+mn-lt"/>
+                <a:ea typeface="+mn-ea"/>
+                <a:cs typeface="+mn-cs"/>
+                <a:sym typeface="Consolas"/>
+              </a:defRPr>
+            </a:pPr>
+            <a:r>
+              <a:t>$(".hide").click(function(){ </a:t>
+            </a:r>
+          </a:p>
+          <a:p>
+            <a:pPr algn="l" defTabSz="457200">
+              <a:defRPr sz="2400">
+                <a:solidFill>
+                  <a:srgbClr val="000000"/>
+                </a:solidFill>
+                <a:latin typeface="+mn-lt"/>
+                <a:ea typeface="+mn-ea"/>
+                <a:cs typeface="+mn-cs"/>
+                <a:sym typeface="Consolas"/>
+              </a:defRPr>
+            </a:pPr>
+            <a:endParaRPr/>
+          </a:p>
+          <a:p>
+            <a:pPr algn="l" defTabSz="457200">
+              <a:defRPr sz="2400">
+                <a:solidFill>
+                  <a:srgbClr val="000000"/>
+                </a:solidFill>
+                <a:latin typeface="+mn-lt"/>
+                <a:ea typeface="+mn-ea"/>
+                <a:cs typeface="+mn-cs"/>
+                <a:sym typeface="Consolas"/>
+              </a:defRPr>
+            </a:pPr>
+            <a:r>
+              <a:t>  $("img.hideAndSeek").hide(); </a:t>
+            </a:r>
+          </a:p>
+          <a:p>
+            <a:pPr algn="l" defTabSz="457200">
+              <a:defRPr sz="2400">
+                <a:solidFill>
+                  <a:srgbClr val="000000"/>
+                </a:solidFill>
+                <a:latin typeface="+mn-lt"/>
+                <a:ea typeface="+mn-ea"/>
+                <a:cs typeface="+mn-cs"/>
+                <a:sym typeface="Consolas"/>
+              </a:defRPr>
+            </a:pPr>
+            <a:r>
+              <a:t>}); </a:t>
+            </a:r>
+          </a:p>
+          <a:p>
+            <a:pPr algn="l" defTabSz="457200">
+              <a:defRPr sz="2400">
+                <a:solidFill>
+                  <a:srgbClr val="000000"/>
+                </a:solidFill>
+                <a:latin typeface="+mn-lt"/>
+                <a:ea typeface="+mn-ea"/>
+                <a:cs typeface="+mn-cs"/>
+                <a:sym typeface="Consolas"/>
+              </a:defRPr>
+            </a:pPr>
+            <a:endParaRPr/>
+          </a:p>
+          <a:p>
+            <a:pPr algn="l" defTabSz="457200">
+              <a:defRPr sz="2400">
+                <a:solidFill>
+                  <a:srgbClr val="000000"/>
+                </a:solidFill>
+                <a:latin typeface="+mn-lt"/>
+                <a:ea typeface="+mn-ea"/>
+                <a:cs typeface="+mn-cs"/>
+                <a:sym typeface="Consolas"/>
+              </a:defRPr>
+            </a:pPr>
+            <a:endParaRPr/>
+          </a:p>
+          <a:p>
+            <a:pPr algn="l" defTabSz="457200">
+              <a:defRPr sz="2400">
+                <a:solidFill>
+                  <a:srgbClr val="000000"/>
+                </a:solidFill>
+                <a:latin typeface="+mn-lt"/>
+                <a:ea typeface="+mn-ea"/>
+                <a:cs typeface="+mn-cs"/>
+                <a:sym typeface="Consolas"/>
+              </a:defRPr>
+            </a:pPr>
+            <a:r>
+              <a:t>$(".show").click(function(){</a:t>
+            </a:r>
+          </a:p>
+          <a:p>
+            <a:pPr algn="l" defTabSz="457200">
+              <a:defRPr sz="2400">
+                <a:solidFill>
+                  <a:srgbClr val="000000"/>
+                </a:solidFill>
+                <a:latin typeface="+mn-lt"/>
+                <a:ea typeface="+mn-ea"/>
+                <a:cs typeface="+mn-cs"/>
+                <a:sym typeface="Consolas"/>
+              </a:defRPr>
+            </a:pPr>
+            <a:r>
+              <a:t>  $("img.hideAndSeek").show();</a:t>
+            </a:r>
+          </a:p>
+          <a:p>
+            <a:pPr algn="l" defTabSz="457200">
+              <a:defRPr sz="2400">
+                <a:solidFill>
+                  <a:srgbClr val="000000"/>
+                </a:solidFill>
+                <a:latin typeface="+mn-lt"/>
+                <a:ea typeface="+mn-ea"/>
+                <a:cs typeface="+mn-cs"/>
+                <a:sym typeface="Consolas"/>
+              </a:defRPr>
+            </a:pPr>
+            <a:r>
+              <a:t>});</a:t>
+            </a:r>
+          </a:p>
+        </p:txBody>
+      </p:sp>
+    </p:spTree>
+  </p:cSld>
+  <p:clrMapOvr>
+    <a:masterClrMapping/>
+  </p:clrMapOvr>
+  <p:transition spd="med"/>
+  <p:timing>
+    <p:tnLst>
+      <p:par>
+        <p:cTn id="1" dur="indefinite" restart="never" nodeType="tmRoot"/>
+      </p:par>
+    </p:tnLst>
+  </p:timing>
+</p:sld>
+</file>
+
+<file path=ppt/slides/slide45.xml><?xml version="1.0" encoding="utf-8"?>
+<p:sld xmlns:a="http://schemas.openxmlformats.org/drawingml/2006/main" xmlns:r="http://schemas.openxmlformats.org/officeDocument/2006/relationships" xmlns:p="http://schemas.openxmlformats.org/presentationml/2006/main">
+  <p:cSld>
+    <p:spTree>
+      <p:nvGrpSpPr>
+        <p:cNvPr id="1" name=""/>
+        <p:cNvGrpSpPr/>
+        <p:nvPr/>
+      </p:nvGrpSpPr>
+      <p:grpSpPr>
+        <a:xfrm>
+          <a:off x="0" y="0"/>
+          <a:ext cx="0" cy="0"/>
+          <a:chOff x="0" y="0"/>
+          <a:chExt cx="0" cy="0"/>
+        </a:xfrm>
+      </p:grpSpPr>
+      <p:sp>
+        <p:nvSpPr>
+          <p:cNvPr id="230" name="Fading"/>
+          <p:cNvSpPr>
+            <a:spLocks noGrp="1"/>
+          </p:cNvSpPr>
+          <p:nvPr>
+            <p:ph type="title"/>
+          </p:nvPr>
+        </p:nvSpPr>
+        <p:spPr>
+          <a:prstGeom prst="rect">
+            <a:avLst/>
+          </a:prstGeom>
+        </p:spPr>
+        <p:txBody>
+          <a:bodyPr/>
+          <a:lstStyle/>
+          <a:p>
+            <a:r>
+              <a:t>Fading</a:t>
+            </a:r>
+          </a:p>
+        </p:txBody>
+      </p:sp>
+      <p:sp>
+        <p:nvSpPr>
+          <p:cNvPr id="231" name="fadeOut():…"/>
+          <p:cNvSpPr>
+            <a:spLocks noGrp="1"/>
+          </p:cNvSpPr>
+          <p:nvPr>
+            <p:ph type="body" idx="1"/>
+          </p:nvPr>
+        </p:nvSpPr>
+        <p:spPr>
+          <a:prstGeom prst="rect">
+            <a:avLst/>
+          </a:prstGeom>
+        </p:spPr>
+        <p:txBody>
+          <a:bodyPr>
+            <a:normAutofit lnSpcReduction="10000"/>
+          </a:bodyPr>
+          <a:lstStyle/>
+          <a:p>
+            <a:pPr marL="421766" indent="-421766" defTabSz="473201">
+              <a:spcBef>
+                <a:spcPts val="3700"/>
+              </a:spcBef>
+              <a:defRPr sz="3725"/>
+            </a:pPr>
+            <a:r>
+              <a:t>fadeOut():</a:t>
+            </a:r>
+          </a:p>
+          <a:p>
+            <a:pPr marL="843533" lvl="1" indent="-421766" defTabSz="473201">
+              <a:spcBef>
+                <a:spcPts val="3700"/>
+              </a:spcBef>
+              <a:defRPr sz="3725"/>
+            </a:pPr>
+            <a:r>
+              <a:t>will gradually make an element disappear. </a:t>
+            </a:r>
+          </a:p>
+          <a:p>
+            <a:pPr marL="421766" indent="-421766" defTabSz="473201">
+              <a:spcBef>
+                <a:spcPts val="3700"/>
+              </a:spcBef>
+              <a:defRPr sz="3725"/>
+            </a:pPr>
+            <a:r>
+              <a:t>fadeIn()</a:t>
+            </a:r>
+          </a:p>
+          <a:p>
+            <a:pPr marL="843533" lvl="1" indent="-421766" defTabSz="473201">
+              <a:spcBef>
+                <a:spcPts val="3700"/>
+              </a:spcBef>
+              <a:defRPr sz="3725"/>
+            </a:pPr>
+            <a:r>
+              <a:t>will gradually bring the element back in. </a:t>
+            </a:r>
+          </a:p>
+          <a:p>
+            <a:pPr marL="421766" indent="-421766" defTabSz="473201">
+              <a:spcBef>
+                <a:spcPts val="3700"/>
+              </a:spcBef>
+              <a:defRPr sz="3725"/>
+            </a:pPr>
+            <a:r>
+              <a:t>fadeToggle():</a:t>
+            </a:r>
+          </a:p>
+          <a:p>
+            <a:pPr marL="843533" lvl="1" indent="-421766" defTabSz="473201">
+              <a:spcBef>
+                <a:spcPts val="3700"/>
+              </a:spcBef>
+              <a:defRPr sz="3725"/>
+            </a:pPr>
+            <a:r>
+              <a:t>will "fade" in/out the elements</a:t>
+            </a:r>
+          </a:p>
+        </p:txBody>
+      </p:sp>
+    </p:spTree>
+  </p:cSld>
+  <p:clrMapOvr>
+    <a:masterClrMapping/>
+  </p:clrMapOvr>
+  <p:transition spd="med"/>
+  <p:timing>
+    <p:tnLst>
+      <p:par>
+        <p:cTn id="1" dur="indefinite" restart="never" nodeType="tmRoot"/>
+      </p:par>
+    </p:tnLst>
+  </p:timing>
+</p:sld>
+</file>
+
+<file path=ppt/slides/slide46.xml><?xml version="1.0" encoding="utf-8"?>
+<p:sld xmlns:a="http://schemas.openxmlformats.org/drawingml/2006/main" xmlns:r="http://schemas.openxmlformats.org/officeDocument/2006/relationships" xmlns:p="http://schemas.openxmlformats.org/presentationml/2006/main">
+  <p:cSld>
+    <p:spTree>
+      <p:nvGrpSpPr>
+        <p:cNvPr id="1" name=""/>
+        <p:cNvGrpSpPr/>
+        <p:nvPr/>
+      </p:nvGrpSpPr>
+      <p:grpSpPr>
+        <a:xfrm>
+          <a:off x="0" y="0"/>
+          <a:ext cx="0" cy="0"/>
+          <a:chOff x="0" y="0"/>
+          <a:chExt cx="0" cy="0"/>
+        </a:xfrm>
+      </p:grpSpPr>
+      <p:sp>
+        <p:nvSpPr>
+          <p:cNvPr id="233" name="Let’s get classy"/>
+          <p:cNvSpPr>
+            <a:spLocks noGrp="1"/>
+          </p:cNvSpPr>
+          <p:nvPr>
+            <p:ph type="title"/>
+          </p:nvPr>
+        </p:nvSpPr>
+        <p:spPr>
+          <a:prstGeom prst="rect">
+            <a:avLst/>
+          </a:prstGeom>
+        </p:spPr>
+        <p:txBody>
+          <a:bodyPr/>
+          <a:lstStyle/>
+          <a:p>
+            <a:r>
+              <a:t>Think outside the box</a:t>
+            </a:r>
+          </a:p>
+        </p:txBody>
+      </p:sp>
+      <p:sp>
+        <p:nvSpPr>
+          <p:cNvPr id="234" name="addClass()"/>
+          <p:cNvSpPr>
+            <a:spLocks noGrp="1"/>
+          </p:cNvSpPr>
+          <p:nvPr>
+            <p:ph type="body" idx="1"/>
+          </p:nvPr>
+        </p:nvSpPr>
+        <p:spPr>
+          <a:xfrm>
+            <a:off x="355600" y="2643426"/>
+            <a:ext cx="12293600" cy="6299201"/>
+          </a:xfrm>
+          <a:prstGeom prst="rect">
+            <a:avLst/>
+          </a:prstGeom>
+        </p:spPr>
+        <p:txBody>
+          <a:bodyPr/>
+          <a:lstStyle/>
+          <a:p>
+            <a:pPr>
+              <a:defRPr b="1">
+                <a:latin typeface="Gill Sans"/>
+                <a:ea typeface="Gill Sans"/>
+                <a:cs typeface="Gill Sans"/>
+                <a:sym typeface="Gill Sans"/>
+              </a:defRPr>
+            </a:pPr>
+            <a:r>
+              <a:rPr dirty="0"/>
+              <a:t>animate()</a:t>
+            </a:r>
+          </a:p>
+          <a:p>
+            <a:pPr marL="0" indent="0">
+              <a:buSzTx/>
+              <a:buNone/>
+              <a:defRPr b="1">
+                <a:latin typeface="Gill Sans"/>
+                <a:ea typeface="Gill Sans"/>
+                <a:cs typeface="Gill Sans"/>
+                <a:sym typeface="Gill Sans"/>
+              </a:defRPr>
+            </a:pPr>
+            <a:endParaRPr dirty="0"/>
+          </a:p>
+          <a:p>
+            <a:pPr marL="1179443" lvl="1" indent="-228600">
+              <a:lnSpc>
+                <a:spcPct val="100000"/>
+              </a:lnSpc>
+              <a:spcBef>
+                <a:spcPts val="0"/>
+              </a:spcBef>
+              <a:buSzPct val="100000"/>
+              <a:defRPr sz="3800"/>
+            </a:pPr>
+            <a:r>
+              <a:rPr dirty="0"/>
+              <a:t>Default speed: 400ms</a:t>
+            </a:r>
+          </a:p>
+          <a:p>
+            <a:pPr marL="1179443" lvl="1" indent="-228600">
+              <a:lnSpc>
+                <a:spcPct val="100000"/>
+              </a:lnSpc>
+              <a:spcBef>
+                <a:spcPts val="0"/>
+              </a:spcBef>
+              <a:buSzPct val="100000"/>
+              <a:defRPr sz="3800"/>
+            </a:pPr>
+            <a:r>
+              <a:rPr dirty="0"/>
+              <a:t>Not all CSS styling effects can be applied</a:t>
+            </a:r>
+          </a:p>
+          <a:p>
+            <a:pPr marL="1179443" lvl="1" indent="-228600">
+              <a:lnSpc>
+                <a:spcPct val="100000"/>
+              </a:lnSpc>
+              <a:spcBef>
+                <a:spcPts val="0"/>
+              </a:spcBef>
+              <a:buSzPct val="100000"/>
+              <a:defRPr sz="3800"/>
+            </a:pPr>
+            <a:r>
+              <a:rPr dirty="0"/>
+              <a:t>CSS properties that return a numeric property</a:t>
+            </a:r>
+          </a:p>
+          <a:p>
+            <a:pPr marL="1179443" lvl="1" indent="-228600">
+              <a:lnSpc>
+                <a:spcPct val="100000"/>
+              </a:lnSpc>
+              <a:spcBef>
+                <a:spcPts val="0"/>
+              </a:spcBef>
+              <a:buSzPct val="100000"/>
+              <a:defRPr sz="3800"/>
+            </a:pPr>
+            <a:endParaRPr dirty="0"/>
+          </a:p>
+          <a:p>
+            <a:pPr marL="0" lvl="1" indent="950843">
+              <a:lnSpc>
+                <a:spcPct val="100000"/>
+              </a:lnSpc>
+              <a:spcBef>
+                <a:spcPts val="0"/>
+              </a:spcBef>
+              <a:buClr>
+                <a:srgbClr val="535353"/>
+              </a:buClr>
+              <a:buSzTx/>
+              <a:buNone/>
+              <a:defRPr sz="3800"/>
+            </a:pPr>
+            <a:endParaRPr dirty="0"/>
+          </a:p>
+        </p:txBody>
+      </p:sp>
+      <p:sp>
+        <p:nvSpPr>
+          <p:cNvPr id="235" name="$(selector).animate({params},speed, callback);"/>
+          <p:cNvSpPr/>
+          <p:nvPr/>
+        </p:nvSpPr>
+        <p:spPr>
+          <a:xfrm>
+            <a:off x="1728877" y="4320685"/>
+            <a:ext cx="9547047" cy="415641"/>
+          </a:xfrm>
+          <a:prstGeom prst="rect">
+            <a:avLst/>
+          </a:prstGeom>
+          <a:solidFill>
+            <a:schemeClr val="accent6">
+              <a:satOff val="-3096"/>
+              <a:lumOff val="14117"/>
+              <a:alpha val="50000"/>
+            </a:schemeClr>
+          </a:solidFill>
+          <a:ln w="12700">
+            <a:miter lim="400000"/>
+          </a:ln>
+          <a:extLst>
+            <a:ext uri="{C572A759-6A51-4108-AA02-DFA0A04FC94B}">
+              <ma14:wrappingTextBoxFlag xmlns:ma14="http://schemas.microsoft.com/office/mac/drawingml/2011/main" val="1"/>
+            </a:ext>
+          </a:extLst>
+        </p:spPr>
+        <p:txBody>
+          <a:bodyPr lIns="50800" tIns="50800" rIns="50800" bIns="50800" anchor="ctr">
+            <a:spAutoFit/>
+          </a:bodyPr>
+          <a:lstStyle/>
+          <a:p>
+            <a:pPr algn="l">
+              <a:lnSpc>
+                <a:spcPct val="120000"/>
+              </a:lnSpc>
+              <a:defRPr sz="2500">
+                <a:latin typeface="+mn-lt"/>
+                <a:ea typeface="+mn-ea"/>
+                <a:cs typeface="+mn-cs"/>
+                <a:sym typeface="Consolas"/>
+              </a:defRPr>
+            </a:pPr>
+            <a:r>
+              <a:t>$(selector).animate({</a:t>
+            </a:r>
+            <a:r>
+              <a:rPr b="1">
+                <a:solidFill>
+                  <a:schemeClr val="accent5">
+                    <a:lumOff val="-6588"/>
+                  </a:schemeClr>
+                </a:solidFill>
+              </a:rPr>
+              <a:t>params</a:t>
+            </a:r>
+            <a:r>
+              <a:t>},speed, callback);</a:t>
+            </a:r>
+          </a:p>
+        </p:txBody>
+      </p:sp>
+      <p:pic>
+        <p:nvPicPr>
+          <p:cNvPr id="236" name="pasted-image.png" descr="pasted-image.png"/>
+          <p:cNvPicPr>
+            <a:picLocks noChangeAspect="1"/>
+          </p:cNvPicPr>
+          <p:nvPr/>
+        </p:nvPicPr>
+        <p:blipFill>
+          <a:blip r:embed="rId2">
+            <a:extLst/>
+          </a:blip>
+          <a:stretch>
+            <a:fillRect/>
+          </a:stretch>
+        </p:blipFill>
+        <p:spPr>
+          <a:xfrm>
+            <a:off x="9939284" y="5240981"/>
+            <a:ext cx="3377205" cy="3827498"/>
+          </a:xfrm>
+          <a:prstGeom prst="rect">
+            <a:avLst/>
+          </a:prstGeom>
+          <a:ln w="12700">
+            <a:miter lim="400000"/>
+          </a:ln>
+        </p:spPr>
+      </p:pic>
+    </p:spTree>
+  </p:cSld>
+  <p:clrMapOvr>
+    <a:masterClrMapping/>
+  </p:clrMapOvr>
+  <p:transition spd="med"/>
+  <p:timing>
+    <p:tnLst>
+      <p:par>
+        <p:cTn id="1" dur="indefinite" restart="never" nodeType="tmRoot"/>
+      </p:par>
+    </p:tnLst>
+  </p:timing>
+</p:sld>
+</file>
+
+<file path=ppt/slides/slide47.xml><?xml version="1.0" encoding="utf-8"?>
+<p:sld xmlns:a="http://schemas.openxmlformats.org/drawingml/2006/main" xmlns:r="http://schemas.openxmlformats.org/officeDocument/2006/relationships" xmlns:p="http://schemas.openxmlformats.org/presentationml/2006/main">
+  <p:cSld>
+    <p:spTree>
+      <p:nvGrpSpPr>
+        <p:cNvPr id="1" name=""/>
+        <p:cNvGrpSpPr/>
+        <p:nvPr/>
+      </p:nvGrpSpPr>
+      <p:grpSpPr>
+        <a:xfrm>
+          <a:off x="0" y="0"/>
+          <a:ext cx="0" cy="0"/>
+          <a:chOff x="0" y="0"/>
+          <a:chExt cx="0" cy="0"/>
+        </a:xfrm>
+      </p:grpSpPr>
+      <p:sp>
+        <p:nvSpPr>
+          <p:cNvPr id="238" name="Let’s get classy"/>
+          <p:cNvSpPr>
+            <a:spLocks noGrp="1"/>
+          </p:cNvSpPr>
+          <p:nvPr>
+            <p:ph type="title"/>
+          </p:nvPr>
+        </p:nvSpPr>
+        <p:spPr>
+          <a:prstGeom prst="rect">
+            <a:avLst/>
+          </a:prstGeom>
+        </p:spPr>
+        <p:txBody>
+          <a:bodyPr/>
+          <a:lstStyle/>
+          <a:p>
+            <a:r>
+              <a:t>Delay</a:t>
+            </a:r>
+          </a:p>
+        </p:txBody>
+      </p:sp>
+      <p:sp>
+        <p:nvSpPr>
+          <p:cNvPr id="239" name="addClass()"/>
+          <p:cNvSpPr>
+            <a:spLocks noGrp="1"/>
+          </p:cNvSpPr>
+          <p:nvPr>
+            <p:ph type="body" idx="1"/>
+          </p:nvPr>
+        </p:nvSpPr>
+        <p:spPr>
+          <a:xfrm>
+            <a:off x="355600" y="2643426"/>
+            <a:ext cx="12293600" cy="6299201"/>
+          </a:xfrm>
+          <a:prstGeom prst="rect">
+            <a:avLst/>
+          </a:prstGeom>
+        </p:spPr>
+        <p:txBody>
+          <a:bodyPr/>
+          <a:lstStyle/>
+          <a:p>
+            <a:pPr>
+              <a:defRPr b="1">
+                <a:latin typeface="Gill Sans"/>
+                <a:ea typeface="Gill Sans"/>
+                <a:cs typeface="Gill Sans"/>
+                <a:sym typeface="Gill Sans"/>
+              </a:defRPr>
+            </a:pPr>
+            <a:r>
+              <a:t>delay()</a:t>
+            </a:r>
+          </a:p>
+          <a:p>
+            <a:pPr marL="0" indent="0">
+              <a:buSzTx/>
+              <a:buNone/>
+              <a:defRPr b="1">
+                <a:latin typeface="Gill Sans"/>
+                <a:ea typeface="Gill Sans"/>
+                <a:cs typeface="Gill Sans"/>
+                <a:sym typeface="Gill Sans"/>
+              </a:defRPr>
+            </a:pPr>
+            <a:endParaRPr/>
+          </a:p>
+          <a:p>
+            <a:pPr marL="1179443" lvl="1" indent="-228600">
+              <a:lnSpc>
+                <a:spcPct val="100000"/>
+              </a:lnSpc>
+              <a:spcBef>
+                <a:spcPts val="0"/>
+              </a:spcBef>
+              <a:buSzPct val="100000"/>
+              <a:defRPr sz="3800"/>
+            </a:pPr>
+            <a:r>
+              <a:t>Most commonly used for chaining events </a:t>
+            </a:r>
+          </a:p>
+          <a:p>
+            <a:pPr marL="1179443" lvl="1" indent="-228600">
+              <a:lnSpc>
+                <a:spcPct val="100000"/>
+              </a:lnSpc>
+              <a:spcBef>
+                <a:spcPts val="0"/>
+              </a:spcBef>
+              <a:buSzPct val="100000"/>
+              <a:defRPr sz="3800"/>
+            </a:pPr>
+            <a:endParaRPr/>
+          </a:p>
+          <a:p>
+            <a:pPr marL="1179443" lvl="1" indent="-228600">
+              <a:lnSpc>
+                <a:spcPct val="100000"/>
+              </a:lnSpc>
+              <a:spcBef>
+                <a:spcPts val="0"/>
+              </a:spcBef>
+              <a:buSzPct val="100000"/>
+              <a:defRPr sz="3800"/>
+            </a:pPr>
+            <a:endParaRPr/>
+          </a:p>
+          <a:p>
+            <a:pPr marL="0" lvl="1" indent="950843">
+              <a:lnSpc>
+                <a:spcPct val="100000"/>
+              </a:lnSpc>
+              <a:spcBef>
+                <a:spcPts val="0"/>
+              </a:spcBef>
+              <a:buClr>
+                <a:srgbClr val="535353"/>
+              </a:buClr>
+              <a:buSzTx/>
+              <a:buNone/>
+              <a:defRPr sz="3800"/>
+            </a:pPr>
+            <a:endParaRPr/>
+          </a:p>
+        </p:txBody>
+      </p:sp>
+      <p:sp>
+        <p:nvSpPr>
+          <p:cNvPr id="240" name="$(selector).delay(speed,queueName)"/>
+          <p:cNvSpPr/>
+          <p:nvPr/>
+        </p:nvSpPr>
+        <p:spPr>
+          <a:xfrm>
+            <a:off x="1728877" y="4540814"/>
+            <a:ext cx="9547047" cy="415641"/>
+          </a:xfrm>
+          <a:prstGeom prst="rect">
+            <a:avLst/>
+          </a:prstGeom>
+          <a:solidFill>
+            <a:schemeClr val="accent6">
+              <a:satOff val="-3096"/>
+              <a:lumOff val="14117"/>
+              <a:alpha val="50000"/>
+            </a:schemeClr>
+          </a:solidFill>
+          <a:ln w="12700">
+            <a:miter lim="400000"/>
+          </a:ln>
+          <a:extLst>
+            <a:ext uri="{C572A759-6A51-4108-AA02-DFA0A04FC94B}">
+              <ma14:wrappingTextBoxFlag xmlns:ma14="http://schemas.microsoft.com/office/mac/drawingml/2011/main" val="1"/>
+            </a:ext>
+          </a:extLst>
+        </p:spPr>
+        <p:txBody>
+          <a:bodyPr lIns="50800" tIns="50800" rIns="50800" bIns="50800" anchor="ctr">
+            <a:spAutoFit/>
+          </a:bodyPr>
+          <a:lstStyle>
+            <a:lvl1pPr algn="l">
+              <a:lnSpc>
+                <a:spcPct val="120000"/>
+              </a:lnSpc>
+              <a:defRPr sz="2500">
+                <a:latin typeface="+mn-lt"/>
+                <a:ea typeface="+mn-ea"/>
+                <a:cs typeface="+mn-cs"/>
+                <a:sym typeface="Consolas"/>
+              </a:defRPr>
+            </a:lvl1pPr>
+          </a:lstStyle>
+          <a:p>
+            <a:r>
+              <a:rPr dirty="0"/>
+              <a:t>$(selector).delay(speed,queueName)</a:t>
+            </a:r>
+          </a:p>
+        </p:txBody>
+      </p:sp>
+    </p:spTree>
+  </p:cSld>
+  <p:clrMapOvr>
+    <a:masterClrMapping/>
+  </p:clrMapOvr>
+  <p:transition spd="med"/>
+  <p:timing>
+    <p:tnLst>
+      <p:par>
+        <p:cTn id="1" dur="indefinite" restart="never" nodeType="tmRoot"/>
+      </p:par>
+    </p:tnLst>
+  </p:timing>
+</p:sld>
+</file>
+
+<file path=ppt/slides/slide48.xml><?xml version="1.0" encoding="utf-8"?>
+<p:sld xmlns:a="http://schemas.openxmlformats.org/drawingml/2006/main" xmlns:r="http://schemas.openxmlformats.org/officeDocument/2006/relationships" xmlns:p="http://schemas.openxmlformats.org/presentationml/2006/main">
+  <p:cSld>
+    <p:spTree>
+      <p:nvGrpSpPr>
+        <p:cNvPr id="1" name=""/>
+        <p:cNvGrpSpPr/>
+        <p:nvPr/>
+      </p:nvGrpSpPr>
+      <p:grpSpPr>
+        <a:xfrm>
+          <a:off x="0" y="0"/>
+          <a:ext cx="0" cy="0"/>
+          <a:chOff x="0" y="0"/>
+          <a:chExt cx="0" cy="0"/>
+        </a:xfrm>
+      </p:grpSpPr>
+      <p:sp>
+        <p:nvSpPr>
+          <p:cNvPr id="242" name="Finish &amp; stop"/>
+          <p:cNvSpPr>
+            <a:spLocks noGrp="1"/>
+          </p:cNvSpPr>
+          <p:nvPr>
+            <p:ph type="title"/>
+          </p:nvPr>
+        </p:nvSpPr>
+        <p:spPr>
+          <a:prstGeom prst="rect">
+            <a:avLst/>
+          </a:prstGeom>
+        </p:spPr>
+        <p:txBody>
+          <a:bodyPr/>
+          <a:lstStyle/>
+          <a:p>
+            <a:r>
+              <a:t>Finish &amp; stop</a:t>
+            </a:r>
+          </a:p>
+        </p:txBody>
+      </p:sp>
+      <p:sp>
+        <p:nvSpPr>
+          <p:cNvPr id="243" name="Difference…"/>
+          <p:cNvSpPr>
+            <a:spLocks noGrp="1"/>
+          </p:cNvSpPr>
+          <p:nvPr>
+            <p:ph type="body" idx="1"/>
+          </p:nvPr>
+        </p:nvSpPr>
+        <p:spPr>
+          <a:prstGeom prst="rect">
+            <a:avLst/>
+          </a:prstGeom>
+        </p:spPr>
+        <p:txBody>
+          <a:bodyPr/>
+          <a:lstStyle/>
+          <a:p>
+            <a:r>
+              <a:rPr dirty="0"/>
+              <a:t>Difference </a:t>
+            </a:r>
+          </a:p>
+          <a:p>
+            <a:pPr lvl="1"/>
+            <a:r>
+              <a:rPr dirty="0"/>
+              <a:t>Finish: show end state</a:t>
+            </a:r>
+          </a:p>
+          <a:p>
+            <a:pPr lvl="1"/>
+            <a:r>
+              <a:rPr dirty="0"/>
+              <a:t>Stop: pause and show current state </a:t>
+            </a:r>
+          </a:p>
+        </p:txBody>
+      </p:sp>
+      <p:pic>
+        <p:nvPicPr>
+          <p:cNvPr id="244" name="pasted-image.png" descr="pasted-image.png"/>
+          <p:cNvPicPr>
+            <a:picLocks noChangeAspect="1"/>
+          </p:cNvPicPr>
+          <p:nvPr/>
+        </p:nvPicPr>
+        <p:blipFill>
+          <a:blip r:embed="rId2">
+            <a:extLst/>
+          </a:blip>
+          <a:stretch>
+            <a:fillRect/>
+          </a:stretch>
+        </p:blipFill>
+        <p:spPr>
+          <a:xfrm>
+            <a:off x="9884548" y="3038726"/>
+            <a:ext cx="1726702" cy="3197244"/>
+          </a:xfrm>
+          <a:prstGeom prst="rect">
+            <a:avLst/>
+          </a:prstGeom>
+          <a:ln w="12700">
+            <a:miter lim="400000"/>
+          </a:ln>
+        </p:spPr>
+      </p:pic>
+    </p:spTree>
+  </p:cSld>
+  <p:clrMapOvr>
+    <a:masterClrMapping/>
+  </p:clrMapOvr>
+  <p:transition spd="med"/>
+  <p:timing>
+    <p:tnLst>
+      <p:par>
+        <p:cTn id="1" dur="indefinite" restart="never" nodeType="tmRoot"/>
+      </p:par>
+    </p:tnLst>
+  </p:timing>
+</p:sld>
+</file>
+
+<file path=ppt/slides/slide49.xml><?xml version="1.0" encoding="utf-8"?>
+<p:sld xmlns:a="http://schemas.openxmlformats.org/drawingml/2006/main" xmlns:r="http://schemas.openxmlformats.org/officeDocument/2006/relationships" xmlns:p="http://schemas.openxmlformats.org/presentationml/2006/main">
+  <p:cSld>
+    <p:spTree>
+      <p:nvGrpSpPr>
+        <p:cNvPr id="1" name=""/>
+        <p:cNvGrpSpPr/>
+        <p:nvPr/>
+      </p:nvGrpSpPr>
+      <p:grpSpPr>
+        <a:xfrm>
+          <a:off x="0" y="0"/>
+          <a:ext cx="0" cy="0"/>
+          <a:chOff x="0" y="0"/>
+          <a:chExt cx="0" cy="0"/>
+        </a:xfrm>
+      </p:grpSpPr>
+      <p:sp>
+        <p:nvSpPr>
+          <p:cNvPr id="246" name="Ajax"/>
+          <p:cNvSpPr>
+            <a:spLocks noGrp="1"/>
+          </p:cNvSpPr>
+          <p:nvPr>
+            <p:ph type="title"/>
+          </p:nvPr>
+        </p:nvSpPr>
+        <p:spPr>
+          <a:prstGeom prst="rect">
+            <a:avLst/>
+          </a:prstGeom>
+        </p:spPr>
+        <p:txBody>
+          <a:bodyPr/>
+          <a:lstStyle/>
+          <a:p>
+            <a:r>
+              <a:t>Ajax</a:t>
+            </a:r>
+          </a:p>
+        </p:txBody>
+      </p:sp>
+    </p:spTree>
+  </p:cSld>
+  <p:clrMapOvr>
+    <a:masterClrMapping/>
+  </p:clrMapOvr>
+  <p:transition spd="med"/>
+  <p:timing>
+    <p:tnLst>
+      <p:par>
+        <p:cTn id="1" dur="indefinite" restart="never" nodeType="tmRoot"/>
+      </p:par>
+    </p:tnLst>
+  </p:timing>
+</p:sld>
+</file>
+
+<file path=ppt/slides/slide5.xml><?xml version="1.0" encoding="utf-8"?>
 <p:sld xmlns:a="http://schemas.openxmlformats.org/drawingml/2006/main" xmlns:r="http://schemas.openxmlformats.org/officeDocument/2006/relationships" xmlns:p="http://schemas.openxmlformats.org/presentationml/2006/main">
   <p:cSld>
     <p:spTree>
@@ -10004,1029 +16288,18 @@
   <p:clrMapOvr>
     <a:masterClrMapping/>
   </p:clrMapOvr>
-  <p:transition xmlns:p14="http://schemas.microsoft.com/office/powerpoint/2010/main" spd="med"/>
+  <p:transition spd="med"/>
+  <p:timing>
+    <p:tnLst>
+      <p:par>
+        <p:cTn id="1" dur="indefinite" restart="never" nodeType="tmRoot"/>
+      </p:par>
+    </p:tnLst>
+  </p:timing>
 </p:sld>
 </file>
 
-<file path=ppt/slides/slide30.xml><?xml version="1.0" encoding="utf-8"?>
-<p:sld xmlns:a="http://schemas.openxmlformats.org/drawingml/2006/main" xmlns:r="http://schemas.openxmlformats.org/officeDocument/2006/relationships" xmlns:p="http://schemas.openxmlformats.org/presentationml/2006/main">
-  <p:cSld>
-    <p:spTree>
-      <p:nvGrpSpPr>
-        <p:cNvPr id="1" name=""/>
-        <p:cNvGrpSpPr/>
-        <p:nvPr/>
-      </p:nvGrpSpPr>
-      <p:grpSpPr>
-        <a:xfrm>
-          <a:off x="0" y="0"/>
-          <a:ext cx="0" cy="0"/>
-          <a:chOff x="0" y="0"/>
-          <a:chExt cx="0" cy="0"/>
-        </a:xfrm>
-      </p:grpSpPr>
-      <p:sp>
-        <p:nvSpPr>
-          <p:cNvPr id="227" name="Hide &amp; show"/>
-          <p:cNvSpPr>
-            <a:spLocks noGrp="1"/>
-          </p:cNvSpPr>
-          <p:nvPr>
-            <p:ph type="title"/>
-          </p:nvPr>
-        </p:nvSpPr>
-        <p:spPr>
-          <a:prstGeom prst="rect">
-            <a:avLst/>
-          </a:prstGeom>
-        </p:spPr>
-        <p:txBody>
-          <a:bodyPr/>
-          <a:lstStyle/>
-          <a:p>
-            <a:r>
-              <a:t>Hide &amp; show</a:t>
-            </a:r>
-          </a:p>
-        </p:txBody>
-      </p:sp>
-      <p:sp>
-        <p:nvSpPr>
-          <p:cNvPr id="228" name="$(&quot;.hide&quot;).click(function(){…"/>
-          <p:cNvSpPr/>
-          <p:nvPr/>
-        </p:nvSpPr>
-        <p:spPr>
-          <a:xfrm>
-            <a:off x="2967167" y="3251844"/>
-            <a:ext cx="7070466" cy="3249912"/>
-          </a:xfrm>
-          <a:prstGeom prst="rect">
-            <a:avLst/>
-          </a:prstGeom>
-          <a:solidFill>
-            <a:schemeClr val="accent6">
-              <a:satOff val="-3096"/>
-              <a:lumOff val="14117"/>
-              <a:alpha val="50000"/>
-            </a:schemeClr>
-          </a:solidFill>
-          <a:ln w="12700">
-            <a:miter lim="400000"/>
-          </a:ln>
-          <a:extLst>
-            <a:ext uri="{C572A759-6A51-4108-AA02-DFA0A04FC94B}">
-              <ma14:wrappingTextBoxFlag xmlns:ma14="http://schemas.microsoft.com/office/mac/drawingml/2011/main" val="1"/>
-            </a:ext>
-          </a:extLst>
-        </p:spPr>
-        <p:txBody>
-          <a:bodyPr lIns="50800" tIns="50800" rIns="50800" bIns="50800" anchor="ctr">
-            <a:spAutoFit/>
-          </a:bodyPr>
-          <a:lstStyle/>
-          <a:p>
-            <a:pPr algn="l" defTabSz="457200">
-              <a:defRPr sz="2400">
-                <a:solidFill>
-                  <a:srgbClr val="000000"/>
-                </a:solidFill>
-                <a:latin typeface="+mn-lt"/>
-                <a:ea typeface="+mn-ea"/>
-                <a:cs typeface="+mn-cs"/>
-                <a:sym typeface="Consolas"/>
-              </a:defRPr>
-            </a:pPr>
-            <a:r>
-              <a:t>$(".hide").click(function(){ </a:t>
-            </a:r>
-          </a:p>
-          <a:p>
-            <a:pPr algn="l" defTabSz="457200">
-              <a:defRPr sz="2400">
-                <a:solidFill>
-                  <a:srgbClr val="000000"/>
-                </a:solidFill>
-                <a:latin typeface="+mn-lt"/>
-                <a:ea typeface="+mn-ea"/>
-                <a:cs typeface="+mn-cs"/>
-                <a:sym typeface="Consolas"/>
-              </a:defRPr>
-            </a:pPr>
-            <a:endParaRPr/>
-          </a:p>
-          <a:p>
-            <a:pPr algn="l" defTabSz="457200">
-              <a:defRPr sz="2400">
-                <a:solidFill>
-                  <a:srgbClr val="000000"/>
-                </a:solidFill>
-                <a:latin typeface="+mn-lt"/>
-                <a:ea typeface="+mn-ea"/>
-                <a:cs typeface="+mn-cs"/>
-                <a:sym typeface="Consolas"/>
-              </a:defRPr>
-            </a:pPr>
-            <a:r>
-              <a:t>  $("img.hideAndSeek").hide(); </a:t>
-            </a:r>
-          </a:p>
-          <a:p>
-            <a:pPr algn="l" defTabSz="457200">
-              <a:defRPr sz="2400">
-                <a:solidFill>
-                  <a:srgbClr val="000000"/>
-                </a:solidFill>
-                <a:latin typeface="+mn-lt"/>
-                <a:ea typeface="+mn-ea"/>
-                <a:cs typeface="+mn-cs"/>
-                <a:sym typeface="Consolas"/>
-              </a:defRPr>
-            </a:pPr>
-            <a:r>
-              <a:t>}); </a:t>
-            </a:r>
-          </a:p>
-          <a:p>
-            <a:pPr algn="l" defTabSz="457200">
-              <a:defRPr sz="2400">
-                <a:solidFill>
-                  <a:srgbClr val="000000"/>
-                </a:solidFill>
-                <a:latin typeface="+mn-lt"/>
-                <a:ea typeface="+mn-ea"/>
-                <a:cs typeface="+mn-cs"/>
-                <a:sym typeface="Consolas"/>
-              </a:defRPr>
-            </a:pPr>
-            <a:endParaRPr/>
-          </a:p>
-          <a:p>
-            <a:pPr algn="l" defTabSz="457200">
-              <a:defRPr sz="2400">
-                <a:solidFill>
-                  <a:srgbClr val="000000"/>
-                </a:solidFill>
-                <a:latin typeface="+mn-lt"/>
-                <a:ea typeface="+mn-ea"/>
-                <a:cs typeface="+mn-cs"/>
-                <a:sym typeface="Consolas"/>
-              </a:defRPr>
-            </a:pPr>
-            <a:endParaRPr/>
-          </a:p>
-          <a:p>
-            <a:pPr algn="l" defTabSz="457200">
-              <a:defRPr sz="2400">
-                <a:solidFill>
-                  <a:srgbClr val="000000"/>
-                </a:solidFill>
-                <a:latin typeface="+mn-lt"/>
-                <a:ea typeface="+mn-ea"/>
-                <a:cs typeface="+mn-cs"/>
-                <a:sym typeface="Consolas"/>
-              </a:defRPr>
-            </a:pPr>
-            <a:r>
-              <a:t>$(".show").click(function(){</a:t>
-            </a:r>
-          </a:p>
-          <a:p>
-            <a:pPr algn="l" defTabSz="457200">
-              <a:defRPr sz="2400">
-                <a:solidFill>
-                  <a:srgbClr val="000000"/>
-                </a:solidFill>
-                <a:latin typeface="+mn-lt"/>
-                <a:ea typeface="+mn-ea"/>
-                <a:cs typeface="+mn-cs"/>
-                <a:sym typeface="Consolas"/>
-              </a:defRPr>
-            </a:pPr>
-            <a:r>
-              <a:t>  $("img.hideAndSeek").show();</a:t>
-            </a:r>
-          </a:p>
-          <a:p>
-            <a:pPr algn="l" defTabSz="457200">
-              <a:defRPr sz="2400">
-                <a:solidFill>
-                  <a:srgbClr val="000000"/>
-                </a:solidFill>
-                <a:latin typeface="+mn-lt"/>
-                <a:ea typeface="+mn-ea"/>
-                <a:cs typeface="+mn-cs"/>
-                <a:sym typeface="Consolas"/>
-              </a:defRPr>
-            </a:pPr>
-            <a:r>
-              <a:t>});</a:t>
-            </a:r>
-          </a:p>
-        </p:txBody>
-      </p:sp>
-    </p:spTree>
-  </p:cSld>
-  <p:clrMapOvr>
-    <a:masterClrMapping/>
-  </p:clrMapOvr>
-  <p:transition xmlns:p14="http://schemas.microsoft.com/office/powerpoint/2010/main" spd="med"/>
-</p:sld>
-</file>
-
-<file path=ppt/slides/slide31.xml><?xml version="1.0" encoding="utf-8"?>
-<p:sld xmlns:a="http://schemas.openxmlformats.org/drawingml/2006/main" xmlns:r="http://schemas.openxmlformats.org/officeDocument/2006/relationships" xmlns:p="http://schemas.openxmlformats.org/presentationml/2006/main">
-  <p:cSld>
-    <p:spTree>
-      <p:nvGrpSpPr>
-        <p:cNvPr id="1" name=""/>
-        <p:cNvGrpSpPr/>
-        <p:nvPr/>
-      </p:nvGrpSpPr>
-      <p:grpSpPr>
-        <a:xfrm>
-          <a:off x="0" y="0"/>
-          <a:ext cx="0" cy="0"/>
-          <a:chOff x="0" y="0"/>
-          <a:chExt cx="0" cy="0"/>
-        </a:xfrm>
-      </p:grpSpPr>
-      <p:sp>
-        <p:nvSpPr>
-          <p:cNvPr id="230" name="Fading"/>
-          <p:cNvSpPr>
-            <a:spLocks noGrp="1"/>
-          </p:cNvSpPr>
-          <p:nvPr>
-            <p:ph type="title"/>
-          </p:nvPr>
-        </p:nvSpPr>
-        <p:spPr>
-          <a:prstGeom prst="rect">
-            <a:avLst/>
-          </a:prstGeom>
-        </p:spPr>
-        <p:txBody>
-          <a:bodyPr/>
-          <a:lstStyle/>
-          <a:p>
-            <a:r>
-              <a:t>Fading</a:t>
-            </a:r>
-          </a:p>
-        </p:txBody>
-      </p:sp>
-      <p:sp>
-        <p:nvSpPr>
-          <p:cNvPr id="231" name="fadeOut():…"/>
-          <p:cNvSpPr>
-            <a:spLocks noGrp="1"/>
-          </p:cNvSpPr>
-          <p:nvPr>
-            <p:ph type="body" idx="1"/>
-          </p:nvPr>
-        </p:nvSpPr>
-        <p:spPr>
-          <a:prstGeom prst="rect">
-            <a:avLst/>
-          </a:prstGeom>
-        </p:spPr>
-        <p:txBody>
-          <a:bodyPr>
-            <a:normAutofit lnSpcReduction="10000"/>
-          </a:bodyPr>
-          <a:lstStyle/>
-          <a:p>
-            <a:pPr marL="421766" indent="-421766" defTabSz="473201">
-              <a:spcBef>
-                <a:spcPts val="3700"/>
-              </a:spcBef>
-              <a:defRPr sz="3725"/>
-            </a:pPr>
-            <a:r>
-              <a:t>fadeOut():</a:t>
-            </a:r>
-          </a:p>
-          <a:p>
-            <a:pPr marL="843533" lvl="1" indent="-421766" defTabSz="473201">
-              <a:spcBef>
-                <a:spcPts val="3700"/>
-              </a:spcBef>
-              <a:defRPr sz="3725"/>
-            </a:pPr>
-            <a:r>
-              <a:t>will gradually make an element disappear. </a:t>
-            </a:r>
-          </a:p>
-          <a:p>
-            <a:pPr marL="421766" indent="-421766" defTabSz="473201">
-              <a:spcBef>
-                <a:spcPts val="3700"/>
-              </a:spcBef>
-              <a:defRPr sz="3725"/>
-            </a:pPr>
-            <a:r>
-              <a:t>fadeIn()</a:t>
-            </a:r>
-          </a:p>
-          <a:p>
-            <a:pPr marL="843533" lvl="1" indent="-421766" defTabSz="473201">
-              <a:spcBef>
-                <a:spcPts val="3700"/>
-              </a:spcBef>
-              <a:defRPr sz="3725"/>
-            </a:pPr>
-            <a:r>
-              <a:t>will gradually bring the element back in. </a:t>
-            </a:r>
-          </a:p>
-          <a:p>
-            <a:pPr marL="421766" indent="-421766" defTabSz="473201">
-              <a:spcBef>
-                <a:spcPts val="3700"/>
-              </a:spcBef>
-              <a:defRPr sz="3725"/>
-            </a:pPr>
-            <a:r>
-              <a:t>fadeToggle():</a:t>
-            </a:r>
-          </a:p>
-          <a:p>
-            <a:pPr marL="843533" lvl="1" indent="-421766" defTabSz="473201">
-              <a:spcBef>
-                <a:spcPts val="3700"/>
-              </a:spcBef>
-              <a:defRPr sz="3725"/>
-            </a:pPr>
-            <a:r>
-              <a:t>will "fade" in/out the elements</a:t>
-            </a:r>
-          </a:p>
-        </p:txBody>
-      </p:sp>
-    </p:spTree>
-  </p:cSld>
-  <p:clrMapOvr>
-    <a:masterClrMapping/>
-  </p:clrMapOvr>
-  <p:transition xmlns:p14="http://schemas.microsoft.com/office/powerpoint/2010/main" spd="med"/>
-</p:sld>
-</file>
-
-<file path=ppt/slides/slide32.xml><?xml version="1.0" encoding="utf-8"?>
-<p:sld xmlns:a="http://schemas.openxmlformats.org/drawingml/2006/main" xmlns:r="http://schemas.openxmlformats.org/officeDocument/2006/relationships" xmlns:p="http://schemas.openxmlformats.org/presentationml/2006/main">
-  <p:cSld>
-    <p:spTree>
-      <p:nvGrpSpPr>
-        <p:cNvPr id="1" name=""/>
-        <p:cNvGrpSpPr/>
-        <p:nvPr/>
-      </p:nvGrpSpPr>
-      <p:grpSpPr>
-        <a:xfrm>
-          <a:off x="0" y="0"/>
-          <a:ext cx="0" cy="0"/>
-          <a:chOff x="0" y="0"/>
-          <a:chExt cx="0" cy="0"/>
-        </a:xfrm>
-      </p:grpSpPr>
-      <p:sp>
-        <p:nvSpPr>
-          <p:cNvPr id="233" name="Let’s get classy"/>
-          <p:cNvSpPr>
-            <a:spLocks noGrp="1"/>
-          </p:cNvSpPr>
-          <p:nvPr>
-            <p:ph type="title"/>
-          </p:nvPr>
-        </p:nvSpPr>
-        <p:spPr>
-          <a:prstGeom prst="rect">
-            <a:avLst/>
-          </a:prstGeom>
-        </p:spPr>
-        <p:txBody>
-          <a:bodyPr/>
-          <a:lstStyle/>
-          <a:p>
-            <a:r>
-              <a:t>Think outside the box</a:t>
-            </a:r>
-          </a:p>
-        </p:txBody>
-      </p:sp>
-      <p:sp>
-        <p:nvSpPr>
-          <p:cNvPr id="234" name="addClass()"/>
-          <p:cNvSpPr>
-            <a:spLocks noGrp="1"/>
-          </p:cNvSpPr>
-          <p:nvPr>
-            <p:ph type="body" idx="1"/>
-          </p:nvPr>
-        </p:nvSpPr>
-        <p:spPr>
-          <a:xfrm>
-            <a:off x="355600" y="2643426"/>
-            <a:ext cx="12293600" cy="6299201"/>
-          </a:xfrm>
-          <a:prstGeom prst="rect">
-            <a:avLst/>
-          </a:prstGeom>
-        </p:spPr>
-        <p:txBody>
-          <a:bodyPr/>
-          <a:lstStyle/>
-          <a:p>
-            <a:pPr>
-              <a:defRPr b="1">
-                <a:latin typeface="Gill Sans"/>
-                <a:ea typeface="Gill Sans"/>
-                <a:cs typeface="Gill Sans"/>
-                <a:sym typeface="Gill Sans"/>
-              </a:defRPr>
-            </a:pPr>
-            <a:r>
-              <a:t>animate()</a:t>
-            </a:r>
-          </a:p>
-          <a:p>
-            <a:pPr marL="0" indent="0">
-              <a:buSzTx/>
-              <a:buNone/>
-              <a:defRPr b="1">
-                <a:latin typeface="Gill Sans"/>
-                <a:ea typeface="Gill Sans"/>
-                <a:cs typeface="Gill Sans"/>
-                <a:sym typeface="Gill Sans"/>
-              </a:defRPr>
-            </a:pPr>
-            <a:endParaRPr/>
-          </a:p>
-          <a:p>
-            <a:pPr marL="1179443" lvl="1" indent="-228600">
-              <a:lnSpc>
-                <a:spcPct val="100000"/>
-              </a:lnSpc>
-              <a:spcBef>
-                <a:spcPts val="0"/>
-              </a:spcBef>
-              <a:buSzPct val="100000"/>
-              <a:defRPr sz="3800"/>
-            </a:pPr>
-            <a:r>
-              <a:t>Default speed: 400ms</a:t>
-            </a:r>
-          </a:p>
-          <a:p>
-            <a:pPr marL="1179443" lvl="1" indent="-228600">
-              <a:lnSpc>
-                <a:spcPct val="100000"/>
-              </a:lnSpc>
-              <a:spcBef>
-                <a:spcPts val="0"/>
-              </a:spcBef>
-              <a:buSzPct val="100000"/>
-              <a:defRPr sz="3800"/>
-            </a:pPr>
-            <a:r>
-              <a:t>Not all CSS styling effects can be applied</a:t>
-            </a:r>
-          </a:p>
-          <a:p>
-            <a:pPr marL="1179443" lvl="1" indent="-228600">
-              <a:lnSpc>
-                <a:spcPct val="100000"/>
-              </a:lnSpc>
-              <a:spcBef>
-                <a:spcPts val="0"/>
-              </a:spcBef>
-              <a:buSzPct val="100000"/>
-              <a:defRPr sz="3800"/>
-            </a:pPr>
-            <a:r>
-              <a:t>CSS properties that return a numeric property</a:t>
-            </a:r>
-          </a:p>
-          <a:p>
-            <a:pPr marL="1179443" lvl="1" indent="-228600">
-              <a:lnSpc>
-                <a:spcPct val="100000"/>
-              </a:lnSpc>
-              <a:spcBef>
-                <a:spcPts val="0"/>
-              </a:spcBef>
-              <a:buSzPct val="100000"/>
-              <a:defRPr sz="3800"/>
-            </a:pPr>
-            <a:endParaRPr/>
-          </a:p>
-          <a:p>
-            <a:pPr marL="0" lvl="1" indent="950843">
-              <a:lnSpc>
-                <a:spcPct val="100000"/>
-              </a:lnSpc>
-              <a:spcBef>
-                <a:spcPts val="0"/>
-              </a:spcBef>
-              <a:buClr>
-                <a:srgbClr val="535353"/>
-              </a:buClr>
-              <a:buSzTx/>
-              <a:buNone/>
-              <a:defRPr sz="3800"/>
-            </a:pPr>
-            <a:endParaRPr/>
-          </a:p>
-        </p:txBody>
-      </p:sp>
-      <p:sp>
-        <p:nvSpPr>
-          <p:cNvPr id="235" name="$(selector).animate({params},speed, callback);"/>
-          <p:cNvSpPr/>
-          <p:nvPr/>
-        </p:nvSpPr>
-        <p:spPr>
-          <a:xfrm>
-            <a:off x="1728877" y="4320685"/>
-            <a:ext cx="9547047" cy="415641"/>
-          </a:xfrm>
-          <a:prstGeom prst="rect">
-            <a:avLst/>
-          </a:prstGeom>
-          <a:solidFill>
-            <a:schemeClr val="accent6">
-              <a:satOff val="-3096"/>
-              <a:lumOff val="14117"/>
-              <a:alpha val="50000"/>
-            </a:schemeClr>
-          </a:solidFill>
-          <a:ln w="12700">
-            <a:miter lim="400000"/>
-          </a:ln>
-          <a:extLst>
-            <a:ext uri="{C572A759-6A51-4108-AA02-DFA0A04FC94B}">
-              <ma14:wrappingTextBoxFlag xmlns:ma14="http://schemas.microsoft.com/office/mac/drawingml/2011/main" val="1"/>
-            </a:ext>
-          </a:extLst>
-        </p:spPr>
-        <p:txBody>
-          <a:bodyPr lIns="50800" tIns="50800" rIns="50800" bIns="50800" anchor="ctr">
-            <a:spAutoFit/>
-          </a:bodyPr>
-          <a:lstStyle/>
-          <a:p>
-            <a:pPr algn="l">
-              <a:lnSpc>
-                <a:spcPct val="120000"/>
-              </a:lnSpc>
-              <a:defRPr sz="2500">
-                <a:latin typeface="+mn-lt"/>
-                <a:ea typeface="+mn-ea"/>
-                <a:cs typeface="+mn-cs"/>
-                <a:sym typeface="Consolas"/>
-              </a:defRPr>
-            </a:pPr>
-            <a:r>
-              <a:t>$(selector).animate({</a:t>
-            </a:r>
-            <a:r>
-              <a:rPr b="1">
-                <a:solidFill>
-                  <a:schemeClr val="accent5">
-                    <a:lumOff val="-6588"/>
-                  </a:schemeClr>
-                </a:solidFill>
-              </a:rPr>
-              <a:t>params</a:t>
-            </a:r>
-            <a:r>
-              <a:t>},speed, callback);</a:t>
-            </a:r>
-          </a:p>
-        </p:txBody>
-      </p:sp>
-      <p:pic>
-        <p:nvPicPr>
-          <p:cNvPr id="236" name="pasted-image.png" descr="pasted-image.png"/>
-          <p:cNvPicPr>
-            <a:picLocks noChangeAspect="1"/>
-          </p:cNvPicPr>
-          <p:nvPr/>
-        </p:nvPicPr>
-        <p:blipFill>
-          <a:blip r:embed="rId2">
-            <a:extLst/>
-          </a:blip>
-          <a:stretch>
-            <a:fillRect/>
-          </a:stretch>
-        </p:blipFill>
-        <p:spPr>
-          <a:xfrm>
-            <a:off x="9939284" y="5240981"/>
-            <a:ext cx="3377205" cy="3827498"/>
-          </a:xfrm>
-          <a:prstGeom prst="rect">
-            <a:avLst/>
-          </a:prstGeom>
-          <a:ln w="12700">
-            <a:miter lim="400000"/>
-          </a:ln>
-        </p:spPr>
-      </p:pic>
-    </p:spTree>
-  </p:cSld>
-  <p:clrMapOvr>
-    <a:masterClrMapping/>
-  </p:clrMapOvr>
-  <p:transition xmlns:p14="http://schemas.microsoft.com/office/powerpoint/2010/main" spd="med"/>
-</p:sld>
-</file>
-
-<file path=ppt/slides/slide33.xml><?xml version="1.0" encoding="utf-8"?>
-<p:sld xmlns:a="http://schemas.openxmlformats.org/drawingml/2006/main" xmlns:r="http://schemas.openxmlformats.org/officeDocument/2006/relationships" xmlns:p="http://schemas.openxmlformats.org/presentationml/2006/main">
-  <p:cSld>
-    <p:spTree>
-      <p:nvGrpSpPr>
-        <p:cNvPr id="1" name=""/>
-        <p:cNvGrpSpPr/>
-        <p:nvPr/>
-      </p:nvGrpSpPr>
-      <p:grpSpPr>
-        <a:xfrm>
-          <a:off x="0" y="0"/>
-          <a:ext cx="0" cy="0"/>
-          <a:chOff x="0" y="0"/>
-          <a:chExt cx="0" cy="0"/>
-        </a:xfrm>
-      </p:grpSpPr>
-      <p:sp>
-        <p:nvSpPr>
-          <p:cNvPr id="238" name="Let’s get classy"/>
-          <p:cNvSpPr>
-            <a:spLocks noGrp="1"/>
-          </p:cNvSpPr>
-          <p:nvPr>
-            <p:ph type="title"/>
-          </p:nvPr>
-        </p:nvSpPr>
-        <p:spPr>
-          <a:prstGeom prst="rect">
-            <a:avLst/>
-          </a:prstGeom>
-        </p:spPr>
-        <p:txBody>
-          <a:bodyPr/>
-          <a:lstStyle/>
-          <a:p>
-            <a:r>
-              <a:t>Delay</a:t>
-            </a:r>
-          </a:p>
-        </p:txBody>
-      </p:sp>
-      <p:sp>
-        <p:nvSpPr>
-          <p:cNvPr id="239" name="addClass()"/>
-          <p:cNvSpPr>
-            <a:spLocks noGrp="1"/>
-          </p:cNvSpPr>
-          <p:nvPr>
-            <p:ph type="body" idx="1"/>
-          </p:nvPr>
-        </p:nvSpPr>
-        <p:spPr>
-          <a:xfrm>
-            <a:off x="355600" y="2643426"/>
-            <a:ext cx="12293600" cy="6299201"/>
-          </a:xfrm>
-          <a:prstGeom prst="rect">
-            <a:avLst/>
-          </a:prstGeom>
-        </p:spPr>
-        <p:txBody>
-          <a:bodyPr/>
-          <a:lstStyle/>
-          <a:p>
-            <a:pPr>
-              <a:defRPr b="1">
-                <a:latin typeface="Gill Sans"/>
-                <a:ea typeface="Gill Sans"/>
-                <a:cs typeface="Gill Sans"/>
-                <a:sym typeface="Gill Sans"/>
-              </a:defRPr>
-            </a:pPr>
-            <a:r>
-              <a:t>delay()</a:t>
-            </a:r>
-          </a:p>
-          <a:p>
-            <a:pPr marL="0" indent="0">
-              <a:buSzTx/>
-              <a:buNone/>
-              <a:defRPr b="1">
-                <a:latin typeface="Gill Sans"/>
-                <a:ea typeface="Gill Sans"/>
-                <a:cs typeface="Gill Sans"/>
-                <a:sym typeface="Gill Sans"/>
-              </a:defRPr>
-            </a:pPr>
-            <a:endParaRPr/>
-          </a:p>
-          <a:p>
-            <a:pPr marL="1179443" lvl="1" indent="-228600">
-              <a:lnSpc>
-                <a:spcPct val="100000"/>
-              </a:lnSpc>
-              <a:spcBef>
-                <a:spcPts val="0"/>
-              </a:spcBef>
-              <a:buSzPct val="100000"/>
-              <a:defRPr sz="3800"/>
-            </a:pPr>
-            <a:r>
-              <a:t>Most commonly used for chaining events </a:t>
-            </a:r>
-          </a:p>
-          <a:p>
-            <a:pPr marL="1179443" lvl="1" indent="-228600">
-              <a:lnSpc>
-                <a:spcPct val="100000"/>
-              </a:lnSpc>
-              <a:spcBef>
-                <a:spcPts val="0"/>
-              </a:spcBef>
-              <a:buSzPct val="100000"/>
-              <a:defRPr sz="3800"/>
-            </a:pPr>
-            <a:endParaRPr/>
-          </a:p>
-          <a:p>
-            <a:pPr marL="1179443" lvl="1" indent="-228600">
-              <a:lnSpc>
-                <a:spcPct val="100000"/>
-              </a:lnSpc>
-              <a:spcBef>
-                <a:spcPts val="0"/>
-              </a:spcBef>
-              <a:buSzPct val="100000"/>
-              <a:defRPr sz="3800"/>
-            </a:pPr>
-            <a:endParaRPr/>
-          </a:p>
-          <a:p>
-            <a:pPr marL="0" lvl="1" indent="950843">
-              <a:lnSpc>
-                <a:spcPct val="100000"/>
-              </a:lnSpc>
-              <a:spcBef>
-                <a:spcPts val="0"/>
-              </a:spcBef>
-              <a:buClr>
-                <a:srgbClr val="535353"/>
-              </a:buClr>
-              <a:buSzTx/>
-              <a:buNone/>
-              <a:defRPr sz="3800"/>
-            </a:pPr>
-            <a:endParaRPr/>
-          </a:p>
-        </p:txBody>
-      </p:sp>
-      <p:sp>
-        <p:nvSpPr>
-          <p:cNvPr id="240" name="$(selector).delay(speed,queueName)"/>
-          <p:cNvSpPr/>
-          <p:nvPr/>
-        </p:nvSpPr>
-        <p:spPr>
-          <a:xfrm>
-            <a:off x="1728877" y="4540814"/>
-            <a:ext cx="9547047" cy="415641"/>
-          </a:xfrm>
-          <a:prstGeom prst="rect">
-            <a:avLst/>
-          </a:prstGeom>
-          <a:solidFill>
-            <a:schemeClr val="accent6">
-              <a:satOff val="-3096"/>
-              <a:lumOff val="14117"/>
-              <a:alpha val="50000"/>
-            </a:schemeClr>
-          </a:solidFill>
-          <a:ln w="12700">
-            <a:miter lim="400000"/>
-          </a:ln>
-          <a:extLst>
-            <a:ext uri="{C572A759-6A51-4108-AA02-DFA0A04FC94B}">
-              <ma14:wrappingTextBoxFlag xmlns:ma14="http://schemas.microsoft.com/office/mac/drawingml/2011/main" val="1"/>
-            </a:ext>
-          </a:extLst>
-        </p:spPr>
-        <p:txBody>
-          <a:bodyPr lIns="50800" tIns="50800" rIns="50800" bIns="50800" anchor="ctr">
-            <a:spAutoFit/>
-          </a:bodyPr>
-          <a:lstStyle>
-            <a:lvl1pPr algn="l">
-              <a:lnSpc>
-                <a:spcPct val="120000"/>
-              </a:lnSpc>
-              <a:defRPr sz="2500">
-                <a:latin typeface="+mn-lt"/>
-                <a:ea typeface="+mn-ea"/>
-                <a:cs typeface="+mn-cs"/>
-                <a:sym typeface="Consolas"/>
-              </a:defRPr>
-            </a:lvl1pPr>
-          </a:lstStyle>
-          <a:p>
-            <a:r>
-              <a:rPr dirty="0"/>
-              <a:t>$(selector).delay(speed,queueName)</a:t>
-            </a:r>
-          </a:p>
-        </p:txBody>
-      </p:sp>
-    </p:spTree>
-  </p:cSld>
-  <p:clrMapOvr>
-    <a:masterClrMapping/>
-  </p:clrMapOvr>
-  <p:transition xmlns:p14="http://schemas.microsoft.com/office/powerpoint/2010/main" spd="med"/>
-</p:sld>
-</file>
-
-<file path=ppt/slides/slide34.xml><?xml version="1.0" encoding="utf-8"?>
-<p:sld xmlns:a="http://schemas.openxmlformats.org/drawingml/2006/main" xmlns:r="http://schemas.openxmlformats.org/officeDocument/2006/relationships" xmlns:p="http://schemas.openxmlformats.org/presentationml/2006/main">
-  <p:cSld>
-    <p:spTree>
-      <p:nvGrpSpPr>
-        <p:cNvPr id="1" name=""/>
-        <p:cNvGrpSpPr/>
-        <p:nvPr/>
-      </p:nvGrpSpPr>
-      <p:grpSpPr>
-        <a:xfrm>
-          <a:off x="0" y="0"/>
-          <a:ext cx="0" cy="0"/>
-          <a:chOff x="0" y="0"/>
-          <a:chExt cx="0" cy="0"/>
-        </a:xfrm>
-      </p:grpSpPr>
-      <p:sp>
-        <p:nvSpPr>
-          <p:cNvPr id="242" name="Finish &amp; stop"/>
-          <p:cNvSpPr>
-            <a:spLocks noGrp="1"/>
-          </p:cNvSpPr>
-          <p:nvPr>
-            <p:ph type="title"/>
-          </p:nvPr>
-        </p:nvSpPr>
-        <p:spPr>
-          <a:prstGeom prst="rect">
-            <a:avLst/>
-          </a:prstGeom>
-        </p:spPr>
-        <p:txBody>
-          <a:bodyPr/>
-          <a:lstStyle/>
-          <a:p>
-            <a:r>
-              <a:t>Finish &amp; stop</a:t>
-            </a:r>
-          </a:p>
-        </p:txBody>
-      </p:sp>
-      <p:sp>
-        <p:nvSpPr>
-          <p:cNvPr id="243" name="Difference…"/>
-          <p:cNvSpPr>
-            <a:spLocks noGrp="1"/>
-          </p:cNvSpPr>
-          <p:nvPr>
-            <p:ph type="body" idx="1"/>
-          </p:nvPr>
-        </p:nvSpPr>
-        <p:spPr>
-          <a:prstGeom prst="rect">
-            <a:avLst/>
-          </a:prstGeom>
-        </p:spPr>
-        <p:txBody>
-          <a:bodyPr/>
-          <a:lstStyle/>
-          <a:p>
-            <a:r>
-              <a:t>Difference </a:t>
-            </a:r>
-          </a:p>
-          <a:p>
-            <a:pPr lvl="1"/>
-            <a:r>
-              <a:t>Finish: show end state</a:t>
-            </a:r>
-          </a:p>
-          <a:p>
-            <a:pPr lvl="1"/>
-            <a:r>
-              <a:t>Stop: pause and show current state </a:t>
-            </a:r>
-          </a:p>
-        </p:txBody>
-      </p:sp>
-      <p:pic>
-        <p:nvPicPr>
-          <p:cNvPr id="244" name="pasted-image.png" descr="pasted-image.png"/>
-          <p:cNvPicPr>
-            <a:picLocks noChangeAspect="1"/>
-          </p:cNvPicPr>
-          <p:nvPr/>
-        </p:nvPicPr>
-        <p:blipFill>
-          <a:blip r:embed="rId2">
-            <a:extLst/>
-          </a:blip>
-          <a:stretch>
-            <a:fillRect/>
-          </a:stretch>
-        </p:blipFill>
-        <p:spPr>
-          <a:xfrm>
-            <a:off x="9884548" y="3038726"/>
-            <a:ext cx="1726702" cy="3197244"/>
-          </a:xfrm>
-          <a:prstGeom prst="rect">
-            <a:avLst/>
-          </a:prstGeom>
-          <a:ln w="12700">
-            <a:miter lim="400000"/>
-          </a:ln>
-        </p:spPr>
-      </p:pic>
-    </p:spTree>
-  </p:cSld>
-  <p:clrMapOvr>
-    <a:masterClrMapping/>
-  </p:clrMapOvr>
-  <p:transition xmlns:p14="http://schemas.microsoft.com/office/powerpoint/2010/main" spd="med"/>
-</p:sld>
-</file>
-
-<file path=ppt/slides/slide35.xml><?xml version="1.0" encoding="utf-8"?>
-<p:sld xmlns:a="http://schemas.openxmlformats.org/drawingml/2006/main" xmlns:r="http://schemas.openxmlformats.org/officeDocument/2006/relationships" xmlns:p="http://schemas.openxmlformats.org/presentationml/2006/main">
-  <p:cSld>
-    <p:spTree>
-      <p:nvGrpSpPr>
-        <p:cNvPr id="1" name=""/>
-        <p:cNvGrpSpPr/>
-        <p:nvPr/>
-      </p:nvGrpSpPr>
-      <p:grpSpPr>
-        <a:xfrm>
-          <a:off x="0" y="0"/>
-          <a:ext cx="0" cy="0"/>
-          <a:chOff x="0" y="0"/>
-          <a:chExt cx="0" cy="0"/>
-        </a:xfrm>
-      </p:grpSpPr>
-      <p:sp>
-        <p:nvSpPr>
-          <p:cNvPr id="246" name="Ajax"/>
-          <p:cNvSpPr>
-            <a:spLocks noGrp="1"/>
-          </p:cNvSpPr>
-          <p:nvPr>
-            <p:ph type="title"/>
-          </p:nvPr>
-        </p:nvSpPr>
-        <p:spPr>
-          <a:prstGeom prst="rect">
-            <a:avLst/>
-          </a:prstGeom>
-        </p:spPr>
-        <p:txBody>
-          <a:bodyPr/>
-          <a:lstStyle/>
-          <a:p>
-            <a:r>
-              <a:t>Ajax</a:t>
-            </a:r>
-          </a:p>
-        </p:txBody>
-      </p:sp>
-    </p:spTree>
-  </p:cSld>
-  <p:clrMapOvr>
-    <a:masterClrMapping/>
-  </p:clrMapOvr>
-  <p:transition xmlns:p14="http://schemas.microsoft.com/office/powerpoint/2010/main" spd="med"/>
-</p:sld>
-</file>
-
-<file path=ppt/slides/slide36.xml><?xml version="1.0" encoding="utf-8"?>
+<file path=ppt/slides/slide50.xml><?xml version="1.0" encoding="utf-8"?>
 <p:sld xmlns:a="http://schemas.openxmlformats.org/drawingml/2006/main" xmlns:r="http://schemas.openxmlformats.org/officeDocument/2006/relationships" xmlns:p="http://schemas.openxmlformats.org/presentationml/2006/main">
   <p:cSld>
     <p:spTree>
@@ -11113,11 +16386,18 @@
   <p:clrMapOvr>
     <a:masterClrMapping/>
   </p:clrMapOvr>
-  <p:transition xmlns:p14="http://schemas.microsoft.com/office/powerpoint/2010/main" spd="med"/>
+  <p:transition spd="med"/>
+  <p:timing>
+    <p:tnLst>
+      <p:par>
+        <p:cTn id="1" dur="indefinite" restart="never" nodeType="tmRoot"/>
+      </p:par>
+    </p:tnLst>
+  </p:timing>
 </p:sld>
 </file>
 
-<file path=ppt/slides/slide37.xml><?xml version="1.0" encoding="utf-8"?>
+<file path=ppt/slides/slide51.xml><?xml version="1.0" encoding="utf-8"?>
 <p:sld xmlns:a="http://schemas.openxmlformats.org/drawingml/2006/main" xmlns:r="http://schemas.openxmlformats.org/officeDocument/2006/relationships" xmlns:p="http://schemas.openxmlformats.org/presentationml/2006/main">
   <p:cSld>
     <p:spTree>
@@ -11205,11 +16485,18 @@
   <p:clrMapOvr>
     <a:masterClrMapping/>
   </p:clrMapOvr>
-  <p:transition xmlns:p14="http://schemas.microsoft.com/office/powerpoint/2010/main" spd="med"/>
+  <p:transition spd="med"/>
+  <p:timing>
+    <p:tnLst>
+      <p:par>
+        <p:cTn id="1" dur="indefinite" restart="never" nodeType="tmRoot"/>
+      </p:par>
+    </p:tnLst>
+  </p:timing>
 </p:sld>
 </file>
 
-<file path=ppt/slides/slide38.xml><?xml version="1.0" encoding="utf-8"?>
+<file path=ppt/slides/slide52.xml><?xml version="1.0" encoding="utf-8"?>
 <p:sld xmlns:a="http://schemas.openxmlformats.org/drawingml/2006/main" xmlns:r="http://schemas.openxmlformats.org/officeDocument/2006/relationships" xmlns:p="http://schemas.openxmlformats.org/presentationml/2006/main">
   <p:cSld>
     <p:spTree>
@@ -11547,11 +16834,18 @@
   <p:clrMapOvr>
     <a:masterClrMapping/>
   </p:clrMapOvr>
-  <p:transition xmlns:p14="http://schemas.microsoft.com/office/powerpoint/2010/main" spd="med"/>
+  <p:transition spd="med"/>
+  <p:timing>
+    <p:tnLst>
+      <p:par>
+        <p:cTn id="1" dur="indefinite" restart="never" nodeType="tmRoot"/>
+      </p:par>
+    </p:tnLst>
+  </p:timing>
 </p:sld>
 </file>
 
-<file path=ppt/slides/slide39.xml><?xml version="1.0" encoding="utf-8"?>
+<file path=ppt/slides/slide53.xml><?xml version="1.0" encoding="utf-8"?>
 <p:sld xmlns:a="http://schemas.openxmlformats.org/drawingml/2006/main" xmlns:r="http://schemas.openxmlformats.org/officeDocument/2006/relationships" xmlns:p="http://schemas.openxmlformats.org/presentationml/2006/main">
   <p:cSld>
     <p:spTree>
@@ -11747,62 +17041,11 @@
   <p:clrMapOvr>
     <a:masterClrMapping/>
   </p:clrMapOvr>
-  <p:transition xmlns:p14="http://schemas.microsoft.com/office/powerpoint/2010/main" spd="med"/>
+  <p:transition spd="med"/>
 </p:sld>
 </file>
 
-<file path=ppt/slides/slide4.xml><?xml version="1.0" encoding="utf-8"?>
-<p:sld xmlns:a="http://schemas.openxmlformats.org/drawingml/2006/main" xmlns:r="http://schemas.openxmlformats.org/officeDocument/2006/relationships" xmlns:p="http://schemas.openxmlformats.org/presentationml/2006/main">
-  <p:cSld>
-    <p:spTree>
-      <p:nvGrpSpPr>
-        <p:cNvPr id="1" name=""/>
-        <p:cNvGrpSpPr/>
-        <p:nvPr/>
-      </p:nvGrpSpPr>
-      <p:grpSpPr>
-        <a:xfrm>
-          <a:off x="0" y="0"/>
-          <a:ext cx="0" cy="0"/>
-          <a:chOff x="0" y="0"/>
-          <a:chExt cx="0" cy="0"/>
-        </a:xfrm>
-      </p:grpSpPr>
-      <p:sp>
-        <p:nvSpPr>
-          <p:cNvPr id="131" name="Maneuvering the DOM"/>
-          <p:cNvSpPr>
-            <a:spLocks noGrp="1"/>
-          </p:cNvSpPr>
-          <p:nvPr>
-            <p:ph type="title"/>
-          </p:nvPr>
-        </p:nvSpPr>
-        <p:spPr>
-          <a:prstGeom prst="rect">
-            <a:avLst/>
-          </a:prstGeom>
-        </p:spPr>
-        <p:txBody>
-          <a:bodyPr/>
-          <a:lstStyle/>
-          <a:p>
-            <a:r>
-              <a:t>Maneuvering the DOM</a:t>
-            </a:r>
-          </a:p>
-        </p:txBody>
-      </p:sp>
-    </p:spTree>
-  </p:cSld>
-  <p:clrMapOvr>
-    <a:masterClrMapping/>
-  </p:clrMapOvr>
-  <p:transition xmlns:p14="http://schemas.microsoft.com/office/powerpoint/2010/main" spd="med"/>
-</p:sld>
-</file>
-
-<file path=ppt/slides/slide40.xml><?xml version="1.0" encoding="utf-8"?>
+<file path=ppt/slides/slide54.xml><?xml version="1.0" encoding="utf-8"?>
 <p:sld xmlns:a="http://schemas.openxmlformats.org/drawingml/2006/main" xmlns:r="http://schemas.openxmlformats.org/officeDocument/2006/relationships" xmlns:p="http://schemas.openxmlformats.org/presentationml/2006/main">
   <p:cSld>
     <p:spTree>
@@ -11937,11 +17180,18 @@
   <p:clrMapOvr>
     <a:masterClrMapping/>
   </p:clrMapOvr>
-  <p:transition xmlns:p14="http://schemas.microsoft.com/office/powerpoint/2010/main" spd="med"/>
+  <p:transition spd="med"/>
+  <p:timing>
+    <p:tnLst>
+      <p:par>
+        <p:cTn id="1" dur="indefinite" restart="never" nodeType="tmRoot"/>
+      </p:par>
+    </p:tnLst>
+  </p:timing>
 </p:sld>
 </file>
 
-<file path=ppt/slides/slide41.xml><?xml version="1.0" encoding="utf-8"?>
+<file path=ppt/slides/slide55.xml><?xml version="1.0" encoding="utf-8"?>
 <p:sld xmlns:a="http://schemas.openxmlformats.org/drawingml/2006/main" xmlns:r="http://schemas.openxmlformats.org/officeDocument/2006/relationships" xmlns:p="http://schemas.openxmlformats.org/presentationml/2006/main">
   <p:cSld>
     <p:spTree>
@@ -12135,11 +17385,18 @@
   <p:clrMapOvr>
     <a:masterClrMapping/>
   </p:clrMapOvr>
-  <p:transition xmlns:p14="http://schemas.microsoft.com/office/powerpoint/2010/main" spd="med"/>
+  <p:transition spd="med"/>
+  <p:timing>
+    <p:tnLst>
+      <p:par>
+        <p:cTn id="1" dur="indefinite" restart="never" nodeType="tmRoot"/>
+      </p:par>
+    </p:tnLst>
+  </p:timing>
 </p:sld>
 </file>
 
-<file path=ppt/slides/slide42.xml><?xml version="1.0" encoding="utf-8"?>
+<file path=ppt/slides/slide56.xml><?xml version="1.0" encoding="utf-8"?>
 <p:sld xmlns:a="http://schemas.openxmlformats.org/drawingml/2006/main" xmlns:r="http://schemas.openxmlformats.org/officeDocument/2006/relationships" xmlns:p="http://schemas.openxmlformats.org/presentationml/2006/main">
   <p:cSld>
     <p:spTree>
@@ -12296,11 +17553,11 @@
   <p:clrMapOvr>
     <a:masterClrMapping/>
   </p:clrMapOvr>
-  <p:transition xmlns:p14="http://schemas.microsoft.com/office/powerpoint/2010/main" spd="med"/>
+  <p:transition spd="med"/>
 </p:sld>
 </file>
 
-<file path=ppt/slides/slide43.xml><?xml version="1.0" encoding="utf-8"?>
+<file path=ppt/slides/slide57.xml><?xml version="1.0" encoding="utf-8"?>
 <p:sld xmlns:a="http://schemas.openxmlformats.org/drawingml/2006/main" xmlns:r="http://schemas.openxmlformats.org/officeDocument/2006/relationships" xmlns:p="http://schemas.openxmlformats.org/presentationml/2006/main">
   <p:cSld>
     <p:spTree>
@@ -12347,11 +17604,69 @@
   <p:clrMapOvr>
     <a:masterClrMapping/>
   </p:clrMapOvr>
-  <p:transition xmlns:p14="http://schemas.microsoft.com/office/powerpoint/2010/main" spd="med"/>
+  <p:transition spd="med"/>
 </p:sld>
 </file>
 
-<file path=ppt/slides/slide5.xml><?xml version="1.0" encoding="utf-8"?>
+<file path=ppt/slides/slide6.xml><?xml version="1.0" encoding="utf-8"?>
+<p:sld xmlns:a="http://schemas.openxmlformats.org/drawingml/2006/main" xmlns:r="http://schemas.openxmlformats.org/officeDocument/2006/relationships" xmlns:p="http://schemas.openxmlformats.org/presentationml/2006/main">
+  <p:cSld>
+    <p:spTree>
+      <p:nvGrpSpPr>
+        <p:cNvPr id="1" name=""/>
+        <p:cNvGrpSpPr/>
+        <p:nvPr/>
+      </p:nvGrpSpPr>
+      <p:grpSpPr>
+        <a:xfrm>
+          <a:off x="0" y="0"/>
+          <a:ext cx="0" cy="0"/>
+          <a:chOff x="0" y="0"/>
+          <a:chExt cx="0" cy="0"/>
+        </a:xfrm>
+      </p:grpSpPr>
+      <p:sp>
+        <p:nvSpPr>
+          <p:cNvPr id="131" name="Maneuvering the DOM"/>
+          <p:cNvSpPr>
+            <a:spLocks noGrp="1"/>
+          </p:cNvSpPr>
+          <p:nvPr>
+            <p:ph type="title"/>
+          </p:nvPr>
+        </p:nvSpPr>
+        <p:spPr>
+          <a:prstGeom prst="rect">
+            <a:avLst/>
+          </a:prstGeom>
+        </p:spPr>
+        <p:txBody>
+          <a:bodyPr/>
+          <a:lstStyle/>
+          <a:p>
+            <a:r>
+              <a:t>Maneuvering the DOM</a:t>
+            </a:r>
+          </a:p>
+        </p:txBody>
+      </p:sp>
+    </p:spTree>
+  </p:cSld>
+  <p:clrMapOvr>
+    <a:masterClrMapping/>
+  </p:clrMapOvr>
+  <p:transition spd="med"/>
+  <p:timing>
+    <p:tnLst>
+      <p:par>
+        <p:cTn id="1" dur="indefinite" restart="never" nodeType="tmRoot"/>
+      </p:par>
+    </p:tnLst>
+  </p:timing>
+</p:sld>
+</file>
+
+<file path=ppt/slides/slide7.xml><?xml version="1.0" encoding="utf-8"?>
 <p:sld xmlns:a="http://schemas.openxmlformats.org/drawingml/2006/main" xmlns:r="http://schemas.openxmlformats.org/officeDocument/2006/relationships" xmlns:p="http://schemas.openxmlformats.org/presentationml/2006/main">
   <p:cSld>
     <p:spTree>
@@ -12433,11 +17748,18 @@
   <p:clrMapOvr>
     <a:masterClrMapping/>
   </p:clrMapOvr>
-  <p:transition xmlns:p14="http://schemas.microsoft.com/office/powerpoint/2010/main" spd="med"/>
+  <p:transition spd="med"/>
+  <p:timing>
+    <p:tnLst>
+      <p:par>
+        <p:cTn id="1" dur="indefinite" restart="never" nodeType="tmRoot"/>
+      </p:par>
+    </p:tnLst>
+  </p:timing>
 </p:sld>
 </file>
 
-<file path=ppt/slides/slide6.xml><?xml version="1.0" encoding="utf-8"?>
+<file path=ppt/slides/slide8.xml><?xml version="1.0" encoding="utf-8"?>
 <p:sld xmlns:a="http://schemas.openxmlformats.org/drawingml/2006/main" xmlns:r="http://schemas.openxmlformats.org/officeDocument/2006/relationships" xmlns:p="http://schemas.openxmlformats.org/presentationml/2006/main">
   <p:cSld>
     <p:spTree>
@@ -12817,11 +18139,18 @@
   <p:clrMapOvr>
     <a:masterClrMapping/>
   </p:clrMapOvr>
-  <p:transition xmlns:p14="http://schemas.microsoft.com/office/powerpoint/2010/main" spd="med"/>
+  <p:transition spd="med"/>
+  <p:timing>
+    <p:tnLst>
+      <p:par>
+        <p:cTn id="1" dur="indefinite" restart="never" nodeType="tmRoot"/>
+      </p:par>
+    </p:tnLst>
+  </p:timing>
 </p:sld>
 </file>
 
-<file path=ppt/slides/slide7.xml><?xml version="1.0" encoding="utf-8"?>
+<file path=ppt/slides/slide9.xml><?xml version="1.0" encoding="utf-8"?>
 <p:sld xmlns:a="http://schemas.openxmlformats.org/drawingml/2006/main" xmlns:r="http://schemas.openxmlformats.org/officeDocument/2006/relationships" xmlns:p="http://schemas.openxmlformats.org/presentationml/2006/main">
   <p:cSld>
     <p:spTree>
@@ -12903,536 +18232,14 @@
   <p:clrMapOvr>
     <a:masterClrMapping/>
   </p:clrMapOvr>
-  <p:transition xmlns:p14="http://schemas.microsoft.com/office/powerpoint/2010/main" spd="med"/>
-</p:sld>
-</file>
-
-<file path=ppt/slides/slide8.xml><?xml version="1.0" encoding="utf-8"?>
-<p:sld xmlns:a="http://schemas.openxmlformats.org/drawingml/2006/main" xmlns:r="http://schemas.openxmlformats.org/officeDocument/2006/relationships" xmlns:p="http://schemas.openxmlformats.org/presentationml/2006/main">
-  <p:cSld>
-    <p:spTree>
-      <p:nvGrpSpPr>
-        <p:cNvPr id="1" name=""/>
-        <p:cNvGrpSpPr/>
-        <p:nvPr/>
-      </p:nvGrpSpPr>
-      <p:grpSpPr>
-        <a:xfrm>
-          <a:off x="0" y="0"/>
-          <a:ext cx="0" cy="0"/>
-          <a:chOff x="0" y="0"/>
-          <a:chExt cx="0" cy="0"/>
-        </a:xfrm>
-      </p:grpSpPr>
-      <p:sp>
-        <p:nvSpPr>
-          <p:cNvPr id="147" name="Modifying the DOM"/>
-          <p:cNvSpPr>
-            <a:spLocks noGrp="1"/>
-          </p:cNvSpPr>
-          <p:nvPr>
-            <p:ph type="title"/>
-          </p:nvPr>
-        </p:nvSpPr>
-        <p:spPr>
-          <a:prstGeom prst="rect">
-            <a:avLst/>
-          </a:prstGeom>
-        </p:spPr>
-        <p:txBody>
-          <a:bodyPr/>
-          <a:lstStyle/>
-          <a:p>
-            <a:r>
-              <a:t>Tree Example (count.)</a:t>
-            </a:r>
-          </a:p>
-        </p:txBody>
-      </p:sp>
-      <p:sp>
-        <p:nvSpPr>
-          <p:cNvPr id="148" name="$(“div .university”); //=&gt;the span node under the div in class university…"/>
-          <p:cNvSpPr/>
-          <p:nvPr/>
-        </p:nvSpPr>
-        <p:spPr>
-          <a:xfrm>
-            <a:off x="944363" y="2485504"/>
-            <a:ext cx="11116074" cy="4782592"/>
-          </a:xfrm>
-          <a:prstGeom prst="rect">
-            <a:avLst/>
-          </a:prstGeom>
-          <a:solidFill>
-            <a:schemeClr val="accent6">
-              <a:satOff val="-3096"/>
-              <a:lumOff val="14117"/>
-              <a:alpha val="50000"/>
-            </a:schemeClr>
-          </a:solidFill>
-          <a:ln w="12700">
-            <a:miter lim="400000"/>
-          </a:ln>
-          <a:extLst>
-            <a:ext uri="{C572A759-6A51-4108-AA02-DFA0A04FC94B}">
-              <ma14:wrappingTextBoxFlag xmlns:ma14="http://schemas.microsoft.com/office/mac/drawingml/2011/main" val="1"/>
-            </a:ext>
-          </a:extLst>
-        </p:spPr>
-        <p:txBody>
-          <a:bodyPr lIns="50800" tIns="50800" rIns="50800" bIns="50800" anchor="ctr">
-            <a:spAutoFit/>
-          </a:bodyPr>
-          <a:lstStyle/>
-          <a:p>
-            <a:pPr algn="l">
-              <a:defRPr sz="2200">
-                <a:latin typeface="+mn-lt"/>
-                <a:ea typeface="+mn-ea"/>
-                <a:cs typeface="+mn-cs"/>
-                <a:sym typeface="Consolas"/>
-              </a:defRPr>
-            </a:pPr>
-            <a:endParaRPr/>
-          </a:p>
-          <a:p>
-            <a:pPr algn="l">
-              <a:defRPr sz="2200">
-                <a:latin typeface="+mn-lt"/>
-                <a:ea typeface="+mn-ea"/>
-                <a:cs typeface="+mn-cs"/>
-                <a:sym typeface="Consolas"/>
-              </a:defRPr>
-            </a:pPr>
-            <a:r>
-              <a:t>$(“div .university”); </a:t>
-            </a:r>
-            <a:r>
-              <a:rPr sz="2000" b="1"/>
-              <a:t>//=&gt;the span node under the div in class university</a:t>
-            </a:r>
-          </a:p>
-          <a:p>
-            <a:pPr algn="l">
-              <a:defRPr sz="2200">
-                <a:latin typeface="+mn-lt"/>
-                <a:ea typeface="+mn-ea"/>
-                <a:cs typeface="+mn-cs"/>
-                <a:sym typeface="Consolas"/>
-              </a:defRPr>
-            </a:pPr>
-            <a:endParaRPr sz="2000" b="1"/>
-          </a:p>
-          <a:p>
-            <a:pPr algn="l">
-              <a:defRPr sz="2200">
-                <a:latin typeface="+mn-lt"/>
-                <a:ea typeface="+mn-ea"/>
-                <a:cs typeface="+mn-cs"/>
-                <a:sym typeface="Consolas"/>
-              </a:defRPr>
-            </a:pPr>
-            <a:r>
-              <a:t>$(“.university”); </a:t>
-            </a:r>
-            <a:r>
-              <a:rPr sz="2000" b="1"/>
-              <a:t>//=&gt; A collection of all nodes in class university</a:t>
-            </a:r>
-          </a:p>
-          <a:p>
-            <a:pPr algn="l">
-              <a:defRPr sz="2200">
-                <a:latin typeface="+mn-lt"/>
-                <a:ea typeface="+mn-ea"/>
-                <a:cs typeface="+mn-cs"/>
-                <a:sym typeface="Consolas"/>
-              </a:defRPr>
-            </a:pPr>
-            <a:endParaRPr sz="2000" b="1"/>
-          </a:p>
-          <a:p>
-            <a:pPr algn="l">
-              <a:defRPr sz="2200">
-                <a:latin typeface="+mn-lt"/>
-                <a:ea typeface="+mn-ea"/>
-                <a:cs typeface="+mn-cs"/>
-                <a:sym typeface="Consolas"/>
-              </a:defRPr>
-            </a:pPr>
-            <a:r>
-              <a:t>$(“body h2”); </a:t>
-            </a:r>
-            <a:r>
-              <a:rPr sz="2000" b="1"/>
-              <a:t>//=&gt; ALL H2 nodes under BODY</a:t>
-            </a:r>
-          </a:p>
-          <a:p>
-            <a:pPr algn="l">
-              <a:defRPr sz="2200">
-                <a:latin typeface="+mn-lt"/>
-                <a:ea typeface="+mn-ea"/>
-                <a:cs typeface="+mn-cs"/>
-                <a:sym typeface="Consolas"/>
-              </a:defRPr>
-            </a:pPr>
-            <a:endParaRPr sz="2000"/>
-          </a:p>
-          <a:p>
-            <a:pPr algn="l">
-              <a:defRPr sz="2200">
-                <a:latin typeface="+mn-lt"/>
-                <a:ea typeface="+mn-ea"/>
-                <a:cs typeface="+mn-cs"/>
-                <a:sym typeface="Consolas"/>
-              </a:defRPr>
-            </a:pPr>
-            <a:r>
-              <a:t>$(“body &gt; h2”); </a:t>
-            </a:r>
-            <a:r>
-              <a:rPr sz="2000" b="1"/>
-              <a:t>//=&gt; the H2 that is a direct child of BODY</a:t>
-            </a:r>
-          </a:p>
-          <a:p>
-            <a:pPr algn="l">
-              <a:defRPr sz="2200">
-                <a:latin typeface="+mn-lt"/>
-                <a:ea typeface="+mn-ea"/>
-                <a:cs typeface="+mn-cs"/>
-                <a:sym typeface="Consolas"/>
-              </a:defRPr>
-            </a:pPr>
-            <a:endParaRPr sz="2000" b="1"/>
-          </a:p>
-          <a:p>
-            <a:pPr algn="l">
-              <a:defRPr sz="2200">
-                <a:latin typeface="+mn-lt"/>
-                <a:ea typeface="+mn-ea"/>
-                <a:cs typeface="+mn-cs"/>
-                <a:sym typeface="Consolas"/>
-              </a:defRPr>
-            </a:pPr>
-            <a:r>
-              <a:t>$(“p.draft:nth-child(2)”); </a:t>
-            </a:r>
-            <a:r>
-              <a:rPr sz="2000" b="1"/>
-              <a:t>//=&gt; the IMG node which is the second child </a:t>
-            </a:r>
-            <a:r>
-              <a:rPr b="1"/>
-              <a:t>of </a:t>
-            </a:r>
-          </a:p>
-          <a:p>
-            <a:pPr lvl="8" indent="1828800" algn="l">
-              <a:defRPr sz="2200">
-                <a:latin typeface="+mn-lt"/>
-                <a:ea typeface="+mn-ea"/>
-                <a:cs typeface="+mn-cs"/>
-                <a:sym typeface="Consolas"/>
-              </a:defRPr>
-            </a:pPr>
-            <a:r>
-              <a:rPr b="1"/>
-              <a:t>                    the P tag in the class draft</a:t>
-            </a:r>
-          </a:p>
-          <a:p>
-            <a:pPr lvl="8" indent="1828800" algn="l">
-              <a:defRPr sz="2200">
-                <a:latin typeface="+mn-lt"/>
-                <a:ea typeface="+mn-ea"/>
-                <a:cs typeface="+mn-cs"/>
-                <a:sym typeface="Consolas"/>
-              </a:defRPr>
-            </a:pPr>
-            <a:endParaRPr b="1"/>
-          </a:p>
-          <a:p>
-            <a:pPr algn="l">
-              <a:defRPr sz="2200">
-                <a:latin typeface="+mn-lt"/>
-                <a:ea typeface="+mn-ea"/>
-                <a:cs typeface="+mn-cs"/>
-                <a:sym typeface="Consolas"/>
-              </a:defRPr>
-            </a:pPr>
-            <a:r>
-              <a:t>$(“div h2,p”); </a:t>
-            </a:r>
-            <a:r>
-              <a:rPr sz="2000" b="1"/>
-              <a:t>//=&gt; Collection of the H2 node and the P node under the div</a:t>
-            </a:r>
-          </a:p>
-          <a:p>
-            <a:pPr algn="l">
-              <a:defRPr sz="2200">
-                <a:latin typeface="+mn-lt"/>
-                <a:ea typeface="+mn-ea"/>
-                <a:cs typeface="+mn-cs"/>
-                <a:sym typeface="Consolas"/>
-              </a:defRPr>
-            </a:pPr>
-            <a:endParaRPr sz="2000" b="1"/>
-          </a:p>
-        </p:txBody>
-      </p:sp>
-    </p:spTree>
-  </p:cSld>
-  <p:clrMapOvr>
-    <a:masterClrMapping/>
-  </p:clrMapOvr>
-  <p:transition xmlns:p14="http://schemas.microsoft.com/office/powerpoint/2010/main" spd="med"/>
-</p:sld>
-</file>
-
-<file path=ppt/slides/slide9.xml><?xml version="1.0" encoding="utf-8"?>
-<p:sld xmlns:a="http://schemas.openxmlformats.org/drawingml/2006/main" xmlns:r="http://schemas.openxmlformats.org/officeDocument/2006/relationships" xmlns:p="http://schemas.openxmlformats.org/presentationml/2006/main">
-  <p:cSld>
-    <p:spTree>
-      <p:nvGrpSpPr>
-        <p:cNvPr id="1" name=""/>
-        <p:cNvGrpSpPr/>
-        <p:nvPr/>
-      </p:nvGrpSpPr>
-      <p:grpSpPr>
-        <a:xfrm>
-          <a:off x="0" y="0"/>
-          <a:ext cx="0" cy="0"/>
-          <a:chOff x="0" y="0"/>
-          <a:chExt cx="0" cy="0"/>
-        </a:xfrm>
-      </p:grpSpPr>
-      <p:sp>
-        <p:nvSpPr>
-          <p:cNvPr id="150" name="Modifying the DOM"/>
-          <p:cNvSpPr>
-            <a:spLocks noGrp="1"/>
-          </p:cNvSpPr>
-          <p:nvPr>
-            <p:ph type="title"/>
-          </p:nvPr>
-        </p:nvSpPr>
-        <p:spPr>
-          <a:prstGeom prst="rect">
-            <a:avLst/>
-          </a:prstGeom>
-        </p:spPr>
-        <p:txBody>
-          <a:bodyPr/>
-          <a:lstStyle/>
-          <a:p>
-            <a:r>
-              <a:t>Tree Example Code rewritten</a:t>
-            </a:r>
-          </a:p>
-        </p:txBody>
-      </p:sp>
-      <p:sp>
-        <p:nvSpPr>
-          <p:cNvPr id="151" name="$(“div”).find(“.university”);…"/>
-          <p:cNvSpPr/>
-          <p:nvPr/>
-        </p:nvSpPr>
-        <p:spPr>
-          <a:xfrm>
-            <a:off x="1119361" y="2572394"/>
-            <a:ext cx="10766078" cy="4608812"/>
-          </a:xfrm>
-          <a:prstGeom prst="rect">
-            <a:avLst/>
-          </a:prstGeom>
-          <a:solidFill>
-            <a:schemeClr val="accent6">
-              <a:satOff val="-3096"/>
-              <a:lumOff val="14117"/>
-              <a:alpha val="50000"/>
-            </a:schemeClr>
-          </a:solidFill>
-          <a:ln w="12700">
-            <a:miter lim="400000"/>
-          </a:ln>
-          <a:extLst>
-            <a:ext uri="{C572A759-6A51-4108-AA02-DFA0A04FC94B}">
-              <ma14:wrappingTextBoxFlag xmlns:ma14="http://schemas.microsoft.com/office/mac/drawingml/2011/main" val="1"/>
-            </a:ext>
-          </a:extLst>
-        </p:spPr>
-        <p:txBody>
-          <a:bodyPr lIns="50800" tIns="50800" rIns="50800" bIns="50800" anchor="ctr">
-            <a:spAutoFit/>
-          </a:bodyPr>
-          <a:lstStyle/>
-          <a:p>
-            <a:pPr algn="l">
-              <a:defRPr sz="2400">
-                <a:latin typeface="+mn-lt"/>
-                <a:ea typeface="+mn-ea"/>
-                <a:cs typeface="+mn-cs"/>
-                <a:sym typeface="Consolas"/>
-              </a:defRPr>
-            </a:pPr>
-            <a:endParaRPr/>
-          </a:p>
-          <a:p>
-            <a:pPr algn="l">
-              <a:defRPr sz="2400">
-                <a:latin typeface="+mn-lt"/>
-                <a:ea typeface="+mn-ea"/>
-                <a:cs typeface="+mn-cs"/>
-                <a:sym typeface="Consolas"/>
-              </a:defRPr>
-            </a:pPr>
-            <a:r>
-              <a:t>$(“div”).find(“.university”);</a:t>
-            </a:r>
-          </a:p>
-          <a:p>
-            <a:pPr algn="l">
-              <a:defRPr sz="2400">
-                <a:latin typeface="+mn-lt"/>
-                <a:ea typeface="+mn-ea"/>
-                <a:cs typeface="+mn-cs"/>
-                <a:sym typeface="Consolas"/>
-              </a:defRPr>
-            </a:pPr>
-            <a:endParaRPr/>
-          </a:p>
-          <a:p>
-            <a:pPr algn="l">
-              <a:defRPr sz="2400">
-                <a:latin typeface="+mn-lt"/>
-                <a:ea typeface="+mn-ea"/>
-                <a:cs typeface="+mn-cs"/>
-                <a:sym typeface="Consolas"/>
-              </a:defRPr>
-            </a:pPr>
-            <a:r>
-              <a:t>$(“.university”); </a:t>
-            </a:r>
-            <a:r>
-              <a:rPr sz="2000" b="1"/>
-              <a:t>// This wouldn’t change because there is only one tag</a:t>
-            </a:r>
-          </a:p>
-          <a:p>
-            <a:pPr algn="l">
-              <a:defRPr sz="2400">
-                <a:latin typeface="+mn-lt"/>
-                <a:ea typeface="+mn-ea"/>
-                <a:cs typeface="+mn-cs"/>
-                <a:sym typeface="Consolas"/>
-              </a:defRPr>
-            </a:pPr>
-            <a:endParaRPr sz="2000" b="1"/>
-          </a:p>
-          <a:p>
-            <a:pPr algn="l">
-              <a:defRPr sz="2400">
-                <a:latin typeface="+mn-lt"/>
-                <a:ea typeface="+mn-ea"/>
-                <a:cs typeface="+mn-cs"/>
-                <a:sym typeface="Consolas"/>
-              </a:defRPr>
-            </a:pPr>
-            <a:r>
-              <a:t>$(“body”).find(“h2”); </a:t>
-            </a:r>
-            <a:r>
-              <a:rPr sz="2000" b="1"/>
-              <a:t>// Recall that this gets all children</a:t>
-            </a:r>
-          </a:p>
-          <a:p>
-            <a:pPr algn="l">
-              <a:defRPr sz="2400">
-                <a:latin typeface="+mn-lt"/>
-                <a:ea typeface="+mn-ea"/>
-                <a:cs typeface="+mn-cs"/>
-                <a:sym typeface="Consolas"/>
-              </a:defRPr>
-            </a:pPr>
-            <a:endParaRPr sz="2000" b="1"/>
-          </a:p>
-          <a:p>
-            <a:pPr algn="l">
-              <a:defRPr sz="2400">
-                <a:latin typeface="+mn-lt"/>
-                <a:ea typeface="+mn-ea"/>
-                <a:cs typeface="+mn-cs"/>
-                <a:sym typeface="Consolas"/>
-              </a:defRPr>
-            </a:pPr>
-            <a:r>
-              <a:t>$(“body”).children(“h2”); </a:t>
-            </a:r>
-            <a:r>
-              <a:rPr sz="2000" b="1"/>
-              <a:t>// This will get only DIRECT children</a:t>
-            </a:r>
-          </a:p>
-          <a:p>
-            <a:pPr algn="l">
-              <a:defRPr sz="2400">
-                <a:latin typeface="+mn-lt"/>
-                <a:ea typeface="+mn-ea"/>
-                <a:cs typeface="+mn-cs"/>
-                <a:sym typeface="Consolas"/>
-              </a:defRPr>
-            </a:pPr>
-            <a:endParaRPr b="1"/>
-          </a:p>
-          <a:p>
-            <a:pPr algn="l">
-              <a:defRPr sz="2400">
-                <a:latin typeface="+mn-lt"/>
-                <a:ea typeface="+mn-ea"/>
-                <a:cs typeface="+mn-cs"/>
-                <a:sym typeface="Consolas"/>
-              </a:defRPr>
-            </a:pPr>
-            <a:r>
-              <a:t>$(“p.draft”).nth-child(2);</a:t>
-            </a:r>
-          </a:p>
-          <a:p>
-            <a:pPr algn="l">
-              <a:defRPr sz="2400">
-                <a:latin typeface="+mn-lt"/>
-                <a:ea typeface="+mn-ea"/>
-                <a:cs typeface="+mn-cs"/>
-                <a:sym typeface="Consolas"/>
-              </a:defRPr>
-            </a:pPr>
-            <a:endParaRPr/>
-          </a:p>
-          <a:p>
-            <a:pPr algn="l">
-              <a:defRPr sz="2400">
-                <a:latin typeface="+mn-lt"/>
-                <a:ea typeface="+mn-ea"/>
-                <a:cs typeface="+mn-cs"/>
-                <a:sym typeface="Consolas"/>
-              </a:defRPr>
-            </a:pPr>
-            <a:r>
-              <a:t>$(“div”).find(“h2, p”);</a:t>
-            </a:r>
-          </a:p>
-        </p:txBody>
-      </p:sp>
-    </p:spTree>
-  </p:cSld>
-  <p:clrMapOvr>
-    <a:masterClrMapping/>
-  </p:clrMapOvr>
-  <p:transition xmlns:p14="http://schemas.microsoft.com/office/powerpoint/2010/main" spd="med"/>
+  <p:transition spd="med"/>
+  <p:timing>
+    <p:tnLst>
+      <p:par>
+        <p:cTn id="1" dur="indefinite" restart="never" nodeType="tmRoot"/>
+      </p:par>
+    </p:tnLst>
+  </p:timing>
 </p:sld>
 </file>
 

--- a/presentation/jQuery.pptx
+++ b/presentation/jQuery.pptx
@@ -6345,11 +6345,6 @@
               </a:rPr>
               <a:t>");</a:t>
             </a:r>
-            <a:endParaRPr lang="en-US" sz="2200" dirty="0">
-              <a:latin typeface="+mn-lt"/>
-              <a:ea typeface="+mn-ea"/>
-              <a:cs typeface="+mn-cs"/>
-            </a:endParaRPr>
           </a:p>
         </p:txBody>
       </p:sp>
@@ -6896,11 +6891,6 @@
               </a:rPr>
               <a:t>li&gt;");</a:t>
             </a:r>
-            <a:endParaRPr lang="en-US" sz="2200" dirty="0">
-              <a:latin typeface="+mn-lt"/>
-              <a:ea typeface="+mn-ea"/>
-              <a:cs typeface="+mn-cs"/>
-            </a:endParaRPr>
           </a:p>
         </p:txBody>
       </p:sp>
@@ -8991,17 +8981,8 @@
             </a:r>
             <a:r>
               <a:rPr lang="en-US" sz="3600" dirty="0"/>
-              <a:t>will set the background color of all </a:t>
-            </a:r>
-            <a:r>
-              <a:rPr lang="en-US" sz="3600" dirty="0"/>
-              <a:t>&lt;p&gt;</a:t>
-            </a:r>
-            <a:r>
-              <a:rPr lang="en-US" sz="3600" dirty="0"/>
-              <a:t>to yellow.</a:t>
-            </a:r>
-            <a:endParaRPr lang="en-US" sz="3600" dirty="0"/>
+              <a:t>will set the background color of all &lt;p&gt;to yellow.</a:t>
+            </a:r>
           </a:p>
         </p:txBody>
       </p:sp>
@@ -9478,7 +9459,12 @@
               <a:defRPr sz="2714"/>
             </a:pPr>
             <a:r>
-              <a:t>create the event listener for "click" (example) </a:t>
+              <a:rPr dirty="0"/>
+              <a:t>create the event listener for "click" </a:t>
+            </a:r>
+            <a:r>
+              <a:rPr dirty="0" smtClean="0"/>
+              <a:t> </a:t>
             </a:r>
           </a:p>
           <a:p>
@@ -9489,6 +9475,7 @@
               <a:defRPr sz="2714"/>
             </a:pPr>
             <a:r>
+              <a:rPr dirty="0" smtClean="0"/>
               <a:t>click() vs dblclick() </a:t>
             </a:r>
           </a:p>
@@ -9500,8 +9487,18 @@
               <a:defRPr sz="2714"/>
             </a:pPr>
             <a:r>
-              <a:t>create the event listener for "mouse" (example) </a:t>
-            </a:r>
+              <a:rPr dirty="0" smtClean="0"/>
+              <a:t>create </a:t>
+            </a:r>
+            <a:r>
+              <a:rPr dirty="0"/>
+              <a:t>the event listener for "mouse" </a:t>
+            </a:r>
+            <a:r>
+              <a:rPr dirty="0" smtClean="0"/>
+              <a:t> </a:t>
+            </a:r>
+            <a:endParaRPr dirty="0"/>
           </a:p>
           <a:p>
             <a:pPr marL="614425" lvl="1" indent="-307212" defTabSz="344677">
@@ -9511,6 +9508,7 @@
               <a:defRPr sz="2714"/>
             </a:pPr>
             <a:r>
+              <a:rPr dirty="0"/>
               <a:t>mouseenter() vs mouseleave()</a:t>
             </a:r>
           </a:p>
@@ -9522,6 +9520,7 @@
               <a:defRPr sz="2714"/>
             </a:pPr>
             <a:r>
+              <a:rPr dirty="0"/>
               <a:t> mousedown() vs mouseup() </a:t>
             </a:r>
           </a:p>
@@ -9533,6 +9532,7 @@
               <a:defRPr sz="2714"/>
             </a:pPr>
             <a:r>
+              <a:rPr dirty="0"/>
               <a:t>hover() </a:t>
             </a:r>
           </a:p>
@@ -9544,8 +9544,14 @@
               <a:defRPr sz="2714"/>
             </a:pPr>
             <a:r>
-              <a:t>create the event listener for "focus" (example) </a:t>
-            </a:r>
+              <a:rPr dirty="0"/>
+              <a:t>create the event listener for "focus" </a:t>
+            </a:r>
+            <a:r>
+              <a:rPr dirty="0" smtClean="0"/>
+              <a:t> </a:t>
+            </a:r>
+            <a:endParaRPr dirty="0"/>
           </a:p>
           <a:p>
             <a:pPr marL="614425" lvl="1" indent="-307212" defTabSz="344677">
@@ -9555,6 +9561,7 @@
               <a:defRPr sz="2714"/>
             </a:pPr>
             <a:r>
+              <a:rPr dirty="0"/>
               <a:t>focus() vs blur()</a:t>
             </a:r>
           </a:p>
@@ -9638,20 +9645,59 @@
           <a:lstStyle/>
           <a:p>
             <a:r>
-              <a:t>What is Event Propagation </a:t>
-            </a:r>
-          </a:p>
-          <a:p>
-            <a:r>
-              <a:t>preventDefault() method vs stopPropagation() method (example)</a:t>
-            </a:r>
+              <a:rPr lang="en-US" dirty="0" err="1"/>
+              <a:t>preventDefault</a:t>
+            </a:r>
+            <a:r>
+              <a:rPr lang="en-US" dirty="0"/>
+              <a:t>() </a:t>
+            </a:r>
+            <a:r>
+              <a:rPr lang="en-US" dirty="0" smtClean="0"/>
+              <a:t>method</a:t>
+            </a:r>
+          </a:p>
+          <a:p>
+            <a:pPr lvl="1"/>
+            <a:r>
+              <a:rPr lang="en-US" altLang="zh-CN" sz="4000" dirty="0" err="1" smtClean="0"/>
+              <a:t>preventDefault</a:t>
+            </a:r>
+            <a:r>
+              <a:rPr lang="en-US" altLang="zh-CN" sz="4000" dirty="0" smtClean="0"/>
+              <a:t>() stops the default action</a:t>
+            </a:r>
+            <a:endParaRPr sz="4000" dirty="0" smtClean="0"/>
+          </a:p>
+          <a:p>
+            <a:r>
+              <a:rPr dirty="0" smtClean="0"/>
+              <a:t>stopPropagation</a:t>
+            </a:r>
+            <a:r>
+              <a:rPr dirty="0"/>
+              <a:t>() method </a:t>
+            </a:r>
+            <a:endParaRPr lang="en-US" dirty="0" smtClean="0"/>
+          </a:p>
+          <a:p>
+            <a:pPr lvl="1"/>
+            <a:r>
+              <a:rPr lang="en-US" sz="3600" dirty="0" err="1" smtClean="0"/>
+              <a:t>stopPropagation</a:t>
+            </a:r>
+            <a:r>
+              <a:rPr lang="en-US" sz="3600" dirty="0" smtClean="0"/>
+              <a:t>() stops the event bubbling</a:t>
+            </a:r>
+            <a:endParaRPr sz="3600" dirty="0"/>
           </a:p>
           <a:p>
             <a:pPr marL="0" indent="0">
               <a:buSzTx/>
               <a:buNone/>
             </a:pPr>
-            <a:endParaRPr/>
+            <a:endParaRPr dirty="0"/>
           </a:p>
         </p:txBody>
       </p:sp>
@@ -9739,8 +9785,30 @@
               <a:defRPr sz="3725"/>
             </a:pPr>
             <a:r>
-              <a:t>The behavior of Event Delegation (Syntax) </a:t>
-            </a:r>
+              <a:rPr lang="en-US" sz="3600" dirty="0"/>
+              <a:t>Why we need Event </a:t>
+            </a:r>
+            <a:r>
+              <a:rPr lang="en-US" sz="3600" dirty="0" smtClean="0"/>
+              <a:t>Delegation</a:t>
+            </a:r>
+          </a:p>
+          <a:p>
+            <a:pPr marL="942466" lvl="1" indent="-421766" defTabSz="473201">
+              <a:spcBef>
+                <a:spcPts val="3700"/>
+              </a:spcBef>
+              <a:defRPr sz="3725"/>
+            </a:pPr>
+            <a:r>
+              <a:rPr lang="en-US" sz="2800" dirty="0"/>
+              <a:t>attach the event handlers for specified elements from parent </a:t>
+            </a:r>
+            <a:r>
+              <a:rPr lang="en-US" sz="2800" dirty="0" smtClean="0"/>
+              <a:t>element</a:t>
+            </a:r>
+            <a:endParaRPr lang="en-US" sz="2000" dirty="0" smtClean="0"/>
           </a:p>
           <a:p>
             <a:pPr marL="421766" indent="-421766" defTabSz="473201">
@@ -9750,17 +9818,7 @@
               <a:defRPr sz="3725"/>
             </a:pPr>
             <a:r>
-              <a:t>Why we need Event Delegation</a:t>
-            </a:r>
-          </a:p>
-          <a:p>
-            <a:pPr marL="421766" indent="-421766" defTabSz="473201">
-              <a:spcBef>
-                <a:spcPts val="3700"/>
-              </a:spcBef>
-              <a:defRPr sz="3725"/>
-            </a:pPr>
-            <a:r>
+              <a:rPr dirty="0" smtClean="0"/>
               <a:t>Delegated method</a:t>
             </a:r>
           </a:p>
@@ -9773,7 +9831,7 @@
               <a:buNone/>
               <a:defRPr sz="3725"/>
             </a:pPr>
-            <a:endParaRPr/>
+            <a:endParaRPr dirty="0"/>
           </a:p>
           <a:p>
             <a:pPr marL="421766" indent="-421766" defTabSz="473201">
@@ -9782,7 +9840,7 @@
               </a:spcBef>
               <a:defRPr sz="3725"/>
             </a:pPr>
-            <a:endParaRPr/>
+            <a:endParaRPr dirty="0"/>
           </a:p>
         </p:txBody>
       </p:sp>
@@ -9794,7 +9852,7 @@
         </p:nvSpPr>
         <p:spPr>
           <a:xfrm>
-            <a:off x="1119361" y="6362561"/>
+            <a:off x="1119360" y="6545441"/>
             <a:ext cx="10766079" cy="1210588"/>
           </a:xfrm>
           <a:prstGeom prst="rect">
@@ -9931,6 +9989,7 @@
           <a:lstStyle/>
           <a:p>
             <a:r>
+              <a:rPr dirty="0"/>
               <a:t>Triggering an Event</a:t>
             </a:r>
           </a:p>
@@ -9956,15 +10015,33 @@
           <a:lstStyle/>
           <a:p>
             <a:r>
-              <a:t>trigger() method vs triggerHandler() method</a:t>
-            </a:r>
+              <a:rPr dirty="0"/>
+              <a:t>trigger() method vs triggerHandler() </a:t>
+            </a:r>
+            <a:r>
+              <a:rPr dirty="0" smtClean="0"/>
+              <a:t>method</a:t>
+            </a:r>
+            <a:endParaRPr lang="en-US" dirty="0"/>
+          </a:p>
+          <a:p>
+            <a:pPr lvl="1"/>
+            <a:r>
+              <a:rPr lang="en-US" dirty="0" err="1"/>
+              <a:t>triggerHandler</a:t>
+            </a:r>
+            <a:r>
+              <a:rPr lang="en-US" dirty="0"/>
+              <a:t>() can not trigger the default behavior of the event</a:t>
+            </a:r>
+            <a:endParaRPr dirty="0" smtClean="0"/>
           </a:p>
           <a:p>
             <a:pPr marL="0" indent="0">
               <a:buSzTx/>
               <a:buNone/>
             </a:pPr>
-            <a:endParaRPr/>
+            <a:endParaRPr dirty="0"/>
           </a:p>
         </p:txBody>
       </p:sp>

--- a/presentation/jQuery.pptx
+++ b/presentation/jQuery.pptx
@@ -5111,20 +5111,12 @@
           <a:p>
             <a:pPr algn="l"/>
             <a:r>
-              <a:rPr lang="mr-IN" sz="2200" dirty="0" err="1" smtClean="0">
+              <a:rPr lang="mr-IN" sz="2200" dirty="0" smtClean="0">
                 <a:latin typeface="+mn-lt"/>
                 <a:ea typeface="+mn-ea"/>
                 <a:cs typeface="+mn-cs"/>
               </a:rPr>
-              <a:t>alert</a:t>
-            </a:r>
-            <a:r>
-              <a:rPr lang="mr-IN" sz="2200" dirty="0">
-                <a:latin typeface="+mn-lt"/>
-                <a:ea typeface="+mn-ea"/>
-                <a:cs typeface="+mn-cs"/>
-              </a:rPr>
-              <a:t>($("#</a:t>
+              <a:t>$("#</a:t>
             </a:r>
             <a:r>
               <a:rPr lang="mr-IN" sz="2200" dirty="0" err="1">
@@ -5167,12 +5159,20 @@
               <a:t>Hello World!</a:t>
             </a:r>
             <a:r>
-              <a:rPr lang="mr-IN" sz="2200" dirty="0">
+              <a:rPr lang="mr-IN" sz="2200">
                 <a:latin typeface="+mn-lt"/>
                 <a:ea typeface="+mn-ea"/>
                 <a:cs typeface="+mn-cs"/>
               </a:rPr>
-              <a:t> "));</a:t>
+              <a:t> </a:t>
+            </a:r>
+            <a:r>
+              <a:rPr lang="mr-IN" sz="2200" smtClean="0">
+                <a:latin typeface="+mn-lt"/>
+                <a:ea typeface="+mn-ea"/>
+                <a:cs typeface="+mn-cs"/>
+              </a:rPr>
+              <a:t>");</a:t>
             </a:r>
             <a:endParaRPr lang="en-US" sz="2200" dirty="0">
               <a:latin typeface="+mn-lt"/>
@@ -9459,12 +9459,7 @@
               <a:defRPr sz="2714"/>
             </a:pPr>
             <a:r>
-              <a:rPr dirty="0"/>
-              <a:t>create the event listener for "click" </a:t>
-            </a:r>
-            <a:r>
-              <a:rPr dirty="0" smtClean="0"/>
-              <a:t> </a:t>
+              <a:t>create the event listener for "click" (example) </a:t>
             </a:r>
           </a:p>
           <a:p>
@@ -9475,7 +9470,6 @@
               <a:defRPr sz="2714"/>
             </a:pPr>
             <a:r>
-              <a:rPr dirty="0" smtClean="0"/>
               <a:t>click() vs dblclick() </a:t>
             </a:r>
           </a:p>
@@ -9487,18 +9481,8 @@
               <a:defRPr sz="2714"/>
             </a:pPr>
             <a:r>
-              <a:rPr dirty="0" smtClean="0"/>
-              <a:t>create </a:t>
-            </a:r>
-            <a:r>
-              <a:rPr dirty="0"/>
-              <a:t>the event listener for "mouse" </a:t>
-            </a:r>
-            <a:r>
-              <a:rPr dirty="0" smtClean="0"/>
-              <a:t> </a:t>
-            </a:r>
-            <a:endParaRPr dirty="0"/>
+              <a:t>create the event listener for "mouse" (example) </a:t>
+            </a:r>
           </a:p>
           <a:p>
             <a:pPr marL="614425" lvl="1" indent="-307212" defTabSz="344677">
@@ -9508,7 +9492,6 @@
               <a:defRPr sz="2714"/>
             </a:pPr>
             <a:r>
-              <a:rPr dirty="0"/>
               <a:t>mouseenter() vs mouseleave()</a:t>
             </a:r>
           </a:p>
@@ -9520,7 +9503,6 @@
               <a:defRPr sz="2714"/>
             </a:pPr>
             <a:r>
-              <a:rPr dirty="0"/>
               <a:t> mousedown() vs mouseup() </a:t>
             </a:r>
           </a:p>
@@ -9532,7 +9514,6 @@
               <a:defRPr sz="2714"/>
             </a:pPr>
             <a:r>
-              <a:rPr dirty="0"/>
               <a:t>hover() </a:t>
             </a:r>
           </a:p>
@@ -9544,14 +9525,8 @@
               <a:defRPr sz="2714"/>
             </a:pPr>
             <a:r>
-              <a:rPr dirty="0"/>
-              <a:t>create the event listener for "focus" </a:t>
-            </a:r>
-            <a:r>
-              <a:rPr dirty="0" smtClean="0"/>
-              <a:t> </a:t>
-            </a:r>
-            <a:endParaRPr dirty="0"/>
+              <a:t>create the event listener for "focus" (example) </a:t>
+            </a:r>
           </a:p>
           <a:p>
             <a:pPr marL="614425" lvl="1" indent="-307212" defTabSz="344677">
@@ -9561,7 +9536,6 @@
               <a:defRPr sz="2714"/>
             </a:pPr>
             <a:r>
-              <a:rPr dirty="0"/>
               <a:t>focus() vs blur()</a:t>
             </a:r>
           </a:p>
@@ -9645,59 +9619,20 @@
           <a:lstStyle/>
           <a:p>
             <a:r>
-              <a:rPr lang="en-US" dirty="0" err="1"/>
-              <a:t>preventDefault</a:t>
-            </a:r>
-            <a:r>
-              <a:rPr lang="en-US" dirty="0"/>
-              <a:t>() </a:t>
-            </a:r>
-            <a:r>
-              <a:rPr lang="en-US" dirty="0" smtClean="0"/>
-              <a:t>method</a:t>
-            </a:r>
-          </a:p>
-          <a:p>
-            <a:pPr lvl="1"/>
-            <a:r>
-              <a:rPr lang="en-US" altLang="zh-CN" sz="4000" dirty="0" err="1" smtClean="0"/>
-              <a:t>preventDefault</a:t>
-            </a:r>
-            <a:r>
-              <a:rPr lang="en-US" altLang="zh-CN" sz="4000" dirty="0" smtClean="0"/>
-              <a:t>() stops the default action</a:t>
-            </a:r>
-            <a:endParaRPr sz="4000" dirty="0" smtClean="0"/>
-          </a:p>
-          <a:p>
-            <a:r>
-              <a:rPr dirty="0" smtClean="0"/>
-              <a:t>stopPropagation</a:t>
-            </a:r>
-            <a:r>
-              <a:rPr dirty="0"/>
-              <a:t>() method </a:t>
-            </a:r>
-            <a:endParaRPr lang="en-US" dirty="0" smtClean="0"/>
-          </a:p>
-          <a:p>
-            <a:pPr lvl="1"/>
-            <a:r>
-              <a:rPr lang="en-US" sz="3600" dirty="0" err="1" smtClean="0"/>
-              <a:t>stopPropagation</a:t>
-            </a:r>
-            <a:r>
-              <a:rPr lang="en-US" sz="3600" dirty="0" smtClean="0"/>
-              <a:t>() stops the event bubbling</a:t>
-            </a:r>
-            <a:endParaRPr sz="3600" dirty="0"/>
+              <a:t>What is Event Propagation </a:t>
+            </a:r>
+          </a:p>
+          <a:p>
+            <a:r>
+              <a:t>preventDefault() method vs stopPropagation() method (example)</a:t>
+            </a:r>
           </a:p>
           <a:p>
             <a:pPr marL="0" indent="0">
               <a:buSzTx/>
               <a:buNone/>
             </a:pPr>
-            <a:endParaRPr dirty="0"/>
+            <a:endParaRPr/>
           </a:p>
         </p:txBody>
       </p:sp>
@@ -9785,30 +9720,8 @@
               <a:defRPr sz="3725"/>
             </a:pPr>
             <a:r>
-              <a:rPr lang="en-US" sz="3600" dirty="0"/>
-              <a:t>Why we need Event </a:t>
-            </a:r>
-            <a:r>
-              <a:rPr lang="en-US" sz="3600" dirty="0" smtClean="0"/>
-              <a:t>Delegation</a:t>
-            </a:r>
-          </a:p>
-          <a:p>
-            <a:pPr marL="942466" lvl="1" indent="-421766" defTabSz="473201">
-              <a:spcBef>
-                <a:spcPts val="3700"/>
-              </a:spcBef>
-              <a:defRPr sz="3725"/>
-            </a:pPr>
-            <a:r>
-              <a:rPr lang="en-US" sz="2800" dirty="0"/>
-              <a:t>attach the event handlers for specified elements from parent </a:t>
-            </a:r>
-            <a:r>
-              <a:rPr lang="en-US" sz="2800" dirty="0" smtClean="0"/>
-              <a:t>element</a:t>
-            </a:r>
-            <a:endParaRPr lang="en-US" sz="2000" dirty="0" smtClean="0"/>
+              <a:t>The behavior of Event Delegation (Syntax) </a:t>
+            </a:r>
           </a:p>
           <a:p>
             <a:pPr marL="421766" indent="-421766" defTabSz="473201">
@@ -9818,7 +9731,17 @@
               <a:defRPr sz="3725"/>
             </a:pPr>
             <a:r>
-              <a:rPr dirty="0" smtClean="0"/>
+              <a:t>Why we need Event Delegation</a:t>
+            </a:r>
+          </a:p>
+          <a:p>
+            <a:pPr marL="421766" indent="-421766" defTabSz="473201">
+              <a:spcBef>
+                <a:spcPts val="3700"/>
+              </a:spcBef>
+              <a:defRPr sz="3725"/>
+            </a:pPr>
+            <a:r>
               <a:t>Delegated method</a:t>
             </a:r>
           </a:p>
@@ -9831,7 +9754,7 @@
               <a:buNone/>
               <a:defRPr sz="3725"/>
             </a:pPr>
-            <a:endParaRPr dirty="0"/>
+            <a:endParaRPr/>
           </a:p>
           <a:p>
             <a:pPr marL="421766" indent="-421766" defTabSz="473201">
@@ -9840,7 +9763,7 @@
               </a:spcBef>
               <a:defRPr sz="3725"/>
             </a:pPr>
-            <a:endParaRPr dirty="0"/>
+            <a:endParaRPr/>
           </a:p>
         </p:txBody>
       </p:sp>
@@ -9852,7 +9775,7 @@
         </p:nvSpPr>
         <p:spPr>
           <a:xfrm>
-            <a:off x="1119360" y="6545441"/>
+            <a:off x="1119361" y="6362561"/>
             <a:ext cx="10766079" cy="1210588"/>
           </a:xfrm>
           <a:prstGeom prst="rect">
@@ -9989,7 +9912,6 @@
           <a:lstStyle/>
           <a:p>
             <a:r>
-              <a:rPr dirty="0"/>
               <a:t>Triggering an Event</a:t>
             </a:r>
           </a:p>
@@ -10015,33 +9937,15 @@
           <a:lstStyle/>
           <a:p>
             <a:r>
-              <a:rPr dirty="0"/>
-              <a:t>trigger() method vs triggerHandler() </a:t>
-            </a:r>
-            <a:r>
-              <a:rPr dirty="0" smtClean="0"/>
-              <a:t>method</a:t>
-            </a:r>
-            <a:endParaRPr lang="en-US" dirty="0"/>
-          </a:p>
-          <a:p>
-            <a:pPr lvl="1"/>
-            <a:r>
-              <a:rPr lang="en-US" dirty="0" err="1"/>
-              <a:t>triggerHandler</a:t>
-            </a:r>
-            <a:r>
-              <a:rPr lang="en-US" dirty="0"/>
-              <a:t>() can not trigger the default behavior of the event</a:t>
-            </a:r>
-            <a:endParaRPr dirty="0" smtClean="0"/>
+              <a:t>trigger() method vs triggerHandler() method</a:t>
+            </a:r>
           </a:p>
           <a:p>
             <a:pPr marL="0" indent="0">
               <a:buSzTx/>
               <a:buNone/>
             </a:pPr>
-            <a:endParaRPr dirty="0"/>
+            <a:endParaRPr/>
           </a:p>
         </p:txBody>
       </p:sp>

--- a/presentation/jQuery.pptx
+++ b/presentation/jQuery.pptx
@@ -7729,7 +7729,7 @@
                 <a:sym typeface="Gill Sans"/>
               </a:defRPr>
             </a:lvl5pPr>
-            <a:lvl6pPr indent="-54582" lvl="5" marL="2681705" marR="0" rtl="0" algn="l">
+            <a:lvl6pPr indent="174017" lvl="5" marL="2681705" marR="0" rtl="0" algn="l">
               <a:lnSpc>
                 <a:spcPct val="120000"/>
               </a:lnSpc>
@@ -7755,7 +7755,7 @@
                 <a:sym typeface="Gill Sans"/>
               </a:defRPr>
             </a:lvl6pPr>
-            <a:lvl7pPr indent="-54582" lvl="6" marL="3113505" marR="0" rtl="0" algn="l">
+            <a:lvl7pPr indent="174016" lvl="6" marL="3113505" marR="0" rtl="0" algn="l">
               <a:lnSpc>
                 <a:spcPct val="120000"/>
               </a:lnSpc>
@@ -7781,7 +7781,7 @@
                 <a:sym typeface="Gill Sans"/>
               </a:defRPr>
             </a:lvl7pPr>
-            <a:lvl8pPr indent="-54583" lvl="7" marL="3545305" marR="0" rtl="0" algn="l">
+            <a:lvl8pPr indent="174016" lvl="7" marL="3545305" marR="0" rtl="0" algn="l">
               <a:lnSpc>
                 <a:spcPct val="120000"/>
               </a:lnSpc>
@@ -7807,7 +7807,7 @@
                 <a:sym typeface="Gill Sans"/>
               </a:defRPr>
             </a:lvl8pPr>
-            <a:lvl9pPr indent="-54583" lvl="8" marL="3977105" marR="0" rtl="0" algn="l">
+            <a:lvl9pPr indent="174016" lvl="8" marL="3977105" marR="0" rtl="0" algn="l">
               <a:lnSpc>
                 <a:spcPct val="120000"/>
               </a:lnSpc>
@@ -7970,7 +7970,7 @@
                 <a:sym typeface="Gill Sans"/>
               </a:defRPr>
             </a:lvl1pPr>
-            <a:lvl2pPr indent="-32671" lvl="1" marL="749968" marR="0" rtl="0" algn="ctr">
+            <a:lvl2pPr indent="107027" lvl="1" marL="749968" marR="0" rtl="0" algn="ctr">
               <a:lnSpc>
                 <a:spcPct val="100000"/>
               </a:lnSpc>
@@ -7996,7 +7996,7 @@
                 <a:sym typeface="Gill Sans"/>
               </a:defRPr>
             </a:lvl2pPr>
-            <a:lvl3pPr indent="-32672" lvl="2" marL="1181768" marR="0" rtl="0" algn="ctr">
+            <a:lvl3pPr indent="107027" lvl="2" marL="1181768" marR="0" rtl="0" algn="ctr">
               <a:lnSpc>
                 <a:spcPct val="100000"/>
               </a:lnSpc>
@@ -8022,7 +8022,7 @@
                 <a:sym typeface="Gill Sans"/>
               </a:defRPr>
             </a:lvl3pPr>
-            <a:lvl4pPr indent="-32672" lvl="3" marL="1613568" marR="0" rtl="0" algn="ctr">
+            <a:lvl4pPr indent="107027" lvl="3" marL="1613568" marR="0" rtl="0" algn="ctr">
               <a:lnSpc>
                 <a:spcPct val="100000"/>
               </a:lnSpc>
@@ -8048,7 +8048,7 @@
                 <a:sym typeface="Gill Sans"/>
               </a:defRPr>
             </a:lvl4pPr>
-            <a:lvl5pPr indent="-32672" lvl="4" marL="2045368" marR="0" rtl="0" algn="ctr">
+            <a:lvl5pPr indent="107027" lvl="4" marL="2045368" marR="0" rtl="0" algn="ctr">
               <a:lnSpc>
                 <a:spcPct val="100000"/>
               </a:lnSpc>
@@ -8074,7 +8074,7 @@
                 <a:sym typeface="Gill Sans"/>
               </a:defRPr>
             </a:lvl5pPr>
-            <a:lvl6pPr indent="-54582" lvl="5" marL="2681705" marR="0" rtl="0" algn="l">
+            <a:lvl6pPr indent="174017" lvl="5" marL="2681705" marR="0" rtl="0" algn="l">
               <a:lnSpc>
                 <a:spcPct val="120000"/>
               </a:lnSpc>
@@ -8100,7 +8100,7 @@
                 <a:sym typeface="Gill Sans"/>
               </a:defRPr>
             </a:lvl6pPr>
-            <a:lvl7pPr indent="-54582" lvl="6" marL="3113505" marR="0" rtl="0" algn="l">
+            <a:lvl7pPr indent="174016" lvl="6" marL="3113505" marR="0" rtl="0" algn="l">
               <a:lnSpc>
                 <a:spcPct val="120000"/>
               </a:lnSpc>
@@ -8126,7 +8126,7 @@
                 <a:sym typeface="Gill Sans"/>
               </a:defRPr>
             </a:lvl7pPr>
-            <a:lvl8pPr indent="-54583" lvl="7" marL="3545305" marR="0" rtl="0" algn="l">
+            <a:lvl8pPr indent="174016" lvl="7" marL="3545305" marR="0" rtl="0" algn="l">
               <a:lnSpc>
                 <a:spcPct val="120000"/>
               </a:lnSpc>
@@ -8152,7 +8152,7 @@
                 <a:sym typeface="Gill Sans"/>
               </a:defRPr>
             </a:lvl8pPr>
-            <a:lvl9pPr indent="-54583" lvl="8" marL="3977105" marR="0" rtl="0" algn="l">
+            <a:lvl9pPr indent="174016" lvl="8" marL="3977105" marR="0" rtl="0" algn="l">
               <a:lnSpc>
                 <a:spcPct val="120000"/>
               </a:lnSpc>
@@ -8206,7 +8206,7 @@
         <p:txBody>
           <a:bodyPr anchorCtr="0" anchor="ctr" bIns="91425" lIns="91425" rIns="91425" tIns="91425"/>
           <a:lstStyle>
-            <a:lvl1pPr indent="-52577" lvl="0" marL="520700" marR="0" rtl="0" algn="l">
+            <a:lvl1pPr indent="176022" lvl="0" marL="520700" marR="0" rtl="0" algn="l">
               <a:lnSpc>
                 <a:spcPct val="120000"/>
               </a:lnSpc>
@@ -8232,7 +8232,7 @@
                 <a:sym typeface="Gill Sans"/>
               </a:defRPr>
             </a:lvl1pPr>
-            <a:lvl2pPr indent="-52577" lvl="1" marL="1041400" marR="0" rtl="0" algn="l">
+            <a:lvl2pPr indent="176022" lvl="1" marL="1041400" marR="0" rtl="0" algn="l">
               <a:lnSpc>
                 <a:spcPct val="120000"/>
               </a:lnSpc>
@@ -8258,7 +8258,7 @@
                 <a:sym typeface="Gill Sans"/>
               </a:defRPr>
             </a:lvl2pPr>
-            <a:lvl3pPr indent="-52577" lvl="2" marL="1562100" marR="0" rtl="0" algn="l">
+            <a:lvl3pPr indent="176022" lvl="2" marL="1562100" marR="0" rtl="0" algn="l">
               <a:lnSpc>
                 <a:spcPct val="120000"/>
               </a:lnSpc>
@@ -8284,7 +8284,7 @@
                 <a:sym typeface="Gill Sans"/>
               </a:defRPr>
             </a:lvl3pPr>
-            <a:lvl4pPr indent="-52577" lvl="3" marL="2082800" marR="0" rtl="0" algn="l">
+            <a:lvl4pPr indent="176022" lvl="3" marL="2082800" marR="0" rtl="0" algn="l">
               <a:lnSpc>
                 <a:spcPct val="120000"/>
               </a:lnSpc>
@@ -8310,7 +8310,7 @@
                 <a:sym typeface="Gill Sans"/>
               </a:defRPr>
             </a:lvl4pPr>
-            <a:lvl5pPr indent="-52577" lvl="4" marL="2603500" marR="0" rtl="0" algn="l">
+            <a:lvl5pPr indent="176022" lvl="4" marL="2603500" marR="0" rtl="0" algn="l">
               <a:lnSpc>
                 <a:spcPct val="120000"/>
               </a:lnSpc>
@@ -8336,7 +8336,7 @@
                 <a:sym typeface="Gill Sans"/>
               </a:defRPr>
             </a:lvl5pPr>
-            <a:lvl6pPr indent="-54582" lvl="5" marL="2681705" marR="0" rtl="0" algn="l">
+            <a:lvl6pPr indent="174017" lvl="5" marL="2681705" marR="0" rtl="0" algn="l">
               <a:lnSpc>
                 <a:spcPct val="120000"/>
               </a:lnSpc>
@@ -8362,7 +8362,7 @@
                 <a:sym typeface="Gill Sans"/>
               </a:defRPr>
             </a:lvl6pPr>
-            <a:lvl7pPr indent="-54582" lvl="6" marL="3113505" marR="0" rtl="0" algn="l">
+            <a:lvl7pPr indent="174016" lvl="6" marL="3113505" marR="0" rtl="0" algn="l">
               <a:lnSpc>
                 <a:spcPct val="120000"/>
               </a:lnSpc>
@@ -8388,7 +8388,7 @@
                 <a:sym typeface="Gill Sans"/>
               </a:defRPr>
             </a:lvl7pPr>
-            <a:lvl8pPr indent="-54583" lvl="7" marL="3545305" marR="0" rtl="0" algn="l">
+            <a:lvl8pPr indent="174016" lvl="7" marL="3545305" marR="0" rtl="0" algn="l">
               <a:lnSpc>
                 <a:spcPct val="120000"/>
               </a:lnSpc>
@@ -8414,7 +8414,7 @@
                 <a:sym typeface="Gill Sans"/>
               </a:defRPr>
             </a:lvl8pPr>
-            <a:lvl9pPr indent="-54583" lvl="8" marL="3977105" marR="0" rtl="0" algn="l">
+            <a:lvl9pPr indent="174016" lvl="8" marL="3977105" marR="0" rtl="0" algn="l">
               <a:lnSpc>
                 <a:spcPct val="120000"/>
               </a:lnSpc>
@@ -8552,7 +8552,7 @@
         <p:txBody>
           <a:bodyPr anchorCtr="0" anchor="t" bIns="91425" lIns="91425" rIns="91425" tIns="91425"/>
           <a:lstStyle>
-            <a:lvl1pPr indent="-52577" lvl="0" marL="520700" marR="0" rtl="0" algn="l">
+            <a:lvl1pPr indent="176022" lvl="0" marL="520700" marR="0" rtl="0" algn="l">
               <a:lnSpc>
                 <a:spcPct val="120000"/>
               </a:lnSpc>
@@ -8578,7 +8578,7 @@
                 <a:sym typeface="Gill Sans"/>
               </a:defRPr>
             </a:lvl1pPr>
-            <a:lvl2pPr indent="-52577" lvl="1" marL="1041400" marR="0" rtl="0" algn="l">
+            <a:lvl2pPr indent="176022" lvl="1" marL="1041400" marR="0" rtl="0" algn="l">
               <a:lnSpc>
                 <a:spcPct val="120000"/>
               </a:lnSpc>
@@ -8604,7 +8604,7 @@
                 <a:sym typeface="Gill Sans"/>
               </a:defRPr>
             </a:lvl2pPr>
-            <a:lvl3pPr indent="-52577" lvl="2" marL="1562100" marR="0" rtl="0" algn="l">
+            <a:lvl3pPr indent="176022" lvl="2" marL="1562100" marR="0" rtl="0" algn="l">
               <a:lnSpc>
                 <a:spcPct val="120000"/>
               </a:lnSpc>
@@ -8630,7 +8630,7 @@
                 <a:sym typeface="Gill Sans"/>
               </a:defRPr>
             </a:lvl3pPr>
-            <a:lvl4pPr indent="-52577" lvl="3" marL="2082800" marR="0" rtl="0" algn="l">
+            <a:lvl4pPr indent="176022" lvl="3" marL="2082800" marR="0" rtl="0" algn="l">
               <a:lnSpc>
                 <a:spcPct val="120000"/>
               </a:lnSpc>
@@ -8656,7 +8656,7 @@
                 <a:sym typeface="Gill Sans"/>
               </a:defRPr>
             </a:lvl4pPr>
-            <a:lvl5pPr indent="-52577" lvl="4" marL="2603500" marR="0" rtl="0" algn="l">
+            <a:lvl5pPr indent="176022" lvl="4" marL="2603500" marR="0" rtl="0" algn="l">
               <a:lnSpc>
                 <a:spcPct val="120000"/>
               </a:lnSpc>
@@ -8682,7 +8682,7 @@
                 <a:sym typeface="Gill Sans"/>
               </a:defRPr>
             </a:lvl5pPr>
-            <a:lvl6pPr indent="-54582" lvl="5" marL="2681705" marR="0" rtl="0" algn="l">
+            <a:lvl6pPr indent="174017" lvl="5" marL="2681705" marR="0" rtl="0" algn="l">
               <a:lnSpc>
                 <a:spcPct val="120000"/>
               </a:lnSpc>
@@ -8708,7 +8708,7 @@
                 <a:sym typeface="Gill Sans"/>
               </a:defRPr>
             </a:lvl6pPr>
-            <a:lvl7pPr indent="-54582" lvl="6" marL="3113505" marR="0" rtl="0" algn="l">
+            <a:lvl7pPr indent="174016" lvl="6" marL="3113505" marR="0" rtl="0" algn="l">
               <a:lnSpc>
                 <a:spcPct val="120000"/>
               </a:lnSpc>
@@ -8734,7 +8734,7 @@
                 <a:sym typeface="Gill Sans"/>
               </a:defRPr>
             </a:lvl7pPr>
-            <a:lvl8pPr indent="-54583" lvl="7" marL="3545305" marR="0" rtl="0" algn="l">
+            <a:lvl8pPr indent="174016" lvl="7" marL="3545305" marR="0" rtl="0" algn="l">
               <a:lnSpc>
                 <a:spcPct val="120000"/>
               </a:lnSpc>
@@ -8760,7 +8760,7 @@
                 <a:sym typeface="Gill Sans"/>
               </a:defRPr>
             </a:lvl8pPr>
-            <a:lvl9pPr indent="-54583" lvl="8" marL="3977105" marR="0" rtl="0" algn="l">
+            <a:lvl9pPr indent="174016" lvl="8" marL="3977105" marR="0" rtl="0" algn="l">
               <a:lnSpc>
                 <a:spcPct val="120000"/>
               </a:lnSpc>
@@ -8898,7 +8898,7 @@
         <p:txBody>
           <a:bodyPr anchorCtr="0" anchor="t" bIns="91425" lIns="91425" rIns="91425" tIns="91425"/>
           <a:lstStyle>
-            <a:lvl1pPr indent="-52577" lvl="0" marL="520700" marR="0" rtl="0" algn="l">
+            <a:lvl1pPr indent="176022" lvl="0" marL="520700" marR="0" rtl="0" algn="l">
               <a:lnSpc>
                 <a:spcPct val="120000"/>
               </a:lnSpc>
@@ -8924,7 +8924,7 @@
                 <a:sym typeface="Gill Sans"/>
               </a:defRPr>
             </a:lvl1pPr>
-            <a:lvl2pPr indent="-52577" lvl="1" marL="1041400" marR="0" rtl="0" algn="l">
+            <a:lvl2pPr indent="176022" lvl="1" marL="1041400" marR="0" rtl="0" algn="l">
               <a:lnSpc>
                 <a:spcPct val="120000"/>
               </a:lnSpc>
@@ -8950,7 +8950,7 @@
                 <a:sym typeface="Gill Sans"/>
               </a:defRPr>
             </a:lvl2pPr>
-            <a:lvl3pPr indent="-52577" lvl="2" marL="1562100" marR="0" rtl="0" algn="l">
+            <a:lvl3pPr indent="176022" lvl="2" marL="1562100" marR="0" rtl="0" algn="l">
               <a:lnSpc>
                 <a:spcPct val="120000"/>
               </a:lnSpc>
@@ -8976,7 +8976,7 @@
                 <a:sym typeface="Gill Sans"/>
               </a:defRPr>
             </a:lvl3pPr>
-            <a:lvl4pPr indent="-52577" lvl="3" marL="2082800" marR="0" rtl="0" algn="l">
+            <a:lvl4pPr indent="176022" lvl="3" marL="2082800" marR="0" rtl="0" algn="l">
               <a:lnSpc>
                 <a:spcPct val="120000"/>
               </a:lnSpc>
@@ -9002,7 +9002,7 @@
                 <a:sym typeface="Gill Sans"/>
               </a:defRPr>
             </a:lvl4pPr>
-            <a:lvl5pPr indent="-52577" lvl="4" marL="2603500" marR="0" rtl="0" algn="l">
+            <a:lvl5pPr indent="176022" lvl="4" marL="2603500" marR="0" rtl="0" algn="l">
               <a:lnSpc>
                 <a:spcPct val="120000"/>
               </a:lnSpc>
@@ -9028,7 +9028,7 @@
                 <a:sym typeface="Gill Sans"/>
               </a:defRPr>
             </a:lvl5pPr>
-            <a:lvl6pPr indent="-54582" lvl="5" marL="2681705" marR="0" rtl="0" algn="l">
+            <a:lvl6pPr indent="174017" lvl="5" marL="2681705" marR="0" rtl="0" algn="l">
               <a:lnSpc>
                 <a:spcPct val="120000"/>
               </a:lnSpc>
@@ -9054,7 +9054,7 @@
                 <a:sym typeface="Gill Sans"/>
               </a:defRPr>
             </a:lvl6pPr>
-            <a:lvl7pPr indent="-54582" lvl="6" marL="3113505" marR="0" rtl="0" algn="l">
+            <a:lvl7pPr indent="174016" lvl="6" marL="3113505" marR="0" rtl="0" algn="l">
               <a:lnSpc>
                 <a:spcPct val="120000"/>
               </a:lnSpc>
@@ -9080,7 +9080,7 @@
                 <a:sym typeface="Gill Sans"/>
               </a:defRPr>
             </a:lvl7pPr>
-            <a:lvl8pPr indent="-54583" lvl="7" marL="3545305" marR="0" rtl="0" algn="l">
+            <a:lvl8pPr indent="174016" lvl="7" marL="3545305" marR="0" rtl="0" algn="l">
               <a:lnSpc>
                 <a:spcPct val="120000"/>
               </a:lnSpc>
@@ -9106,7 +9106,7 @@
                 <a:sym typeface="Gill Sans"/>
               </a:defRPr>
             </a:lvl8pPr>
-            <a:lvl9pPr indent="-54583" lvl="8" marL="3977105" marR="0" rtl="0" algn="l">
+            <a:lvl9pPr indent="174016" lvl="8" marL="3977105" marR="0" rtl="0" algn="l">
               <a:lnSpc>
                 <a:spcPct val="120000"/>
               </a:lnSpc>
@@ -9400,7 +9400,7 @@
         <p:spPr>
           <a:xfrm>
             <a:off x="1270000" y="8191500"/>
-            <a:ext cx="10464800" cy="1130298"/>
+            <a:ext cx="10464800" cy="1130297"/>
           </a:xfrm>
           <a:prstGeom prst="rect">
             <a:avLst/>
@@ -9538,7 +9538,7 @@
                 <a:sym typeface="Gill Sans"/>
               </a:defRPr>
             </a:lvl5pPr>
-            <a:lvl6pPr indent="-54582" lvl="5" marL="2681705" marR="0" rtl="0" algn="l">
+            <a:lvl6pPr indent="174017" lvl="5" marL="2681705" marR="0" rtl="0" algn="l">
               <a:lnSpc>
                 <a:spcPct val="120000"/>
               </a:lnSpc>
@@ -9564,7 +9564,7 @@
                 <a:sym typeface="Gill Sans"/>
               </a:defRPr>
             </a:lvl6pPr>
-            <a:lvl7pPr indent="-54582" lvl="6" marL="3113505" marR="0" rtl="0" algn="l">
+            <a:lvl7pPr indent="174016" lvl="6" marL="3113505" marR="0" rtl="0" algn="l">
               <a:lnSpc>
                 <a:spcPct val="120000"/>
               </a:lnSpc>
@@ -9590,7 +9590,7 @@
                 <a:sym typeface="Gill Sans"/>
               </a:defRPr>
             </a:lvl7pPr>
-            <a:lvl8pPr indent="-54583" lvl="7" marL="3545305" marR="0" rtl="0" algn="l">
+            <a:lvl8pPr indent="174016" lvl="7" marL="3545305" marR="0" rtl="0" algn="l">
               <a:lnSpc>
                 <a:spcPct val="120000"/>
               </a:lnSpc>
@@ -9616,7 +9616,7 @@
                 <a:sym typeface="Gill Sans"/>
               </a:defRPr>
             </a:lvl8pPr>
-            <a:lvl9pPr indent="-54583" lvl="8" marL="3977105" marR="0" rtl="0" algn="l">
+            <a:lvl9pPr indent="174016" lvl="8" marL="3977105" marR="0" rtl="0" algn="l">
               <a:lnSpc>
                 <a:spcPct val="120000"/>
               </a:lnSpc>
@@ -10344,7 +10344,7 @@
         <p:txBody>
           <a:bodyPr anchorCtr="0" anchor="ctr" bIns="91425" lIns="91425" rIns="91425" tIns="91425"/>
           <a:lstStyle>
-            <a:lvl1pPr indent="-52577" lvl="0" marL="520700" marR="0" rtl="0" algn="l">
+            <a:lvl1pPr indent="176022" lvl="0" marL="520700" marR="0" rtl="0" algn="l">
               <a:lnSpc>
                 <a:spcPct val="120000"/>
               </a:lnSpc>
@@ -10370,7 +10370,7 @@
                 <a:sym typeface="Gill Sans"/>
               </a:defRPr>
             </a:lvl1pPr>
-            <a:lvl2pPr indent="-52577" lvl="1" marL="1041400" marR="0" rtl="0" algn="l">
+            <a:lvl2pPr indent="176022" lvl="1" marL="1041400" marR="0" rtl="0" algn="l">
               <a:lnSpc>
                 <a:spcPct val="120000"/>
               </a:lnSpc>
@@ -10396,7 +10396,7 @@
                 <a:sym typeface="Gill Sans"/>
               </a:defRPr>
             </a:lvl2pPr>
-            <a:lvl3pPr indent="-52577" lvl="2" marL="1562100" marR="0" rtl="0" algn="l">
+            <a:lvl3pPr indent="176022" lvl="2" marL="1562100" marR="0" rtl="0" algn="l">
               <a:lnSpc>
                 <a:spcPct val="120000"/>
               </a:lnSpc>
@@ -10422,7 +10422,7 @@
                 <a:sym typeface="Gill Sans"/>
               </a:defRPr>
             </a:lvl3pPr>
-            <a:lvl4pPr indent="-52577" lvl="3" marL="2082800" marR="0" rtl="0" algn="l">
+            <a:lvl4pPr indent="176022" lvl="3" marL="2082800" marR="0" rtl="0" algn="l">
               <a:lnSpc>
                 <a:spcPct val="120000"/>
               </a:lnSpc>
@@ -10448,7 +10448,7 @@
                 <a:sym typeface="Gill Sans"/>
               </a:defRPr>
             </a:lvl4pPr>
-            <a:lvl5pPr indent="-52577" lvl="4" marL="2603500" marR="0" rtl="0" algn="l">
+            <a:lvl5pPr indent="176022" lvl="4" marL="2603500" marR="0" rtl="0" algn="l">
               <a:lnSpc>
                 <a:spcPct val="120000"/>
               </a:lnSpc>
@@ -10474,7 +10474,7 @@
                 <a:sym typeface="Gill Sans"/>
               </a:defRPr>
             </a:lvl5pPr>
-            <a:lvl6pPr indent="-54582" lvl="5" marL="2681705" marR="0" rtl="0" algn="l">
+            <a:lvl6pPr indent="174017" lvl="5" marL="2681705" marR="0" rtl="0" algn="l">
               <a:lnSpc>
                 <a:spcPct val="120000"/>
               </a:lnSpc>
@@ -10500,7 +10500,7 @@
                 <a:sym typeface="Gill Sans"/>
               </a:defRPr>
             </a:lvl6pPr>
-            <a:lvl7pPr indent="-54582" lvl="6" marL="3113505" marR="0" rtl="0" algn="l">
+            <a:lvl7pPr indent="174016" lvl="6" marL="3113505" marR="0" rtl="0" algn="l">
               <a:lnSpc>
                 <a:spcPct val="120000"/>
               </a:lnSpc>
@@ -10526,7 +10526,7 @@
                 <a:sym typeface="Gill Sans"/>
               </a:defRPr>
             </a:lvl7pPr>
-            <a:lvl8pPr indent="-54583" lvl="7" marL="3545305" marR="0" rtl="0" algn="l">
+            <a:lvl8pPr indent="174016" lvl="7" marL="3545305" marR="0" rtl="0" algn="l">
               <a:lnSpc>
                 <a:spcPct val="120000"/>
               </a:lnSpc>
@@ -10552,7 +10552,7 @@
                 <a:sym typeface="Gill Sans"/>
               </a:defRPr>
             </a:lvl8pPr>
-            <a:lvl9pPr indent="-54583" lvl="8" marL="3977105" marR="0" rtl="0" algn="l">
+            <a:lvl9pPr indent="174016" lvl="8" marL="3977105" marR="0" rtl="0" algn="l">
               <a:lnSpc>
                 <a:spcPct val="120000"/>
               </a:lnSpc>
@@ -10690,7 +10690,7 @@
         <p:txBody>
           <a:bodyPr anchorCtr="0" anchor="t" bIns="91425" lIns="91425" rIns="91425" tIns="91425"/>
           <a:lstStyle>
-            <a:lvl1pPr indent="-52577" lvl="0" marL="520700" marR="0" rtl="0" algn="l">
+            <a:lvl1pPr indent="176022" lvl="0" marL="520700" marR="0" rtl="0" algn="l">
               <a:lnSpc>
                 <a:spcPct val="120000"/>
               </a:lnSpc>
@@ -10716,7 +10716,7 @@
                 <a:sym typeface="Gill Sans"/>
               </a:defRPr>
             </a:lvl1pPr>
-            <a:lvl2pPr indent="-52577" lvl="1" marL="1041400" marR="0" rtl="0" algn="l">
+            <a:lvl2pPr indent="176022" lvl="1" marL="1041400" marR="0" rtl="0" algn="l">
               <a:lnSpc>
                 <a:spcPct val="120000"/>
               </a:lnSpc>
@@ -10742,7 +10742,7 @@
                 <a:sym typeface="Gill Sans"/>
               </a:defRPr>
             </a:lvl2pPr>
-            <a:lvl3pPr indent="-52577" lvl="2" marL="1562100" marR="0" rtl="0" algn="l">
+            <a:lvl3pPr indent="176022" lvl="2" marL="1562100" marR="0" rtl="0" algn="l">
               <a:lnSpc>
                 <a:spcPct val="120000"/>
               </a:lnSpc>
@@ -10768,7 +10768,7 @@
                 <a:sym typeface="Gill Sans"/>
               </a:defRPr>
             </a:lvl3pPr>
-            <a:lvl4pPr indent="-52577" lvl="3" marL="2082800" marR="0" rtl="0" algn="l">
+            <a:lvl4pPr indent="176022" lvl="3" marL="2082800" marR="0" rtl="0" algn="l">
               <a:lnSpc>
                 <a:spcPct val="120000"/>
               </a:lnSpc>
@@ -10794,7 +10794,7 @@
                 <a:sym typeface="Gill Sans"/>
               </a:defRPr>
             </a:lvl4pPr>
-            <a:lvl5pPr indent="-52577" lvl="4" marL="2603500" marR="0" rtl="0" algn="l">
+            <a:lvl5pPr indent="176022" lvl="4" marL="2603500" marR="0" rtl="0" algn="l">
               <a:lnSpc>
                 <a:spcPct val="120000"/>
               </a:lnSpc>
@@ -10820,7 +10820,7 @@
                 <a:sym typeface="Gill Sans"/>
               </a:defRPr>
             </a:lvl5pPr>
-            <a:lvl6pPr indent="-54582" lvl="5" marL="2681705" marR="0" rtl="0" algn="l">
+            <a:lvl6pPr indent="174017" lvl="5" marL="2681705" marR="0" rtl="0" algn="l">
               <a:lnSpc>
                 <a:spcPct val="120000"/>
               </a:lnSpc>
@@ -10846,7 +10846,7 @@
                 <a:sym typeface="Gill Sans"/>
               </a:defRPr>
             </a:lvl6pPr>
-            <a:lvl7pPr indent="-54582" lvl="6" marL="3113505" marR="0" rtl="0" algn="l">
+            <a:lvl7pPr indent="174016" lvl="6" marL="3113505" marR="0" rtl="0" algn="l">
               <a:lnSpc>
                 <a:spcPct val="120000"/>
               </a:lnSpc>
@@ -10872,7 +10872,7 @@
                 <a:sym typeface="Gill Sans"/>
               </a:defRPr>
             </a:lvl7pPr>
-            <a:lvl8pPr indent="-54583" lvl="7" marL="3545305" marR="0" rtl="0" algn="l">
+            <a:lvl8pPr indent="174016" lvl="7" marL="3545305" marR="0" rtl="0" algn="l">
               <a:lnSpc>
                 <a:spcPct val="120000"/>
               </a:lnSpc>
@@ -10898,7 +10898,7 @@
                 <a:sym typeface="Gill Sans"/>
               </a:defRPr>
             </a:lvl8pPr>
-            <a:lvl9pPr indent="-54583" lvl="8" marL="3977105" marR="0" rtl="0" algn="l">
+            <a:lvl9pPr indent="174016" lvl="8" marL="3977105" marR="0" rtl="0" algn="l">
               <a:lnSpc>
                 <a:spcPct val="120000"/>
               </a:lnSpc>
@@ -11192,7 +11192,7 @@
         <p:spPr>
           <a:xfrm>
             <a:off x="355600" y="2730500"/>
-            <a:ext cx="5892798" cy="6299200"/>
+            <a:ext cx="5892797" cy="6299200"/>
           </a:xfrm>
           <a:prstGeom prst="rect">
             <a:avLst/>
@@ -11205,7 +11205,7 @@
         <p:txBody>
           <a:bodyPr anchorCtr="0" anchor="ctr" bIns="91425" lIns="91425" rIns="91425" tIns="91425"/>
           <a:lstStyle>
-            <a:lvl1pPr indent="-43434" lvl="0" marL="431800" marR="0" rtl="0" algn="l">
+            <a:lvl1pPr indent="147066" lvl="0" marL="431800" marR="0" rtl="0" algn="l">
               <a:lnSpc>
                 <a:spcPct val="100000"/>
               </a:lnSpc>
@@ -11231,7 +11231,7 @@
                 <a:sym typeface="Gill Sans"/>
               </a:defRPr>
             </a:lvl1pPr>
-            <a:lvl2pPr indent="-43433" lvl="1" marL="863600" marR="0" rtl="0" algn="l">
+            <a:lvl2pPr indent="147066" lvl="1" marL="863600" marR="0" rtl="0" algn="l">
               <a:lnSpc>
                 <a:spcPct val="100000"/>
               </a:lnSpc>
@@ -11257,7 +11257,7 @@
                 <a:sym typeface="Gill Sans"/>
               </a:defRPr>
             </a:lvl2pPr>
-            <a:lvl3pPr indent="-43433" lvl="2" marL="1295400" marR="0" rtl="0" algn="l">
+            <a:lvl3pPr indent="147066" lvl="2" marL="1295400" marR="0" rtl="0" algn="l">
               <a:lnSpc>
                 <a:spcPct val="100000"/>
               </a:lnSpc>
@@ -11283,7 +11283,7 @@
                 <a:sym typeface="Gill Sans"/>
               </a:defRPr>
             </a:lvl3pPr>
-            <a:lvl4pPr indent="-43433" lvl="3" marL="1727200" marR="0" rtl="0" algn="l">
+            <a:lvl4pPr indent="147066" lvl="3" marL="1727200" marR="0" rtl="0" algn="l">
               <a:lnSpc>
                 <a:spcPct val="100000"/>
               </a:lnSpc>
@@ -11309,7 +11309,7 @@
                 <a:sym typeface="Gill Sans"/>
               </a:defRPr>
             </a:lvl4pPr>
-            <a:lvl5pPr indent="-43433" lvl="4" marL="2159000" marR="0" rtl="0" algn="l">
+            <a:lvl5pPr indent="147066" lvl="4" marL="2159000" marR="0" rtl="0" algn="l">
               <a:lnSpc>
                 <a:spcPct val="100000"/>
               </a:lnSpc>
@@ -11335,7 +11335,7 @@
                 <a:sym typeface="Gill Sans"/>
               </a:defRPr>
             </a:lvl5pPr>
-            <a:lvl6pPr indent="-54582" lvl="5" marL="2681705" marR="0" rtl="0" algn="l">
+            <a:lvl6pPr indent="174017" lvl="5" marL="2681705" marR="0" rtl="0" algn="l">
               <a:lnSpc>
                 <a:spcPct val="120000"/>
               </a:lnSpc>
@@ -11361,7 +11361,7 @@
                 <a:sym typeface="Gill Sans"/>
               </a:defRPr>
             </a:lvl6pPr>
-            <a:lvl7pPr indent="-54582" lvl="6" marL="3113505" marR="0" rtl="0" algn="l">
+            <a:lvl7pPr indent="174016" lvl="6" marL="3113505" marR="0" rtl="0" algn="l">
               <a:lnSpc>
                 <a:spcPct val="120000"/>
               </a:lnSpc>
@@ -11387,7 +11387,7 @@
                 <a:sym typeface="Gill Sans"/>
               </a:defRPr>
             </a:lvl7pPr>
-            <a:lvl8pPr indent="-54583" lvl="7" marL="3545305" marR="0" rtl="0" algn="l">
+            <a:lvl8pPr indent="174016" lvl="7" marL="3545305" marR="0" rtl="0" algn="l">
               <a:lnSpc>
                 <a:spcPct val="120000"/>
               </a:lnSpc>
@@ -11413,7 +11413,7 @@
                 <a:sym typeface="Gill Sans"/>
               </a:defRPr>
             </a:lvl8pPr>
-            <a:lvl9pPr indent="-54583" lvl="8" marL="3977105" marR="0" rtl="0" algn="l">
+            <a:lvl9pPr indent="174016" lvl="8" marL="3977105" marR="0" rtl="0" algn="l">
               <a:lnSpc>
                 <a:spcPct val="120000"/>
               </a:lnSpc>
@@ -11888,7 +11888,7 @@
         <p:txBody>
           <a:bodyPr anchorCtr="0" anchor="t" bIns="91425" lIns="91425" rIns="91425" tIns="91425"/>
           <a:lstStyle>
-            <a:lvl1pPr indent="-52577" lvl="0" marL="520700" marR="0" rtl="0" algn="l">
+            <a:lvl1pPr indent="176022" lvl="0" marL="520700" marR="0" rtl="0" algn="l">
               <a:lnSpc>
                 <a:spcPct val="120000"/>
               </a:lnSpc>
@@ -11914,7 +11914,7 @@
                 <a:sym typeface="Gill Sans"/>
               </a:defRPr>
             </a:lvl1pPr>
-            <a:lvl2pPr indent="-52577" lvl="1" marL="1041400" marR="0" rtl="0" algn="l">
+            <a:lvl2pPr indent="176022" lvl="1" marL="1041400" marR="0" rtl="0" algn="l">
               <a:lnSpc>
                 <a:spcPct val="120000"/>
               </a:lnSpc>
@@ -11940,7 +11940,7 @@
                 <a:sym typeface="Gill Sans"/>
               </a:defRPr>
             </a:lvl2pPr>
-            <a:lvl3pPr indent="-52577" lvl="2" marL="1562100" marR="0" rtl="0" algn="l">
+            <a:lvl3pPr indent="176022" lvl="2" marL="1562100" marR="0" rtl="0" algn="l">
               <a:lnSpc>
                 <a:spcPct val="120000"/>
               </a:lnSpc>
@@ -11966,7 +11966,7 @@
                 <a:sym typeface="Gill Sans"/>
               </a:defRPr>
             </a:lvl3pPr>
-            <a:lvl4pPr indent="-52577" lvl="3" marL="2082800" marR="0" rtl="0" algn="l">
+            <a:lvl4pPr indent="176022" lvl="3" marL="2082800" marR="0" rtl="0" algn="l">
               <a:lnSpc>
                 <a:spcPct val="120000"/>
               </a:lnSpc>
@@ -11992,7 +11992,7 @@
                 <a:sym typeface="Gill Sans"/>
               </a:defRPr>
             </a:lvl4pPr>
-            <a:lvl5pPr indent="-52577" lvl="4" marL="2603500" marR="0" rtl="0" algn="l">
+            <a:lvl5pPr indent="176022" lvl="4" marL="2603500" marR="0" rtl="0" algn="l">
               <a:lnSpc>
                 <a:spcPct val="120000"/>
               </a:lnSpc>
@@ -12018,7 +12018,7 @@
                 <a:sym typeface="Gill Sans"/>
               </a:defRPr>
             </a:lvl5pPr>
-            <a:lvl6pPr indent="-54582" lvl="5" marL="2681705" marR="0" rtl="0" algn="l">
+            <a:lvl6pPr indent="174017" lvl="5" marL="2681705" marR="0" rtl="0" algn="l">
               <a:lnSpc>
                 <a:spcPct val="120000"/>
               </a:lnSpc>
@@ -12044,7 +12044,7 @@
                 <a:sym typeface="Gill Sans"/>
               </a:defRPr>
             </a:lvl6pPr>
-            <a:lvl7pPr indent="-54582" lvl="6" marL="3113505" marR="0" rtl="0" algn="l">
+            <a:lvl7pPr indent="174016" lvl="6" marL="3113505" marR="0" rtl="0" algn="l">
               <a:lnSpc>
                 <a:spcPct val="120000"/>
               </a:lnSpc>
@@ -12070,7 +12070,7 @@
                 <a:sym typeface="Gill Sans"/>
               </a:defRPr>
             </a:lvl7pPr>
-            <a:lvl8pPr indent="-54583" lvl="7" marL="3545305" marR="0" rtl="0" algn="l">
+            <a:lvl8pPr indent="174016" lvl="7" marL="3545305" marR="0" rtl="0" algn="l">
               <a:lnSpc>
                 <a:spcPct val="120000"/>
               </a:lnSpc>
@@ -12096,7 +12096,7 @@
                 <a:sym typeface="Gill Sans"/>
               </a:defRPr>
             </a:lvl8pPr>
-            <a:lvl9pPr indent="-54583" lvl="8" marL="3977105" marR="0" rtl="0" algn="l">
+            <a:lvl9pPr indent="174016" lvl="8" marL="3977105" marR="0" rtl="0" algn="l">
               <a:lnSpc>
                 <a:spcPct val="120000"/>
               </a:lnSpc>
@@ -12137,7 +12137,7 @@
         <p:spPr>
           <a:xfrm>
             <a:off x="355600" y="1016000"/>
-            <a:ext cx="5892798" cy="3886200"/>
+            <a:ext cx="5892797" cy="3886200"/>
           </a:xfrm>
           <a:prstGeom prst="rect">
             <a:avLst/>
@@ -12390,7 +12390,7 @@
         <p:spPr>
           <a:xfrm>
             <a:off x="355600" y="4889500"/>
-            <a:ext cx="5892798" cy="3886200"/>
+            <a:ext cx="5892797" cy="3886200"/>
           </a:xfrm>
           <a:prstGeom prst="rect">
             <a:avLst/>
@@ -12528,7 +12528,7 @@
                 <a:sym typeface="Gill Sans"/>
               </a:defRPr>
             </a:lvl5pPr>
-            <a:lvl6pPr indent="-54582" lvl="5" marL="2681705" marR="0" rtl="0" algn="l">
+            <a:lvl6pPr indent="174017" lvl="5" marL="2681705" marR="0" rtl="0" algn="l">
               <a:lnSpc>
                 <a:spcPct val="120000"/>
               </a:lnSpc>
@@ -12554,7 +12554,7 @@
                 <a:sym typeface="Gill Sans"/>
               </a:defRPr>
             </a:lvl6pPr>
-            <a:lvl7pPr indent="-54582" lvl="6" marL="3113505" marR="0" rtl="0" algn="l">
+            <a:lvl7pPr indent="174016" lvl="6" marL="3113505" marR="0" rtl="0" algn="l">
               <a:lnSpc>
                 <a:spcPct val="120000"/>
               </a:lnSpc>
@@ -12580,7 +12580,7 @@
                 <a:sym typeface="Gill Sans"/>
               </a:defRPr>
             </a:lvl7pPr>
-            <a:lvl8pPr indent="-54583" lvl="7" marL="3545305" marR="0" rtl="0" algn="l">
+            <a:lvl8pPr indent="174016" lvl="7" marL="3545305" marR="0" rtl="0" algn="l">
               <a:lnSpc>
                 <a:spcPct val="120000"/>
               </a:lnSpc>
@@ -12606,7 +12606,7 @@
                 <a:sym typeface="Gill Sans"/>
               </a:defRPr>
             </a:lvl8pPr>
-            <a:lvl9pPr indent="-54583" lvl="8" marL="3977105" marR="0" rtl="0" algn="l">
+            <a:lvl9pPr indent="174016" lvl="8" marL="3977105" marR="0" rtl="0" algn="l">
               <a:lnSpc>
                 <a:spcPct val="120000"/>
               </a:lnSpc>
@@ -12744,7 +12744,7 @@
         <p:txBody>
           <a:bodyPr anchorCtr="0" anchor="ctr" bIns="91425" lIns="91425" rIns="91425" tIns="91425"/>
           <a:lstStyle>
-            <a:lvl1pPr indent="-52577" lvl="0" marL="520700" marR="0" rtl="0" algn="l">
+            <a:lvl1pPr indent="176022" lvl="0" marL="520700" marR="0" rtl="0" algn="l">
               <a:lnSpc>
                 <a:spcPct val="120000"/>
               </a:lnSpc>
@@ -12770,7 +12770,7 @@
                 <a:sym typeface="Gill Sans"/>
               </a:defRPr>
             </a:lvl1pPr>
-            <a:lvl2pPr indent="-52577" lvl="1" marL="1041400" marR="0" rtl="0" algn="l">
+            <a:lvl2pPr indent="176022" lvl="1" marL="1041400" marR="0" rtl="0" algn="l">
               <a:lnSpc>
                 <a:spcPct val="120000"/>
               </a:lnSpc>
@@ -12796,7 +12796,7 @@
                 <a:sym typeface="Gill Sans"/>
               </a:defRPr>
             </a:lvl2pPr>
-            <a:lvl3pPr indent="-52577" lvl="2" marL="1562100" marR="0" rtl="0" algn="l">
+            <a:lvl3pPr indent="176022" lvl="2" marL="1562100" marR="0" rtl="0" algn="l">
               <a:lnSpc>
                 <a:spcPct val="120000"/>
               </a:lnSpc>
@@ -12822,7 +12822,7 @@
                 <a:sym typeface="Gill Sans"/>
               </a:defRPr>
             </a:lvl3pPr>
-            <a:lvl4pPr indent="-52577" lvl="3" marL="2082800" marR="0" rtl="0" algn="l">
+            <a:lvl4pPr indent="176022" lvl="3" marL="2082800" marR="0" rtl="0" algn="l">
               <a:lnSpc>
                 <a:spcPct val="120000"/>
               </a:lnSpc>
@@ -12848,7 +12848,7 @@
                 <a:sym typeface="Gill Sans"/>
               </a:defRPr>
             </a:lvl4pPr>
-            <a:lvl5pPr indent="-52577" lvl="4" marL="2603500" marR="0" rtl="0" algn="l">
+            <a:lvl5pPr indent="176022" lvl="4" marL="2603500" marR="0" rtl="0" algn="l">
               <a:lnSpc>
                 <a:spcPct val="120000"/>
               </a:lnSpc>
@@ -12874,7 +12874,7 @@
                 <a:sym typeface="Gill Sans"/>
               </a:defRPr>
             </a:lvl5pPr>
-            <a:lvl6pPr indent="-54582" lvl="5" marL="2681705" marR="0" rtl="0" algn="l">
+            <a:lvl6pPr indent="174017" lvl="5" marL="2681705" marR="0" rtl="0" algn="l">
               <a:lnSpc>
                 <a:spcPct val="120000"/>
               </a:lnSpc>
@@ -12900,7 +12900,7 @@
                 <a:sym typeface="Gill Sans"/>
               </a:defRPr>
             </a:lvl6pPr>
-            <a:lvl7pPr indent="-54582" lvl="6" marL="3113505" marR="0" rtl="0" algn="l">
+            <a:lvl7pPr indent="174016" lvl="6" marL="3113505" marR="0" rtl="0" algn="l">
               <a:lnSpc>
                 <a:spcPct val="120000"/>
               </a:lnSpc>
@@ -12926,7 +12926,7 @@
                 <a:sym typeface="Gill Sans"/>
               </a:defRPr>
             </a:lvl7pPr>
-            <a:lvl8pPr indent="-54583" lvl="7" marL="3545305" marR="0" rtl="0" algn="l">
+            <a:lvl8pPr indent="174016" lvl="7" marL="3545305" marR="0" rtl="0" algn="l">
               <a:lnSpc>
                 <a:spcPct val="120000"/>
               </a:lnSpc>
@@ -12952,7 +12952,7 @@
                 <a:sym typeface="Gill Sans"/>
               </a:defRPr>
             </a:lvl8pPr>
-            <a:lvl9pPr indent="-54583" lvl="8" marL="3977105" marR="0" rtl="0" algn="l">
+            <a:lvl9pPr indent="174016" lvl="8" marL="3977105" marR="0" rtl="0" algn="l">
               <a:lnSpc>
                 <a:spcPct val="120000"/>
               </a:lnSpc>
@@ -13090,7 +13090,7 @@
         <p:txBody>
           <a:bodyPr anchorCtr="0" anchor="t" bIns="91425" lIns="91425" rIns="91425" tIns="91425"/>
           <a:lstStyle>
-            <a:lvl1pPr indent="-52577" lvl="0" marL="520700" marR="0" rtl="0" algn="l">
+            <a:lvl1pPr indent="176022" lvl="0" marL="520700" marR="0" rtl="0" algn="l">
               <a:lnSpc>
                 <a:spcPct val="120000"/>
               </a:lnSpc>
@@ -13116,7 +13116,7 @@
                 <a:sym typeface="Gill Sans"/>
               </a:defRPr>
             </a:lvl1pPr>
-            <a:lvl2pPr indent="-52577" lvl="1" marL="1041400" marR="0" rtl="0" algn="l">
+            <a:lvl2pPr indent="176022" lvl="1" marL="1041400" marR="0" rtl="0" algn="l">
               <a:lnSpc>
                 <a:spcPct val="120000"/>
               </a:lnSpc>
@@ -13142,7 +13142,7 @@
                 <a:sym typeface="Gill Sans"/>
               </a:defRPr>
             </a:lvl2pPr>
-            <a:lvl3pPr indent="-52577" lvl="2" marL="1562100" marR="0" rtl="0" algn="l">
+            <a:lvl3pPr indent="176022" lvl="2" marL="1562100" marR="0" rtl="0" algn="l">
               <a:lnSpc>
                 <a:spcPct val="120000"/>
               </a:lnSpc>
@@ -13168,7 +13168,7 @@
                 <a:sym typeface="Gill Sans"/>
               </a:defRPr>
             </a:lvl3pPr>
-            <a:lvl4pPr indent="-52577" lvl="3" marL="2082800" marR="0" rtl="0" algn="l">
+            <a:lvl4pPr indent="176022" lvl="3" marL="2082800" marR="0" rtl="0" algn="l">
               <a:lnSpc>
                 <a:spcPct val="120000"/>
               </a:lnSpc>
@@ -13194,7 +13194,7 @@
                 <a:sym typeface="Gill Sans"/>
               </a:defRPr>
             </a:lvl4pPr>
-            <a:lvl5pPr indent="-52577" lvl="4" marL="2603500" marR="0" rtl="0" algn="l">
+            <a:lvl5pPr indent="176022" lvl="4" marL="2603500" marR="0" rtl="0" algn="l">
               <a:lnSpc>
                 <a:spcPct val="120000"/>
               </a:lnSpc>
@@ -13220,7 +13220,7 @@
                 <a:sym typeface="Gill Sans"/>
               </a:defRPr>
             </a:lvl5pPr>
-            <a:lvl6pPr indent="-54582" lvl="5" marL="2681705" marR="0" rtl="0" algn="l">
+            <a:lvl6pPr indent="174017" lvl="5" marL="2681705" marR="0" rtl="0" algn="l">
               <a:lnSpc>
                 <a:spcPct val="120000"/>
               </a:lnSpc>
@@ -13246,7 +13246,7 @@
                 <a:sym typeface="Gill Sans"/>
               </a:defRPr>
             </a:lvl6pPr>
-            <a:lvl7pPr indent="-54582" lvl="6" marL="3113505" marR="0" rtl="0" algn="l">
+            <a:lvl7pPr indent="174016" lvl="6" marL="3113505" marR="0" rtl="0" algn="l">
               <a:lnSpc>
                 <a:spcPct val="120000"/>
               </a:lnSpc>
@@ -13272,7 +13272,7 @@
                 <a:sym typeface="Gill Sans"/>
               </a:defRPr>
             </a:lvl7pPr>
-            <a:lvl8pPr indent="-54583" lvl="7" marL="3545305" marR="0" rtl="0" algn="l">
+            <a:lvl8pPr indent="174016" lvl="7" marL="3545305" marR="0" rtl="0" algn="l">
               <a:lnSpc>
                 <a:spcPct val="120000"/>
               </a:lnSpc>
@@ -13298,7 +13298,7 @@
                 <a:sym typeface="Gill Sans"/>
               </a:defRPr>
             </a:lvl8pPr>
-            <a:lvl9pPr indent="-54583" lvl="8" marL="3977105" marR="0" rtl="0" algn="l">
+            <a:lvl9pPr indent="174016" lvl="8" marL="3977105" marR="0" rtl="0" algn="l">
               <a:lnSpc>
                 <a:spcPct val="120000"/>
               </a:lnSpc>
@@ -13352,7 +13352,7 @@
         <p:txBody>
           <a:bodyPr anchorCtr="0" anchor="t" bIns="91425" lIns="91425" rIns="91425" tIns="91425"/>
           <a:lstStyle>
-            <a:lvl1pPr indent="-52577" lvl="0" marL="520700" marR="0" rtl="0" algn="l">
+            <a:lvl1pPr indent="176022" lvl="0" marL="520700" marR="0" rtl="0" algn="l">
               <a:lnSpc>
                 <a:spcPct val="120000"/>
               </a:lnSpc>
@@ -13378,7 +13378,7 @@
                 <a:sym typeface="Gill Sans"/>
               </a:defRPr>
             </a:lvl1pPr>
-            <a:lvl2pPr indent="-52577" lvl="1" marL="1041400" marR="0" rtl="0" algn="l">
+            <a:lvl2pPr indent="176022" lvl="1" marL="1041400" marR="0" rtl="0" algn="l">
               <a:lnSpc>
                 <a:spcPct val="120000"/>
               </a:lnSpc>
@@ -13404,7 +13404,7 @@
                 <a:sym typeface="Gill Sans"/>
               </a:defRPr>
             </a:lvl2pPr>
-            <a:lvl3pPr indent="-52577" lvl="2" marL="1562100" marR="0" rtl="0" algn="l">
+            <a:lvl3pPr indent="176022" lvl="2" marL="1562100" marR="0" rtl="0" algn="l">
               <a:lnSpc>
                 <a:spcPct val="120000"/>
               </a:lnSpc>
@@ -13430,7 +13430,7 @@
                 <a:sym typeface="Gill Sans"/>
               </a:defRPr>
             </a:lvl3pPr>
-            <a:lvl4pPr indent="-52577" lvl="3" marL="2082800" marR="0" rtl="0" algn="l">
+            <a:lvl4pPr indent="176022" lvl="3" marL="2082800" marR="0" rtl="0" algn="l">
               <a:lnSpc>
                 <a:spcPct val="120000"/>
               </a:lnSpc>
@@ -13456,7 +13456,7 @@
                 <a:sym typeface="Gill Sans"/>
               </a:defRPr>
             </a:lvl4pPr>
-            <a:lvl5pPr indent="-52577" lvl="4" marL="2603500" marR="0" rtl="0" algn="l">
+            <a:lvl5pPr indent="176022" lvl="4" marL="2603500" marR="0" rtl="0" algn="l">
               <a:lnSpc>
                 <a:spcPct val="120000"/>
               </a:lnSpc>
@@ -13482,7 +13482,7 @@
                 <a:sym typeface="Gill Sans"/>
               </a:defRPr>
             </a:lvl5pPr>
-            <a:lvl6pPr indent="-54582" lvl="5" marL="2681705" marR="0" rtl="0" algn="l">
+            <a:lvl6pPr indent="174017" lvl="5" marL="2681705" marR="0" rtl="0" algn="l">
               <a:lnSpc>
                 <a:spcPct val="120000"/>
               </a:lnSpc>
@@ -13508,7 +13508,7 @@
                 <a:sym typeface="Gill Sans"/>
               </a:defRPr>
             </a:lvl6pPr>
-            <a:lvl7pPr indent="-54582" lvl="6" marL="3113505" marR="0" rtl="0" algn="l">
+            <a:lvl7pPr indent="174016" lvl="6" marL="3113505" marR="0" rtl="0" algn="l">
               <a:lnSpc>
                 <a:spcPct val="120000"/>
               </a:lnSpc>
@@ -13534,7 +13534,7 @@
                 <a:sym typeface="Gill Sans"/>
               </a:defRPr>
             </a:lvl7pPr>
-            <a:lvl8pPr indent="-54583" lvl="7" marL="3545305" marR="0" rtl="0" algn="l">
+            <a:lvl8pPr indent="174016" lvl="7" marL="3545305" marR="0" rtl="0" algn="l">
               <a:lnSpc>
                 <a:spcPct val="120000"/>
               </a:lnSpc>
@@ -13560,7 +13560,7 @@
                 <a:sym typeface="Gill Sans"/>
               </a:defRPr>
             </a:lvl8pPr>
-            <a:lvl9pPr indent="-54583" lvl="8" marL="3977105" marR="0" rtl="0" algn="l">
+            <a:lvl9pPr indent="174016" lvl="8" marL="3977105" marR="0" rtl="0" algn="l">
               <a:lnSpc>
                 <a:spcPct val="120000"/>
               </a:lnSpc>
@@ -13614,7 +13614,7 @@
         <p:txBody>
           <a:bodyPr anchorCtr="0" anchor="t" bIns="91425" lIns="91425" rIns="91425" tIns="91425"/>
           <a:lstStyle>
-            <a:lvl1pPr indent="-52577" lvl="0" marL="520700" marR="0" rtl="0" algn="l">
+            <a:lvl1pPr indent="176022" lvl="0" marL="520700" marR="0" rtl="0" algn="l">
               <a:lnSpc>
                 <a:spcPct val="120000"/>
               </a:lnSpc>
@@ -13640,7 +13640,7 @@
                 <a:sym typeface="Gill Sans"/>
               </a:defRPr>
             </a:lvl1pPr>
-            <a:lvl2pPr indent="-52577" lvl="1" marL="1041400" marR="0" rtl="0" algn="l">
+            <a:lvl2pPr indent="176022" lvl="1" marL="1041400" marR="0" rtl="0" algn="l">
               <a:lnSpc>
                 <a:spcPct val="120000"/>
               </a:lnSpc>
@@ -13666,7 +13666,7 @@
                 <a:sym typeface="Gill Sans"/>
               </a:defRPr>
             </a:lvl2pPr>
-            <a:lvl3pPr indent="-52577" lvl="2" marL="1562100" marR="0" rtl="0" algn="l">
+            <a:lvl3pPr indent="176022" lvl="2" marL="1562100" marR="0" rtl="0" algn="l">
               <a:lnSpc>
                 <a:spcPct val="120000"/>
               </a:lnSpc>
@@ -13692,7 +13692,7 @@
                 <a:sym typeface="Gill Sans"/>
               </a:defRPr>
             </a:lvl3pPr>
-            <a:lvl4pPr indent="-52577" lvl="3" marL="2082800" marR="0" rtl="0" algn="l">
+            <a:lvl4pPr indent="176022" lvl="3" marL="2082800" marR="0" rtl="0" algn="l">
               <a:lnSpc>
                 <a:spcPct val="120000"/>
               </a:lnSpc>
@@ -13718,7 +13718,7 @@
                 <a:sym typeface="Gill Sans"/>
               </a:defRPr>
             </a:lvl4pPr>
-            <a:lvl5pPr indent="-52577" lvl="4" marL="2603500" marR="0" rtl="0" algn="l">
+            <a:lvl5pPr indent="176022" lvl="4" marL="2603500" marR="0" rtl="0" algn="l">
               <a:lnSpc>
                 <a:spcPct val="120000"/>
               </a:lnSpc>
@@ -13744,7 +13744,7 @@
                 <a:sym typeface="Gill Sans"/>
               </a:defRPr>
             </a:lvl5pPr>
-            <a:lvl6pPr indent="-54582" lvl="5" marL="2681705" marR="0" rtl="0" algn="l">
+            <a:lvl6pPr indent="174017" lvl="5" marL="2681705" marR="0" rtl="0" algn="l">
               <a:lnSpc>
                 <a:spcPct val="120000"/>
               </a:lnSpc>
@@ -13770,7 +13770,7 @@
                 <a:sym typeface="Gill Sans"/>
               </a:defRPr>
             </a:lvl6pPr>
-            <a:lvl7pPr indent="-54582" lvl="6" marL="3113505" marR="0" rtl="0" algn="l">
+            <a:lvl7pPr indent="174016" lvl="6" marL="3113505" marR="0" rtl="0" algn="l">
               <a:lnSpc>
                 <a:spcPct val="120000"/>
               </a:lnSpc>
@@ -13796,7 +13796,7 @@
                 <a:sym typeface="Gill Sans"/>
               </a:defRPr>
             </a:lvl7pPr>
-            <a:lvl8pPr indent="-54583" lvl="7" marL="3545305" marR="0" rtl="0" algn="l">
+            <a:lvl8pPr indent="174016" lvl="7" marL="3545305" marR="0" rtl="0" algn="l">
               <a:lnSpc>
                 <a:spcPct val="120000"/>
               </a:lnSpc>
@@ -13822,7 +13822,7 @@
                 <a:sym typeface="Gill Sans"/>
               </a:defRPr>
             </a:lvl8pPr>
-            <a:lvl9pPr indent="-54583" lvl="8" marL="3977105" marR="0" rtl="0" algn="l">
+            <a:lvl9pPr indent="174016" lvl="8" marL="3977105" marR="0" rtl="0" algn="l">
               <a:lnSpc>
                 <a:spcPct val="120000"/>
               </a:lnSpc>
@@ -14225,7 +14225,7 @@
         <p:txBody>
           <a:bodyPr anchorCtr="0" anchor="ctr" bIns="91425" lIns="91425" rIns="91425" tIns="91425"/>
           <a:lstStyle>
-            <a:lvl1pPr indent="-52577" lvl="0" marL="520700" marR="0" rtl="0" algn="l">
+            <a:lvl1pPr indent="176022" lvl="0" marL="520700" marR="0" rtl="0" algn="l">
               <a:lnSpc>
                 <a:spcPct val="120000"/>
               </a:lnSpc>
@@ -14251,7 +14251,7 @@
                 <a:sym typeface="Gill Sans"/>
               </a:defRPr>
             </a:lvl1pPr>
-            <a:lvl2pPr indent="-52577" lvl="1" marL="1041400" marR="0" rtl="0" algn="l">
+            <a:lvl2pPr indent="176022" lvl="1" marL="1041400" marR="0" rtl="0" algn="l">
               <a:lnSpc>
                 <a:spcPct val="120000"/>
               </a:lnSpc>
@@ -14277,7 +14277,7 @@
                 <a:sym typeface="Gill Sans"/>
               </a:defRPr>
             </a:lvl2pPr>
-            <a:lvl3pPr indent="-52577" lvl="2" marL="1562100" marR="0" rtl="0" algn="l">
+            <a:lvl3pPr indent="176022" lvl="2" marL="1562100" marR="0" rtl="0" algn="l">
               <a:lnSpc>
                 <a:spcPct val="120000"/>
               </a:lnSpc>
@@ -14303,7 +14303,7 @@
                 <a:sym typeface="Gill Sans"/>
               </a:defRPr>
             </a:lvl3pPr>
-            <a:lvl4pPr indent="-52577" lvl="3" marL="2082800" marR="0" rtl="0" algn="l">
+            <a:lvl4pPr indent="176022" lvl="3" marL="2082800" marR="0" rtl="0" algn="l">
               <a:lnSpc>
                 <a:spcPct val="120000"/>
               </a:lnSpc>
@@ -14329,7 +14329,7 @@
                 <a:sym typeface="Gill Sans"/>
               </a:defRPr>
             </a:lvl4pPr>
-            <a:lvl5pPr indent="-52577" lvl="4" marL="2603500" marR="0" rtl="0" algn="l">
+            <a:lvl5pPr indent="176022" lvl="4" marL="2603500" marR="0" rtl="0" algn="l">
               <a:lnSpc>
                 <a:spcPct val="120000"/>
               </a:lnSpc>
@@ -14355,7 +14355,7 @@
                 <a:sym typeface="Gill Sans"/>
               </a:defRPr>
             </a:lvl5pPr>
-            <a:lvl6pPr indent="-54582" lvl="5" marL="2681705" marR="0" rtl="0" algn="l">
+            <a:lvl6pPr indent="174017" lvl="5" marL="2681705" marR="0" rtl="0" algn="l">
               <a:lnSpc>
                 <a:spcPct val="120000"/>
               </a:lnSpc>
@@ -14381,7 +14381,7 @@
                 <a:sym typeface="Gill Sans"/>
               </a:defRPr>
             </a:lvl6pPr>
-            <a:lvl7pPr indent="-54582" lvl="6" marL="3113505" marR="0" rtl="0" algn="l">
+            <a:lvl7pPr indent="174016" lvl="6" marL="3113505" marR="0" rtl="0" algn="l">
               <a:lnSpc>
                 <a:spcPct val="120000"/>
               </a:lnSpc>
@@ -14407,7 +14407,7 @@
                 <a:sym typeface="Gill Sans"/>
               </a:defRPr>
             </a:lvl7pPr>
-            <a:lvl8pPr indent="-54583" lvl="7" marL="3545305" marR="0" rtl="0" algn="l">
+            <a:lvl8pPr indent="174016" lvl="7" marL="3545305" marR="0" rtl="0" algn="l">
               <a:lnSpc>
                 <a:spcPct val="120000"/>
               </a:lnSpc>
@@ -14433,7 +14433,7 @@
                 <a:sym typeface="Gill Sans"/>
               </a:defRPr>
             </a:lvl8pPr>
-            <a:lvl9pPr indent="-54583" lvl="8" marL="3977105" marR="0" rtl="0" algn="l">
+            <a:lvl9pPr indent="174016" lvl="8" marL="3977105" marR="0" rtl="0" algn="l">
               <a:lnSpc>
                 <a:spcPct val="120000"/>
               </a:lnSpc>
@@ -15293,7 +15293,7 @@
         <p:spPr>
           <a:xfrm>
             <a:off x="355600" y="254000"/>
-            <a:ext cx="12293699" cy="2438399"/>
+            <a:ext cx="12293698" cy="2438399"/>
           </a:xfrm>
           <a:prstGeom prst="rect">
             <a:avLst/>
@@ -15349,7 +15349,7 @@
         </p:nvSpPr>
         <p:spPr>
           <a:xfrm>
-            <a:off x="944362" y="2485502"/>
+            <a:off x="944362" y="2485501"/>
             <a:ext cx="11116199" cy="4782600"/>
           </a:xfrm>
           <a:prstGeom prst="rect">
@@ -15357,7 +15357,7 @@
           </a:prstGeom>
           <a:solidFill>
             <a:srgbClr val="878F9D">
-              <a:alpha val="49411"/>
+              <a:alpha val="49019"/>
             </a:srgbClr>
           </a:solidFill>
           <a:ln>
@@ -15975,14 +15975,14 @@
         <p:spPr>
           <a:xfrm>
             <a:off x="1119350" y="2572400"/>
-            <a:ext cx="10766100" cy="5200199"/>
+            <a:ext cx="10766100" cy="5200198"/>
           </a:xfrm>
           <a:prstGeom prst="rect">
             <a:avLst/>
           </a:prstGeom>
           <a:solidFill>
             <a:srgbClr val="878F9D">
-              <a:alpha val="49411"/>
+              <a:alpha val="49019"/>
             </a:srgbClr>
           </a:solidFill>
           <a:ln>
@@ -16522,7 +16522,7 @@
               <a:buClr>
                 <a:srgbClr val="535353"/>
               </a:buClr>
-              <a:buSzPct val="98161"/>
+              <a:buSzPct val="97254"/>
               <a:buFont typeface="Gill Sans"/>
               <a:buChar char="•"/>
             </a:pPr>
@@ -16553,7 +16553,7 @@
               <a:buClr>
                 <a:srgbClr val="535353"/>
               </a:buClr>
-              <a:buSzPct val="98161"/>
+              <a:buSzPct val="97254"/>
               <a:buFont typeface="Gill Sans"/>
               <a:buChar char="•"/>
             </a:pPr>
@@ -16584,7 +16584,7 @@
               <a:buClr>
                 <a:srgbClr val="535353"/>
               </a:buClr>
-              <a:buSzPct val="98161"/>
+              <a:buSzPct val="97254"/>
               <a:buFont typeface="Gill Sans"/>
               <a:buChar char="•"/>
             </a:pPr>
@@ -16615,7 +16615,7 @@
               <a:buClr>
                 <a:srgbClr val="535353"/>
               </a:buClr>
-              <a:buSzPct val="98161"/>
+              <a:buSzPct val="97254"/>
               <a:buFont typeface="Gill Sans"/>
               <a:buChar char="•"/>
             </a:pPr>
@@ -16646,7 +16646,7 @@
               <a:buClr>
                 <a:srgbClr val="535353"/>
               </a:buClr>
-              <a:buSzPct val="98161"/>
+              <a:buSzPct val="97254"/>
               <a:buFont typeface="Gill Sans"/>
               <a:buChar char="•"/>
             </a:pPr>
@@ -16677,7 +16677,7 @@
               <a:buClr>
                 <a:srgbClr val="535353"/>
               </a:buClr>
-              <a:buSzPct val="98161"/>
+              <a:buSzPct val="97254"/>
               <a:buFont typeface="Gill Sans"/>
               <a:buChar char="•"/>
             </a:pPr>
@@ -16708,7 +16708,7 @@
               <a:buClr>
                 <a:srgbClr val="535353"/>
               </a:buClr>
-              <a:buSzPct val="98161"/>
+              <a:buSzPct val="97254"/>
               <a:buFont typeface="Gill Sans"/>
               <a:buChar char="•"/>
             </a:pPr>
@@ -16739,7 +16739,7 @@
               <a:buClr>
                 <a:srgbClr val="535353"/>
               </a:buClr>
-              <a:buSzPct val="98161"/>
+              <a:buSzPct val="97254"/>
               <a:buFont typeface="Gill Sans"/>
               <a:buChar char="•"/>
             </a:pPr>
@@ -17286,7 +17286,7 @@
         <p:spPr>
           <a:xfrm>
             <a:off x="355600" y="254000"/>
-            <a:ext cx="12293699" cy="2438399"/>
+            <a:ext cx="12293698" cy="2438399"/>
           </a:xfrm>
           <a:prstGeom prst="rect">
             <a:avLst/>
@@ -17350,7 +17350,7 @@
           </a:prstGeom>
           <a:solidFill>
             <a:srgbClr val="878F9D">
-              <a:alpha val="49411"/>
+              <a:alpha val="49019"/>
             </a:srgbClr>
           </a:solidFill>
           <a:ln>
@@ -17750,14 +17750,14 @@
         <p:spPr>
           <a:xfrm>
             <a:off x="1119361" y="3634853"/>
-            <a:ext cx="10766077" cy="3068090"/>
+            <a:ext cx="10766077" cy="3068089"/>
           </a:xfrm>
           <a:prstGeom prst="rect">
             <a:avLst/>
           </a:prstGeom>
           <a:solidFill>
             <a:srgbClr val="878F9D">
-              <a:alpha val="49411"/>
+              <a:alpha val="49019"/>
             </a:srgbClr>
           </a:solidFill>
           <a:ln>
@@ -18242,7 +18242,7 @@
         </p:nvSpPr>
         <p:spPr>
           <a:xfrm>
-            <a:off x="1270000" y="2206485"/>
+            <a:off x="1270000" y="2206484"/>
             <a:ext cx="10464900" cy="6460500"/>
           </a:xfrm>
           <a:prstGeom prst="rect">
@@ -18632,7 +18632,7 @@
               <a:buClr>
                 <a:srgbClr val="535353"/>
               </a:buClr>
-              <a:buSzPct val="83027"/>
+              <a:buSzPct val="83545"/>
               <a:buFont typeface="Gill Sans"/>
               <a:buChar char="•"/>
             </a:pPr>
@@ -18663,7 +18663,7 @@
               <a:buClr>
                 <a:srgbClr val="535353"/>
               </a:buClr>
-              <a:buSzPct val="83027"/>
+              <a:buSzPct val="83545"/>
               <a:buFont typeface="Gill Sans"/>
               <a:buChar char="•"/>
             </a:pPr>
@@ -18694,7 +18694,7 @@
               <a:buClr>
                 <a:srgbClr val="535353"/>
               </a:buClr>
-              <a:buSzPct val="83027"/>
+              <a:buSzPct val="83545"/>
               <a:buFont typeface="Gill Sans"/>
               <a:buChar char="•"/>
             </a:pPr>
@@ -18725,7 +18725,7 @@
               <a:buClr>
                 <a:srgbClr val="535353"/>
               </a:buClr>
-              <a:buSzPct val="83027"/>
+              <a:buSzPct val="83545"/>
               <a:buFont typeface="Gill Sans"/>
               <a:buChar char="•"/>
             </a:pPr>
@@ -18756,7 +18756,7 @@
               <a:buClr>
                 <a:srgbClr val="535353"/>
               </a:buClr>
-              <a:buSzPct val="83027"/>
+              <a:buSzPct val="83545"/>
               <a:buFont typeface="Gill Sans"/>
               <a:buChar char="•"/>
             </a:pPr>
@@ -18787,7 +18787,7 @@
               <a:buClr>
                 <a:srgbClr val="535353"/>
               </a:buClr>
-              <a:buSzPct val="83027"/>
+              <a:buSzPct val="83545"/>
               <a:buFont typeface="Gill Sans"/>
               <a:buChar char="•"/>
             </a:pPr>
@@ -18931,7 +18931,7 @@
         </p:nvSpPr>
         <p:spPr>
           <a:xfrm>
-            <a:off x="355600" y="2961859"/>
+            <a:off x="355600" y="2961858"/>
             <a:ext cx="12293599" cy="5643617"/>
           </a:xfrm>
           <a:prstGeom prst="rect">
@@ -18992,7 +18992,7 @@
               <a:buClr>
                 <a:srgbClr val="535353"/>
               </a:buClr>
-              <a:buSzPct val="82378"/>
+              <a:buSzPct val="82568"/>
               <a:buFont typeface="Gill Sans"/>
               <a:buChar char="•"/>
             </a:pPr>
@@ -19054,7 +19054,7 @@
               <a:buClr>
                 <a:srgbClr val="535353"/>
               </a:buClr>
-              <a:buSzPct val="82378"/>
+              <a:buSzPct val="82568"/>
               <a:buFont typeface="Gill Sans"/>
               <a:buChar char="•"/>
             </a:pPr>
@@ -19144,14 +19144,14 @@
         <p:spPr>
           <a:xfrm>
             <a:off x="914399" y="4550073"/>
-            <a:ext cx="10343321" cy="1118253"/>
+            <a:ext cx="10343321" cy="1118252"/>
           </a:xfrm>
           <a:prstGeom prst="rect">
             <a:avLst/>
           </a:prstGeom>
           <a:solidFill>
             <a:srgbClr val="9CA5B3">
-              <a:alpha val="49411"/>
+              <a:alpha val="49019"/>
             </a:srgbClr>
           </a:solidFill>
           <a:ln>
@@ -19266,14 +19266,14 @@
         <p:spPr>
           <a:xfrm>
             <a:off x="914399" y="7388807"/>
-            <a:ext cx="10343321" cy="1118253"/>
+            <a:ext cx="10343321" cy="1118252"/>
           </a:xfrm>
           <a:prstGeom prst="rect">
             <a:avLst/>
           </a:prstGeom>
           <a:solidFill>
             <a:srgbClr val="9CA5B3">
-              <a:alpha val="49411"/>
+              <a:alpha val="49019"/>
             </a:srgbClr>
           </a:solidFill>
           <a:ln>
@@ -19569,7 +19569,7 @@
           </a:prstGeom>
           <a:solidFill>
             <a:srgbClr val="9CA5B3">
-              <a:alpha val="49411"/>
+              <a:alpha val="49019"/>
             </a:srgbClr>
           </a:solidFill>
           <a:ln>
@@ -19860,7 +19860,7 @@
               <a:buClr>
                 <a:srgbClr val="535353"/>
               </a:buClr>
-              <a:buSzPct val="82378"/>
+              <a:buSzPct val="82568"/>
               <a:buFont typeface="Gill Sans"/>
               <a:buChar char="•"/>
             </a:pPr>
@@ -19891,7 +19891,7 @@
               <a:buClr>
                 <a:srgbClr val="535353"/>
               </a:buClr>
-              <a:buSzPct val="82378"/>
+              <a:buSzPct val="82568"/>
               <a:buFont typeface="Gill Sans"/>
               <a:buChar char="•"/>
             </a:pPr>
@@ -19984,7 +19984,7 @@
               <a:buClr>
                 <a:srgbClr val="535353"/>
               </a:buClr>
-              <a:buSzPct val="82378"/>
+              <a:buSzPct val="82568"/>
               <a:buFont typeface="Gill Sans"/>
               <a:buChar char="•"/>
             </a:pPr>
@@ -20050,7 +20050,7 @@
           </a:prstGeom>
           <a:solidFill>
             <a:srgbClr val="9CA5B3">
-              <a:alpha val="49411"/>
+              <a:alpha val="49019"/>
             </a:srgbClr>
           </a:solidFill>
           <a:ln>
@@ -20439,10 +20439,6 @@
               <a:buChar char="•"/>
             </a:pPr>
             <a:r>
-              <a:rPr lang="en-US" sz="3600"/>
-              <a:t>It </a:t>
-            </a:r>
-            <a:r>
               <a:rPr b="0" i="0" lang="en-US" sz="3600" u="none" cap="none" strike="noStrike">
                 <a:solidFill>
                   <a:srgbClr val="535353"/>
@@ -20452,7 +20448,7 @@
                 <a:cs typeface="Gill Sans"/>
                 <a:sym typeface="Gill Sans"/>
               </a:rPr>
-              <a:t>will return http://www.youtube.com and set the value to http://www.google.com.  </a:t>
+              <a:t>It will return http://www.youtube.com and set the value to http://www.google.com.  </a:t>
             </a:r>
           </a:p>
         </p:txBody>
@@ -20473,7 +20469,7 @@
           </a:prstGeom>
           <a:solidFill>
             <a:srgbClr val="9CA5B3">
-              <a:alpha val="49411"/>
+              <a:alpha val="49019"/>
             </a:srgbClr>
           </a:solidFill>
           <a:ln>
@@ -20764,7 +20760,7 @@
               <a:buClr>
                 <a:srgbClr val="535353"/>
               </a:buClr>
-              <a:buSzPct val="83027"/>
+              <a:buSzPct val="83545"/>
               <a:buFont typeface="Gill Sans"/>
               <a:buChar char="•"/>
             </a:pPr>
@@ -20795,7 +20791,7 @@
               <a:buClr>
                 <a:srgbClr val="535353"/>
               </a:buClr>
-              <a:buSzPct val="83027"/>
+              <a:buSzPct val="83545"/>
               <a:buFont typeface="Gill Sans"/>
               <a:buChar char="•"/>
             </a:pPr>
@@ -20837,7 +20833,7 @@
               <a:buClr>
                 <a:srgbClr val="535353"/>
               </a:buClr>
-              <a:buSzPct val="83027"/>
+              <a:buSzPct val="83545"/>
               <a:buFont typeface="Gill Sans"/>
               <a:buChar char="•"/>
             </a:pPr>
@@ -20879,7 +20875,7 @@
               <a:buClr>
                 <a:srgbClr val="535353"/>
               </a:buClr>
-              <a:buSzPct val="83027"/>
+              <a:buSzPct val="83545"/>
               <a:buFont typeface="Gill Sans"/>
               <a:buChar char="•"/>
             </a:pPr>
@@ -20921,7 +20917,7 @@
               <a:buClr>
                 <a:srgbClr val="535353"/>
               </a:buClr>
-              <a:buSzPct val="83027"/>
+              <a:buSzPct val="83545"/>
               <a:buFont typeface="Gill Sans"/>
               <a:buChar char="•"/>
             </a:pPr>
@@ -21161,7 +21157,7 @@
           </a:prstGeom>
           <a:solidFill>
             <a:srgbClr val="9CA5B3">
-              <a:alpha val="49411"/>
+              <a:alpha val="49019"/>
             </a:srgbClr>
           </a:solidFill>
           <a:ln>
@@ -21699,7 +21695,7 @@
           </a:prstGeom>
           <a:solidFill>
             <a:srgbClr val="9CA5B3">
-              <a:alpha val="49411"/>
+              <a:alpha val="49019"/>
             </a:srgbClr>
           </a:solidFill>
           <a:ln>
@@ -22089,7 +22085,7 @@
           </a:prstGeom>
           <a:solidFill>
             <a:srgbClr val="9CA5B3">
-              <a:alpha val="49411"/>
+              <a:alpha val="49019"/>
             </a:srgbClr>
           </a:solidFill>
           <a:ln>
@@ -22242,7 +22238,7 @@
           </a:prstGeom>
           <a:solidFill>
             <a:srgbClr val="9CA5B3">
-              <a:alpha val="49411"/>
+              <a:alpha val="49019"/>
             </a:srgbClr>
           </a:solidFill>
           <a:ln>
@@ -22411,7 +22407,7 @@
               <a:buClr>
                 <a:srgbClr val="535353"/>
               </a:buClr>
-              <a:buSzPct val="80291"/>
+              <a:buSzPct val="79450"/>
               <a:buFont typeface="Gill Sans"/>
               <a:buChar char="•"/>
             </a:pPr>
@@ -22442,7 +22438,7 @@
               <a:buClr>
                 <a:srgbClr val="535353"/>
               </a:buClr>
-              <a:buSzPct val="80291"/>
+              <a:buSzPct val="79450"/>
               <a:buFont typeface="Gill Sans"/>
               <a:buChar char="•"/>
             </a:pPr>
@@ -22473,7 +22469,7 @@
               <a:buClr>
                 <a:srgbClr val="535353"/>
               </a:buClr>
-              <a:buSzPct val="80291"/>
+              <a:buSzPct val="79450"/>
               <a:buFont typeface="Gill Sans"/>
               <a:buChar char="•"/>
             </a:pPr>
@@ -22805,7 +22801,7 @@
           </a:prstGeom>
           <a:solidFill>
             <a:srgbClr val="9CA5B3">
-              <a:alpha val="49411"/>
+              <a:alpha val="49019"/>
             </a:srgbClr>
           </a:solidFill>
           <a:ln>
@@ -23056,14 +23052,14 @@
         <p:spPr>
           <a:xfrm>
             <a:off x="775252" y="6977167"/>
-            <a:ext cx="10343321" cy="1118253"/>
+            <a:ext cx="10343321" cy="1118252"/>
           </a:xfrm>
           <a:prstGeom prst="rect">
             <a:avLst/>
           </a:prstGeom>
           <a:solidFill>
             <a:srgbClr val="9CA5B3">
-              <a:alpha val="49411"/>
+              <a:alpha val="49019"/>
             </a:srgbClr>
           </a:solidFill>
           <a:ln>
@@ -23383,14 +23379,14 @@
         <p:spPr>
           <a:xfrm>
             <a:off x="815010" y="4952171"/>
-            <a:ext cx="10343321" cy="1118253"/>
+            <a:ext cx="10343321" cy="1118252"/>
           </a:xfrm>
           <a:prstGeom prst="rect">
             <a:avLst/>
           </a:prstGeom>
           <a:solidFill>
             <a:srgbClr val="9CA5B3">
-              <a:alpha val="49411"/>
+              <a:alpha val="49019"/>
             </a:srgbClr>
           </a:solidFill>
           <a:ln>
@@ -23770,7 +23766,7 @@
           </a:prstGeom>
           <a:solidFill>
             <a:srgbClr val="878F9D">
-              <a:alpha val="49411"/>
+              <a:alpha val="49019"/>
             </a:srgbClr>
           </a:solidFill>
           <a:ln>
@@ -24061,7 +24057,7 @@
               <a:buClr>
                 <a:srgbClr val="535353"/>
               </a:buClr>
-              <a:buSzPct val="82852"/>
+              <a:buSzPct val="83281"/>
               <a:buFont typeface="Gill Sans"/>
               <a:buChar char="•"/>
             </a:pPr>
@@ -24092,7 +24088,7 @@
               <a:buClr>
                 <a:srgbClr val="535353"/>
               </a:buClr>
-              <a:buSzPct val="82852"/>
+              <a:buSzPct val="83281"/>
               <a:buFont typeface="Gill Sans"/>
               <a:buChar char="•"/>
             </a:pPr>
@@ -24123,7 +24119,7 @@
               <a:buClr>
                 <a:srgbClr val="535353"/>
               </a:buClr>
-              <a:buSzPct val="82852"/>
+              <a:buSzPct val="83281"/>
               <a:buFont typeface="Gill Sans"/>
               <a:buChar char="•"/>
             </a:pPr>
@@ -24154,7 +24150,7 @@
               <a:buClr>
                 <a:srgbClr val="535353"/>
               </a:buClr>
-              <a:buSzPct val="82852"/>
+              <a:buSzPct val="83281"/>
               <a:buFont typeface="Gill Sans"/>
               <a:buChar char="•"/>
             </a:pPr>
@@ -24185,7 +24181,7 @@
               <a:buClr>
                 <a:srgbClr val="535353"/>
               </a:buClr>
-              <a:buSzPct val="82852"/>
+              <a:buSzPct val="83281"/>
               <a:buFont typeface="Gill Sans"/>
               <a:buChar char="•"/>
             </a:pPr>
@@ -24216,7 +24212,7 @@
               <a:buClr>
                 <a:srgbClr val="535353"/>
               </a:buClr>
-              <a:buSzPct val="82852"/>
+              <a:buSzPct val="83281"/>
               <a:buFont typeface="Gill Sans"/>
               <a:buChar char="•"/>
             </a:pPr>
@@ -24247,7 +24243,7 @@
               <a:buClr>
                 <a:srgbClr val="535353"/>
               </a:buClr>
-              <a:buSzPct val="82852"/>
+              <a:buSzPct val="83281"/>
               <a:buFont typeface="Gill Sans"/>
               <a:buChar char="•"/>
             </a:pPr>
@@ -24278,7 +24274,7 @@
               <a:buClr>
                 <a:srgbClr val="535353"/>
               </a:buClr>
-              <a:buSzPct val="82852"/>
+              <a:buSzPct val="83281"/>
               <a:buFont typeface="Gill Sans"/>
               <a:buChar char="•"/>
             </a:pPr>
@@ -24408,42 +24404,199 @@
           </a:bodyPr>
           <a:lstStyle/>
           <a:p>
-            <a:pPr indent="-520700" lvl="0" marL="520700" marR="0" rtl="0" algn="l">
+            <a:pPr indent="-69850" lvl="0" marL="0" rtl="0">
               <a:lnSpc>
                 <a:spcPct val="120000"/>
               </a:lnSpc>
               <a:spcBef>
                 <a:spcPts val="0"/>
               </a:spcBef>
-              <a:spcAft>
-                <a:spcPts val="0"/>
-              </a:spcAft>
-              <a:buClr>
-                <a:srgbClr val="535353"/>
-              </a:buClr>
-              <a:buSzPct val="82000"/>
-              <a:buFont typeface="Gill Sans"/>
-              <a:buChar char="•"/>
-            </a:pPr>
-            <a:r>
-              <a:rPr b="0" i="0" lang="en-US" sz="4600" u="none" cap="none" strike="noStrike">
-                <a:solidFill>
-                  <a:srgbClr val="535353"/>
-                </a:solidFill>
-                <a:latin typeface="Gill Sans"/>
-                <a:ea typeface="Gill Sans"/>
-                <a:cs typeface="Gill Sans"/>
-                <a:sym typeface="Gill Sans"/>
+              <a:buClr>
+                <a:srgbClr val="000000"/>
+              </a:buClr>
+              <a:buSzPct val="28947"/>
+              <a:buFont typeface="Arial"/>
+              <a:buNone/>
+            </a:pPr>
+            <a:r>
+              <a:rPr lang="en-US" sz="3750">
+                <a:solidFill>
+                  <a:srgbClr val="000000"/>
+                </a:solidFill>
+                <a:latin typeface="Arial"/>
+                <a:ea typeface="Arial"/>
+                <a:cs typeface="Arial"/>
+                <a:sym typeface="Arial"/>
               </a:rPr>
-              <a:t>What is Event Propagation </a:t>
-            </a:r>
-          </a:p>
-          <a:p>
-            <a:pPr indent="-520700" lvl="0" marL="520700" marR="0" rtl="0" algn="l">
+              <a:t>•</a:t>
+            </a:r>
+            <a:r>
+              <a:rPr lang="en-US">
+                <a:solidFill>
+                  <a:schemeClr val="dk1"/>
+                </a:solidFill>
+                <a:latin typeface="Arial"/>
+                <a:ea typeface="Arial"/>
+                <a:cs typeface="Arial"/>
+                <a:sym typeface="Arial"/>
+              </a:rPr>
+              <a:t>preventDefault() method</a:t>
+            </a:r>
+          </a:p>
+          <a:p>
+            <a:pPr indent="387350" lvl="0" marL="0" rtl="0">
               <a:lnSpc>
                 <a:spcPct val="120000"/>
               </a:lnSpc>
               <a:spcBef>
+                <a:spcPts val="0"/>
+              </a:spcBef>
+              <a:buClr>
+                <a:srgbClr val="000000"/>
+              </a:buClr>
+              <a:buSzPct val="33333"/>
+              <a:buFont typeface="Arial"/>
+              <a:buNone/>
+            </a:pPr>
+            <a:r>
+              <a:rPr lang="en-US" sz="3300">
+                <a:solidFill>
+                  <a:srgbClr val="000000"/>
+                </a:solidFill>
+                <a:latin typeface="Arial"/>
+                <a:ea typeface="Arial"/>
+                <a:cs typeface="Arial"/>
+                <a:sym typeface="Arial"/>
+              </a:rPr>
+              <a:t>•</a:t>
+            </a:r>
+            <a:r>
+              <a:rPr lang="en-US" sz="4000">
+                <a:solidFill>
+                  <a:schemeClr val="dk1"/>
+                </a:solidFill>
+                <a:latin typeface="Arial"/>
+                <a:ea typeface="Arial"/>
+                <a:cs typeface="Arial"/>
+                <a:sym typeface="Arial"/>
+              </a:rPr>
+              <a:t>preventDefault() stops the default action</a:t>
+            </a:r>
+          </a:p>
+          <a:p>
+            <a:pPr indent="-69850" lvl="0" marL="0" rtl="0">
+              <a:lnSpc>
+                <a:spcPct val="120000"/>
+              </a:lnSpc>
+              <a:spcBef>
+                <a:spcPts val="0"/>
+              </a:spcBef>
+              <a:buClr>
+                <a:srgbClr val="000000"/>
+              </a:buClr>
+              <a:buSzPct val="27500"/>
+              <a:buFont typeface="Arial"/>
+              <a:buNone/>
+            </a:pPr>
+            <a:r>
+              <a:t/>
+            </a:r>
+            <a:endParaRPr sz="4000">
+              <a:solidFill>
+                <a:schemeClr val="dk1"/>
+              </a:solidFill>
+              <a:latin typeface="Arial"/>
+              <a:ea typeface="Arial"/>
+              <a:cs typeface="Arial"/>
+              <a:sym typeface="Arial"/>
+            </a:endParaRPr>
+          </a:p>
+          <a:p>
+            <a:pPr indent="-69850" lvl="0" marL="0" rtl="0">
+              <a:lnSpc>
+                <a:spcPct val="120000"/>
+              </a:lnSpc>
+              <a:spcBef>
+                <a:spcPts val="0"/>
+              </a:spcBef>
+              <a:buClr>
+                <a:srgbClr val="000000"/>
+              </a:buClr>
+              <a:buSzPct val="28947"/>
+              <a:buFont typeface="Arial"/>
+              <a:buNone/>
+            </a:pPr>
+            <a:r>
+              <a:rPr lang="en-US" sz="3750">
+                <a:solidFill>
+                  <a:srgbClr val="000000"/>
+                </a:solidFill>
+                <a:latin typeface="Arial"/>
+                <a:ea typeface="Arial"/>
+                <a:cs typeface="Arial"/>
+                <a:sym typeface="Arial"/>
+              </a:rPr>
+              <a:t>•</a:t>
+            </a:r>
+            <a:r>
+              <a:rPr lang="en-US">
+                <a:solidFill>
+                  <a:schemeClr val="dk1"/>
+                </a:solidFill>
+                <a:latin typeface="Arial"/>
+                <a:ea typeface="Arial"/>
+                <a:cs typeface="Arial"/>
+                <a:sym typeface="Arial"/>
+              </a:rPr>
+              <a:t>stopPropagation() method</a:t>
+            </a:r>
+          </a:p>
+          <a:p>
+            <a:pPr indent="387350" lvl="0" marL="0" rtl="0">
+              <a:lnSpc>
+                <a:spcPct val="120000"/>
+              </a:lnSpc>
+              <a:spcBef>
+                <a:spcPts val="0"/>
+              </a:spcBef>
+              <a:buClr>
+                <a:srgbClr val="000000"/>
+              </a:buClr>
+              <a:buSzPct val="36666"/>
+              <a:buFont typeface="Arial"/>
+              <a:buNone/>
+            </a:pPr>
+            <a:r>
+              <a:rPr lang="en-US" sz="2950">
+                <a:solidFill>
+                  <a:srgbClr val="000000"/>
+                </a:solidFill>
+                <a:latin typeface="Arial"/>
+                <a:ea typeface="Arial"/>
+                <a:cs typeface="Arial"/>
+                <a:sym typeface="Arial"/>
+              </a:rPr>
+              <a:t>•</a:t>
+            </a:r>
+            <a:r>
+              <a:rPr lang="en-US" sz="3600">
+                <a:solidFill>
+                  <a:schemeClr val="dk1"/>
+                </a:solidFill>
+                <a:latin typeface="Arial"/>
+                <a:ea typeface="Arial"/>
+                <a:cs typeface="Arial"/>
+                <a:sym typeface="Arial"/>
+              </a:rPr>
+              <a:t>stopPropagation() stops the event bubbling</a:t>
+            </a:r>
+          </a:p>
+          <a:p>
+            <a:pPr indent="0" lvl="0" marL="0" marR="0" rtl="0" algn="l">
+              <a:lnSpc>
+                <a:spcPct val="120000"/>
+              </a:lnSpc>
+              <a:spcBef>
                 <a:spcPts val="4600"/>
               </a:spcBef>
               <a:spcAft>
@@ -24452,37 +24605,6 @@
               <a:buClr>
                 <a:srgbClr val="535353"/>
               </a:buClr>
-              <a:buSzPct val="82000"/>
-              <a:buFont typeface="Gill Sans"/>
-              <a:buChar char="•"/>
-            </a:pPr>
-            <a:r>
-              <a:rPr b="0" i="0" lang="en-US" sz="4600" u="none" cap="none" strike="noStrike">
-                <a:solidFill>
-                  <a:srgbClr val="535353"/>
-                </a:solidFill>
-                <a:latin typeface="Gill Sans"/>
-                <a:ea typeface="Gill Sans"/>
-                <a:cs typeface="Gill Sans"/>
-                <a:sym typeface="Gill Sans"/>
-              </a:rPr>
-              <a:t>preventDefault() method vs stopPropagation() method (example)</a:t>
-            </a:r>
-          </a:p>
-          <a:p>
-            <a:pPr indent="0" lvl="0" marL="0" marR="0" rtl="0" algn="l">
-              <a:lnSpc>
-                <a:spcPct val="120000"/>
-              </a:lnSpc>
-              <a:spcBef>
-                <a:spcPts val="4600"/>
-              </a:spcBef>
-              <a:spcAft>
-                <a:spcPts val="0"/>
-              </a:spcAft>
-              <a:buClr>
-                <a:srgbClr val="535353"/>
-              </a:buClr>
               <a:buSzPct val="25000"/>
               <a:buFont typeface="Gill Sans"/>
               <a:buNone/>
@@ -24490,15 +24612,7 @@
             <a:r>
               <a:t/>
             </a:r>
-            <a:endParaRPr b="0" i="0" sz="4600" u="none" cap="none" strike="noStrike">
-              <a:solidFill>
-                <a:srgbClr val="535353"/>
-              </a:solidFill>
-              <a:latin typeface="Gill Sans"/>
-              <a:ea typeface="Gill Sans"/>
-              <a:cs typeface="Gill Sans"/>
-              <a:sym typeface="Gill Sans"/>
-            </a:endParaRPr>
+            <a:endParaRPr/>
           </a:p>
         </p:txBody>
       </p:sp>
@@ -24613,63 +24727,41 @@
           </a:bodyPr>
           <a:lstStyle/>
           <a:p>
-            <a:pPr indent="-421766" lvl="0" marL="421766" marR="0" rtl="0" algn="l">
+            <a:pPr indent="-421766" lvl="0" marL="421765" rtl="0">
               <a:lnSpc>
                 <a:spcPct val="120000"/>
               </a:lnSpc>
               <a:spcBef>
                 <a:spcPts val="0"/>
               </a:spcBef>
-              <a:spcAft>
-                <a:spcPts val="0"/>
-              </a:spcAft>
-              <a:buClr>
-                <a:srgbClr val="535353"/>
-              </a:buClr>
-              <a:buSzPct val="83111"/>
+              <a:buClr>
+                <a:srgbClr val="535353"/>
+              </a:buClr>
+              <a:buSzPct val="103196"/>
               <a:buFont typeface="Gill Sans"/>
               <a:buChar char="•"/>
             </a:pPr>
             <a:r>
-              <a:rPr b="0" i="0" lang="en-US" sz="3725" u="none" cap="none" strike="noStrike">
-                <a:solidFill>
-                  <a:srgbClr val="535353"/>
-                </a:solidFill>
-                <a:latin typeface="Gill Sans"/>
-                <a:ea typeface="Gill Sans"/>
-                <a:cs typeface="Gill Sans"/>
-                <a:sym typeface="Gill Sans"/>
+              <a:rPr lang="en-US" sz="2950">
+                <a:solidFill>
+                  <a:srgbClr val="000000"/>
+                </a:solidFill>
+                <a:latin typeface="Arial"/>
+                <a:ea typeface="Arial"/>
+                <a:cs typeface="Arial"/>
+                <a:sym typeface="Arial"/>
               </a:rPr>
-              <a:t>The behavior of Event Delegation (Syntax) </a:t>
-            </a:r>
-          </a:p>
-          <a:p>
-            <a:pPr indent="-421766" lvl="0" marL="421766" marR="0" rtl="0" algn="l">
-              <a:lnSpc>
-                <a:spcPct val="120000"/>
-              </a:lnSpc>
-              <a:spcBef>
-                <a:spcPts val="3700"/>
-              </a:spcBef>
-              <a:spcAft>
-                <a:spcPts val="0"/>
-              </a:spcAft>
-              <a:buClr>
-                <a:srgbClr val="535353"/>
-              </a:buClr>
-              <a:buSzPct val="83111"/>
-              <a:buFont typeface="Gill Sans"/>
-              <a:buChar char="•"/>
-            </a:pPr>
-            <a:r>
-              <a:rPr b="0" i="0" lang="en-US" sz="3725" u="none" cap="none" strike="noStrike">
-                <a:solidFill>
-                  <a:srgbClr val="535353"/>
-                </a:solidFill>
-                <a:latin typeface="Gill Sans"/>
-                <a:ea typeface="Gill Sans"/>
-                <a:cs typeface="Gill Sans"/>
-                <a:sym typeface="Gill Sans"/>
+              <a:t>•</a:t>
+            </a:r>
+            <a:r>
+              <a:rPr lang="en-US" sz="3600">
+                <a:solidFill>
+                  <a:schemeClr val="dk1"/>
+                </a:solidFill>
+                <a:latin typeface="Arial"/>
+                <a:ea typeface="Arial"/>
+                <a:cs typeface="Arial"/>
+                <a:sym typeface="Arial"/>
               </a:rPr>
               <a:t>Why we need Event Delegation</a:t>
             </a:r>
@@ -24688,7 +24780,38 @@
               <a:buClr>
                 <a:srgbClr val="535353"/>
               </a:buClr>
-              <a:buSzPct val="83111"/>
+              <a:buSzPct val="110567"/>
+              <a:buFont typeface="Gill Sans"/>
+              <a:buChar char="•"/>
+            </a:pPr>
+            <a:r>
+              <a:rPr lang="en-US" sz="2800">
+                <a:solidFill>
+                  <a:schemeClr val="dk1"/>
+                </a:solidFill>
+                <a:latin typeface="Arial"/>
+                <a:ea typeface="Arial"/>
+                <a:cs typeface="Arial"/>
+                <a:sym typeface="Arial"/>
+              </a:rPr>
+              <a:t>attach the event handlers for specified elements from parent element</a:t>
+            </a:r>
+          </a:p>
+          <a:p>
+            <a:pPr indent="-421766" lvl="0" marL="421766" marR="0" rtl="0" algn="l">
+              <a:lnSpc>
+                <a:spcPct val="120000"/>
+              </a:lnSpc>
+              <a:spcBef>
+                <a:spcPts val="3700"/>
+              </a:spcBef>
+              <a:spcAft>
+                <a:spcPts val="0"/>
+              </a:spcAft>
+              <a:buClr>
+                <a:srgbClr val="535353"/>
+              </a:buClr>
+              <a:buSzPct val="83672"/>
               <a:buFont typeface="Gill Sans"/>
               <a:buChar char="•"/>
             </a:pPr>
@@ -24785,7 +24908,7 @@
           </a:prstGeom>
           <a:solidFill>
             <a:srgbClr val="878F9D">
-              <a:alpha val="49411"/>
+              <a:alpha val="49019"/>
             </a:srgbClr>
           </a:solidFill>
           <a:ln>
@@ -25033,6 +25156,46 @@
             </a:r>
           </a:p>
           <a:p>
+            <a:pPr lvl="2" rtl="0">
+              <a:lnSpc>
+                <a:spcPct val="120000"/>
+              </a:lnSpc>
+              <a:spcBef>
+                <a:spcPts val="0"/>
+              </a:spcBef>
+            </a:pPr>
+            <a:r>
+              <a:rPr lang="en-US">
+                <a:solidFill>
+                  <a:schemeClr val="dk1"/>
+                </a:solidFill>
+                <a:latin typeface="Arial"/>
+                <a:ea typeface="Arial"/>
+                <a:cs typeface="Arial"/>
+                <a:sym typeface="Arial"/>
+              </a:rPr>
+              <a:t> triggerHandler() can not trigger the default behavior of the event</a:t>
+            </a:r>
+          </a:p>
+          <a:p>
+            <a:pPr indent="0" lvl="0" marL="457200" marR="0" rtl="0" algn="l">
+              <a:lnSpc>
+                <a:spcPct val="120000"/>
+              </a:lnSpc>
+              <a:spcBef>
+                <a:spcPts val="0"/>
+              </a:spcBef>
+              <a:spcAft>
+                <a:spcPts val="0"/>
+              </a:spcAft>
+              <a:buNone/>
+            </a:pPr>
+            <a:r>
+              <a:t/>
+            </a:r>
+            <a:endParaRPr/>
+          </a:p>
+          <a:p>
             <a:pPr indent="0" lvl="0" marL="0" marR="0" rtl="0" algn="l">
               <a:lnSpc>
                 <a:spcPct val="120000"/>
@@ -25243,7 +25406,7 @@
         </p:nvSpPr>
         <p:spPr>
           <a:xfrm>
-            <a:off x="1270000" y="2206485"/>
+            <a:off x="1270000" y="2206484"/>
             <a:ext cx="10464800" cy="6460435"/>
           </a:xfrm>
           <a:prstGeom prst="rect">
@@ -25541,7 +25704,7 @@
         </p:nvSpPr>
         <p:spPr>
           <a:xfrm>
-            <a:off x="355600" y="2739542"/>
+            <a:off x="355600" y="2739541"/>
             <a:ext cx="12293599" cy="858212"/>
           </a:xfrm>
           <a:prstGeom prst="rect">
@@ -25571,7 +25734,7 @@
               <a:buClr>
                 <a:srgbClr val="535353"/>
               </a:buClr>
-              <a:buSzPct val="80291"/>
+              <a:buSzPct val="79450"/>
               <a:buFont typeface="Gill Sans"/>
               <a:buChar char="•"/>
             </a:pPr>
@@ -26239,16 +26402,34 @@
           </a:bodyPr>
           <a:lstStyle/>
           <a:p>
-            <a:pPr lvl="0">
-              <a:spcBef>
-                <a:spcPts val="0"/>
-              </a:spcBef>
+            <a:pPr indent="0" lvl="0" marL="0" marR="0" rtl="0" algn="l">
+              <a:lnSpc>
+                <a:spcPct val="100000"/>
+              </a:lnSpc>
+              <a:spcBef>
+                <a:spcPts val="0"/>
+              </a:spcBef>
+              <a:spcAft>
+                <a:spcPts val="0"/>
+              </a:spcAft>
+              <a:buClr>
+                <a:srgbClr val="000000"/>
+              </a:buClr>
+              <a:buFont typeface="Arial"/>
               <a:buNone/>
             </a:pPr>
             <a:r>
               <a:t/>
             </a:r>
-            <a:endParaRPr/>
+            <a:endParaRPr b="0" i="0" sz="1400" u="none" cap="none" strike="noStrike">
+              <a:solidFill>
+                <a:srgbClr val="000000"/>
+              </a:solidFill>
+              <a:latin typeface="Arial"/>
+              <a:ea typeface="Arial"/>
+              <a:cs typeface="Arial"/>
+              <a:sym typeface="Arial"/>
+            </a:endParaRPr>
           </a:p>
         </p:txBody>
       </p:sp>
@@ -26268,7 +26449,7 @@
           </a:prstGeom>
           <a:solidFill>
             <a:srgbClr val="878F9D">
-              <a:alpha val="49411"/>
+              <a:alpha val="49019"/>
             </a:srgbClr>
           </a:solidFill>
           <a:ln>
@@ -27073,16 +27254,34 @@
           </a:bodyPr>
           <a:lstStyle/>
           <a:p>
-            <a:pPr lvl="0">
-              <a:spcBef>
-                <a:spcPts val="0"/>
-              </a:spcBef>
+            <a:pPr indent="0" lvl="0" marL="0" marR="0" rtl="0" algn="l">
+              <a:lnSpc>
+                <a:spcPct val="100000"/>
+              </a:lnSpc>
+              <a:spcBef>
+                <a:spcPts val="0"/>
+              </a:spcBef>
+              <a:spcAft>
+                <a:spcPts val="0"/>
+              </a:spcAft>
+              <a:buClr>
+                <a:srgbClr val="000000"/>
+              </a:buClr>
+              <a:buFont typeface="Arial"/>
               <a:buNone/>
             </a:pPr>
             <a:r>
               <a:t/>
             </a:r>
-            <a:endParaRPr/>
+            <a:endParaRPr b="0" i="0" sz="1400" u="none" cap="none" strike="noStrike">
+              <a:solidFill>
+                <a:srgbClr val="000000"/>
+              </a:solidFill>
+              <a:latin typeface="Arial"/>
+              <a:ea typeface="Arial"/>
+              <a:cs typeface="Arial"/>
+              <a:sym typeface="Arial"/>
+            </a:endParaRPr>
           </a:p>
         </p:txBody>
       </p:sp>
@@ -28995,16 +29194,34 @@
           </a:bodyPr>
           <a:lstStyle/>
           <a:p>
-            <a:pPr lvl="0">
-              <a:spcBef>
-                <a:spcPts val="0"/>
-              </a:spcBef>
+            <a:pPr indent="0" lvl="0" marL="0" marR="0" rtl="0" algn="l">
+              <a:lnSpc>
+                <a:spcPct val="100000"/>
+              </a:lnSpc>
+              <a:spcBef>
+                <a:spcPts val="0"/>
+              </a:spcBef>
+              <a:spcAft>
+                <a:spcPts val="0"/>
+              </a:spcAft>
+              <a:buClr>
+                <a:srgbClr val="000000"/>
+              </a:buClr>
+              <a:buFont typeface="Arial"/>
               <a:buNone/>
             </a:pPr>
             <a:r>
               <a:t/>
             </a:r>
-            <a:endParaRPr/>
+            <a:endParaRPr b="0" i="0" sz="1400" u="none" cap="none" strike="noStrike">
+              <a:solidFill>
+                <a:srgbClr val="000000"/>
+              </a:solidFill>
+              <a:latin typeface="Arial"/>
+              <a:ea typeface="Arial"/>
+              <a:cs typeface="Arial"/>
+              <a:sym typeface="Arial"/>
+            </a:endParaRPr>
           </a:p>
         </p:txBody>
       </p:sp>
@@ -29018,7 +29235,7 @@
         </p:nvSpPr>
         <p:spPr>
           <a:xfrm>
-            <a:off x="355600" y="2739542"/>
+            <a:off x="355600" y="2739541"/>
             <a:ext cx="12293599" cy="858212"/>
           </a:xfrm>
           <a:prstGeom prst="rect">
@@ -29048,7 +29265,7 @@
               <a:buClr>
                 <a:srgbClr val="535353"/>
               </a:buClr>
-              <a:buSzPct val="80291"/>
+              <a:buSzPct val="79450"/>
               <a:buFont typeface="Gill Sans"/>
               <a:buChar char="•"/>
             </a:pPr>
@@ -29083,7 +29300,7 @@
           </a:prstGeom>
           <a:solidFill>
             <a:srgbClr val="878F9D">
-              <a:alpha val="49411"/>
+              <a:alpha val="49019"/>
             </a:srgbClr>
           </a:solidFill>
           <a:ln>
@@ -29861,16 +30078,34 @@
           </a:bodyPr>
           <a:lstStyle/>
           <a:p>
-            <a:pPr lvl="0">
-              <a:spcBef>
-                <a:spcPts val="0"/>
-              </a:spcBef>
+            <a:pPr indent="0" lvl="0" marL="0" marR="0" rtl="0" algn="l">
+              <a:lnSpc>
+                <a:spcPct val="100000"/>
+              </a:lnSpc>
+              <a:spcBef>
+                <a:spcPts val="0"/>
+              </a:spcBef>
+              <a:spcAft>
+                <a:spcPts val="0"/>
+              </a:spcAft>
+              <a:buClr>
+                <a:srgbClr val="000000"/>
+              </a:buClr>
+              <a:buFont typeface="Arial"/>
               <a:buNone/>
             </a:pPr>
             <a:r>
               <a:t/>
             </a:r>
-            <a:endParaRPr/>
+            <a:endParaRPr b="0" i="0" sz="1400" u="none" cap="none" strike="noStrike">
+              <a:solidFill>
+                <a:srgbClr val="000000"/>
+              </a:solidFill>
+              <a:latin typeface="Arial"/>
+              <a:ea typeface="Arial"/>
+              <a:cs typeface="Arial"/>
+              <a:sym typeface="Arial"/>
+            </a:endParaRPr>
           </a:p>
         </p:txBody>
       </p:sp>
@@ -29938,7 +30173,7 @@
         </p:nvSpPr>
         <p:spPr>
           <a:xfrm>
-            <a:off x="355600" y="2739542"/>
+            <a:off x="355600" y="2739541"/>
             <a:ext cx="12293599" cy="858212"/>
           </a:xfrm>
           <a:prstGeom prst="rect">
@@ -29968,7 +30203,7 @@
               <a:buClr>
                 <a:srgbClr val="535353"/>
               </a:buClr>
-              <a:buSzPct val="80291"/>
+              <a:buSzPct val="79450"/>
               <a:buFont typeface="Gill Sans"/>
               <a:buChar char="•"/>
             </a:pPr>
@@ -30003,7 +30238,7 @@
           </a:prstGeom>
           <a:solidFill>
             <a:srgbClr val="878F9D">
-              <a:alpha val="49411"/>
+              <a:alpha val="49019"/>
             </a:srgbClr>
           </a:solidFill>
           <a:ln>
@@ -30147,7 +30382,7 @@
         </p:blipFill>
         <p:spPr>
           <a:xfrm>
-            <a:off x="2387600" y="2490667"/>
+            <a:off x="2387600" y="2490666"/>
             <a:ext cx="8229600" cy="2603501"/>
           </a:xfrm>
           <a:prstGeom prst="rect">
@@ -30285,7 +30520,7 @@
         </p:blipFill>
         <p:spPr>
           <a:xfrm>
-            <a:off x="1615923" y="2296877"/>
+            <a:off x="1615923" y="2296876"/>
             <a:ext cx="3835401" cy="4864099"/>
           </a:xfrm>
           <a:prstGeom prst="rect">
@@ -30312,7 +30547,7 @@
         </p:blipFill>
         <p:spPr>
           <a:xfrm>
-            <a:off x="7488296" y="2309577"/>
+            <a:off x="7488296" y="2309576"/>
             <a:ext cx="3327401" cy="4838701"/>
           </a:xfrm>
           <a:prstGeom prst="rect">
@@ -30340,7 +30575,7 @@
           </a:prstGeom>
           <a:solidFill>
             <a:srgbClr val="878F9D">
-              <a:alpha val="49411"/>
+              <a:alpha val="49019"/>
             </a:srgbClr>
           </a:solidFill>
           <a:ln>
@@ -30512,7 +30747,7 @@
           </a:prstGeom>
           <a:solidFill>
             <a:srgbClr val="878F9D">
-              <a:alpha val="49411"/>
+              <a:alpha val="49019"/>
             </a:srgbClr>
           </a:solidFill>
           <a:ln>
@@ -30688,7 +30923,7 @@
           </a:prstGeom>
           <a:solidFill>
             <a:srgbClr val="878F9D">
-              <a:alpha val="49411"/>
+              <a:alpha val="49019"/>
             </a:srgbClr>
           </a:solidFill>
           <a:ln>
@@ -31102,7 +31337,7 @@
               <a:buClr>
                 <a:srgbClr val="535353"/>
               </a:buClr>
-              <a:buSzPct val="83111"/>
+              <a:buSzPct val="83672"/>
               <a:buFont typeface="Gill Sans"/>
               <a:buChar char="•"/>
             </a:pPr>
@@ -31133,7 +31368,7 @@
               <a:buClr>
                 <a:srgbClr val="535353"/>
               </a:buClr>
-              <a:buSzPct val="83111"/>
+              <a:buSzPct val="83672"/>
               <a:buFont typeface="Gill Sans"/>
               <a:buChar char="•"/>
             </a:pPr>
@@ -31164,7 +31399,7 @@
               <a:buClr>
                 <a:srgbClr val="535353"/>
               </a:buClr>
-              <a:buSzPct val="83111"/>
+              <a:buSzPct val="83672"/>
               <a:buFont typeface="Gill Sans"/>
               <a:buChar char="•"/>
             </a:pPr>
@@ -31195,7 +31430,7 @@
               <a:buClr>
                 <a:srgbClr val="535353"/>
               </a:buClr>
-              <a:buSzPct val="83111"/>
+              <a:buSzPct val="83672"/>
               <a:buFont typeface="Gill Sans"/>
               <a:buChar char="•"/>
             </a:pPr>
@@ -31226,7 +31461,7 @@
               <a:buClr>
                 <a:srgbClr val="535353"/>
               </a:buClr>
-              <a:buSzPct val="83111"/>
+              <a:buSzPct val="83672"/>
               <a:buFont typeface="Gill Sans"/>
               <a:buChar char="•"/>
             </a:pPr>
@@ -31257,7 +31492,7 @@
               <a:buClr>
                 <a:srgbClr val="535353"/>
               </a:buClr>
-              <a:buSzPct val="83111"/>
+              <a:buSzPct val="83672"/>
               <a:buFont typeface="Gill Sans"/>
               <a:buChar char="•"/>
             </a:pPr>
@@ -31621,7 +31856,7 @@
           </a:prstGeom>
           <a:solidFill>
             <a:srgbClr val="878F9D">
-              <a:alpha val="49411"/>
+              <a:alpha val="49019"/>
             </a:srgbClr>
           </a:solidFill>
           <a:ln>
@@ -32031,7 +32266,7 @@
           </a:prstGeom>
           <a:solidFill>
             <a:srgbClr val="878F9D">
-              <a:alpha val="49411"/>
+              <a:alpha val="49019"/>
             </a:srgbClr>
           </a:solidFill>
           <a:ln>
@@ -32200,7 +32435,7 @@
         <p:spPr>
           <a:xfrm>
             <a:off x="1270000" y="8191500"/>
-            <a:ext cx="10464800" cy="1130298"/>
+            <a:ext cx="10464800" cy="1130297"/>
           </a:xfrm>
           <a:prstGeom prst="rect">
             <a:avLst/>
@@ -32229,7 +32464,7 @@
               <a:buClr>
                 <a:srgbClr val="535353"/>
               </a:buClr>
-              <a:buSzPct val="101951"/>
+              <a:buSzPct val="102941"/>
               <a:buFont typeface="Gill Sans"/>
               <a:buAutoNum type="arabicPeriod"/>
             </a:pPr>
@@ -32260,7 +32495,7 @@
               <a:buClr>
                 <a:srgbClr val="535353"/>
               </a:buClr>
-              <a:buSzPct val="101951"/>
+              <a:buSzPct val="102941"/>
               <a:buFont typeface="Gill Sans"/>
               <a:buAutoNum type="arabicPeriod"/>
             </a:pPr>
@@ -33496,16 +33731,34 @@
           </a:bodyPr>
           <a:lstStyle/>
           <a:p>
-            <a:pPr lvl="0">
-              <a:spcBef>
-                <a:spcPts val="0"/>
-              </a:spcBef>
+            <a:pPr indent="0" lvl="0" marL="0" marR="0" rtl="0" algn="l">
+              <a:lnSpc>
+                <a:spcPct val="100000"/>
+              </a:lnSpc>
+              <a:spcBef>
+                <a:spcPts val="0"/>
+              </a:spcBef>
+              <a:spcAft>
+                <a:spcPts val="0"/>
+              </a:spcAft>
+              <a:buClr>
+                <a:srgbClr val="000000"/>
+              </a:buClr>
+              <a:buFont typeface="Arial"/>
               <a:buNone/>
             </a:pPr>
             <a:r>
               <a:t/>
             </a:r>
-            <a:endParaRPr/>
+            <a:endParaRPr b="0" i="0" sz="1400" u="none" cap="none" strike="noStrike">
+              <a:solidFill>
+                <a:srgbClr val="000000"/>
+              </a:solidFill>
+              <a:latin typeface="Arial"/>
+              <a:ea typeface="Arial"/>
+              <a:cs typeface="Arial"/>
+              <a:sym typeface="Arial"/>
+            </a:endParaRPr>
           </a:p>
         </p:txBody>
       </p:sp>
@@ -33602,14 +33855,14 @@
         <p:spPr>
           <a:xfrm>
             <a:off x="631016" y="3160100"/>
-            <a:ext cx="11742763" cy="3433394"/>
+            <a:ext cx="11742763" cy="3433393"/>
           </a:xfrm>
           <a:prstGeom prst="rect">
             <a:avLst/>
           </a:prstGeom>
           <a:solidFill>
             <a:srgbClr val="878F9D">
-              <a:alpha val="49411"/>
+              <a:alpha val="49019"/>
             </a:srgbClr>
           </a:solidFill>
           <a:ln>
@@ -33964,7 +34217,7 @@
               <a:buClr>
                 <a:srgbClr val="535353"/>
               </a:buClr>
-              <a:buSzPct val="83111"/>
+              <a:buSzPct val="83672"/>
               <a:buFont typeface="Gill Sans"/>
               <a:buChar char="•"/>
             </a:pPr>
@@ -33995,7 +34248,7 @@
               <a:buClr>
                 <a:srgbClr val="535353"/>
               </a:buClr>
-              <a:buSzPct val="83111"/>
+              <a:buSzPct val="83672"/>
               <a:buFont typeface="Gill Sans"/>
               <a:buChar char="•"/>
             </a:pPr>
@@ -34026,7 +34279,7 @@
               <a:buClr>
                 <a:srgbClr val="535353"/>
               </a:buClr>
-              <a:buSzPct val="83111"/>
+              <a:buSzPct val="83672"/>
               <a:buFont typeface="Gill Sans"/>
               <a:buChar char="•"/>
             </a:pPr>
@@ -34057,7 +34310,7 @@
               <a:buClr>
                 <a:srgbClr val="535353"/>
               </a:buClr>
-              <a:buSzPct val="83111"/>
+              <a:buSzPct val="83672"/>
               <a:buFont typeface="Gill Sans"/>
               <a:buChar char="•"/>
             </a:pPr>
@@ -34088,7 +34341,7 @@
               <a:buClr>
                 <a:srgbClr val="535353"/>
               </a:buClr>
-              <a:buSzPct val="83111"/>
+              <a:buSzPct val="83672"/>
               <a:buFont typeface="Gill Sans"/>
               <a:buChar char="•"/>
             </a:pPr>
@@ -34119,7 +34372,7 @@
               <a:buClr>
                 <a:srgbClr val="535353"/>
               </a:buClr>
-              <a:buSzPct val="83111"/>
+              <a:buSzPct val="83672"/>
               <a:buFont typeface="Gill Sans"/>
               <a:buChar char="•"/>
             </a:pPr>
@@ -34238,7 +34491,7 @@
           </a:prstGeom>
           <a:solidFill>
             <a:srgbClr val="878F9D">
-              <a:alpha val="49411"/>
+              <a:alpha val="49019"/>
             </a:srgbClr>
           </a:solidFill>
           <a:ln>
@@ -34592,7 +34845,7 @@
               <a:buClr>
                 <a:srgbClr val="535353"/>
               </a:buClr>
-              <a:buSzPct val="82852"/>
+              <a:buSzPct val="83281"/>
               <a:buFont typeface="Gill Sans"/>
               <a:buChar char="•"/>
             </a:pPr>
@@ -34623,7 +34876,7 @@
               <a:buClr>
                 <a:srgbClr val="535353"/>
               </a:buClr>
-              <a:buSzPct val="82852"/>
+              <a:buSzPct val="83281"/>
               <a:buFont typeface="Gill Sans"/>
               <a:buChar char="•"/>
             </a:pPr>
@@ -34654,7 +34907,7 @@
               <a:buClr>
                 <a:srgbClr val="535353"/>
               </a:buClr>
-              <a:buSzPct val="82852"/>
+              <a:buSzPct val="83281"/>
               <a:buFont typeface="Gill Sans"/>
               <a:buChar char="•"/>
             </a:pPr>
@@ -34685,7 +34938,7 @@
               <a:buClr>
                 <a:srgbClr val="535353"/>
               </a:buClr>
-              <a:buSzPct val="82852"/>
+              <a:buSzPct val="83281"/>
               <a:buFont typeface="Gill Sans"/>
               <a:buChar char="•"/>
             </a:pPr>
@@ -34716,7 +34969,7 @@
               <a:buClr>
                 <a:srgbClr val="535353"/>
               </a:buClr>
-              <a:buSzPct val="82852"/>
+              <a:buSzPct val="83281"/>
               <a:buFont typeface="Gill Sans"/>
               <a:buChar char="•"/>
             </a:pPr>
@@ -34747,7 +35000,7 @@
               <a:buClr>
                 <a:srgbClr val="535353"/>
               </a:buClr>
-              <a:buSzPct val="82852"/>
+              <a:buSzPct val="83281"/>
               <a:buFont typeface="Gill Sans"/>
               <a:buChar char="•"/>
             </a:pPr>
@@ -34778,7 +35031,7 @@
               <a:buClr>
                 <a:srgbClr val="535353"/>
               </a:buClr>
-              <a:buSzPct val="82852"/>
+              <a:buSzPct val="83281"/>
               <a:buFont typeface="Gill Sans"/>
               <a:buChar char="•"/>
             </a:pPr>
@@ -34809,7 +35062,7 @@
               <a:buClr>
                 <a:srgbClr val="535353"/>
               </a:buClr>
-              <a:buSzPct val="82852"/>
+              <a:buSzPct val="83281"/>
               <a:buFont typeface="Gill Sans"/>
               <a:buChar char="•"/>
             </a:pPr>
@@ -35036,7 +35289,7 @@
         <p:spPr>
           <a:xfrm>
             <a:off x="1270000" y="8191500"/>
-            <a:ext cx="10464800" cy="1130298"/>
+            <a:ext cx="10464800" cy="1130297"/>
           </a:xfrm>
           <a:prstGeom prst="rect">
             <a:avLst/>
@@ -35065,7 +35318,7 @@
               <a:buClr>
                 <a:srgbClr val="535353"/>
               </a:buClr>
-              <a:buSzPct val="101951"/>
+              <a:buSzPct val="102941"/>
               <a:buFont typeface="Gill Sans"/>
               <a:buAutoNum type="arabicPeriod"/>
             </a:pPr>
@@ -35096,7 +35349,7 @@
               <a:buClr>
                 <a:srgbClr val="535353"/>
               </a:buClr>
-              <a:buSzPct val="101951"/>
+              <a:buSzPct val="102941"/>
               <a:buFont typeface="Gill Sans"/>
               <a:buAutoNum type="arabicPeriod"/>
             </a:pPr>
@@ -35207,7 +35460,7 @@
         </p:nvSpPr>
         <p:spPr>
           <a:xfrm>
-            <a:off x="944362" y="2485502"/>
+            <a:off x="944362" y="2485501"/>
             <a:ext cx="11116074" cy="4782592"/>
           </a:xfrm>
           <a:prstGeom prst="rect">
@@ -35215,7 +35468,7 @@
           </a:prstGeom>
           <a:solidFill>
             <a:srgbClr val="878F9D">
-              <a:alpha val="49411"/>
+              <a:alpha val="49019"/>
             </a:srgbClr>
           </a:solidFill>
           <a:ln>
@@ -36123,7 +36376,7 @@
         </p:nvSpPr>
         <p:spPr>
           <a:xfrm>
-            <a:off x="255761" y="2474501"/>
+            <a:off x="255761" y="2474500"/>
             <a:ext cx="12721877" cy="2681883"/>
           </a:xfrm>
           <a:prstGeom prst="rect">
@@ -36326,7 +36579,7 @@
             </a:prstGeom>
             <a:solidFill>
               <a:srgbClr val="878F9D">
-                <a:alpha val="49411"/>
+                <a:alpha val="49019"/>
               </a:srgbClr>
             </a:solidFill>
             <a:ln>
@@ -36536,7 +36789,7 @@
             </a:prstGeom>
             <a:solidFill>
               <a:srgbClr val="1A3556">
-                <a:alpha val="34901"/>
+                <a:alpha val="34509"/>
               </a:srgbClr>
             </a:solidFill>
             <a:ln>
@@ -36729,7 +36982,7 @@
               </a:r>
             </a:p>
             <a:p>
-              <a:pPr indent="-234160" lvl="1" marL="1034260" marR="0" rtl="0" algn="l">
+              <a:pPr indent="-234159" lvl="1" marL="1034260" marR="0" rtl="0" algn="l">
                 <a:lnSpc>
                   <a:spcPct val="100000"/>
                 </a:lnSpc>
@@ -36742,7 +36995,7 @@
                 <a:buClr>
                   <a:srgbClr val="535353"/>
                 </a:buClr>
-                <a:buSzPct val="101188"/>
+                <a:buSzPct val="101787"/>
                 <a:buFont typeface="Gill Sans"/>
                 <a:buChar char="•"/>
               </a:pPr>
